--- a/Documents/3XA3_Presentation_2.pptx
+++ b/Documents/3XA3_Presentation_2.pptx
@@ -177,7 +177,7 @@
           <p:cNvPr id="2" name="Header Placeholder 1">
             <a:extLst>
               <a:ext uri="{FF2B5EF4-FFF2-40B4-BE49-F238E27FC236}">
-                <a16:creationId xmlns:a16="http://schemas.microsoft.com/office/drawing/2014/main" xmlns="" id="{5E4FC509-A25D-4AC1-956B-244FAC61AF2F}"/>
+                <a16:creationId xmlns:a16="http://schemas.microsoft.com/office/drawing/2014/main" id="{5E4FC509-A25D-4AC1-956B-244FAC61AF2F}"/>
               </a:ext>
             </a:extLst>
           </p:cNvPr>
@@ -214,7 +214,7 @@
           <p:cNvPr id="3" name="Date Placeholder 2">
             <a:extLst>
               <a:ext uri="{FF2B5EF4-FFF2-40B4-BE49-F238E27FC236}">
-                <a16:creationId xmlns:a16="http://schemas.microsoft.com/office/drawing/2014/main" xmlns="" id="{F1EDCBDF-04F2-4646-A118-9A2CBABEDF9E}"/>
+                <a16:creationId xmlns:a16="http://schemas.microsoft.com/office/drawing/2014/main" id="{F1EDCBDF-04F2-4646-A118-9A2CBABEDF9E}"/>
               </a:ext>
             </a:extLst>
           </p:cNvPr>
@@ -244,7 +244,7 @@
           <a:p>
             <a:fld id="{CDA3C146-E2BA-41EA-8AE9-0C67692768F2}" type="datetimeFigureOut">
               <a:rPr lang="ru-RU" smtClean="0"/>
-              <a:t>26.11.2018</a:t>
+              <a:t>27.11.2018</a:t>
             </a:fld>
             <a:endParaRPr lang="ru-RU" dirty="0"/>
           </a:p>
@@ -255,7 +255,7 @@
           <p:cNvPr id="4" name="Footer Placeholder 3">
             <a:extLst>
               <a:ext uri="{FF2B5EF4-FFF2-40B4-BE49-F238E27FC236}">
-                <a16:creationId xmlns:a16="http://schemas.microsoft.com/office/drawing/2014/main" xmlns="" id="{95BD4EF4-9023-4CAF-937E-F78CF009DBDD}"/>
+                <a16:creationId xmlns:a16="http://schemas.microsoft.com/office/drawing/2014/main" id="{95BD4EF4-9023-4CAF-937E-F78CF009DBDD}"/>
               </a:ext>
             </a:extLst>
           </p:cNvPr>
@@ -292,7 +292,7 @@
           <p:cNvPr id="5" name="Slide Number Placeholder 4">
             <a:extLst>
               <a:ext uri="{FF2B5EF4-FFF2-40B4-BE49-F238E27FC236}">
-                <a16:creationId xmlns:a16="http://schemas.microsoft.com/office/drawing/2014/main" xmlns="" id="{C0300887-CA61-4CEF-BD28-E51D6F957D72}"/>
+                <a16:creationId xmlns:a16="http://schemas.microsoft.com/office/drawing/2014/main" id="{C0300887-CA61-4CEF-BD28-E51D6F957D72}"/>
               </a:ext>
             </a:extLst>
           </p:cNvPr>
@@ -421,7 +421,7 @@
           <a:p>
             <a:fld id="{1F7D3EB6-8099-4744-9273-C8C1DD61A2EA}" type="datetimeFigureOut">
               <a:rPr lang="ru-RU" smtClean="0"/>
-              <a:t>26.11.2018</a:t>
+              <a:t>27.11.2018</a:t>
             </a:fld>
             <a:endParaRPr lang="ru-RU" dirty="0"/>
           </a:p>
@@ -711,7 +711,7 @@
           <p:cNvPr id="8" name="Rectangle 7">
             <a:extLst>
               <a:ext uri="{FF2B5EF4-FFF2-40B4-BE49-F238E27FC236}">
-                <a16:creationId xmlns:a16="http://schemas.microsoft.com/office/drawing/2014/main" xmlns="" id="{278196A9-689D-4410-BFC0-7ACB19755A0C}"/>
+                <a16:creationId xmlns:a16="http://schemas.microsoft.com/office/drawing/2014/main" id="{278196A9-689D-4410-BFC0-7ACB19755A0C}"/>
               </a:ext>
             </a:extLst>
           </p:cNvPr>
@@ -772,7 +772,7 @@
           <p:cNvPr id="2" name="Title 1">
             <a:extLst>
               <a:ext uri="{FF2B5EF4-FFF2-40B4-BE49-F238E27FC236}">
-                <a16:creationId xmlns:a16="http://schemas.microsoft.com/office/drawing/2014/main" xmlns="" id="{129BFEAD-57CF-438A-8084-C5AC7F47E544}"/>
+                <a16:creationId xmlns:a16="http://schemas.microsoft.com/office/drawing/2014/main" id="{129BFEAD-57CF-438A-8084-C5AC7F47E544}"/>
               </a:ext>
             </a:extLst>
           </p:cNvPr>
@@ -810,7 +810,7 @@
           <p:cNvPr id="4" name="Date Placeholder 3">
             <a:extLst>
               <a:ext uri="{FF2B5EF4-FFF2-40B4-BE49-F238E27FC236}">
-                <a16:creationId xmlns:a16="http://schemas.microsoft.com/office/drawing/2014/main" xmlns="" id="{7E17A3CB-B083-4E49-9123-A5E47559DCDB}"/>
+                <a16:creationId xmlns:a16="http://schemas.microsoft.com/office/drawing/2014/main" id="{7E17A3CB-B083-4E49-9123-A5E47559DCDB}"/>
               </a:ext>
             </a:extLst>
           </p:cNvPr>
@@ -839,7 +839,7 @@
           <p:cNvPr id="5" name="Footer Placeholder 4">
             <a:extLst>
               <a:ext uri="{FF2B5EF4-FFF2-40B4-BE49-F238E27FC236}">
-                <a16:creationId xmlns:a16="http://schemas.microsoft.com/office/drawing/2014/main" xmlns="" id="{A8C4102C-4609-416C-A808-0FFE0051DAA1}"/>
+                <a16:creationId xmlns:a16="http://schemas.microsoft.com/office/drawing/2014/main" id="{A8C4102C-4609-416C-A808-0FFE0051DAA1}"/>
               </a:ext>
             </a:extLst>
           </p:cNvPr>
@@ -868,7 +868,7 @@
           <p:cNvPr id="6" name="Slide Number Placeholder 5">
             <a:extLst>
               <a:ext uri="{FF2B5EF4-FFF2-40B4-BE49-F238E27FC236}">
-                <a16:creationId xmlns:a16="http://schemas.microsoft.com/office/drawing/2014/main" xmlns="" id="{2D7BCC5D-6F2C-472F-BD4C-4096793DFC24}"/>
+                <a16:creationId xmlns:a16="http://schemas.microsoft.com/office/drawing/2014/main" id="{2D7BCC5D-6F2C-472F-BD4C-4096793DFC24}"/>
               </a:ext>
             </a:extLst>
           </p:cNvPr>
@@ -897,7 +897,7 @@
           <p:cNvPr id="7" name="Rectangle 6">
             <a:extLst>
               <a:ext uri="{FF2B5EF4-FFF2-40B4-BE49-F238E27FC236}">
-                <a16:creationId xmlns:a16="http://schemas.microsoft.com/office/drawing/2014/main" xmlns="" id="{7BE854BB-FA44-4CAB-85DF-F5C412560348}"/>
+                <a16:creationId xmlns:a16="http://schemas.microsoft.com/office/drawing/2014/main" id="{7BE854BB-FA44-4CAB-85DF-F5C412560348}"/>
               </a:ext>
             </a:extLst>
           </p:cNvPr>
@@ -964,7 +964,7 @@
           <p:cNvPr id="3" name="Subtitle 2">
             <a:extLst>
               <a:ext uri="{FF2B5EF4-FFF2-40B4-BE49-F238E27FC236}">
-                <a16:creationId xmlns:a16="http://schemas.microsoft.com/office/drawing/2014/main" xmlns="" id="{389BFFF1-5465-4317-B9DB-C23A5B1D76EF}"/>
+                <a16:creationId xmlns:a16="http://schemas.microsoft.com/office/drawing/2014/main" id="{389BFFF1-5465-4317-B9DB-C23A5B1D76EF}"/>
               </a:ext>
             </a:extLst>
           </p:cNvPr>
@@ -1046,7 +1046,7 @@
           <p:cNvPr id="10" name="Picture Placeholder 9">
             <a:extLst>
               <a:ext uri="{FF2B5EF4-FFF2-40B4-BE49-F238E27FC236}">
-                <a16:creationId xmlns:a16="http://schemas.microsoft.com/office/drawing/2014/main" xmlns="" id="{EA313B4B-5B98-4B33-885A-DF7669E72D7A}"/>
+                <a16:creationId xmlns:a16="http://schemas.microsoft.com/office/drawing/2014/main" id="{EA313B4B-5B98-4B33-885A-DF7669E72D7A}"/>
               </a:ext>
             </a:extLst>
           </p:cNvPr>
@@ -1087,7 +1087,7 @@
           <p:cNvPr id="15" name="Group 14">
             <a:extLst>
               <a:ext uri="{FF2B5EF4-FFF2-40B4-BE49-F238E27FC236}">
-                <a16:creationId xmlns:a16="http://schemas.microsoft.com/office/drawing/2014/main" xmlns="" id="{676B4374-8F24-43DE-860D-E5C6EA850AB4}"/>
+                <a16:creationId xmlns:a16="http://schemas.microsoft.com/office/drawing/2014/main" id="{676B4374-8F24-43DE-860D-E5C6EA850AB4}"/>
               </a:ext>
             </a:extLst>
           </p:cNvPr>
@@ -1107,7 +1107,7 @@
             <p:cNvPr id="11" name="Oval 10">
               <a:extLst>
                 <a:ext uri="{FF2B5EF4-FFF2-40B4-BE49-F238E27FC236}">
-                  <a16:creationId xmlns:a16="http://schemas.microsoft.com/office/drawing/2014/main" xmlns="" id="{585C7755-9394-4129-AB48-1AC32DA80C75}"/>
+                  <a16:creationId xmlns:a16="http://schemas.microsoft.com/office/drawing/2014/main" id="{585C7755-9394-4129-AB48-1AC32DA80C75}"/>
                 </a:ext>
               </a:extLst>
             </p:cNvPr>
@@ -1162,7 +1162,7 @@
             <p:cNvPr id="13" name="Straight Connector 12">
               <a:extLst>
                 <a:ext uri="{FF2B5EF4-FFF2-40B4-BE49-F238E27FC236}">
-                  <a16:creationId xmlns:a16="http://schemas.microsoft.com/office/drawing/2014/main" xmlns="" id="{64C71ABE-575A-48CF-82B1-EDE8535F3993}"/>
+                  <a16:creationId xmlns:a16="http://schemas.microsoft.com/office/drawing/2014/main" id="{64C71ABE-575A-48CF-82B1-EDE8535F3993}"/>
                 </a:ext>
               </a:extLst>
             </p:cNvPr>
@@ -1206,7 +1206,7 @@
             <p:cNvPr id="14" name="Oval 13">
               <a:extLst>
                 <a:ext uri="{FF2B5EF4-FFF2-40B4-BE49-F238E27FC236}">
-                  <a16:creationId xmlns:a16="http://schemas.microsoft.com/office/drawing/2014/main" xmlns="" id="{E3C1EA63-78B2-4715-B4DC-63D98AC7F354}"/>
+                  <a16:creationId xmlns:a16="http://schemas.microsoft.com/office/drawing/2014/main" id="{E3C1EA63-78B2-4715-B4DC-63D98AC7F354}"/>
                 </a:ext>
               </a:extLst>
             </p:cNvPr>
@@ -1262,7 +1262,7 @@
           <p:cNvPr id="16" name="Group 15">
             <a:extLst>
               <a:ext uri="{FF2B5EF4-FFF2-40B4-BE49-F238E27FC236}">
-                <a16:creationId xmlns:a16="http://schemas.microsoft.com/office/drawing/2014/main" xmlns="" id="{E9BB74A1-0BEA-4AD8-8138-0641A45D8B40}"/>
+                <a16:creationId xmlns:a16="http://schemas.microsoft.com/office/drawing/2014/main" id="{E9BB74A1-0BEA-4AD8-8138-0641A45D8B40}"/>
               </a:ext>
             </a:extLst>
           </p:cNvPr>
@@ -1282,7 +1282,7 @@
             <p:cNvPr id="17" name="Oval 16">
               <a:extLst>
                 <a:ext uri="{FF2B5EF4-FFF2-40B4-BE49-F238E27FC236}">
-                  <a16:creationId xmlns:a16="http://schemas.microsoft.com/office/drawing/2014/main" xmlns="" id="{73D0026E-5270-4C52-A1AF-5631E8192DCD}"/>
+                  <a16:creationId xmlns:a16="http://schemas.microsoft.com/office/drawing/2014/main" id="{73D0026E-5270-4C52-A1AF-5631E8192DCD}"/>
                 </a:ext>
               </a:extLst>
             </p:cNvPr>
@@ -1337,7 +1337,7 @@
             <p:cNvPr id="18" name="Straight Connector 17">
               <a:extLst>
                 <a:ext uri="{FF2B5EF4-FFF2-40B4-BE49-F238E27FC236}">
-                  <a16:creationId xmlns:a16="http://schemas.microsoft.com/office/drawing/2014/main" xmlns="" id="{A6085D92-5F70-4097-A2FF-C15B13788D08}"/>
+                  <a16:creationId xmlns:a16="http://schemas.microsoft.com/office/drawing/2014/main" id="{A6085D92-5F70-4097-A2FF-C15B13788D08}"/>
                 </a:ext>
               </a:extLst>
             </p:cNvPr>
@@ -1381,7 +1381,7 @@
             <p:cNvPr id="19" name="Oval 18">
               <a:extLst>
                 <a:ext uri="{FF2B5EF4-FFF2-40B4-BE49-F238E27FC236}">
-                  <a16:creationId xmlns:a16="http://schemas.microsoft.com/office/drawing/2014/main" xmlns="" id="{BE68EB6C-48D0-4EBF-8541-926D16790F52}"/>
+                  <a16:creationId xmlns:a16="http://schemas.microsoft.com/office/drawing/2014/main" id="{BE68EB6C-48D0-4EBF-8541-926D16790F52}"/>
                 </a:ext>
               </a:extLst>
             </p:cNvPr>
@@ -1467,7 +1467,7 @@
           <p:cNvPr id="15" name="Rectangle 14">
             <a:extLst>
               <a:ext uri="{FF2B5EF4-FFF2-40B4-BE49-F238E27FC236}">
-                <a16:creationId xmlns:a16="http://schemas.microsoft.com/office/drawing/2014/main" xmlns="" id="{E8E3FDB8-6D5C-48FE-99EA-7EC60F4D8191}"/>
+                <a16:creationId xmlns:a16="http://schemas.microsoft.com/office/drawing/2014/main" id="{E8E3FDB8-6D5C-48FE-99EA-7EC60F4D8191}"/>
               </a:ext>
             </a:extLst>
           </p:cNvPr>
@@ -1534,7 +1534,7 @@
           <p:cNvPr id="5" name="Date Placeholder 4">
             <a:extLst>
               <a:ext uri="{FF2B5EF4-FFF2-40B4-BE49-F238E27FC236}">
-                <a16:creationId xmlns:a16="http://schemas.microsoft.com/office/drawing/2014/main" xmlns="" id="{2D9775F3-A041-479A-8038-652B7D9C72E9}"/>
+                <a16:creationId xmlns:a16="http://schemas.microsoft.com/office/drawing/2014/main" id="{2D9775F3-A041-479A-8038-652B7D9C72E9}"/>
               </a:ext>
             </a:extLst>
           </p:cNvPr>
@@ -1563,7 +1563,7 @@
           <p:cNvPr id="6" name="Footer Placeholder 5">
             <a:extLst>
               <a:ext uri="{FF2B5EF4-FFF2-40B4-BE49-F238E27FC236}">
-                <a16:creationId xmlns:a16="http://schemas.microsoft.com/office/drawing/2014/main" xmlns="" id="{29BEDD04-BE4E-4B91-B13E-0C4FB3E1658F}"/>
+                <a16:creationId xmlns:a16="http://schemas.microsoft.com/office/drawing/2014/main" id="{29BEDD04-BE4E-4B91-B13E-0C4FB3E1658F}"/>
               </a:ext>
             </a:extLst>
           </p:cNvPr>
@@ -1592,7 +1592,7 @@
           <p:cNvPr id="7" name="Slide Number Placeholder 6">
             <a:extLst>
               <a:ext uri="{FF2B5EF4-FFF2-40B4-BE49-F238E27FC236}">
-                <a16:creationId xmlns:a16="http://schemas.microsoft.com/office/drawing/2014/main" xmlns="" id="{306DF5D8-12DC-494E-B0F1-2E9C86A14544}"/>
+                <a16:creationId xmlns:a16="http://schemas.microsoft.com/office/drawing/2014/main" id="{306DF5D8-12DC-494E-B0F1-2E9C86A14544}"/>
               </a:ext>
             </a:extLst>
           </p:cNvPr>
@@ -1621,7 +1621,7 @@
           <p:cNvPr id="8" name="Title 1">
             <a:extLst>
               <a:ext uri="{FF2B5EF4-FFF2-40B4-BE49-F238E27FC236}">
-                <a16:creationId xmlns:a16="http://schemas.microsoft.com/office/drawing/2014/main" xmlns="" id="{ABF87C9E-53A2-4DE1-89DC-3907BE2E3D3C}"/>
+                <a16:creationId xmlns:a16="http://schemas.microsoft.com/office/drawing/2014/main" id="{ABF87C9E-53A2-4DE1-89DC-3907BE2E3D3C}"/>
               </a:ext>
             </a:extLst>
           </p:cNvPr>
@@ -1661,7 +1661,7 @@
           <p:cNvPr id="9" name="Text Placeholder 2">
             <a:extLst>
               <a:ext uri="{FF2B5EF4-FFF2-40B4-BE49-F238E27FC236}">
-                <a16:creationId xmlns:a16="http://schemas.microsoft.com/office/drawing/2014/main" xmlns="" id="{EB453F8F-AA02-4E0D-93BF-8CF4F1490377}"/>
+                <a16:creationId xmlns:a16="http://schemas.microsoft.com/office/drawing/2014/main" id="{EB453F8F-AA02-4E0D-93BF-8CF4F1490377}"/>
               </a:ext>
             </a:extLst>
           </p:cNvPr>
@@ -1791,7 +1791,7 @@
           <p:cNvPr id="10" name="Picture Placeholder 10">
             <a:extLst>
               <a:ext uri="{FF2B5EF4-FFF2-40B4-BE49-F238E27FC236}">
-                <a16:creationId xmlns:a16="http://schemas.microsoft.com/office/drawing/2014/main" xmlns="" id="{A541F291-2E4B-474E-9ED0-55C97A2A066D}"/>
+                <a16:creationId xmlns:a16="http://schemas.microsoft.com/office/drawing/2014/main" id="{A541F291-2E4B-474E-9ED0-55C97A2A066D}"/>
               </a:ext>
             </a:extLst>
           </p:cNvPr>
@@ -1832,7 +1832,7 @@
           <p:cNvPr id="11" name="Group 10">
             <a:extLst>
               <a:ext uri="{FF2B5EF4-FFF2-40B4-BE49-F238E27FC236}">
-                <a16:creationId xmlns:a16="http://schemas.microsoft.com/office/drawing/2014/main" xmlns="" id="{59E4D57E-4989-4939-A31F-637543FAB606}"/>
+                <a16:creationId xmlns:a16="http://schemas.microsoft.com/office/drawing/2014/main" id="{59E4D57E-4989-4939-A31F-637543FAB606}"/>
               </a:ext>
             </a:extLst>
           </p:cNvPr>
@@ -1852,7 +1852,7 @@
             <p:cNvPr id="12" name="Straight Connector 11">
               <a:extLst>
                 <a:ext uri="{FF2B5EF4-FFF2-40B4-BE49-F238E27FC236}">
-                  <a16:creationId xmlns:a16="http://schemas.microsoft.com/office/drawing/2014/main" xmlns="" id="{370B72A7-B625-48B8-88E6-BCE2A4DD531E}"/>
+                  <a16:creationId xmlns:a16="http://schemas.microsoft.com/office/drawing/2014/main" id="{370B72A7-B625-48B8-88E6-BCE2A4DD531E}"/>
                 </a:ext>
               </a:extLst>
             </p:cNvPr>
@@ -1899,7 +1899,7 @@
             <p:cNvPr id="13" name="Oval 12">
               <a:extLst>
                 <a:ext uri="{FF2B5EF4-FFF2-40B4-BE49-F238E27FC236}">
-                  <a16:creationId xmlns:a16="http://schemas.microsoft.com/office/drawing/2014/main" xmlns="" id="{01ED729F-F8A5-4244-9776-4935C260F11F}"/>
+                  <a16:creationId xmlns:a16="http://schemas.microsoft.com/office/drawing/2014/main" id="{01ED729F-F8A5-4244-9776-4935C260F11F}"/>
                 </a:ext>
               </a:extLst>
             </p:cNvPr>
@@ -1960,7 +1960,7 @@
           <p:cNvPr id="17" name="Straight Connector 16">
             <a:extLst>
               <a:ext uri="{FF2B5EF4-FFF2-40B4-BE49-F238E27FC236}">
-                <a16:creationId xmlns:a16="http://schemas.microsoft.com/office/drawing/2014/main" xmlns="" id="{6150998C-CF95-4C6F-8962-8EB2DB30177D}"/>
+                <a16:creationId xmlns:a16="http://schemas.microsoft.com/office/drawing/2014/main" id="{6150998C-CF95-4C6F-8962-8EB2DB30177D}"/>
               </a:ext>
             </a:extLst>
           </p:cNvPr>
@@ -2004,7 +2004,7 @@
           <p:cNvPr id="18" name="Oval 17">
             <a:extLst>
               <a:ext uri="{FF2B5EF4-FFF2-40B4-BE49-F238E27FC236}">
-                <a16:creationId xmlns:a16="http://schemas.microsoft.com/office/drawing/2014/main" xmlns="" id="{F86A2ACD-8CF5-48A3-A678-E213A809B332}"/>
+                <a16:creationId xmlns:a16="http://schemas.microsoft.com/office/drawing/2014/main" id="{F86A2ACD-8CF5-48A3-A678-E213A809B332}"/>
               </a:ext>
             </a:extLst>
           </p:cNvPr>
@@ -2059,7 +2059,7 @@
           <p:cNvPr id="19" name="Straight Connector 18">
             <a:extLst>
               <a:ext uri="{FF2B5EF4-FFF2-40B4-BE49-F238E27FC236}">
-                <a16:creationId xmlns:a16="http://schemas.microsoft.com/office/drawing/2014/main" xmlns="" id="{F00811BB-0E37-4D70-84A5-97B3FBEDCBE6}"/>
+                <a16:creationId xmlns:a16="http://schemas.microsoft.com/office/drawing/2014/main" id="{F00811BB-0E37-4D70-84A5-97B3FBEDCBE6}"/>
               </a:ext>
             </a:extLst>
           </p:cNvPr>
@@ -2105,7 +2105,7 @@
           <p:cNvPr id="20" name="Oval 19">
             <a:extLst>
               <a:ext uri="{FF2B5EF4-FFF2-40B4-BE49-F238E27FC236}">
-                <a16:creationId xmlns:a16="http://schemas.microsoft.com/office/drawing/2014/main" xmlns="" id="{D03B3046-0457-4D23-8E0C-64E3FCD620BB}"/>
+                <a16:creationId xmlns:a16="http://schemas.microsoft.com/office/drawing/2014/main" id="{D03B3046-0457-4D23-8E0C-64E3FCD620BB}"/>
               </a:ext>
             </a:extLst>
           </p:cNvPr>
@@ -2160,7 +2160,7 @@
           <p:cNvPr id="16" name="Text Placeholder 15">
             <a:extLst>
               <a:ext uri="{FF2B5EF4-FFF2-40B4-BE49-F238E27FC236}">
-                <a16:creationId xmlns:a16="http://schemas.microsoft.com/office/drawing/2014/main" xmlns="" id="{D0092E26-7A96-4712-98A7-FFDA7C3D7721}"/>
+                <a16:creationId xmlns:a16="http://schemas.microsoft.com/office/drawing/2014/main" id="{D0092E26-7A96-4712-98A7-FFDA7C3D7721}"/>
               </a:ext>
             </a:extLst>
           </p:cNvPr>
@@ -2216,7 +2216,7 @@
           <p:cNvPr id="34" name="Text Placeholder 2">
             <a:extLst>
               <a:ext uri="{FF2B5EF4-FFF2-40B4-BE49-F238E27FC236}">
-                <a16:creationId xmlns:a16="http://schemas.microsoft.com/office/drawing/2014/main" xmlns="" id="{B17B484C-F876-40B2-89DE-FC7A9E54C835}"/>
+                <a16:creationId xmlns:a16="http://schemas.microsoft.com/office/drawing/2014/main" id="{B17B484C-F876-40B2-89DE-FC7A9E54C835}"/>
               </a:ext>
             </a:extLst>
           </p:cNvPr>
@@ -2351,7 +2351,7 @@
           <p:cNvPr id="36" name="Text Placeholder 2">
             <a:extLst>
               <a:ext uri="{FF2B5EF4-FFF2-40B4-BE49-F238E27FC236}">
-                <a16:creationId xmlns:a16="http://schemas.microsoft.com/office/drawing/2014/main" xmlns="" id="{99E02476-A734-4A74-BC42-F104B37C8C19}"/>
+                <a16:creationId xmlns:a16="http://schemas.microsoft.com/office/drawing/2014/main" id="{99E02476-A734-4A74-BC42-F104B37C8C19}"/>
               </a:ext>
             </a:extLst>
           </p:cNvPr>
@@ -2484,7 +2484,7 @@
           <p:cNvPr id="26" name="Text Placeholder 15">
             <a:extLst>
               <a:ext uri="{FF2B5EF4-FFF2-40B4-BE49-F238E27FC236}">
-                <a16:creationId xmlns:a16="http://schemas.microsoft.com/office/drawing/2014/main" xmlns="" id="{EA5D8D7D-F37C-49AD-98F0-641CE42B8A83}"/>
+                <a16:creationId xmlns:a16="http://schemas.microsoft.com/office/drawing/2014/main" id="{EA5D8D7D-F37C-49AD-98F0-641CE42B8A83}"/>
               </a:ext>
             </a:extLst>
           </p:cNvPr>
@@ -2540,7 +2540,7 @@
           <p:cNvPr id="27" name="Text Placeholder 2">
             <a:extLst>
               <a:ext uri="{FF2B5EF4-FFF2-40B4-BE49-F238E27FC236}">
-                <a16:creationId xmlns:a16="http://schemas.microsoft.com/office/drawing/2014/main" xmlns="" id="{521FF93D-8384-4E22-8645-BDE6AB983488}"/>
+                <a16:creationId xmlns:a16="http://schemas.microsoft.com/office/drawing/2014/main" id="{521FF93D-8384-4E22-8645-BDE6AB983488}"/>
               </a:ext>
             </a:extLst>
           </p:cNvPr>
@@ -2675,7 +2675,7 @@
           <p:cNvPr id="28" name="Text Placeholder 2">
             <a:extLst>
               <a:ext uri="{FF2B5EF4-FFF2-40B4-BE49-F238E27FC236}">
-                <a16:creationId xmlns:a16="http://schemas.microsoft.com/office/drawing/2014/main" xmlns="" id="{BA358F36-EA77-462E-9158-AFDF1D449A1A}"/>
+                <a16:creationId xmlns:a16="http://schemas.microsoft.com/office/drawing/2014/main" id="{BA358F36-EA77-462E-9158-AFDF1D449A1A}"/>
               </a:ext>
             </a:extLst>
           </p:cNvPr>
@@ -2838,7 +2838,7 @@
           <p:cNvPr id="7" name="Rectangle 6">
             <a:extLst>
               <a:ext uri="{FF2B5EF4-FFF2-40B4-BE49-F238E27FC236}">
-                <a16:creationId xmlns:a16="http://schemas.microsoft.com/office/drawing/2014/main" xmlns="" id="{09F1B35C-893A-4033-ADC0-2192AFA29271}"/>
+                <a16:creationId xmlns:a16="http://schemas.microsoft.com/office/drawing/2014/main" id="{09F1B35C-893A-4033-ADC0-2192AFA29271}"/>
               </a:ext>
             </a:extLst>
           </p:cNvPr>
@@ -2905,7 +2905,7 @@
           <p:cNvPr id="2" name="Title 1">
             <a:extLst>
               <a:ext uri="{FF2B5EF4-FFF2-40B4-BE49-F238E27FC236}">
-                <a16:creationId xmlns:a16="http://schemas.microsoft.com/office/drawing/2014/main" xmlns="" id="{CD637DF8-B064-4F36-89F8-EBF538A2E7F2}"/>
+                <a16:creationId xmlns:a16="http://schemas.microsoft.com/office/drawing/2014/main" id="{CD637DF8-B064-4F36-89F8-EBF538A2E7F2}"/>
               </a:ext>
             </a:extLst>
           </p:cNvPr>
@@ -2945,7 +2945,7 @@
           <p:cNvPr id="3" name="Text Placeholder 2">
             <a:extLst>
               <a:ext uri="{FF2B5EF4-FFF2-40B4-BE49-F238E27FC236}">
-                <a16:creationId xmlns:a16="http://schemas.microsoft.com/office/drawing/2014/main" xmlns="" id="{8A72532A-5006-46B7-AE99-3A6891CD0254}"/>
+                <a16:creationId xmlns:a16="http://schemas.microsoft.com/office/drawing/2014/main" id="{8A72532A-5006-46B7-AE99-3A6891CD0254}"/>
               </a:ext>
             </a:extLst>
           </p:cNvPr>
@@ -3075,7 +3075,7 @@
           <p:cNvPr id="4" name="Date Placeholder 3">
             <a:extLst>
               <a:ext uri="{FF2B5EF4-FFF2-40B4-BE49-F238E27FC236}">
-                <a16:creationId xmlns:a16="http://schemas.microsoft.com/office/drawing/2014/main" xmlns="" id="{49EFC6D7-3241-401C-A16A-4A7CC2653954}"/>
+                <a16:creationId xmlns:a16="http://schemas.microsoft.com/office/drawing/2014/main" id="{49EFC6D7-3241-401C-A16A-4A7CC2653954}"/>
               </a:ext>
             </a:extLst>
           </p:cNvPr>
@@ -3104,7 +3104,7 @@
           <p:cNvPr id="5" name="Footer Placeholder 4">
             <a:extLst>
               <a:ext uri="{FF2B5EF4-FFF2-40B4-BE49-F238E27FC236}">
-                <a16:creationId xmlns:a16="http://schemas.microsoft.com/office/drawing/2014/main" xmlns="" id="{F345D6DC-ABA5-4D00-9CD3-92FFDD1FA2DC}"/>
+                <a16:creationId xmlns:a16="http://schemas.microsoft.com/office/drawing/2014/main" id="{F345D6DC-ABA5-4D00-9CD3-92FFDD1FA2DC}"/>
               </a:ext>
             </a:extLst>
           </p:cNvPr>
@@ -3133,7 +3133,7 @@
           <p:cNvPr id="6" name="Slide Number Placeholder 5">
             <a:extLst>
               <a:ext uri="{FF2B5EF4-FFF2-40B4-BE49-F238E27FC236}">
-                <a16:creationId xmlns:a16="http://schemas.microsoft.com/office/drawing/2014/main" xmlns="" id="{92459C86-0106-40E0-AA18-795EC5787677}"/>
+                <a16:creationId xmlns:a16="http://schemas.microsoft.com/office/drawing/2014/main" id="{92459C86-0106-40E0-AA18-795EC5787677}"/>
               </a:ext>
             </a:extLst>
           </p:cNvPr>
@@ -3162,7 +3162,7 @@
           <p:cNvPr id="11" name="Picture Placeholder 10">
             <a:extLst>
               <a:ext uri="{FF2B5EF4-FFF2-40B4-BE49-F238E27FC236}">
-                <a16:creationId xmlns:a16="http://schemas.microsoft.com/office/drawing/2014/main" xmlns="" id="{6D14F7B3-A6CF-491C-9855-75B5784CC456}"/>
+                <a16:creationId xmlns:a16="http://schemas.microsoft.com/office/drawing/2014/main" id="{6D14F7B3-A6CF-491C-9855-75B5784CC456}"/>
               </a:ext>
             </a:extLst>
           </p:cNvPr>
@@ -3203,7 +3203,7 @@
           <p:cNvPr id="15" name="Group 14">
             <a:extLst>
               <a:ext uri="{FF2B5EF4-FFF2-40B4-BE49-F238E27FC236}">
-                <a16:creationId xmlns:a16="http://schemas.microsoft.com/office/drawing/2014/main" xmlns="" id="{B7317392-EF87-4050-8BBE-32F74B0CF15A}"/>
+                <a16:creationId xmlns:a16="http://schemas.microsoft.com/office/drawing/2014/main" id="{B7317392-EF87-4050-8BBE-32F74B0CF15A}"/>
               </a:ext>
             </a:extLst>
           </p:cNvPr>
@@ -3223,7 +3223,7 @@
             <p:cNvPr id="13" name="Straight Connector 12">
               <a:extLst>
                 <a:ext uri="{FF2B5EF4-FFF2-40B4-BE49-F238E27FC236}">
-                  <a16:creationId xmlns:a16="http://schemas.microsoft.com/office/drawing/2014/main" xmlns="" id="{785A4134-866D-4143-AC1E-8A2FFDB49855}"/>
+                  <a16:creationId xmlns:a16="http://schemas.microsoft.com/office/drawing/2014/main" id="{785A4134-866D-4143-AC1E-8A2FFDB49855}"/>
                 </a:ext>
               </a:extLst>
             </p:cNvPr>
@@ -3269,7 +3269,7 @@
             <p:cNvPr id="14" name="Oval 13">
               <a:extLst>
                 <a:ext uri="{FF2B5EF4-FFF2-40B4-BE49-F238E27FC236}">
-                  <a16:creationId xmlns:a16="http://schemas.microsoft.com/office/drawing/2014/main" xmlns="" id="{1BBC5D9C-B8FB-455B-9398-36DB21F2765E}"/>
+                  <a16:creationId xmlns:a16="http://schemas.microsoft.com/office/drawing/2014/main" id="{1BBC5D9C-B8FB-455B-9398-36DB21F2765E}"/>
                 </a:ext>
               </a:extLst>
             </p:cNvPr>
@@ -3330,7 +3330,7 @@
           <p:cNvPr id="16" name="Text Placeholder 2">
             <a:extLst>
               <a:ext uri="{FF2B5EF4-FFF2-40B4-BE49-F238E27FC236}">
-                <a16:creationId xmlns:a16="http://schemas.microsoft.com/office/drawing/2014/main" xmlns="" id="{BB522941-5C7D-4701-9AD7-BB4C11C6EBCE}"/>
+                <a16:creationId xmlns:a16="http://schemas.microsoft.com/office/drawing/2014/main" id="{BB522941-5C7D-4701-9AD7-BB4C11C6EBCE}"/>
               </a:ext>
             </a:extLst>
           </p:cNvPr>
@@ -3465,7 +3465,7 @@
           <p:cNvPr id="17" name="Oval 16">
             <a:extLst>
               <a:ext uri="{FF2B5EF4-FFF2-40B4-BE49-F238E27FC236}">
-                <a16:creationId xmlns:a16="http://schemas.microsoft.com/office/drawing/2014/main" xmlns="" id="{72225750-E4CE-4A81-A0C3-4023030D637E}"/>
+                <a16:creationId xmlns:a16="http://schemas.microsoft.com/office/drawing/2014/main" id="{72225750-E4CE-4A81-A0C3-4023030D637E}"/>
               </a:ext>
             </a:extLst>
           </p:cNvPr>
@@ -3520,7 +3520,7 @@
           <p:cNvPr id="18" name="Straight Connector 17">
             <a:extLst>
               <a:ext uri="{FF2B5EF4-FFF2-40B4-BE49-F238E27FC236}">
-                <a16:creationId xmlns:a16="http://schemas.microsoft.com/office/drawing/2014/main" xmlns="" id="{3819C324-07DF-49DB-A08C-0E6155CE3041}"/>
+                <a16:creationId xmlns:a16="http://schemas.microsoft.com/office/drawing/2014/main" id="{3819C324-07DF-49DB-A08C-0E6155CE3041}"/>
               </a:ext>
             </a:extLst>
           </p:cNvPr>
@@ -3564,7 +3564,7 @@
           <p:cNvPr id="19" name="Oval 18">
             <a:extLst>
               <a:ext uri="{FF2B5EF4-FFF2-40B4-BE49-F238E27FC236}">
-                <a16:creationId xmlns:a16="http://schemas.microsoft.com/office/drawing/2014/main" xmlns="" id="{75A34025-44F2-4A09-8629-F1794E9D35AF}"/>
+                <a16:creationId xmlns:a16="http://schemas.microsoft.com/office/drawing/2014/main" id="{75A34025-44F2-4A09-8629-F1794E9D35AF}"/>
               </a:ext>
             </a:extLst>
           </p:cNvPr>
@@ -3619,7 +3619,7 @@
           <p:cNvPr id="20" name="Straight Connector 19">
             <a:extLst>
               <a:ext uri="{FF2B5EF4-FFF2-40B4-BE49-F238E27FC236}">
-                <a16:creationId xmlns:a16="http://schemas.microsoft.com/office/drawing/2014/main" xmlns="" id="{815854A2-EAE9-4B2A-84CF-5A4BD753863A}"/>
+                <a16:creationId xmlns:a16="http://schemas.microsoft.com/office/drawing/2014/main" id="{815854A2-EAE9-4B2A-84CF-5A4BD753863A}"/>
               </a:ext>
             </a:extLst>
           </p:cNvPr>
@@ -3665,7 +3665,7 @@
           <p:cNvPr id="9" name="Oval 8">
             <a:extLst>
               <a:ext uri="{FF2B5EF4-FFF2-40B4-BE49-F238E27FC236}">
-                <a16:creationId xmlns:a16="http://schemas.microsoft.com/office/drawing/2014/main" xmlns="" id="{ADC059E4-36DE-4100-8F15-85A9F37E84FE}"/>
+                <a16:creationId xmlns:a16="http://schemas.microsoft.com/office/drawing/2014/main" id="{ADC059E4-36DE-4100-8F15-85A9F37E84FE}"/>
               </a:ext>
             </a:extLst>
           </p:cNvPr>
@@ -3722,7 +3722,7 @@
           <p:cNvPr id="21" name="Oval 20">
             <a:extLst>
               <a:ext uri="{FF2B5EF4-FFF2-40B4-BE49-F238E27FC236}">
-                <a16:creationId xmlns:a16="http://schemas.microsoft.com/office/drawing/2014/main" xmlns="" id="{34E475F8-9B44-4A3E-9F99-CF0346C89B8E}"/>
+                <a16:creationId xmlns:a16="http://schemas.microsoft.com/office/drawing/2014/main" id="{34E475F8-9B44-4A3E-9F99-CF0346C89B8E}"/>
               </a:ext>
             </a:extLst>
           </p:cNvPr>
@@ -3779,7 +3779,7 @@
           <p:cNvPr id="22" name="Oval 21">
             <a:extLst>
               <a:ext uri="{FF2B5EF4-FFF2-40B4-BE49-F238E27FC236}">
-                <a16:creationId xmlns:a16="http://schemas.microsoft.com/office/drawing/2014/main" xmlns="" id="{EF5FAF95-28E9-4D03-884C-A89CBC8B61DC}"/>
+                <a16:creationId xmlns:a16="http://schemas.microsoft.com/office/drawing/2014/main" id="{EF5FAF95-28E9-4D03-884C-A89CBC8B61DC}"/>
               </a:ext>
             </a:extLst>
           </p:cNvPr>
@@ -3836,7 +3836,7 @@
           <p:cNvPr id="27" name="Text Placeholder 15">
             <a:extLst>
               <a:ext uri="{FF2B5EF4-FFF2-40B4-BE49-F238E27FC236}">
-                <a16:creationId xmlns:a16="http://schemas.microsoft.com/office/drawing/2014/main" xmlns="" id="{5F221D05-AC12-4B7C-A00B-E28F93E23D7A}"/>
+                <a16:creationId xmlns:a16="http://schemas.microsoft.com/office/drawing/2014/main" id="{5F221D05-AC12-4B7C-A00B-E28F93E23D7A}"/>
               </a:ext>
             </a:extLst>
           </p:cNvPr>
@@ -3892,7 +3892,7 @@
           <p:cNvPr id="28" name="Text Placeholder 2">
             <a:extLst>
               <a:ext uri="{FF2B5EF4-FFF2-40B4-BE49-F238E27FC236}">
-                <a16:creationId xmlns:a16="http://schemas.microsoft.com/office/drawing/2014/main" xmlns="" id="{A3904B01-A725-4CE3-9321-D42F3E296703}"/>
+                <a16:creationId xmlns:a16="http://schemas.microsoft.com/office/drawing/2014/main" id="{A3904B01-A725-4CE3-9321-D42F3E296703}"/>
               </a:ext>
             </a:extLst>
           </p:cNvPr>
@@ -4032,7 +4032,7 @@
           <p:cNvPr id="29" name="Text Placeholder 2">
             <a:extLst>
               <a:ext uri="{FF2B5EF4-FFF2-40B4-BE49-F238E27FC236}">
-                <a16:creationId xmlns:a16="http://schemas.microsoft.com/office/drawing/2014/main" xmlns="" id="{D9CE08AF-782B-4514-BE33-D3AED71A7344}"/>
+                <a16:creationId xmlns:a16="http://schemas.microsoft.com/office/drawing/2014/main" id="{D9CE08AF-782B-4514-BE33-D3AED71A7344}"/>
               </a:ext>
             </a:extLst>
           </p:cNvPr>
@@ -4166,7 +4166,7 @@
           <p:cNvPr id="30" name="Text Placeholder 15">
             <a:extLst>
               <a:ext uri="{FF2B5EF4-FFF2-40B4-BE49-F238E27FC236}">
-                <a16:creationId xmlns:a16="http://schemas.microsoft.com/office/drawing/2014/main" xmlns="" id="{614098B4-704D-42A8-B776-2C93C30C39DA}"/>
+                <a16:creationId xmlns:a16="http://schemas.microsoft.com/office/drawing/2014/main" id="{614098B4-704D-42A8-B776-2C93C30C39DA}"/>
               </a:ext>
             </a:extLst>
           </p:cNvPr>
@@ -4222,7 +4222,7 @@
           <p:cNvPr id="31" name="Text Placeholder 2">
             <a:extLst>
               <a:ext uri="{FF2B5EF4-FFF2-40B4-BE49-F238E27FC236}">
-                <a16:creationId xmlns:a16="http://schemas.microsoft.com/office/drawing/2014/main" xmlns="" id="{CE6465F4-0B4D-4B43-BE59-BC984FE8EF05}"/>
+                <a16:creationId xmlns:a16="http://schemas.microsoft.com/office/drawing/2014/main" id="{CE6465F4-0B4D-4B43-BE59-BC984FE8EF05}"/>
               </a:ext>
             </a:extLst>
           </p:cNvPr>
@@ -4362,7 +4362,7 @@
           <p:cNvPr id="32" name="Text Placeholder 2">
             <a:extLst>
               <a:ext uri="{FF2B5EF4-FFF2-40B4-BE49-F238E27FC236}">
-                <a16:creationId xmlns:a16="http://schemas.microsoft.com/office/drawing/2014/main" xmlns="" id="{4DBC997E-F996-4F59-A610-3C8558F180CA}"/>
+                <a16:creationId xmlns:a16="http://schemas.microsoft.com/office/drawing/2014/main" id="{4DBC997E-F996-4F59-A610-3C8558F180CA}"/>
               </a:ext>
             </a:extLst>
           </p:cNvPr>
@@ -4496,7 +4496,7 @@
           <p:cNvPr id="33" name="Text Placeholder 15">
             <a:extLst>
               <a:ext uri="{FF2B5EF4-FFF2-40B4-BE49-F238E27FC236}">
-                <a16:creationId xmlns:a16="http://schemas.microsoft.com/office/drawing/2014/main" xmlns="" id="{D2098E46-8023-469E-86ED-39848BCA69B9}"/>
+                <a16:creationId xmlns:a16="http://schemas.microsoft.com/office/drawing/2014/main" id="{D2098E46-8023-469E-86ED-39848BCA69B9}"/>
               </a:ext>
             </a:extLst>
           </p:cNvPr>
@@ -4552,7 +4552,7 @@
           <p:cNvPr id="34" name="Text Placeholder 2">
             <a:extLst>
               <a:ext uri="{FF2B5EF4-FFF2-40B4-BE49-F238E27FC236}">
-                <a16:creationId xmlns:a16="http://schemas.microsoft.com/office/drawing/2014/main" xmlns="" id="{93715D94-9DBE-476D-B2A4-208BC6D40C35}"/>
+                <a16:creationId xmlns:a16="http://schemas.microsoft.com/office/drawing/2014/main" id="{93715D94-9DBE-476D-B2A4-208BC6D40C35}"/>
               </a:ext>
             </a:extLst>
           </p:cNvPr>
@@ -4692,7 +4692,7 @@
           <p:cNvPr id="35" name="Text Placeholder 2">
             <a:extLst>
               <a:ext uri="{FF2B5EF4-FFF2-40B4-BE49-F238E27FC236}">
-                <a16:creationId xmlns:a16="http://schemas.microsoft.com/office/drawing/2014/main" xmlns="" id="{C6E1A50B-8AFF-497B-8AEC-C61D95DC0685}"/>
+                <a16:creationId xmlns:a16="http://schemas.microsoft.com/office/drawing/2014/main" id="{C6E1A50B-8AFF-497B-8AEC-C61D95DC0685}"/>
               </a:ext>
             </a:extLst>
           </p:cNvPr>
@@ -4856,7 +4856,7 @@
           <p:cNvPr id="15" name="Rectangle 14">
             <a:extLst>
               <a:ext uri="{FF2B5EF4-FFF2-40B4-BE49-F238E27FC236}">
-                <a16:creationId xmlns:a16="http://schemas.microsoft.com/office/drawing/2014/main" xmlns="" id="{E8E3FDB8-6D5C-48FE-99EA-7EC60F4D8191}"/>
+                <a16:creationId xmlns:a16="http://schemas.microsoft.com/office/drawing/2014/main" id="{E8E3FDB8-6D5C-48FE-99EA-7EC60F4D8191}"/>
               </a:ext>
             </a:extLst>
           </p:cNvPr>
@@ -4923,7 +4923,7 @@
           <p:cNvPr id="5" name="Date Placeholder 4">
             <a:extLst>
               <a:ext uri="{FF2B5EF4-FFF2-40B4-BE49-F238E27FC236}">
-                <a16:creationId xmlns:a16="http://schemas.microsoft.com/office/drawing/2014/main" xmlns="" id="{2D9775F3-A041-479A-8038-652B7D9C72E9}"/>
+                <a16:creationId xmlns:a16="http://schemas.microsoft.com/office/drawing/2014/main" id="{2D9775F3-A041-479A-8038-652B7D9C72E9}"/>
               </a:ext>
             </a:extLst>
           </p:cNvPr>
@@ -4952,7 +4952,7 @@
           <p:cNvPr id="6" name="Footer Placeholder 5">
             <a:extLst>
               <a:ext uri="{FF2B5EF4-FFF2-40B4-BE49-F238E27FC236}">
-                <a16:creationId xmlns:a16="http://schemas.microsoft.com/office/drawing/2014/main" xmlns="" id="{29BEDD04-BE4E-4B91-B13E-0C4FB3E1658F}"/>
+                <a16:creationId xmlns:a16="http://schemas.microsoft.com/office/drawing/2014/main" id="{29BEDD04-BE4E-4B91-B13E-0C4FB3E1658F}"/>
               </a:ext>
             </a:extLst>
           </p:cNvPr>
@@ -4981,7 +4981,7 @@
           <p:cNvPr id="7" name="Slide Number Placeholder 6">
             <a:extLst>
               <a:ext uri="{FF2B5EF4-FFF2-40B4-BE49-F238E27FC236}">
-                <a16:creationId xmlns:a16="http://schemas.microsoft.com/office/drawing/2014/main" xmlns="" id="{306DF5D8-12DC-494E-B0F1-2E9C86A14544}"/>
+                <a16:creationId xmlns:a16="http://schemas.microsoft.com/office/drawing/2014/main" id="{306DF5D8-12DC-494E-B0F1-2E9C86A14544}"/>
               </a:ext>
             </a:extLst>
           </p:cNvPr>
@@ -5010,7 +5010,7 @@
           <p:cNvPr id="8" name="Title 1">
             <a:extLst>
               <a:ext uri="{FF2B5EF4-FFF2-40B4-BE49-F238E27FC236}">
-                <a16:creationId xmlns:a16="http://schemas.microsoft.com/office/drawing/2014/main" xmlns="" id="{ABF87C9E-53A2-4DE1-89DC-3907BE2E3D3C}"/>
+                <a16:creationId xmlns:a16="http://schemas.microsoft.com/office/drawing/2014/main" id="{ABF87C9E-53A2-4DE1-89DC-3907BE2E3D3C}"/>
               </a:ext>
             </a:extLst>
           </p:cNvPr>
@@ -5050,7 +5050,7 @@
           <p:cNvPr id="9" name="Text Placeholder 2">
             <a:extLst>
               <a:ext uri="{FF2B5EF4-FFF2-40B4-BE49-F238E27FC236}">
-                <a16:creationId xmlns:a16="http://schemas.microsoft.com/office/drawing/2014/main" xmlns="" id="{EB453F8F-AA02-4E0D-93BF-8CF4F1490377}"/>
+                <a16:creationId xmlns:a16="http://schemas.microsoft.com/office/drawing/2014/main" id="{EB453F8F-AA02-4E0D-93BF-8CF4F1490377}"/>
               </a:ext>
             </a:extLst>
           </p:cNvPr>
@@ -5180,7 +5180,7 @@
           <p:cNvPr id="10" name="Picture Placeholder 10">
             <a:extLst>
               <a:ext uri="{FF2B5EF4-FFF2-40B4-BE49-F238E27FC236}">
-                <a16:creationId xmlns:a16="http://schemas.microsoft.com/office/drawing/2014/main" xmlns="" id="{A541F291-2E4B-474E-9ED0-55C97A2A066D}"/>
+                <a16:creationId xmlns:a16="http://schemas.microsoft.com/office/drawing/2014/main" id="{A541F291-2E4B-474E-9ED0-55C97A2A066D}"/>
               </a:ext>
             </a:extLst>
           </p:cNvPr>
@@ -5221,7 +5221,7 @@
           <p:cNvPr id="11" name="Group 10">
             <a:extLst>
               <a:ext uri="{FF2B5EF4-FFF2-40B4-BE49-F238E27FC236}">
-                <a16:creationId xmlns:a16="http://schemas.microsoft.com/office/drawing/2014/main" xmlns="" id="{59E4D57E-4989-4939-A31F-637543FAB606}"/>
+                <a16:creationId xmlns:a16="http://schemas.microsoft.com/office/drawing/2014/main" id="{59E4D57E-4989-4939-A31F-637543FAB606}"/>
               </a:ext>
             </a:extLst>
           </p:cNvPr>
@@ -5241,7 +5241,7 @@
             <p:cNvPr id="12" name="Straight Connector 11">
               <a:extLst>
                 <a:ext uri="{FF2B5EF4-FFF2-40B4-BE49-F238E27FC236}">
-                  <a16:creationId xmlns:a16="http://schemas.microsoft.com/office/drawing/2014/main" xmlns="" id="{370B72A7-B625-48B8-88E6-BCE2A4DD531E}"/>
+                  <a16:creationId xmlns:a16="http://schemas.microsoft.com/office/drawing/2014/main" id="{370B72A7-B625-48B8-88E6-BCE2A4DD531E}"/>
                 </a:ext>
               </a:extLst>
             </p:cNvPr>
@@ -5287,7 +5287,7 @@
             <p:cNvPr id="13" name="Oval 12">
               <a:extLst>
                 <a:ext uri="{FF2B5EF4-FFF2-40B4-BE49-F238E27FC236}">
-                  <a16:creationId xmlns:a16="http://schemas.microsoft.com/office/drawing/2014/main" xmlns="" id="{01ED729F-F8A5-4244-9776-4935C260F11F}"/>
+                  <a16:creationId xmlns:a16="http://schemas.microsoft.com/office/drawing/2014/main" id="{01ED729F-F8A5-4244-9776-4935C260F11F}"/>
                 </a:ext>
               </a:extLst>
             </p:cNvPr>
@@ -5348,7 +5348,7 @@
           <p:cNvPr id="17" name="Straight Connector 16">
             <a:extLst>
               <a:ext uri="{FF2B5EF4-FFF2-40B4-BE49-F238E27FC236}">
-                <a16:creationId xmlns:a16="http://schemas.microsoft.com/office/drawing/2014/main" xmlns="" id="{6150998C-CF95-4C6F-8962-8EB2DB30177D}"/>
+                <a16:creationId xmlns:a16="http://schemas.microsoft.com/office/drawing/2014/main" id="{6150998C-CF95-4C6F-8962-8EB2DB30177D}"/>
               </a:ext>
             </a:extLst>
           </p:cNvPr>
@@ -5392,7 +5392,7 @@
           <p:cNvPr id="18" name="Oval 17">
             <a:extLst>
               <a:ext uri="{FF2B5EF4-FFF2-40B4-BE49-F238E27FC236}">
-                <a16:creationId xmlns:a16="http://schemas.microsoft.com/office/drawing/2014/main" xmlns="" id="{F86A2ACD-8CF5-48A3-A678-E213A809B332}"/>
+                <a16:creationId xmlns:a16="http://schemas.microsoft.com/office/drawing/2014/main" id="{F86A2ACD-8CF5-48A3-A678-E213A809B332}"/>
               </a:ext>
             </a:extLst>
           </p:cNvPr>
@@ -5447,7 +5447,7 @@
           <p:cNvPr id="19" name="Straight Connector 18">
             <a:extLst>
               <a:ext uri="{FF2B5EF4-FFF2-40B4-BE49-F238E27FC236}">
-                <a16:creationId xmlns:a16="http://schemas.microsoft.com/office/drawing/2014/main" xmlns="" id="{F00811BB-0E37-4D70-84A5-97B3FBEDCBE6}"/>
+                <a16:creationId xmlns:a16="http://schemas.microsoft.com/office/drawing/2014/main" id="{F00811BB-0E37-4D70-84A5-97B3FBEDCBE6}"/>
               </a:ext>
             </a:extLst>
           </p:cNvPr>
@@ -5493,7 +5493,7 @@
           <p:cNvPr id="20" name="Oval 19">
             <a:extLst>
               <a:ext uri="{FF2B5EF4-FFF2-40B4-BE49-F238E27FC236}">
-                <a16:creationId xmlns:a16="http://schemas.microsoft.com/office/drawing/2014/main" xmlns="" id="{D03B3046-0457-4D23-8E0C-64E3FCD620BB}"/>
+                <a16:creationId xmlns:a16="http://schemas.microsoft.com/office/drawing/2014/main" id="{D03B3046-0457-4D23-8E0C-64E3FCD620BB}"/>
               </a:ext>
             </a:extLst>
           </p:cNvPr>
@@ -5548,7 +5548,7 @@
           <p:cNvPr id="34" name="Text Placeholder 2">
             <a:extLst>
               <a:ext uri="{FF2B5EF4-FFF2-40B4-BE49-F238E27FC236}">
-                <a16:creationId xmlns:a16="http://schemas.microsoft.com/office/drawing/2014/main" xmlns="" id="{B17B484C-F876-40B2-89DE-FC7A9E54C835}"/>
+                <a16:creationId xmlns:a16="http://schemas.microsoft.com/office/drawing/2014/main" id="{B17B484C-F876-40B2-89DE-FC7A9E54C835}"/>
               </a:ext>
             </a:extLst>
           </p:cNvPr>
@@ -5683,7 +5683,7 @@
           <p:cNvPr id="36" name="Text Placeholder 2">
             <a:extLst>
               <a:ext uri="{FF2B5EF4-FFF2-40B4-BE49-F238E27FC236}">
-                <a16:creationId xmlns:a16="http://schemas.microsoft.com/office/drawing/2014/main" xmlns="" id="{99E02476-A734-4A74-BC42-F104B37C8C19}"/>
+                <a16:creationId xmlns:a16="http://schemas.microsoft.com/office/drawing/2014/main" id="{99E02476-A734-4A74-BC42-F104B37C8C19}"/>
               </a:ext>
             </a:extLst>
           </p:cNvPr>
@@ -5816,7 +5816,7 @@
           <p:cNvPr id="23" name="Text Placeholder 2">
             <a:extLst>
               <a:ext uri="{FF2B5EF4-FFF2-40B4-BE49-F238E27FC236}">
-                <a16:creationId xmlns:a16="http://schemas.microsoft.com/office/drawing/2014/main" xmlns="" id="{ABD2EF23-562D-4049-92E3-48371C9E83A4}"/>
+                <a16:creationId xmlns:a16="http://schemas.microsoft.com/office/drawing/2014/main" id="{ABD2EF23-562D-4049-92E3-48371C9E83A4}"/>
               </a:ext>
             </a:extLst>
           </p:cNvPr>
@@ -5951,7 +5951,7 @@
           <p:cNvPr id="24" name="Text Placeholder 2">
             <a:extLst>
               <a:ext uri="{FF2B5EF4-FFF2-40B4-BE49-F238E27FC236}">
-                <a16:creationId xmlns:a16="http://schemas.microsoft.com/office/drawing/2014/main" xmlns="" id="{FB2A0B34-417C-46AC-95C0-9B2A2FCC8BFC}"/>
+                <a16:creationId xmlns:a16="http://schemas.microsoft.com/office/drawing/2014/main" id="{FB2A0B34-417C-46AC-95C0-9B2A2FCC8BFC}"/>
               </a:ext>
             </a:extLst>
           </p:cNvPr>
@@ -6114,7 +6114,7 @@
           <p:cNvPr id="15" name="Rectangle 14">
             <a:extLst>
               <a:ext uri="{FF2B5EF4-FFF2-40B4-BE49-F238E27FC236}">
-                <a16:creationId xmlns:a16="http://schemas.microsoft.com/office/drawing/2014/main" xmlns="" id="{E8E3FDB8-6D5C-48FE-99EA-7EC60F4D8191}"/>
+                <a16:creationId xmlns:a16="http://schemas.microsoft.com/office/drawing/2014/main" id="{E8E3FDB8-6D5C-48FE-99EA-7EC60F4D8191}"/>
               </a:ext>
             </a:extLst>
           </p:cNvPr>
@@ -6181,7 +6181,7 @@
           <p:cNvPr id="5" name="Date Placeholder 4">
             <a:extLst>
               <a:ext uri="{FF2B5EF4-FFF2-40B4-BE49-F238E27FC236}">
-                <a16:creationId xmlns:a16="http://schemas.microsoft.com/office/drawing/2014/main" xmlns="" id="{2D9775F3-A041-479A-8038-652B7D9C72E9}"/>
+                <a16:creationId xmlns:a16="http://schemas.microsoft.com/office/drawing/2014/main" id="{2D9775F3-A041-479A-8038-652B7D9C72E9}"/>
               </a:ext>
             </a:extLst>
           </p:cNvPr>
@@ -6210,7 +6210,7 @@
           <p:cNvPr id="6" name="Footer Placeholder 5">
             <a:extLst>
               <a:ext uri="{FF2B5EF4-FFF2-40B4-BE49-F238E27FC236}">
-                <a16:creationId xmlns:a16="http://schemas.microsoft.com/office/drawing/2014/main" xmlns="" id="{29BEDD04-BE4E-4B91-B13E-0C4FB3E1658F}"/>
+                <a16:creationId xmlns:a16="http://schemas.microsoft.com/office/drawing/2014/main" id="{29BEDD04-BE4E-4B91-B13E-0C4FB3E1658F}"/>
               </a:ext>
             </a:extLst>
           </p:cNvPr>
@@ -6239,7 +6239,7 @@
           <p:cNvPr id="7" name="Slide Number Placeholder 6">
             <a:extLst>
               <a:ext uri="{FF2B5EF4-FFF2-40B4-BE49-F238E27FC236}">
-                <a16:creationId xmlns:a16="http://schemas.microsoft.com/office/drawing/2014/main" xmlns="" id="{306DF5D8-12DC-494E-B0F1-2E9C86A14544}"/>
+                <a16:creationId xmlns:a16="http://schemas.microsoft.com/office/drawing/2014/main" id="{306DF5D8-12DC-494E-B0F1-2E9C86A14544}"/>
               </a:ext>
             </a:extLst>
           </p:cNvPr>
@@ -6268,7 +6268,7 @@
           <p:cNvPr id="8" name="Title 1">
             <a:extLst>
               <a:ext uri="{FF2B5EF4-FFF2-40B4-BE49-F238E27FC236}">
-                <a16:creationId xmlns:a16="http://schemas.microsoft.com/office/drawing/2014/main" xmlns="" id="{ABF87C9E-53A2-4DE1-89DC-3907BE2E3D3C}"/>
+                <a16:creationId xmlns:a16="http://schemas.microsoft.com/office/drawing/2014/main" id="{ABF87C9E-53A2-4DE1-89DC-3907BE2E3D3C}"/>
               </a:ext>
             </a:extLst>
           </p:cNvPr>
@@ -6308,7 +6308,7 @@
           <p:cNvPr id="11" name="Group 10">
             <a:extLst>
               <a:ext uri="{FF2B5EF4-FFF2-40B4-BE49-F238E27FC236}">
-                <a16:creationId xmlns:a16="http://schemas.microsoft.com/office/drawing/2014/main" xmlns="" id="{59E4D57E-4989-4939-A31F-637543FAB606}"/>
+                <a16:creationId xmlns:a16="http://schemas.microsoft.com/office/drawing/2014/main" id="{59E4D57E-4989-4939-A31F-637543FAB606}"/>
               </a:ext>
             </a:extLst>
           </p:cNvPr>
@@ -6328,7 +6328,7 @@
             <p:cNvPr id="12" name="Straight Connector 11">
               <a:extLst>
                 <a:ext uri="{FF2B5EF4-FFF2-40B4-BE49-F238E27FC236}">
-                  <a16:creationId xmlns:a16="http://schemas.microsoft.com/office/drawing/2014/main" xmlns="" id="{370B72A7-B625-48B8-88E6-BCE2A4DD531E}"/>
+                  <a16:creationId xmlns:a16="http://schemas.microsoft.com/office/drawing/2014/main" id="{370B72A7-B625-48B8-88E6-BCE2A4DD531E}"/>
                 </a:ext>
               </a:extLst>
             </p:cNvPr>
@@ -6374,7 +6374,7 @@
             <p:cNvPr id="13" name="Oval 12">
               <a:extLst>
                 <a:ext uri="{FF2B5EF4-FFF2-40B4-BE49-F238E27FC236}">
-                  <a16:creationId xmlns:a16="http://schemas.microsoft.com/office/drawing/2014/main" xmlns="" id="{01ED729F-F8A5-4244-9776-4935C260F11F}"/>
+                  <a16:creationId xmlns:a16="http://schemas.microsoft.com/office/drawing/2014/main" id="{01ED729F-F8A5-4244-9776-4935C260F11F}"/>
                 </a:ext>
               </a:extLst>
             </p:cNvPr>
@@ -6435,7 +6435,7 @@
           <p:cNvPr id="17" name="Straight Connector 16">
             <a:extLst>
               <a:ext uri="{FF2B5EF4-FFF2-40B4-BE49-F238E27FC236}">
-                <a16:creationId xmlns:a16="http://schemas.microsoft.com/office/drawing/2014/main" xmlns="" id="{6150998C-CF95-4C6F-8962-8EB2DB30177D}"/>
+                <a16:creationId xmlns:a16="http://schemas.microsoft.com/office/drawing/2014/main" id="{6150998C-CF95-4C6F-8962-8EB2DB30177D}"/>
               </a:ext>
             </a:extLst>
           </p:cNvPr>
@@ -6479,7 +6479,7 @@
           <p:cNvPr id="18" name="Oval 17">
             <a:extLst>
               <a:ext uri="{FF2B5EF4-FFF2-40B4-BE49-F238E27FC236}">
-                <a16:creationId xmlns:a16="http://schemas.microsoft.com/office/drawing/2014/main" xmlns="" id="{F86A2ACD-8CF5-48A3-A678-E213A809B332}"/>
+                <a16:creationId xmlns:a16="http://schemas.microsoft.com/office/drawing/2014/main" id="{F86A2ACD-8CF5-48A3-A678-E213A809B332}"/>
               </a:ext>
             </a:extLst>
           </p:cNvPr>
@@ -6534,7 +6534,7 @@
           <p:cNvPr id="19" name="Straight Connector 18">
             <a:extLst>
               <a:ext uri="{FF2B5EF4-FFF2-40B4-BE49-F238E27FC236}">
-                <a16:creationId xmlns:a16="http://schemas.microsoft.com/office/drawing/2014/main" xmlns="" id="{F00811BB-0E37-4D70-84A5-97B3FBEDCBE6}"/>
+                <a16:creationId xmlns:a16="http://schemas.microsoft.com/office/drawing/2014/main" id="{F00811BB-0E37-4D70-84A5-97B3FBEDCBE6}"/>
               </a:ext>
             </a:extLst>
           </p:cNvPr>
@@ -6580,7 +6580,7 @@
           <p:cNvPr id="20" name="Oval 19">
             <a:extLst>
               <a:ext uri="{FF2B5EF4-FFF2-40B4-BE49-F238E27FC236}">
-                <a16:creationId xmlns:a16="http://schemas.microsoft.com/office/drawing/2014/main" xmlns="" id="{D03B3046-0457-4D23-8E0C-64E3FCD620BB}"/>
+                <a16:creationId xmlns:a16="http://schemas.microsoft.com/office/drawing/2014/main" id="{D03B3046-0457-4D23-8E0C-64E3FCD620BB}"/>
               </a:ext>
             </a:extLst>
           </p:cNvPr>
@@ -6635,7 +6635,7 @@
           <p:cNvPr id="21" name="Picture Placeholder 11" descr="Competitors logos quadrant">
             <a:extLst>
               <a:ext uri="{FF2B5EF4-FFF2-40B4-BE49-F238E27FC236}">
-                <a16:creationId xmlns:a16="http://schemas.microsoft.com/office/drawing/2014/main" xmlns="" id="{58A093A6-410B-4E4B-BA54-D31E8313D9B1}"/>
+                <a16:creationId xmlns:a16="http://schemas.microsoft.com/office/drawing/2014/main" id="{58A093A6-410B-4E4B-BA54-D31E8313D9B1}"/>
               </a:ext>
             </a:extLst>
           </p:cNvPr>
@@ -6687,7 +6687,7 @@
           <p:cNvPr id="22" name="Picture Placeholder 11" descr="Competitors logos quadrant">
             <a:extLst>
               <a:ext uri="{FF2B5EF4-FFF2-40B4-BE49-F238E27FC236}">
-                <a16:creationId xmlns:a16="http://schemas.microsoft.com/office/drawing/2014/main" xmlns="" id="{C852F764-614E-4E0D-B231-E5EF9B5D3AFE}"/>
+                <a16:creationId xmlns:a16="http://schemas.microsoft.com/office/drawing/2014/main" id="{C852F764-614E-4E0D-B231-E5EF9B5D3AFE}"/>
               </a:ext>
             </a:extLst>
           </p:cNvPr>
@@ -6744,7 +6744,7 @@
           <p:cNvPr id="25" name="Picture Placeholder 11" descr="Competitors logos quadrant">
             <a:extLst>
               <a:ext uri="{FF2B5EF4-FFF2-40B4-BE49-F238E27FC236}">
-                <a16:creationId xmlns:a16="http://schemas.microsoft.com/office/drawing/2014/main" xmlns="" id="{0349F007-C349-4EF3-A61F-86C43BEB5478}"/>
+                <a16:creationId xmlns:a16="http://schemas.microsoft.com/office/drawing/2014/main" id="{0349F007-C349-4EF3-A61F-86C43BEB5478}"/>
               </a:ext>
             </a:extLst>
           </p:cNvPr>
@@ -6801,7 +6801,7 @@
           <p:cNvPr id="26" name="Picture Placeholder 11" descr="Competitors logos quadrant">
             <a:extLst>
               <a:ext uri="{FF2B5EF4-FFF2-40B4-BE49-F238E27FC236}">
-                <a16:creationId xmlns:a16="http://schemas.microsoft.com/office/drawing/2014/main" xmlns="" id="{FEA8BDDC-623F-4C67-AD04-E7801B537019}"/>
+                <a16:creationId xmlns:a16="http://schemas.microsoft.com/office/drawing/2014/main" id="{FEA8BDDC-623F-4C67-AD04-E7801B537019}"/>
               </a:ext>
             </a:extLst>
           </p:cNvPr>
@@ -6861,7 +6861,7 @@
           <p:cNvPr id="27" name="Picture Placeholder 11" descr="Competitors logos quadrant">
             <a:extLst>
               <a:ext uri="{FF2B5EF4-FFF2-40B4-BE49-F238E27FC236}">
-                <a16:creationId xmlns:a16="http://schemas.microsoft.com/office/drawing/2014/main" xmlns="" id="{28B0D00B-97E7-4133-B35A-AC2EF334CD2B}"/>
+                <a16:creationId xmlns:a16="http://schemas.microsoft.com/office/drawing/2014/main" id="{28B0D00B-97E7-4133-B35A-AC2EF334CD2B}"/>
               </a:ext>
             </a:extLst>
           </p:cNvPr>
@@ -6918,7 +6918,7 @@
           <p:cNvPr id="28" name="Picture Placeholder 11" descr="Competitors logos quadrant">
             <a:extLst>
               <a:ext uri="{FF2B5EF4-FFF2-40B4-BE49-F238E27FC236}">
-                <a16:creationId xmlns:a16="http://schemas.microsoft.com/office/drawing/2014/main" xmlns="" id="{8D1A7417-EFAD-46F6-ADA5-117D4C7B1A9D}"/>
+                <a16:creationId xmlns:a16="http://schemas.microsoft.com/office/drawing/2014/main" id="{8D1A7417-EFAD-46F6-ADA5-117D4C7B1A9D}"/>
               </a:ext>
             </a:extLst>
           </p:cNvPr>
@@ -6975,7 +6975,7 @@
           <p:cNvPr id="29" name="Text Placeholder 7">
             <a:extLst>
               <a:ext uri="{FF2B5EF4-FFF2-40B4-BE49-F238E27FC236}">
-                <a16:creationId xmlns:a16="http://schemas.microsoft.com/office/drawing/2014/main" xmlns="" id="{D4B80E14-BBC8-42CC-8777-FFF50D168A09}"/>
+                <a16:creationId xmlns:a16="http://schemas.microsoft.com/office/drawing/2014/main" id="{D4B80E14-BBC8-42CC-8777-FFF50D168A09}"/>
               </a:ext>
             </a:extLst>
           </p:cNvPr>
@@ -7034,7 +7034,7 @@
           <p:cNvPr id="30" name="Text Placeholder 7">
             <a:extLst>
               <a:ext uri="{FF2B5EF4-FFF2-40B4-BE49-F238E27FC236}">
-                <a16:creationId xmlns:a16="http://schemas.microsoft.com/office/drawing/2014/main" xmlns="" id="{95033551-3DD0-4EBE-8DFD-9335F8BA9268}"/>
+                <a16:creationId xmlns:a16="http://schemas.microsoft.com/office/drawing/2014/main" id="{95033551-3DD0-4EBE-8DFD-9335F8BA9268}"/>
               </a:ext>
             </a:extLst>
           </p:cNvPr>
@@ -7093,7 +7093,7 @@
           <p:cNvPr id="31" name="Text Placeholder 7">
             <a:extLst>
               <a:ext uri="{FF2B5EF4-FFF2-40B4-BE49-F238E27FC236}">
-                <a16:creationId xmlns:a16="http://schemas.microsoft.com/office/drawing/2014/main" xmlns="" id="{CC507E62-D7F3-4E81-8DE2-5A7084588A33}"/>
+                <a16:creationId xmlns:a16="http://schemas.microsoft.com/office/drawing/2014/main" id="{CC507E62-D7F3-4E81-8DE2-5A7084588A33}"/>
               </a:ext>
             </a:extLst>
           </p:cNvPr>
@@ -7152,7 +7152,7 @@
           <p:cNvPr id="32" name="Picture Placeholder 13">
             <a:extLst>
               <a:ext uri="{FF2B5EF4-FFF2-40B4-BE49-F238E27FC236}">
-                <a16:creationId xmlns:a16="http://schemas.microsoft.com/office/drawing/2014/main" xmlns="" id="{61EF622D-8E08-41C3-BEBA-2274C2AB487A}"/>
+                <a16:creationId xmlns:a16="http://schemas.microsoft.com/office/drawing/2014/main" id="{61EF622D-8E08-41C3-BEBA-2274C2AB487A}"/>
               </a:ext>
             </a:extLst>
           </p:cNvPr>
@@ -7201,7 +7201,7 @@
           <p:cNvPr id="33" name="Text Placeholder 7">
             <a:extLst>
               <a:ext uri="{FF2B5EF4-FFF2-40B4-BE49-F238E27FC236}">
-                <a16:creationId xmlns:a16="http://schemas.microsoft.com/office/drawing/2014/main" xmlns="" id="{690ADA54-0156-49A9-AEF7-A4972EEB15AA}"/>
+                <a16:creationId xmlns:a16="http://schemas.microsoft.com/office/drawing/2014/main" id="{690ADA54-0156-49A9-AEF7-A4972EEB15AA}"/>
               </a:ext>
             </a:extLst>
           </p:cNvPr>
@@ -7260,7 +7260,7 @@
           <p:cNvPr id="4" name="Group 3">
             <a:extLst>
               <a:ext uri="{FF2B5EF4-FFF2-40B4-BE49-F238E27FC236}">
-                <a16:creationId xmlns:a16="http://schemas.microsoft.com/office/drawing/2014/main" xmlns="" id="{32193FB7-0142-40DD-9186-F3156B0AE4B0}"/>
+                <a16:creationId xmlns:a16="http://schemas.microsoft.com/office/drawing/2014/main" id="{32193FB7-0142-40DD-9186-F3156B0AE4B0}"/>
               </a:ext>
             </a:extLst>
           </p:cNvPr>
@@ -7280,7 +7280,7 @@
             <p:cNvPr id="3" name="Straight Connector 2">
               <a:extLst>
                 <a:ext uri="{FF2B5EF4-FFF2-40B4-BE49-F238E27FC236}">
-                  <a16:creationId xmlns:a16="http://schemas.microsoft.com/office/drawing/2014/main" xmlns="" id="{CD1389D4-2EB7-40E2-B21B-4EE70FCA2236}"/>
+                  <a16:creationId xmlns:a16="http://schemas.microsoft.com/office/drawing/2014/main" id="{CD1389D4-2EB7-40E2-B21B-4EE70FCA2236}"/>
                 </a:ext>
               </a:extLst>
             </p:cNvPr>
@@ -7323,7 +7323,7 @@
             <p:cNvPr id="35" name="Oval 34">
               <a:extLst>
                 <a:ext uri="{FF2B5EF4-FFF2-40B4-BE49-F238E27FC236}">
-                  <a16:creationId xmlns:a16="http://schemas.microsoft.com/office/drawing/2014/main" xmlns="" id="{BA48E795-AD00-4819-94E4-A5211D331715}"/>
+                  <a16:creationId xmlns:a16="http://schemas.microsoft.com/office/drawing/2014/main" id="{BA48E795-AD00-4819-94E4-A5211D331715}"/>
                 </a:ext>
               </a:extLst>
             </p:cNvPr>
@@ -7381,7 +7381,7 @@
           <p:cNvPr id="37" name="Group 36">
             <a:extLst>
               <a:ext uri="{FF2B5EF4-FFF2-40B4-BE49-F238E27FC236}">
-                <a16:creationId xmlns:a16="http://schemas.microsoft.com/office/drawing/2014/main" xmlns="" id="{41BD97BD-35F4-4534-8B74-24D44A99BC58}"/>
+                <a16:creationId xmlns:a16="http://schemas.microsoft.com/office/drawing/2014/main" id="{41BD97BD-35F4-4534-8B74-24D44A99BC58}"/>
               </a:ext>
             </a:extLst>
           </p:cNvPr>
@@ -7401,7 +7401,7 @@
             <p:cNvPr id="38" name="Straight Connector 37">
               <a:extLst>
                 <a:ext uri="{FF2B5EF4-FFF2-40B4-BE49-F238E27FC236}">
-                  <a16:creationId xmlns:a16="http://schemas.microsoft.com/office/drawing/2014/main" xmlns="" id="{D8351F13-467F-49F8-8279-C5B29A51798F}"/>
+                  <a16:creationId xmlns:a16="http://schemas.microsoft.com/office/drawing/2014/main" id="{D8351F13-467F-49F8-8279-C5B29A51798F}"/>
                 </a:ext>
               </a:extLst>
             </p:cNvPr>
@@ -7444,7 +7444,7 @@
             <p:cNvPr id="39" name="Oval 38">
               <a:extLst>
                 <a:ext uri="{FF2B5EF4-FFF2-40B4-BE49-F238E27FC236}">
-                  <a16:creationId xmlns:a16="http://schemas.microsoft.com/office/drawing/2014/main" xmlns="" id="{09AA12FA-7959-4581-B344-DF9E7B0AD37A}"/>
+                  <a16:creationId xmlns:a16="http://schemas.microsoft.com/office/drawing/2014/main" id="{09AA12FA-7959-4581-B344-DF9E7B0AD37A}"/>
                 </a:ext>
               </a:extLst>
             </p:cNvPr>
@@ -7532,7 +7532,7 @@
           <p:cNvPr id="7" name="Rectangle 6">
             <a:extLst>
               <a:ext uri="{FF2B5EF4-FFF2-40B4-BE49-F238E27FC236}">
-                <a16:creationId xmlns:a16="http://schemas.microsoft.com/office/drawing/2014/main" xmlns="" id="{09F1B35C-893A-4033-ADC0-2192AFA29271}"/>
+                <a16:creationId xmlns:a16="http://schemas.microsoft.com/office/drawing/2014/main" id="{09F1B35C-893A-4033-ADC0-2192AFA29271}"/>
               </a:ext>
             </a:extLst>
           </p:cNvPr>
@@ -7599,7 +7599,7 @@
           <p:cNvPr id="2" name="Title 1">
             <a:extLst>
               <a:ext uri="{FF2B5EF4-FFF2-40B4-BE49-F238E27FC236}">
-                <a16:creationId xmlns:a16="http://schemas.microsoft.com/office/drawing/2014/main" xmlns="" id="{CD637DF8-B064-4F36-89F8-EBF538A2E7F2}"/>
+                <a16:creationId xmlns:a16="http://schemas.microsoft.com/office/drawing/2014/main" id="{CD637DF8-B064-4F36-89F8-EBF538A2E7F2}"/>
               </a:ext>
             </a:extLst>
           </p:cNvPr>
@@ -7639,7 +7639,7 @@
           <p:cNvPr id="3" name="Text Placeholder 2">
             <a:extLst>
               <a:ext uri="{FF2B5EF4-FFF2-40B4-BE49-F238E27FC236}">
-                <a16:creationId xmlns:a16="http://schemas.microsoft.com/office/drawing/2014/main" xmlns="" id="{8A72532A-5006-46B7-AE99-3A6891CD0254}"/>
+                <a16:creationId xmlns:a16="http://schemas.microsoft.com/office/drawing/2014/main" id="{8A72532A-5006-46B7-AE99-3A6891CD0254}"/>
               </a:ext>
             </a:extLst>
           </p:cNvPr>
@@ -7769,7 +7769,7 @@
           <p:cNvPr id="4" name="Date Placeholder 3">
             <a:extLst>
               <a:ext uri="{FF2B5EF4-FFF2-40B4-BE49-F238E27FC236}">
-                <a16:creationId xmlns:a16="http://schemas.microsoft.com/office/drawing/2014/main" xmlns="" id="{49EFC6D7-3241-401C-A16A-4A7CC2653954}"/>
+                <a16:creationId xmlns:a16="http://schemas.microsoft.com/office/drawing/2014/main" id="{49EFC6D7-3241-401C-A16A-4A7CC2653954}"/>
               </a:ext>
             </a:extLst>
           </p:cNvPr>
@@ -7798,7 +7798,7 @@
           <p:cNvPr id="5" name="Footer Placeholder 4">
             <a:extLst>
               <a:ext uri="{FF2B5EF4-FFF2-40B4-BE49-F238E27FC236}">
-                <a16:creationId xmlns:a16="http://schemas.microsoft.com/office/drawing/2014/main" xmlns="" id="{F345D6DC-ABA5-4D00-9CD3-92FFDD1FA2DC}"/>
+                <a16:creationId xmlns:a16="http://schemas.microsoft.com/office/drawing/2014/main" id="{F345D6DC-ABA5-4D00-9CD3-92FFDD1FA2DC}"/>
               </a:ext>
             </a:extLst>
           </p:cNvPr>
@@ -7827,7 +7827,7 @@
           <p:cNvPr id="6" name="Slide Number Placeholder 5">
             <a:extLst>
               <a:ext uri="{FF2B5EF4-FFF2-40B4-BE49-F238E27FC236}">
-                <a16:creationId xmlns:a16="http://schemas.microsoft.com/office/drawing/2014/main" xmlns="" id="{92459C86-0106-40E0-AA18-795EC5787677}"/>
+                <a16:creationId xmlns:a16="http://schemas.microsoft.com/office/drawing/2014/main" id="{92459C86-0106-40E0-AA18-795EC5787677}"/>
               </a:ext>
             </a:extLst>
           </p:cNvPr>
@@ -7856,7 +7856,7 @@
           <p:cNvPr id="11" name="Picture Placeholder 10">
             <a:extLst>
               <a:ext uri="{FF2B5EF4-FFF2-40B4-BE49-F238E27FC236}">
-                <a16:creationId xmlns:a16="http://schemas.microsoft.com/office/drawing/2014/main" xmlns="" id="{6D14F7B3-A6CF-491C-9855-75B5784CC456}"/>
+                <a16:creationId xmlns:a16="http://schemas.microsoft.com/office/drawing/2014/main" id="{6D14F7B3-A6CF-491C-9855-75B5784CC456}"/>
               </a:ext>
             </a:extLst>
           </p:cNvPr>
@@ -7897,7 +7897,7 @@
           <p:cNvPr id="15" name="Group 14">
             <a:extLst>
               <a:ext uri="{FF2B5EF4-FFF2-40B4-BE49-F238E27FC236}">
-                <a16:creationId xmlns:a16="http://schemas.microsoft.com/office/drawing/2014/main" xmlns="" id="{B7317392-EF87-4050-8BBE-32F74B0CF15A}"/>
+                <a16:creationId xmlns:a16="http://schemas.microsoft.com/office/drawing/2014/main" id="{B7317392-EF87-4050-8BBE-32F74B0CF15A}"/>
               </a:ext>
             </a:extLst>
           </p:cNvPr>
@@ -7917,7 +7917,7 @@
             <p:cNvPr id="13" name="Straight Connector 12">
               <a:extLst>
                 <a:ext uri="{FF2B5EF4-FFF2-40B4-BE49-F238E27FC236}">
-                  <a16:creationId xmlns:a16="http://schemas.microsoft.com/office/drawing/2014/main" xmlns="" id="{785A4134-866D-4143-AC1E-8A2FFDB49855}"/>
+                  <a16:creationId xmlns:a16="http://schemas.microsoft.com/office/drawing/2014/main" id="{785A4134-866D-4143-AC1E-8A2FFDB49855}"/>
                 </a:ext>
               </a:extLst>
             </p:cNvPr>
@@ -7961,7 +7961,7 @@
             <p:cNvPr id="14" name="Oval 13">
               <a:extLst>
                 <a:ext uri="{FF2B5EF4-FFF2-40B4-BE49-F238E27FC236}">
-                  <a16:creationId xmlns:a16="http://schemas.microsoft.com/office/drawing/2014/main" xmlns="" id="{1BBC5D9C-B8FB-455B-9398-36DB21F2765E}"/>
+                  <a16:creationId xmlns:a16="http://schemas.microsoft.com/office/drawing/2014/main" id="{1BBC5D9C-B8FB-455B-9398-36DB21F2765E}"/>
                 </a:ext>
               </a:extLst>
             </p:cNvPr>
@@ -8022,7 +8022,7 @@
           <p:cNvPr id="17" name="Oval 16">
             <a:extLst>
               <a:ext uri="{FF2B5EF4-FFF2-40B4-BE49-F238E27FC236}">
-                <a16:creationId xmlns:a16="http://schemas.microsoft.com/office/drawing/2014/main" xmlns="" id="{72225750-E4CE-4A81-A0C3-4023030D637E}"/>
+                <a16:creationId xmlns:a16="http://schemas.microsoft.com/office/drawing/2014/main" id="{72225750-E4CE-4A81-A0C3-4023030D637E}"/>
               </a:ext>
             </a:extLst>
           </p:cNvPr>
@@ -8077,7 +8077,7 @@
           <p:cNvPr id="18" name="Straight Connector 17">
             <a:extLst>
               <a:ext uri="{FF2B5EF4-FFF2-40B4-BE49-F238E27FC236}">
-                <a16:creationId xmlns:a16="http://schemas.microsoft.com/office/drawing/2014/main" xmlns="" id="{3819C324-07DF-49DB-A08C-0E6155CE3041}"/>
+                <a16:creationId xmlns:a16="http://schemas.microsoft.com/office/drawing/2014/main" id="{3819C324-07DF-49DB-A08C-0E6155CE3041}"/>
               </a:ext>
             </a:extLst>
           </p:cNvPr>
@@ -8121,7 +8121,7 @@
           <p:cNvPr id="19" name="Oval 18">
             <a:extLst>
               <a:ext uri="{FF2B5EF4-FFF2-40B4-BE49-F238E27FC236}">
-                <a16:creationId xmlns:a16="http://schemas.microsoft.com/office/drawing/2014/main" xmlns="" id="{75A34025-44F2-4A09-8629-F1794E9D35AF}"/>
+                <a16:creationId xmlns:a16="http://schemas.microsoft.com/office/drawing/2014/main" id="{75A34025-44F2-4A09-8629-F1794E9D35AF}"/>
               </a:ext>
             </a:extLst>
           </p:cNvPr>
@@ -8176,7 +8176,7 @@
           <p:cNvPr id="20" name="Straight Connector 19">
             <a:extLst>
               <a:ext uri="{FF2B5EF4-FFF2-40B4-BE49-F238E27FC236}">
-                <a16:creationId xmlns:a16="http://schemas.microsoft.com/office/drawing/2014/main" xmlns="" id="{815854A2-EAE9-4B2A-84CF-5A4BD753863A}"/>
+                <a16:creationId xmlns:a16="http://schemas.microsoft.com/office/drawing/2014/main" id="{815854A2-EAE9-4B2A-84CF-5A4BD753863A}"/>
               </a:ext>
             </a:extLst>
           </p:cNvPr>
@@ -8222,7 +8222,7 @@
           <p:cNvPr id="21" name="Text Placeholder 15">
             <a:extLst>
               <a:ext uri="{FF2B5EF4-FFF2-40B4-BE49-F238E27FC236}">
-                <a16:creationId xmlns:a16="http://schemas.microsoft.com/office/drawing/2014/main" xmlns="" id="{DA80730C-5AC9-41A0-ACC5-624F0652D685}"/>
+                <a16:creationId xmlns:a16="http://schemas.microsoft.com/office/drawing/2014/main" id="{DA80730C-5AC9-41A0-ACC5-624F0652D685}"/>
               </a:ext>
             </a:extLst>
           </p:cNvPr>
@@ -8280,7 +8280,7 @@
           <p:cNvPr id="22" name="Text Placeholder 15">
             <a:extLst>
               <a:ext uri="{FF2B5EF4-FFF2-40B4-BE49-F238E27FC236}">
-                <a16:creationId xmlns:a16="http://schemas.microsoft.com/office/drawing/2014/main" xmlns="" id="{515B23A8-23EB-4E6E-A24C-4154570D7DC0}"/>
+                <a16:creationId xmlns:a16="http://schemas.microsoft.com/office/drawing/2014/main" id="{515B23A8-23EB-4E6E-A24C-4154570D7DC0}"/>
               </a:ext>
             </a:extLst>
           </p:cNvPr>
@@ -8338,7 +8338,7 @@
           <p:cNvPr id="23" name="Text Placeholder 15">
             <a:extLst>
               <a:ext uri="{FF2B5EF4-FFF2-40B4-BE49-F238E27FC236}">
-                <a16:creationId xmlns:a16="http://schemas.microsoft.com/office/drawing/2014/main" xmlns="" id="{C12919ED-FD55-4081-BB4A-2B2FDA3BED17}"/>
+                <a16:creationId xmlns:a16="http://schemas.microsoft.com/office/drawing/2014/main" id="{C12919ED-FD55-4081-BB4A-2B2FDA3BED17}"/>
               </a:ext>
             </a:extLst>
           </p:cNvPr>
@@ -8396,7 +8396,7 @@
           <p:cNvPr id="24" name="Straight Connector 23">
             <a:extLst>
               <a:ext uri="{FF2B5EF4-FFF2-40B4-BE49-F238E27FC236}">
-                <a16:creationId xmlns:a16="http://schemas.microsoft.com/office/drawing/2014/main" xmlns="" id="{56A6259C-432B-4405-9E82-995AF092FB7A}"/>
+                <a16:creationId xmlns:a16="http://schemas.microsoft.com/office/drawing/2014/main" id="{56A6259C-432B-4405-9E82-995AF092FB7A}"/>
               </a:ext>
             </a:extLst>
           </p:cNvPr>
@@ -8439,7 +8439,7 @@
           <p:cNvPr id="25" name="Straight Connector 24">
             <a:extLst>
               <a:ext uri="{FF2B5EF4-FFF2-40B4-BE49-F238E27FC236}">
-                <a16:creationId xmlns:a16="http://schemas.microsoft.com/office/drawing/2014/main" xmlns="" id="{13BC485E-8BCE-479F-A7E9-7F9E193E6E96}"/>
+                <a16:creationId xmlns:a16="http://schemas.microsoft.com/office/drawing/2014/main" id="{13BC485E-8BCE-479F-A7E9-7F9E193E6E96}"/>
               </a:ext>
             </a:extLst>
           </p:cNvPr>
@@ -8482,7 +8482,7 @@
           <p:cNvPr id="26" name="Straight Connector 25">
             <a:extLst>
               <a:ext uri="{FF2B5EF4-FFF2-40B4-BE49-F238E27FC236}">
-                <a16:creationId xmlns:a16="http://schemas.microsoft.com/office/drawing/2014/main" xmlns="" id="{D5094BC6-BA16-4E05-868C-3AE971AF3DA4}"/>
+                <a16:creationId xmlns:a16="http://schemas.microsoft.com/office/drawing/2014/main" id="{D5094BC6-BA16-4E05-868C-3AE971AF3DA4}"/>
               </a:ext>
             </a:extLst>
           </p:cNvPr>
@@ -8525,7 +8525,7 @@
           <p:cNvPr id="27" name="Straight Connector 26">
             <a:extLst>
               <a:ext uri="{FF2B5EF4-FFF2-40B4-BE49-F238E27FC236}">
-                <a16:creationId xmlns:a16="http://schemas.microsoft.com/office/drawing/2014/main" xmlns="" id="{F9130EC6-4A8D-447F-862E-E5A693E68C8C}"/>
+                <a16:creationId xmlns:a16="http://schemas.microsoft.com/office/drawing/2014/main" id="{F9130EC6-4A8D-447F-862E-E5A693E68C8C}"/>
               </a:ext>
             </a:extLst>
           </p:cNvPr>
@@ -8568,7 +8568,7 @@
           <p:cNvPr id="29" name="Text Placeholder 2">
             <a:extLst>
               <a:ext uri="{FF2B5EF4-FFF2-40B4-BE49-F238E27FC236}">
-                <a16:creationId xmlns:a16="http://schemas.microsoft.com/office/drawing/2014/main" xmlns="" id="{1B29C9C1-9494-4E8B-A0F3-611E947A19B3}"/>
+                <a16:creationId xmlns:a16="http://schemas.microsoft.com/office/drawing/2014/main" id="{1B29C9C1-9494-4E8B-A0F3-611E947A19B3}"/>
               </a:ext>
             </a:extLst>
           </p:cNvPr>
@@ -8703,7 +8703,7 @@
           <p:cNvPr id="30" name="Text Placeholder 2">
             <a:extLst>
               <a:ext uri="{FF2B5EF4-FFF2-40B4-BE49-F238E27FC236}">
-                <a16:creationId xmlns:a16="http://schemas.microsoft.com/office/drawing/2014/main" xmlns="" id="{ABB09D16-148A-45C2-B0B8-1495E8DC7D64}"/>
+                <a16:creationId xmlns:a16="http://schemas.microsoft.com/office/drawing/2014/main" id="{ABB09D16-148A-45C2-B0B8-1495E8DC7D64}"/>
               </a:ext>
             </a:extLst>
           </p:cNvPr>
@@ -8837,7 +8837,7 @@
           <p:cNvPr id="31" name="Text Placeholder 2">
             <a:extLst>
               <a:ext uri="{FF2B5EF4-FFF2-40B4-BE49-F238E27FC236}">
-                <a16:creationId xmlns:a16="http://schemas.microsoft.com/office/drawing/2014/main" xmlns="" id="{67814C7C-3597-4B16-A4AC-D81985C587BD}"/>
+                <a16:creationId xmlns:a16="http://schemas.microsoft.com/office/drawing/2014/main" id="{67814C7C-3597-4B16-A4AC-D81985C587BD}"/>
               </a:ext>
             </a:extLst>
           </p:cNvPr>
@@ -8970,7 +8970,7 @@
           <p:cNvPr id="43" name="Text Placeholder 2">
             <a:extLst>
               <a:ext uri="{FF2B5EF4-FFF2-40B4-BE49-F238E27FC236}">
-                <a16:creationId xmlns:a16="http://schemas.microsoft.com/office/drawing/2014/main" xmlns="" id="{EFE2A8C5-F462-436C-B748-BBE5D58CB8B4}"/>
+                <a16:creationId xmlns:a16="http://schemas.microsoft.com/office/drawing/2014/main" id="{EFE2A8C5-F462-436C-B748-BBE5D58CB8B4}"/>
               </a:ext>
             </a:extLst>
           </p:cNvPr>
@@ -9105,7 +9105,7 @@
           <p:cNvPr id="44" name="Text Placeholder 2">
             <a:extLst>
               <a:ext uri="{FF2B5EF4-FFF2-40B4-BE49-F238E27FC236}">
-                <a16:creationId xmlns:a16="http://schemas.microsoft.com/office/drawing/2014/main" xmlns="" id="{586DAC0D-9859-40A1-8456-F0B43D96718B}"/>
+                <a16:creationId xmlns:a16="http://schemas.microsoft.com/office/drawing/2014/main" id="{586DAC0D-9859-40A1-8456-F0B43D96718B}"/>
               </a:ext>
             </a:extLst>
           </p:cNvPr>
@@ -9239,7 +9239,7 @@
           <p:cNvPr id="45" name="Text Placeholder 2">
             <a:extLst>
               <a:ext uri="{FF2B5EF4-FFF2-40B4-BE49-F238E27FC236}">
-                <a16:creationId xmlns:a16="http://schemas.microsoft.com/office/drawing/2014/main" xmlns="" id="{37B983EE-F89D-4F09-8A9F-2347FA364217}"/>
+                <a16:creationId xmlns:a16="http://schemas.microsoft.com/office/drawing/2014/main" id="{37B983EE-F89D-4F09-8A9F-2347FA364217}"/>
               </a:ext>
             </a:extLst>
           </p:cNvPr>
@@ -9372,7 +9372,7 @@
           <p:cNvPr id="46" name="Text Placeholder 2">
             <a:extLst>
               <a:ext uri="{FF2B5EF4-FFF2-40B4-BE49-F238E27FC236}">
-                <a16:creationId xmlns:a16="http://schemas.microsoft.com/office/drawing/2014/main" xmlns="" id="{D30DD128-A937-4A2F-B070-523A5BAAE260}"/>
+                <a16:creationId xmlns:a16="http://schemas.microsoft.com/office/drawing/2014/main" id="{D30DD128-A937-4A2F-B070-523A5BAAE260}"/>
               </a:ext>
             </a:extLst>
           </p:cNvPr>
@@ -9507,7 +9507,7 @@
           <p:cNvPr id="47" name="Text Placeholder 2">
             <a:extLst>
               <a:ext uri="{FF2B5EF4-FFF2-40B4-BE49-F238E27FC236}">
-                <a16:creationId xmlns:a16="http://schemas.microsoft.com/office/drawing/2014/main" xmlns="" id="{5737B87C-E3C0-46B2-8B79-63EB60491503}"/>
+                <a16:creationId xmlns:a16="http://schemas.microsoft.com/office/drawing/2014/main" id="{5737B87C-E3C0-46B2-8B79-63EB60491503}"/>
               </a:ext>
             </a:extLst>
           </p:cNvPr>
@@ -9641,7 +9641,7 @@
           <p:cNvPr id="48" name="Text Placeholder 2">
             <a:extLst>
               <a:ext uri="{FF2B5EF4-FFF2-40B4-BE49-F238E27FC236}">
-                <a16:creationId xmlns:a16="http://schemas.microsoft.com/office/drawing/2014/main" xmlns="" id="{22F76863-7DCD-4365-80F0-001D51F08779}"/>
+                <a16:creationId xmlns:a16="http://schemas.microsoft.com/office/drawing/2014/main" id="{22F76863-7DCD-4365-80F0-001D51F08779}"/>
               </a:ext>
             </a:extLst>
           </p:cNvPr>
@@ -9804,7 +9804,7 @@
           <p:cNvPr id="15" name="Rectangle 14">
             <a:extLst>
               <a:ext uri="{FF2B5EF4-FFF2-40B4-BE49-F238E27FC236}">
-                <a16:creationId xmlns:a16="http://schemas.microsoft.com/office/drawing/2014/main" xmlns="" id="{E8E3FDB8-6D5C-48FE-99EA-7EC60F4D8191}"/>
+                <a16:creationId xmlns:a16="http://schemas.microsoft.com/office/drawing/2014/main" id="{E8E3FDB8-6D5C-48FE-99EA-7EC60F4D8191}"/>
               </a:ext>
             </a:extLst>
           </p:cNvPr>
@@ -9871,7 +9871,7 @@
           <p:cNvPr id="5" name="Date Placeholder 4">
             <a:extLst>
               <a:ext uri="{FF2B5EF4-FFF2-40B4-BE49-F238E27FC236}">
-                <a16:creationId xmlns:a16="http://schemas.microsoft.com/office/drawing/2014/main" xmlns="" id="{2D9775F3-A041-479A-8038-652B7D9C72E9}"/>
+                <a16:creationId xmlns:a16="http://schemas.microsoft.com/office/drawing/2014/main" id="{2D9775F3-A041-479A-8038-652B7D9C72E9}"/>
               </a:ext>
             </a:extLst>
           </p:cNvPr>
@@ -9900,7 +9900,7 @@
           <p:cNvPr id="6" name="Footer Placeholder 5">
             <a:extLst>
               <a:ext uri="{FF2B5EF4-FFF2-40B4-BE49-F238E27FC236}">
-                <a16:creationId xmlns:a16="http://schemas.microsoft.com/office/drawing/2014/main" xmlns="" id="{29BEDD04-BE4E-4B91-B13E-0C4FB3E1658F}"/>
+                <a16:creationId xmlns:a16="http://schemas.microsoft.com/office/drawing/2014/main" id="{29BEDD04-BE4E-4B91-B13E-0C4FB3E1658F}"/>
               </a:ext>
             </a:extLst>
           </p:cNvPr>
@@ -9929,7 +9929,7 @@
           <p:cNvPr id="7" name="Slide Number Placeholder 6">
             <a:extLst>
               <a:ext uri="{FF2B5EF4-FFF2-40B4-BE49-F238E27FC236}">
-                <a16:creationId xmlns:a16="http://schemas.microsoft.com/office/drawing/2014/main" xmlns="" id="{306DF5D8-12DC-494E-B0F1-2E9C86A14544}"/>
+                <a16:creationId xmlns:a16="http://schemas.microsoft.com/office/drawing/2014/main" id="{306DF5D8-12DC-494E-B0F1-2E9C86A14544}"/>
               </a:ext>
             </a:extLst>
           </p:cNvPr>
@@ -9958,7 +9958,7 @@
           <p:cNvPr id="8" name="Title 1">
             <a:extLst>
               <a:ext uri="{FF2B5EF4-FFF2-40B4-BE49-F238E27FC236}">
-                <a16:creationId xmlns:a16="http://schemas.microsoft.com/office/drawing/2014/main" xmlns="" id="{ABF87C9E-53A2-4DE1-89DC-3907BE2E3D3C}"/>
+                <a16:creationId xmlns:a16="http://schemas.microsoft.com/office/drawing/2014/main" id="{ABF87C9E-53A2-4DE1-89DC-3907BE2E3D3C}"/>
               </a:ext>
             </a:extLst>
           </p:cNvPr>
@@ -9998,7 +9998,7 @@
           <p:cNvPr id="10" name="Picture Placeholder 10">
             <a:extLst>
               <a:ext uri="{FF2B5EF4-FFF2-40B4-BE49-F238E27FC236}">
-                <a16:creationId xmlns:a16="http://schemas.microsoft.com/office/drawing/2014/main" xmlns="" id="{A541F291-2E4B-474E-9ED0-55C97A2A066D}"/>
+                <a16:creationId xmlns:a16="http://schemas.microsoft.com/office/drawing/2014/main" id="{A541F291-2E4B-474E-9ED0-55C97A2A066D}"/>
               </a:ext>
             </a:extLst>
           </p:cNvPr>
@@ -10039,7 +10039,7 @@
           <p:cNvPr id="11" name="Group 10">
             <a:extLst>
               <a:ext uri="{FF2B5EF4-FFF2-40B4-BE49-F238E27FC236}">
-                <a16:creationId xmlns:a16="http://schemas.microsoft.com/office/drawing/2014/main" xmlns="" id="{59E4D57E-4989-4939-A31F-637543FAB606}"/>
+                <a16:creationId xmlns:a16="http://schemas.microsoft.com/office/drawing/2014/main" id="{59E4D57E-4989-4939-A31F-637543FAB606}"/>
               </a:ext>
             </a:extLst>
           </p:cNvPr>
@@ -10059,7 +10059,7 @@
             <p:cNvPr id="12" name="Straight Connector 11">
               <a:extLst>
                 <a:ext uri="{FF2B5EF4-FFF2-40B4-BE49-F238E27FC236}">
-                  <a16:creationId xmlns:a16="http://schemas.microsoft.com/office/drawing/2014/main" xmlns="" id="{370B72A7-B625-48B8-88E6-BCE2A4DD531E}"/>
+                  <a16:creationId xmlns:a16="http://schemas.microsoft.com/office/drawing/2014/main" id="{370B72A7-B625-48B8-88E6-BCE2A4DD531E}"/>
                 </a:ext>
               </a:extLst>
             </p:cNvPr>
@@ -10105,7 +10105,7 @@
             <p:cNvPr id="13" name="Oval 12">
               <a:extLst>
                 <a:ext uri="{FF2B5EF4-FFF2-40B4-BE49-F238E27FC236}">
-                  <a16:creationId xmlns:a16="http://schemas.microsoft.com/office/drawing/2014/main" xmlns="" id="{01ED729F-F8A5-4244-9776-4935C260F11F}"/>
+                  <a16:creationId xmlns:a16="http://schemas.microsoft.com/office/drawing/2014/main" id="{01ED729F-F8A5-4244-9776-4935C260F11F}"/>
                 </a:ext>
               </a:extLst>
             </p:cNvPr>
@@ -10166,7 +10166,7 @@
           <p:cNvPr id="17" name="Straight Connector 16">
             <a:extLst>
               <a:ext uri="{FF2B5EF4-FFF2-40B4-BE49-F238E27FC236}">
-                <a16:creationId xmlns:a16="http://schemas.microsoft.com/office/drawing/2014/main" xmlns="" id="{6150998C-CF95-4C6F-8962-8EB2DB30177D}"/>
+                <a16:creationId xmlns:a16="http://schemas.microsoft.com/office/drawing/2014/main" id="{6150998C-CF95-4C6F-8962-8EB2DB30177D}"/>
               </a:ext>
             </a:extLst>
           </p:cNvPr>
@@ -10210,7 +10210,7 @@
           <p:cNvPr id="18" name="Oval 17">
             <a:extLst>
               <a:ext uri="{FF2B5EF4-FFF2-40B4-BE49-F238E27FC236}">
-                <a16:creationId xmlns:a16="http://schemas.microsoft.com/office/drawing/2014/main" xmlns="" id="{F86A2ACD-8CF5-48A3-A678-E213A809B332}"/>
+                <a16:creationId xmlns:a16="http://schemas.microsoft.com/office/drawing/2014/main" id="{F86A2ACD-8CF5-48A3-A678-E213A809B332}"/>
               </a:ext>
             </a:extLst>
           </p:cNvPr>
@@ -10265,7 +10265,7 @@
           <p:cNvPr id="19" name="Straight Connector 18">
             <a:extLst>
               <a:ext uri="{FF2B5EF4-FFF2-40B4-BE49-F238E27FC236}">
-                <a16:creationId xmlns:a16="http://schemas.microsoft.com/office/drawing/2014/main" xmlns="" id="{F00811BB-0E37-4D70-84A5-97B3FBEDCBE6}"/>
+                <a16:creationId xmlns:a16="http://schemas.microsoft.com/office/drawing/2014/main" id="{F00811BB-0E37-4D70-84A5-97B3FBEDCBE6}"/>
               </a:ext>
             </a:extLst>
           </p:cNvPr>
@@ -10311,7 +10311,7 @@
           <p:cNvPr id="20" name="Oval 19">
             <a:extLst>
               <a:ext uri="{FF2B5EF4-FFF2-40B4-BE49-F238E27FC236}">
-                <a16:creationId xmlns:a16="http://schemas.microsoft.com/office/drawing/2014/main" xmlns="" id="{D03B3046-0457-4D23-8E0C-64E3FCD620BB}"/>
+                <a16:creationId xmlns:a16="http://schemas.microsoft.com/office/drawing/2014/main" id="{D03B3046-0457-4D23-8E0C-64E3FCD620BB}"/>
               </a:ext>
             </a:extLst>
           </p:cNvPr>
@@ -10366,7 +10366,7 @@
           <p:cNvPr id="36" name="Text Placeholder 2">
             <a:extLst>
               <a:ext uri="{FF2B5EF4-FFF2-40B4-BE49-F238E27FC236}">
-                <a16:creationId xmlns:a16="http://schemas.microsoft.com/office/drawing/2014/main" xmlns="" id="{99E02476-A734-4A74-BC42-F104B37C8C19}"/>
+                <a16:creationId xmlns:a16="http://schemas.microsoft.com/office/drawing/2014/main" id="{99E02476-A734-4A74-BC42-F104B37C8C19}"/>
               </a:ext>
             </a:extLst>
           </p:cNvPr>
@@ -10499,7 +10499,7 @@
           <p:cNvPr id="24" name="Text Placeholder 2">
             <a:extLst>
               <a:ext uri="{FF2B5EF4-FFF2-40B4-BE49-F238E27FC236}">
-                <a16:creationId xmlns:a16="http://schemas.microsoft.com/office/drawing/2014/main" xmlns="" id="{FB2A0B34-417C-46AC-95C0-9B2A2FCC8BFC}"/>
+                <a16:creationId xmlns:a16="http://schemas.microsoft.com/office/drawing/2014/main" id="{FB2A0B34-417C-46AC-95C0-9B2A2FCC8BFC}"/>
               </a:ext>
             </a:extLst>
           </p:cNvPr>
@@ -10632,7 +10632,7 @@
           <p:cNvPr id="3" name="Content Placeholder 2">
             <a:extLst>
               <a:ext uri="{FF2B5EF4-FFF2-40B4-BE49-F238E27FC236}">
-                <a16:creationId xmlns:a16="http://schemas.microsoft.com/office/drawing/2014/main" xmlns="" id="{7D36F8EF-728B-45C1-87D8-4AD8FA8F3716}"/>
+                <a16:creationId xmlns:a16="http://schemas.microsoft.com/office/drawing/2014/main" id="{7D36F8EF-728B-45C1-87D8-4AD8FA8F3716}"/>
               </a:ext>
             </a:extLst>
           </p:cNvPr>
@@ -10713,7 +10713,7 @@
           <p:cNvPr id="22" name="Content Placeholder 2">
             <a:extLst>
               <a:ext uri="{FF2B5EF4-FFF2-40B4-BE49-F238E27FC236}">
-                <a16:creationId xmlns:a16="http://schemas.microsoft.com/office/drawing/2014/main" xmlns="" id="{7395C5B4-6B03-4F70-96F8-3AE3A7817B52}"/>
+                <a16:creationId xmlns:a16="http://schemas.microsoft.com/office/drawing/2014/main" id="{7395C5B4-6B03-4F70-96F8-3AE3A7817B52}"/>
               </a:ext>
             </a:extLst>
           </p:cNvPr>
@@ -10824,7 +10824,7 @@
           <p:cNvPr id="15" name="Rectangle 14">
             <a:extLst>
               <a:ext uri="{FF2B5EF4-FFF2-40B4-BE49-F238E27FC236}">
-                <a16:creationId xmlns:a16="http://schemas.microsoft.com/office/drawing/2014/main" xmlns="" id="{E8E3FDB8-6D5C-48FE-99EA-7EC60F4D8191}"/>
+                <a16:creationId xmlns:a16="http://schemas.microsoft.com/office/drawing/2014/main" id="{E8E3FDB8-6D5C-48FE-99EA-7EC60F4D8191}"/>
               </a:ext>
             </a:extLst>
           </p:cNvPr>
@@ -10891,7 +10891,7 @@
           <p:cNvPr id="5" name="Date Placeholder 4">
             <a:extLst>
               <a:ext uri="{FF2B5EF4-FFF2-40B4-BE49-F238E27FC236}">
-                <a16:creationId xmlns:a16="http://schemas.microsoft.com/office/drawing/2014/main" xmlns="" id="{2D9775F3-A041-479A-8038-652B7D9C72E9}"/>
+                <a16:creationId xmlns:a16="http://schemas.microsoft.com/office/drawing/2014/main" id="{2D9775F3-A041-479A-8038-652B7D9C72E9}"/>
               </a:ext>
             </a:extLst>
           </p:cNvPr>
@@ -10920,7 +10920,7 @@
           <p:cNvPr id="6" name="Footer Placeholder 5">
             <a:extLst>
               <a:ext uri="{FF2B5EF4-FFF2-40B4-BE49-F238E27FC236}">
-                <a16:creationId xmlns:a16="http://schemas.microsoft.com/office/drawing/2014/main" xmlns="" id="{29BEDD04-BE4E-4B91-B13E-0C4FB3E1658F}"/>
+                <a16:creationId xmlns:a16="http://schemas.microsoft.com/office/drawing/2014/main" id="{29BEDD04-BE4E-4B91-B13E-0C4FB3E1658F}"/>
               </a:ext>
             </a:extLst>
           </p:cNvPr>
@@ -10949,7 +10949,7 @@
           <p:cNvPr id="7" name="Slide Number Placeholder 6">
             <a:extLst>
               <a:ext uri="{FF2B5EF4-FFF2-40B4-BE49-F238E27FC236}">
-                <a16:creationId xmlns:a16="http://schemas.microsoft.com/office/drawing/2014/main" xmlns="" id="{306DF5D8-12DC-494E-B0F1-2E9C86A14544}"/>
+                <a16:creationId xmlns:a16="http://schemas.microsoft.com/office/drawing/2014/main" id="{306DF5D8-12DC-494E-B0F1-2E9C86A14544}"/>
               </a:ext>
             </a:extLst>
           </p:cNvPr>
@@ -10978,7 +10978,7 @@
           <p:cNvPr id="8" name="Title 1">
             <a:extLst>
               <a:ext uri="{FF2B5EF4-FFF2-40B4-BE49-F238E27FC236}">
-                <a16:creationId xmlns:a16="http://schemas.microsoft.com/office/drawing/2014/main" xmlns="" id="{ABF87C9E-53A2-4DE1-89DC-3907BE2E3D3C}"/>
+                <a16:creationId xmlns:a16="http://schemas.microsoft.com/office/drawing/2014/main" id="{ABF87C9E-53A2-4DE1-89DC-3907BE2E3D3C}"/>
               </a:ext>
             </a:extLst>
           </p:cNvPr>
@@ -11018,7 +11018,7 @@
           <p:cNvPr id="9" name="Text Placeholder 2">
             <a:extLst>
               <a:ext uri="{FF2B5EF4-FFF2-40B4-BE49-F238E27FC236}">
-                <a16:creationId xmlns:a16="http://schemas.microsoft.com/office/drawing/2014/main" xmlns="" id="{EB453F8F-AA02-4E0D-93BF-8CF4F1490377}"/>
+                <a16:creationId xmlns:a16="http://schemas.microsoft.com/office/drawing/2014/main" id="{EB453F8F-AA02-4E0D-93BF-8CF4F1490377}"/>
               </a:ext>
             </a:extLst>
           </p:cNvPr>
@@ -11148,7 +11148,7 @@
           <p:cNvPr id="10" name="Picture Placeholder 10">
             <a:extLst>
               <a:ext uri="{FF2B5EF4-FFF2-40B4-BE49-F238E27FC236}">
-                <a16:creationId xmlns:a16="http://schemas.microsoft.com/office/drawing/2014/main" xmlns="" id="{A541F291-2E4B-474E-9ED0-55C97A2A066D}"/>
+                <a16:creationId xmlns:a16="http://schemas.microsoft.com/office/drawing/2014/main" id="{A541F291-2E4B-474E-9ED0-55C97A2A066D}"/>
               </a:ext>
             </a:extLst>
           </p:cNvPr>
@@ -11189,7 +11189,7 @@
           <p:cNvPr id="11" name="Group 10">
             <a:extLst>
               <a:ext uri="{FF2B5EF4-FFF2-40B4-BE49-F238E27FC236}">
-                <a16:creationId xmlns:a16="http://schemas.microsoft.com/office/drawing/2014/main" xmlns="" id="{59E4D57E-4989-4939-A31F-637543FAB606}"/>
+                <a16:creationId xmlns:a16="http://schemas.microsoft.com/office/drawing/2014/main" id="{59E4D57E-4989-4939-A31F-637543FAB606}"/>
               </a:ext>
             </a:extLst>
           </p:cNvPr>
@@ -11209,7 +11209,7 @@
             <p:cNvPr id="12" name="Straight Connector 11">
               <a:extLst>
                 <a:ext uri="{FF2B5EF4-FFF2-40B4-BE49-F238E27FC236}">
-                  <a16:creationId xmlns:a16="http://schemas.microsoft.com/office/drawing/2014/main" xmlns="" id="{370B72A7-B625-48B8-88E6-BCE2A4DD531E}"/>
+                  <a16:creationId xmlns:a16="http://schemas.microsoft.com/office/drawing/2014/main" id="{370B72A7-B625-48B8-88E6-BCE2A4DD531E}"/>
                 </a:ext>
               </a:extLst>
             </p:cNvPr>
@@ -11255,7 +11255,7 @@
             <p:cNvPr id="13" name="Oval 12">
               <a:extLst>
                 <a:ext uri="{FF2B5EF4-FFF2-40B4-BE49-F238E27FC236}">
-                  <a16:creationId xmlns:a16="http://schemas.microsoft.com/office/drawing/2014/main" xmlns="" id="{01ED729F-F8A5-4244-9776-4935C260F11F}"/>
+                  <a16:creationId xmlns:a16="http://schemas.microsoft.com/office/drawing/2014/main" id="{01ED729F-F8A5-4244-9776-4935C260F11F}"/>
                 </a:ext>
               </a:extLst>
             </p:cNvPr>
@@ -11316,7 +11316,7 @@
           <p:cNvPr id="17" name="Straight Connector 16">
             <a:extLst>
               <a:ext uri="{FF2B5EF4-FFF2-40B4-BE49-F238E27FC236}">
-                <a16:creationId xmlns:a16="http://schemas.microsoft.com/office/drawing/2014/main" xmlns="" id="{6150998C-CF95-4C6F-8962-8EB2DB30177D}"/>
+                <a16:creationId xmlns:a16="http://schemas.microsoft.com/office/drawing/2014/main" id="{6150998C-CF95-4C6F-8962-8EB2DB30177D}"/>
               </a:ext>
             </a:extLst>
           </p:cNvPr>
@@ -11360,7 +11360,7 @@
           <p:cNvPr id="18" name="Oval 17">
             <a:extLst>
               <a:ext uri="{FF2B5EF4-FFF2-40B4-BE49-F238E27FC236}">
-                <a16:creationId xmlns:a16="http://schemas.microsoft.com/office/drawing/2014/main" xmlns="" id="{F86A2ACD-8CF5-48A3-A678-E213A809B332}"/>
+                <a16:creationId xmlns:a16="http://schemas.microsoft.com/office/drawing/2014/main" id="{F86A2ACD-8CF5-48A3-A678-E213A809B332}"/>
               </a:ext>
             </a:extLst>
           </p:cNvPr>
@@ -11415,7 +11415,7 @@
           <p:cNvPr id="19" name="Straight Connector 18">
             <a:extLst>
               <a:ext uri="{FF2B5EF4-FFF2-40B4-BE49-F238E27FC236}">
-                <a16:creationId xmlns:a16="http://schemas.microsoft.com/office/drawing/2014/main" xmlns="" id="{F00811BB-0E37-4D70-84A5-97B3FBEDCBE6}"/>
+                <a16:creationId xmlns:a16="http://schemas.microsoft.com/office/drawing/2014/main" id="{F00811BB-0E37-4D70-84A5-97B3FBEDCBE6}"/>
               </a:ext>
             </a:extLst>
           </p:cNvPr>
@@ -11461,7 +11461,7 @@
           <p:cNvPr id="20" name="Oval 19">
             <a:extLst>
               <a:ext uri="{FF2B5EF4-FFF2-40B4-BE49-F238E27FC236}">
-                <a16:creationId xmlns:a16="http://schemas.microsoft.com/office/drawing/2014/main" xmlns="" id="{D03B3046-0457-4D23-8E0C-64E3FCD620BB}"/>
+                <a16:creationId xmlns:a16="http://schemas.microsoft.com/office/drawing/2014/main" id="{D03B3046-0457-4D23-8E0C-64E3FCD620BB}"/>
               </a:ext>
             </a:extLst>
           </p:cNvPr>
@@ -11516,7 +11516,7 @@
           <p:cNvPr id="16" name="Text Placeholder 15">
             <a:extLst>
               <a:ext uri="{FF2B5EF4-FFF2-40B4-BE49-F238E27FC236}">
-                <a16:creationId xmlns:a16="http://schemas.microsoft.com/office/drawing/2014/main" xmlns="" id="{D0092E26-7A96-4712-98A7-FFDA7C3D7721}"/>
+                <a16:creationId xmlns:a16="http://schemas.microsoft.com/office/drawing/2014/main" id="{D0092E26-7A96-4712-98A7-FFDA7C3D7721}"/>
               </a:ext>
             </a:extLst>
           </p:cNvPr>
@@ -11572,7 +11572,7 @@
           <p:cNvPr id="34" name="Text Placeholder 2">
             <a:extLst>
               <a:ext uri="{FF2B5EF4-FFF2-40B4-BE49-F238E27FC236}">
-                <a16:creationId xmlns:a16="http://schemas.microsoft.com/office/drawing/2014/main" xmlns="" id="{B17B484C-F876-40B2-89DE-FC7A9E54C835}"/>
+                <a16:creationId xmlns:a16="http://schemas.microsoft.com/office/drawing/2014/main" id="{B17B484C-F876-40B2-89DE-FC7A9E54C835}"/>
               </a:ext>
             </a:extLst>
           </p:cNvPr>
@@ -11707,7 +11707,7 @@
           <p:cNvPr id="36" name="Text Placeholder 2">
             <a:extLst>
               <a:ext uri="{FF2B5EF4-FFF2-40B4-BE49-F238E27FC236}">
-                <a16:creationId xmlns:a16="http://schemas.microsoft.com/office/drawing/2014/main" xmlns="" id="{99E02476-A734-4A74-BC42-F104B37C8C19}"/>
+                <a16:creationId xmlns:a16="http://schemas.microsoft.com/office/drawing/2014/main" id="{99E02476-A734-4A74-BC42-F104B37C8C19}"/>
               </a:ext>
             </a:extLst>
           </p:cNvPr>
@@ -11840,7 +11840,7 @@
           <p:cNvPr id="14" name="Straight Connector 13">
             <a:extLst>
               <a:ext uri="{FF2B5EF4-FFF2-40B4-BE49-F238E27FC236}">
-                <a16:creationId xmlns:a16="http://schemas.microsoft.com/office/drawing/2014/main" xmlns="" id="{1AD3A3AB-488E-4090-9FD5-E005D5A9ECF5}"/>
+                <a16:creationId xmlns:a16="http://schemas.microsoft.com/office/drawing/2014/main" id="{1AD3A3AB-488E-4090-9FD5-E005D5A9ECF5}"/>
               </a:ext>
             </a:extLst>
           </p:cNvPr>
@@ -11883,7 +11883,7 @@
           <p:cNvPr id="21" name="Oval 20">
             <a:extLst>
               <a:ext uri="{FF2B5EF4-FFF2-40B4-BE49-F238E27FC236}">
-                <a16:creationId xmlns:a16="http://schemas.microsoft.com/office/drawing/2014/main" xmlns="" id="{BD6729DC-C5B3-485B-B5CD-F06FC3CAFD9A}"/>
+                <a16:creationId xmlns:a16="http://schemas.microsoft.com/office/drawing/2014/main" id="{BD6729DC-C5B3-485B-B5CD-F06FC3CAFD9A}"/>
               </a:ext>
             </a:extLst>
           </p:cNvPr>
@@ -11942,7 +11942,7 @@
           <p:cNvPr id="29" name="Oval 28">
             <a:extLst>
               <a:ext uri="{FF2B5EF4-FFF2-40B4-BE49-F238E27FC236}">
-                <a16:creationId xmlns:a16="http://schemas.microsoft.com/office/drawing/2014/main" xmlns="" id="{C4046DD7-8FB2-43D4-8E94-3D35DC3E2891}"/>
+                <a16:creationId xmlns:a16="http://schemas.microsoft.com/office/drawing/2014/main" id="{C4046DD7-8FB2-43D4-8E94-3D35DC3E2891}"/>
               </a:ext>
             </a:extLst>
           </p:cNvPr>
@@ -12001,7 +12001,7 @@
           <p:cNvPr id="30" name="Oval 29">
             <a:extLst>
               <a:ext uri="{FF2B5EF4-FFF2-40B4-BE49-F238E27FC236}">
-                <a16:creationId xmlns:a16="http://schemas.microsoft.com/office/drawing/2014/main" xmlns="" id="{A320A73A-D3CB-4E04-B7E2-F3696B8ACDEA}"/>
+                <a16:creationId xmlns:a16="http://schemas.microsoft.com/office/drawing/2014/main" id="{A320A73A-D3CB-4E04-B7E2-F3696B8ACDEA}"/>
               </a:ext>
             </a:extLst>
           </p:cNvPr>
@@ -12060,7 +12060,7 @@
           <p:cNvPr id="31" name="Oval 30">
             <a:extLst>
               <a:ext uri="{FF2B5EF4-FFF2-40B4-BE49-F238E27FC236}">
-                <a16:creationId xmlns:a16="http://schemas.microsoft.com/office/drawing/2014/main" xmlns="" id="{3E2B01F0-78A8-41AE-95B8-811603402031}"/>
+                <a16:creationId xmlns:a16="http://schemas.microsoft.com/office/drawing/2014/main" id="{3E2B01F0-78A8-41AE-95B8-811603402031}"/>
               </a:ext>
             </a:extLst>
           </p:cNvPr>
@@ -12119,7 +12119,7 @@
           <p:cNvPr id="32" name="Text Placeholder 2">
             <a:extLst>
               <a:ext uri="{FF2B5EF4-FFF2-40B4-BE49-F238E27FC236}">
-                <a16:creationId xmlns:a16="http://schemas.microsoft.com/office/drawing/2014/main" xmlns="" id="{A70E382B-B932-45B7-BD95-6D722A4A2480}"/>
+                <a16:creationId xmlns:a16="http://schemas.microsoft.com/office/drawing/2014/main" id="{A70E382B-B932-45B7-BD95-6D722A4A2480}"/>
               </a:ext>
             </a:extLst>
           </p:cNvPr>
@@ -12254,7 +12254,7 @@
           <p:cNvPr id="33" name="Text Placeholder 2">
             <a:extLst>
               <a:ext uri="{FF2B5EF4-FFF2-40B4-BE49-F238E27FC236}">
-                <a16:creationId xmlns:a16="http://schemas.microsoft.com/office/drawing/2014/main" xmlns="" id="{2F096B52-06C2-46DF-BB33-70D931283F16}"/>
+                <a16:creationId xmlns:a16="http://schemas.microsoft.com/office/drawing/2014/main" id="{2F096B52-06C2-46DF-BB33-70D931283F16}"/>
               </a:ext>
             </a:extLst>
           </p:cNvPr>
@@ -12387,7 +12387,7 @@
           <p:cNvPr id="35" name="Text Placeholder 2">
             <a:extLst>
               <a:ext uri="{FF2B5EF4-FFF2-40B4-BE49-F238E27FC236}">
-                <a16:creationId xmlns:a16="http://schemas.microsoft.com/office/drawing/2014/main" xmlns="" id="{5D87FD43-95C9-4217-AD5F-FE02E28AD4CE}"/>
+                <a16:creationId xmlns:a16="http://schemas.microsoft.com/office/drawing/2014/main" id="{5D87FD43-95C9-4217-AD5F-FE02E28AD4CE}"/>
               </a:ext>
             </a:extLst>
           </p:cNvPr>
@@ -12522,7 +12522,7 @@
           <p:cNvPr id="37" name="Text Placeholder 2">
             <a:extLst>
               <a:ext uri="{FF2B5EF4-FFF2-40B4-BE49-F238E27FC236}">
-                <a16:creationId xmlns:a16="http://schemas.microsoft.com/office/drawing/2014/main" xmlns="" id="{A6706CEB-523E-4248-9A66-5D139D8B0DE5}"/>
+                <a16:creationId xmlns:a16="http://schemas.microsoft.com/office/drawing/2014/main" id="{A6706CEB-523E-4248-9A66-5D139D8B0DE5}"/>
               </a:ext>
             </a:extLst>
           </p:cNvPr>
@@ -12655,7 +12655,7 @@
           <p:cNvPr id="38" name="Text Placeholder 2">
             <a:extLst>
               <a:ext uri="{FF2B5EF4-FFF2-40B4-BE49-F238E27FC236}">
-                <a16:creationId xmlns:a16="http://schemas.microsoft.com/office/drawing/2014/main" xmlns="" id="{6ADC931C-F9B2-467E-A024-CB5BE74BAD85}"/>
+                <a16:creationId xmlns:a16="http://schemas.microsoft.com/office/drawing/2014/main" id="{6ADC931C-F9B2-467E-A024-CB5BE74BAD85}"/>
               </a:ext>
             </a:extLst>
           </p:cNvPr>
@@ -12790,7 +12790,7 @@
           <p:cNvPr id="39" name="Text Placeholder 2">
             <a:extLst>
               <a:ext uri="{FF2B5EF4-FFF2-40B4-BE49-F238E27FC236}">
-                <a16:creationId xmlns:a16="http://schemas.microsoft.com/office/drawing/2014/main" xmlns="" id="{0A301DE6-2E75-41F5-9314-B269815BA3F3}"/>
+                <a16:creationId xmlns:a16="http://schemas.microsoft.com/office/drawing/2014/main" id="{0A301DE6-2E75-41F5-9314-B269815BA3F3}"/>
               </a:ext>
             </a:extLst>
           </p:cNvPr>
@@ -12923,7 +12923,7 @@
           <p:cNvPr id="40" name="Text Placeholder 15">
             <a:extLst>
               <a:ext uri="{FF2B5EF4-FFF2-40B4-BE49-F238E27FC236}">
-                <a16:creationId xmlns:a16="http://schemas.microsoft.com/office/drawing/2014/main" xmlns="" id="{B9154606-4DE0-4DC7-830A-371423BE4201}"/>
+                <a16:creationId xmlns:a16="http://schemas.microsoft.com/office/drawing/2014/main" id="{B9154606-4DE0-4DC7-830A-371423BE4201}"/>
               </a:ext>
             </a:extLst>
           </p:cNvPr>
@@ -12979,7 +12979,7 @@
           <p:cNvPr id="41" name="Text Placeholder 15">
             <a:extLst>
               <a:ext uri="{FF2B5EF4-FFF2-40B4-BE49-F238E27FC236}">
-                <a16:creationId xmlns:a16="http://schemas.microsoft.com/office/drawing/2014/main" xmlns="" id="{5AC8C127-0F88-413C-B7BA-2ED0F81E7D4E}"/>
+                <a16:creationId xmlns:a16="http://schemas.microsoft.com/office/drawing/2014/main" id="{5AC8C127-0F88-413C-B7BA-2ED0F81E7D4E}"/>
               </a:ext>
             </a:extLst>
           </p:cNvPr>
@@ -13035,7 +13035,7 @@
           <p:cNvPr id="42" name="Text Placeholder 15">
             <a:extLst>
               <a:ext uri="{FF2B5EF4-FFF2-40B4-BE49-F238E27FC236}">
-                <a16:creationId xmlns:a16="http://schemas.microsoft.com/office/drawing/2014/main" xmlns="" id="{63C5707A-6E08-4B58-A5FE-40063DB6548E}"/>
+                <a16:creationId xmlns:a16="http://schemas.microsoft.com/office/drawing/2014/main" id="{63C5707A-6E08-4B58-A5FE-40063DB6548E}"/>
               </a:ext>
             </a:extLst>
           </p:cNvPr>
@@ -13121,7 +13121,7 @@
           <p:cNvPr id="7" name="Rectangle 6">
             <a:extLst>
               <a:ext uri="{FF2B5EF4-FFF2-40B4-BE49-F238E27FC236}">
-                <a16:creationId xmlns:a16="http://schemas.microsoft.com/office/drawing/2014/main" xmlns="" id="{09F1B35C-893A-4033-ADC0-2192AFA29271}"/>
+                <a16:creationId xmlns:a16="http://schemas.microsoft.com/office/drawing/2014/main" id="{09F1B35C-893A-4033-ADC0-2192AFA29271}"/>
               </a:ext>
             </a:extLst>
           </p:cNvPr>
@@ -13188,7 +13188,7 @@
           <p:cNvPr id="2" name="Title 1">
             <a:extLst>
               <a:ext uri="{FF2B5EF4-FFF2-40B4-BE49-F238E27FC236}">
-                <a16:creationId xmlns:a16="http://schemas.microsoft.com/office/drawing/2014/main" xmlns="" id="{CD637DF8-B064-4F36-89F8-EBF538A2E7F2}"/>
+                <a16:creationId xmlns:a16="http://schemas.microsoft.com/office/drawing/2014/main" id="{CD637DF8-B064-4F36-89F8-EBF538A2E7F2}"/>
               </a:ext>
             </a:extLst>
           </p:cNvPr>
@@ -13228,7 +13228,7 @@
           <p:cNvPr id="3" name="Text Placeholder 2">
             <a:extLst>
               <a:ext uri="{FF2B5EF4-FFF2-40B4-BE49-F238E27FC236}">
-                <a16:creationId xmlns:a16="http://schemas.microsoft.com/office/drawing/2014/main" xmlns="" id="{8A72532A-5006-46B7-AE99-3A6891CD0254}"/>
+                <a16:creationId xmlns:a16="http://schemas.microsoft.com/office/drawing/2014/main" id="{8A72532A-5006-46B7-AE99-3A6891CD0254}"/>
               </a:ext>
             </a:extLst>
           </p:cNvPr>
@@ -13358,7 +13358,7 @@
           <p:cNvPr id="4" name="Date Placeholder 3">
             <a:extLst>
               <a:ext uri="{FF2B5EF4-FFF2-40B4-BE49-F238E27FC236}">
-                <a16:creationId xmlns:a16="http://schemas.microsoft.com/office/drawing/2014/main" xmlns="" id="{49EFC6D7-3241-401C-A16A-4A7CC2653954}"/>
+                <a16:creationId xmlns:a16="http://schemas.microsoft.com/office/drawing/2014/main" id="{49EFC6D7-3241-401C-A16A-4A7CC2653954}"/>
               </a:ext>
             </a:extLst>
           </p:cNvPr>
@@ -13387,7 +13387,7 @@
           <p:cNvPr id="5" name="Footer Placeholder 4">
             <a:extLst>
               <a:ext uri="{FF2B5EF4-FFF2-40B4-BE49-F238E27FC236}">
-                <a16:creationId xmlns:a16="http://schemas.microsoft.com/office/drawing/2014/main" xmlns="" id="{F345D6DC-ABA5-4D00-9CD3-92FFDD1FA2DC}"/>
+                <a16:creationId xmlns:a16="http://schemas.microsoft.com/office/drawing/2014/main" id="{F345D6DC-ABA5-4D00-9CD3-92FFDD1FA2DC}"/>
               </a:ext>
             </a:extLst>
           </p:cNvPr>
@@ -13416,7 +13416,7 @@
           <p:cNvPr id="6" name="Slide Number Placeholder 5">
             <a:extLst>
               <a:ext uri="{FF2B5EF4-FFF2-40B4-BE49-F238E27FC236}">
-                <a16:creationId xmlns:a16="http://schemas.microsoft.com/office/drawing/2014/main" xmlns="" id="{92459C86-0106-40E0-AA18-795EC5787677}"/>
+                <a16:creationId xmlns:a16="http://schemas.microsoft.com/office/drawing/2014/main" id="{92459C86-0106-40E0-AA18-795EC5787677}"/>
               </a:ext>
             </a:extLst>
           </p:cNvPr>
@@ -13445,7 +13445,7 @@
           <p:cNvPr id="11" name="Picture Placeholder 10">
             <a:extLst>
               <a:ext uri="{FF2B5EF4-FFF2-40B4-BE49-F238E27FC236}">
-                <a16:creationId xmlns:a16="http://schemas.microsoft.com/office/drawing/2014/main" xmlns="" id="{6D14F7B3-A6CF-491C-9855-75B5784CC456}"/>
+                <a16:creationId xmlns:a16="http://schemas.microsoft.com/office/drawing/2014/main" id="{6D14F7B3-A6CF-491C-9855-75B5784CC456}"/>
               </a:ext>
             </a:extLst>
           </p:cNvPr>
@@ -13486,7 +13486,7 @@
           <p:cNvPr id="15" name="Group 14">
             <a:extLst>
               <a:ext uri="{FF2B5EF4-FFF2-40B4-BE49-F238E27FC236}">
-                <a16:creationId xmlns:a16="http://schemas.microsoft.com/office/drawing/2014/main" xmlns="" id="{B7317392-EF87-4050-8BBE-32F74B0CF15A}"/>
+                <a16:creationId xmlns:a16="http://schemas.microsoft.com/office/drawing/2014/main" id="{B7317392-EF87-4050-8BBE-32F74B0CF15A}"/>
               </a:ext>
             </a:extLst>
           </p:cNvPr>
@@ -13506,7 +13506,7 @@
             <p:cNvPr id="13" name="Straight Connector 12">
               <a:extLst>
                 <a:ext uri="{FF2B5EF4-FFF2-40B4-BE49-F238E27FC236}">
-                  <a16:creationId xmlns:a16="http://schemas.microsoft.com/office/drawing/2014/main" xmlns="" id="{785A4134-866D-4143-AC1E-8A2FFDB49855}"/>
+                  <a16:creationId xmlns:a16="http://schemas.microsoft.com/office/drawing/2014/main" id="{785A4134-866D-4143-AC1E-8A2FFDB49855}"/>
                 </a:ext>
               </a:extLst>
             </p:cNvPr>
@@ -13552,7 +13552,7 @@
             <p:cNvPr id="14" name="Oval 13">
               <a:extLst>
                 <a:ext uri="{FF2B5EF4-FFF2-40B4-BE49-F238E27FC236}">
-                  <a16:creationId xmlns:a16="http://schemas.microsoft.com/office/drawing/2014/main" xmlns="" id="{1BBC5D9C-B8FB-455B-9398-36DB21F2765E}"/>
+                  <a16:creationId xmlns:a16="http://schemas.microsoft.com/office/drawing/2014/main" id="{1BBC5D9C-B8FB-455B-9398-36DB21F2765E}"/>
                 </a:ext>
               </a:extLst>
             </p:cNvPr>
@@ -13613,7 +13613,7 @@
           <p:cNvPr id="17" name="Oval 16">
             <a:extLst>
               <a:ext uri="{FF2B5EF4-FFF2-40B4-BE49-F238E27FC236}">
-                <a16:creationId xmlns:a16="http://schemas.microsoft.com/office/drawing/2014/main" xmlns="" id="{72225750-E4CE-4A81-A0C3-4023030D637E}"/>
+                <a16:creationId xmlns:a16="http://schemas.microsoft.com/office/drawing/2014/main" id="{72225750-E4CE-4A81-A0C3-4023030D637E}"/>
               </a:ext>
             </a:extLst>
           </p:cNvPr>
@@ -13668,7 +13668,7 @@
           <p:cNvPr id="18" name="Straight Connector 17">
             <a:extLst>
               <a:ext uri="{FF2B5EF4-FFF2-40B4-BE49-F238E27FC236}">
-                <a16:creationId xmlns:a16="http://schemas.microsoft.com/office/drawing/2014/main" xmlns="" id="{3819C324-07DF-49DB-A08C-0E6155CE3041}"/>
+                <a16:creationId xmlns:a16="http://schemas.microsoft.com/office/drawing/2014/main" id="{3819C324-07DF-49DB-A08C-0E6155CE3041}"/>
               </a:ext>
             </a:extLst>
           </p:cNvPr>
@@ -13712,7 +13712,7 @@
           <p:cNvPr id="19" name="Oval 18">
             <a:extLst>
               <a:ext uri="{FF2B5EF4-FFF2-40B4-BE49-F238E27FC236}">
-                <a16:creationId xmlns:a16="http://schemas.microsoft.com/office/drawing/2014/main" xmlns="" id="{75A34025-44F2-4A09-8629-F1794E9D35AF}"/>
+                <a16:creationId xmlns:a16="http://schemas.microsoft.com/office/drawing/2014/main" id="{75A34025-44F2-4A09-8629-F1794E9D35AF}"/>
               </a:ext>
             </a:extLst>
           </p:cNvPr>
@@ -13767,7 +13767,7 @@
           <p:cNvPr id="20" name="Straight Connector 19">
             <a:extLst>
               <a:ext uri="{FF2B5EF4-FFF2-40B4-BE49-F238E27FC236}">
-                <a16:creationId xmlns:a16="http://schemas.microsoft.com/office/drawing/2014/main" xmlns="" id="{815854A2-EAE9-4B2A-84CF-5A4BD753863A}"/>
+                <a16:creationId xmlns:a16="http://schemas.microsoft.com/office/drawing/2014/main" id="{815854A2-EAE9-4B2A-84CF-5A4BD753863A}"/>
               </a:ext>
             </a:extLst>
           </p:cNvPr>
@@ -13813,7 +13813,7 @@
           <p:cNvPr id="10" name="Table Placeholder 9">
             <a:extLst>
               <a:ext uri="{FF2B5EF4-FFF2-40B4-BE49-F238E27FC236}">
-                <a16:creationId xmlns:a16="http://schemas.microsoft.com/office/drawing/2014/main" xmlns="" id="{3F646CE6-E75B-4112-896D-5A26E1F1520E}"/>
+                <a16:creationId xmlns:a16="http://schemas.microsoft.com/office/drawing/2014/main" id="{3F646CE6-E75B-4112-896D-5A26E1F1520E}"/>
               </a:ext>
             </a:extLst>
           </p:cNvPr>
@@ -13884,7 +13884,7 @@
           <p:cNvPr id="7" name="Rectangle 6">
             <a:extLst>
               <a:ext uri="{FF2B5EF4-FFF2-40B4-BE49-F238E27FC236}">
-                <a16:creationId xmlns:a16="http://schemas.microsoft.com/office/drawing/2014/main" xmlns="" id="{09F1B35C-893A-4033-ADC0-2192AFA29271}"/>
+                <a16:creationId xmlns:a16="http://schemas.microsoft.com/office/drawing/2014/main" id="{09F1B35C-893A-4033-ADC0-2192AFA29271}"/>
               </a:ext>
             </a:extLst>
           </p:cNvPr>
@@ -13951,7 +13951,7 @@
           <p:cNvPr id="2" name="Title 1">
             <a:extLst>
               <a:ext uri="{FF2B5EF4-FFF2-40B4-BE49-F238E27FC236}">
-                <a16:creationId xmlns:a16="http://schemas.microsoft.com/office/drawing/2014/main" xmlns="" id="{CD637DF8-B064-4F36-89F8-EBF538A2E7F2}"/>
+                <a16:creationId xmlns:a16="http://schemas.microsoft.com/office/drawing/2014/main" id="{CD637DF8-B064-4F36-89F8-EBF538A2E7F2}"/>
               </a:ext>
             </a:extLst>
           </p:cNvPr>
@@ -13991,7 +13991,7 @@
           <p:cNvPr id="3" name="Text Placeholder 2">
             <a:extLst>
               <a:ext uri="{FF2B5EF4-FFF2-40B4-BE49-F238E27FC236}">
-                <a16:creationId xmlns:a16="http://schemas.microsoft.com/office/drawing/2014/main" xmlns="" id="{8A72532A-5006-46B7-AE99-3A6891CD0254}"/>
+                <a16:creationId xmlns:a16="http://schemas.microsoft.com/office/drawing/2014/main" id="{8A72532A-5006-46B7-AE99-3A6891CD0254}"/>
               </a:ext>
             </a:extLst>
           </p:cNvPr>
@@ -14121,7 +14121,7 @@
           <p:cNvPr id="4" name="Date Placeholder 3">
             <a:extLst>
               <a:ext uri="{FF2B5EF4-FFF2-40B4-BE49-F238E27FC236}">
-                <a16:creationId xmlns:a16="http://schemas.microsoft.com/office/drawing/2014/main" xmlns="" id="{49EFC6D7-3241-401C-A16A-4A7CC2653954}"/>
+                <a16:creationId xmlns:a16="http://schemas.microsoft.com/office/drawing/2014/main" id="{49EFC6D7-3241-401C-A16A-4A7CC2653954}"/>
               </a:ext>
             </a:extLst>
           </p:cNvPr>
@@ -14150,7 +14150,7 @@
           <p:cNvPr id="5" name="Footer Placeholder 4">
             <a:extLst>
               <a:ext uri="{FF2B5EF4-FFF2-40B4-BE49-F238E27FC236}">
-                <a16:creationId xmlns:a16="http://schemas.microsoft.com/office/drawing/2014/main" xmlns="" id="{F345D6DC-ABA5-4D00-9CD3-92FFDD1FA2DC}"/>
+                <a16:creationId xmlns:a16="http://schemas.microsoft.com/office/drawing/2014/main" id="{F345D6DC-ABA5-4D00-9CD3-92FFDD1FA2DC}"/>
               </a:ext>
             </a:extLst>
           </p:cNvPr>
@@ -14179,7 +14179,7 @@
           <p:cNvPr id="6" name="Slide Number Placeholder 5">
             <a:extLst>
               <a:ext uri="{FF2B5EF4-FFF2-40B4-BE49-F238E27FC236}">
-                <a16:creationId xmlns:a16="http://schemas.microsoft.com/office/drawing/2014/main" xmlns="" id="{92459C86-0106-40E0-AA18-795EC5787677}"/>
+                <a16:creationId xmlns:a16="http://schemas.microsoft.com/office/drawing/2014/main" id="{92459C86-0106-40E0-AA18-795EC5787677}"/>
               </a:ext>
             </a:extLst>
           </p:cNvPr>
@@ -14208,7 +14208,7 @@
           <p:cNvPr id="11" name="Picture Placeholder 10">
             <a:extLst>
               <a:ext uri="{FF2B5EF4-FFF2-40B4-BE49-F238E27FC236}">
-                <a16:creationId xmlns:a16="http://schemas.microsoft.com/office/drawing/2014/main" xmlns="" id="{6D14F7B3-A6CF-491C-9855-75B5784CC456}"/>
+                <a16:creationId xmlns:a16="http://schemas.microsoft.com/office/drawing/2014/main" id="{6D14F7B3-A6CF-491C-9855-75B5784CC456}"/>
               </a:ext>
             </a:extLst>
           </p:cNvPr>
@@ -14249,7 +14249,7 @@
           <p:cNvPr id="15" name="Group 14">
             <a:extLst>
               <a:ext uri="{FF2B5EF4-FFF2-40B4-BE49-F238E27FC236}">
-                <a16:creationId xmlns:a16="http://schemas.microsoft.com/office/drawing/2014/main" xmlns="" id="{B7317392-EF87-4050-8BBE-32F74B0CF15A}"/>
+                <a16:creationId xmlns:a16="http://schemas.microsoft.com/office/drawing/2014/main" id="{B7317392-EF87-4050-8BBE-32F74B0CF15A}"/>
               </a:ext>
             </a:extLst>
           </p:cNvPr>
@@ -14269,7 +14269,7 @@
             <p:cNvPr id="13" name="Straight Connector 12">
               <a:extLst>
                 <a:ext uri="{FF2B5EF4-FFF2-40B4-BE49-F238E27FC236}">
-                  <a16:creationId xmlns:a16="http://schemas.microsoft.com/office/drawing/2014/main" xmlns="" id="{785A4134-866D-4143-AC1E-8A2FFDB49855}"/>
+                  <a16:creationId xmlns:a16="http://schemas.microsoft.com/office/drawing/2014/main" id="{785A4134-866D-4143-AC1E-8A2FFDB49855}"/>
                 </a:ext>
               </a:extLst>
             </p:cNvPr>
@@ -14313,7 +14313,7 @@
             <p:cNvPr id="14" name="Oval 13">
               <a:extLst>
                 <a:ext uri="{FF2B5EF4-FFF2-40B4-BE49-F238E27FC236}">
-                  <a16:creationId xmlns:a16="http://schemas.microsoft.com/office/drawing/2014/main" xmlns="" id="{1BBC5D9C-B8FB-455B-9398-36DB21F2765E}"/>
+                  <a16:creationId xmlns:a16="http://schemas.microsoft.com/office/drawing/2014/main" id="{1BBC5D9C-B8FB-455B-9398-36DB21F2765E}"/>
                 </a:ext>
               </a:extLst>
             </p:cNvPr>
@@ -14374,7 +14374,7 @@
           <p:cNvPr id="17" name="Oval 16">
             <a:extLst>
               <a:ext uri="{FF2B5EF4-FFF2-40B4-BE49-F238E27FC236}">
-                <a16:creationId xmlns:a16="http://schemas.microsoft.com/office/drawing/2014/main" xmlns="" id="{72225750-E4CE-4A81-A0C3-4023030D637E}"/>
+                <a16:creationId xmlns:a16="http://schemas.microsoft.com/office/drawing/2014/main" id="{72225750-E4CE-4A81-A0C3-4023030D637E}"/>
               </a:ext>
             </a:extLst>
           </p:cNvPr>
@@ -14429,7 +14429,7 @@
           <p:cNvPr id="18" name="Straight Connector 17">
             <a:extLst>
               <a:ext uri="{FF2B5EF4-FFF2-40B4-BE49-F238E27FC236}">
-                <a16:creationId xmlns:a16="http://schemas.microsoft.com/office/drawing/2014/main" xmlns="" id="{3819C324-07DF-49DB-A08C-0E6155CE3041}"/>
+                <a16:creationId xmlns:a16="http://schemas.microsoft.com/office/drawing/2014/main" id="{3819C324-07DF-49DB-A08C-0E6155CE3041}"/>
               </a:ext>
             </a:extLst>
           </p:cNvPr>
@@ -14473,7 +14473,7 @@
           <p:cNvPr id="19" name="Oval 18">
             <a:extLst>
               <a:ext uri="{FF2B5EF4-FFF2-40B4-BE49-F238E27FC236}">
-                <a16:creationId xmlns:a16="http://schemas.microsoft.com/office/drawing/2014/main" xmlns="" id="{75A34025-44F2-4A09-8629-F1794E9D35AF}"/>
+                <a16:creationId xmlns:a16="http://schemas.microsoft.com/office/drawing/2014/main" id="{75A34025-44F2-4A09-8629-F1794E9D35AF}"/>
               </a:ext>
             </a:extLst>
           </p:cNvPr>
@@ -14528,7 +14528,7 @@
           <p:cNvPr id="20" name="Straight Connector 19">
             <a:extLst>
               <a:ext uri="{FF2B5EF4-FFF2-40B4-BE49-F238E27FC236}">
-                <a16:creationId xmlns:a16="http://schemas.microsoft.com/office/drawing/2014/main" xmlns="" id="{815854A2-EAE9-4B2A-84CF-5A4BD753863A}"/>
+                <a16:creationId xmlns:a16="http://schemas.microsoft.com/office/drawing/2014/main" id="{815854A2-EAE9-4B2A-84CF-5A4BD753863A}"/>
               </a:ext>
             </a:extLst>
           </p:cNvPr>
@@ -14574,7 +14574,7 @@
           <p:cNvPr id="29" name="Text Placeholder 2">
             <a:extLst>
               <a:ext uri="{FF2B5EF4-FFF2-40B4-BE49-F238E27FC236}">
-                <a16:creationId xmlns:a16="http://schemas.microsoft.com/office/drawing/2014/main" xmlns="" id="{1B29C9C1-9494-4E8B-A0F3-611E947A19B3}"/>
+                <a16:creationId xmlns:a16="http://schemas.microsoft.com/office/drawing/2014/main" id="{1B29C9C1-9494-4E8B-A0F3-611E947A19B3}"/>
               </a:ext>
             </a:extLst>
           </p:cNvPr>
@@ -14709,7 +14709,7 @@
           <p:cNvPr id="30" name="Text Placeholder 2">
             <a:extLst>
               <a:ext uri="{FF2B5EF4-FFF2-40B4-BE49-F238E27FC236}">
-                <a16:creationId xmlns:a16="http://schemas.microsoft.com/office/drawing/2014/main" xmlns="" id="{ABB09D16-148A-45C2-B0B8-1495E8DC7D64}"/>
+                <a16:creationId xmlns:a16="http://schemas.microsoft.com/office/drawing/2014/main" id="{ABB09D16-148A-45C2-B0B8-1495E8DC7D64}"/>
               </a:ext>
             </a:extLst>
           </p:cNvPr>
@@ -14843,7 +14843,7 @@
           <p:cNvPr id="31" name="Text Placeholder 2">
             <a:extLst>
               <a:ext uri="{FF2B5EF4-FFF2-40B4-BE49-F238E27FC236}">
-                <a16:creationId xmlns:a16="http://schemas.microsoft.com/office/drawing/2014/main" xmlns="" id="{67814C7C-3597-4B16-A4AC-D81985C587BD}"/>
+                <a16:creationId xmlns:a16="http://schemas.microsoft.com/office/drawing/2014/main" id="{67814C7C-3597-4B16-A4AC-D81985C587BD}"/>
               </a:ext>
             </a:extLst>
           </p:cNvPr>
@@ -14976,7 +14976,7 @@
           <p:cNvPr id="9" name="Picture Placeholder 8">
             <a:extLst>
               <a:ext uri="{FF2B5EF4-FFF2-40B4-BE49-F238E27FC236}">
-                <a16:creationId xmlns:a16="http://schemas.microsoft.com/office/drawing/2014/main" xmlns="" id="{B284A57B-147A-4287-AA6B-E508A9222F7F}"/>
+                <a16:creationId xmlns:a16="http://schemas.microsoft.com/office/drawing/2014/main" id="{B284A57B-147A-4287-AA6B-E508A9222F7F}"/>
               </a:ext>
             </a:extLst>
           </p:cNvPr>
@@ -15025,7 +15025,7 @@
           <p:cNvPr id="35" name="Picture Placeholder 8">
             <a:extLst>
               <a:ext uri="{FF2B5EF4-FFF2-40B4-BE49-F238E27FC236}">
-                <a16:creationId xmlns:a16="http://schemas.microsoft.com/office/drawing/2014/main" xmlns="" id="{9DBE0996-CEA3-41C3-A75A-84DC3C2B5194}"/>
+                <a16:creationId xmlns:a16="http://schemas.microsoft.com/office/drawing/2014/main" id="{9DBE0996-CEA3-41C3-A75A-84DC3C2B5194}"/>
               </a:ext>
             </a:extLst>
           </p:cNvPr>
@@ -15074,7 +15074,7 @@
           <p:cNvPr id="36" name="Picture Placeholder 8">
             <a:extLst>
               <a:ext uri="{FF2B5EF4-FFF2-40B4-BE49-F238E27FC236}">
-                <a16:creationId xmlns:a16="http://schemas.microsoft.com/office/drawing/2014/main" xmlns="" id="{F7B28261-CB14-4E4E-AA66-A0239B3DD28E}"/>
+                <a16:creationId xmlns:a16="http://schemas.microsoft.com/office/drawing/2014/main" id="{F7B28261-CB14-4E4E-AA66-A0239B3DD28E}"/>
               </a:ext>
             </a:extLst>
           </p:cNvPr>
@@ -15123,7 +15123,7 @@
           <p:cNvPr id="37" name="Text Placeholder 2">
             <a:extLst>
               <a:ext uri="{FF2B5EF4-FFF2-40B4-BE49-F238E27FC236}">
-                <a16:creationId xmlns:a16="http://schemas.microsoft.com/office/drawing/2014/main" xmlns="" id="{BAA53E0C-9536-4177-A63F-0E2565EC53CD}"/>
+                <a16:creationId xmlns:a16="http://schemas.microsoft.com/office/drawing/2014/main" id="{BAA53E0C-9536-4177-A63F-0E2565EC53CD}"/>
               </a:ext>
             </a:extLst>
           </p:cNvPr>
@@ -15258,7 +15258,7 @@
           <p:cNvPr id="38" name="Text Placeholder 2">
             <a:extLst>
               <a:ext uri="{FF2B5EF4-FFF2-40B4-BE49-F238E27FC236}">
-                <a16:creationId xmlns:a16="http://schemas.microsoft.com/office/drawing/2014/main" xmlns="" id="{67EF8E36-183B-420B-AF25-17CFA963987A}"/>
+                <a16:creationId xmlns:a16="http://schemas.microsoft.com/office/drawing/2014/main" id="{67EF8E36-183B-420B-AF25-17CFA963987A}"/>
               </a:ext>
             </a:extLst>
           </p:cNvPr>
@@ -15392,7 +15392,7 @@
           <p:cNvPr id="39" name="Text Placeholder 2">
             <a:extLst>
               <a:ext uri="{FF2B5EF4-FFF2-40B4-BE49-F238E27FC236}">
-                <a16:creationId xmlns:a16="http://schemas.microsoft.com/office/drawing/2014/main" xmlns="" id="{58DA6E86-8039-4690-AFE1-7CCF07B7CBAF}"/>
+                <a16:creationId xmlns:a16="http://schemas.microsoft.com/office/drawing/2014/main" id="{58DA6E86-8039-4690-AFE1-7CCF07B7CBAF}"/>
               </a:ext>
             </a:extLst>
           </p:cNvPr>
@@ -15525,7 +15525,7 @@
           <p:cNvPr id="41" name="Text Placeholder 2">
             <a:extLst>
               <a:ext uri="{FF2B5EF4-FFF2-40B4-BE49-F238E27FC236}">
-                <a16:creationId xmlns:a16="http://schemas.microsoft.com/office/drawing/2014/main" xmlns="" id="{933214B9-0452-4C8B-AB10-922F3C3BCF01}"/>
+                <a16:creationId xmlns:a16="http://schemas.microsoft.com/office/drawing/2014/main" id="{933214B9-0452-4C8B-AB10-922F3C3BCF01}"/>
               </a:ext>
             </a:extLst>
           </p:cNvPr>
@@ -15660,7 +15660,7 @@
           <p:cNvPr id="42" name="Text Placeholder 2">
             <a:extLst>
               <a:ext uri="{FF2B5EF4-FFF2-40B4-BE49-F238E27FC236}">
-                <a16:creationId xmlns:a16="http://schemas.microsoft.com/office/drawing/2014/main" xmlns="" id="{A5C23113-D98B-48C7-A675-4FD5F50333F3}"/>
+                <a16:creationId xmlns:a16="http://schemas.microsoft.com/office/drawing/2014/main" id="{A5C23113-D98B-48C7-A675-4FD5F50333F3}"/>
               </a:ext>
             </a:extLst>
           </p:cNvPr>
@@ -15794,7 +15794,7 @@
           <p:cNvPr id="49" name="Text Placeholder 2">
             <a:extLst>
               <a:ext uri="{FF2B5EF4-FFF2-40B4-BE49-F238E27FC236}">
-                <a16:creationId xmlns:a16="http://schemas.microsoft.com/office/drawing/2014/main" xmlns="" id="{09781257-B563-41E0-B9E6-9C7330084BCC}"/>
+                <a16:creationId xmlns:a16="http://schemas.microsoft.com/office/drawing/2014/main" id="{09781257-B563-41E0-B9E6-9C7330084BCC}"/>
               </a:ext>
             </a:extLst>
           </p:cNvPr>
@@ -15927,7 +15927,7 @@
           <p:cNvPr id="32" name="Straight Connector 31">
             <a:extLst>
               <a:ext uri="{FF2B5EF4-FFF2-40B4-BE49-F238E27FC236}">
-                <a16:creationId xmlns:a16="http://schemas.microsoft.com/office/drawing/2014/main" xmlns="" id="{9A32EC27-ACD8-47C0-A3ED-E4ED58D88358}"/>
+                <a16:creationId xmlns:a16="http://schemas.microsoft.com/office/drawing/2014/main" id="{9A32EC27-ACD8-47C0-A3ED-E4ED58D88358}"/>
               </a:ext>
             </a:extLst>
           </p:cNvPr>
@@ -15971,7 +15971,7 @@
           <p:cNvPr id="33" name="Straight Connector 32">
             <a:extLst>
               <a:ext uri="{FF2B5EF4-FFF2-40B4-BE49-F238E27FC236}">
-                <a16:creationId xmlns:a16="http://schemas.microsoft.com/office/drawing/2014/main" xmlns="" id="{99E8819A-135C-4A5C-9F6A-A3BE05AA294F}"/>
+                <a16:creationId xmlns:a16="http://schemas.microsoft.com/office/drawing/2014/main" id="{99E8819A-135C-4A5C-9F6A-A3BE05AA294F}"/>
               </a:ext>
             </a:extLst>
           </p:cNvPr>
@@ -16045,7 +16045,7 @@
           <p:cNvPr id="15" name="Rectangle 14">
             <a:extLst>
               <a:ext uri="{FF2B5EF4-FFF2-40B4-BE49-F238E27FC236}">
-                <a16:creationId xmlns:a16="http://schemas.microsoft.com/office/drawing/2014/main" xmlns="" id="{E8E3FDB8-6D5C-48FE-99EA-7EC60F4D8191}"/>
+                <a16:creationId xmlns:a16="http://schemas.microsoft.com/office/drawing/2014/main" id="{E8E3FDB8-6D5C-48FE-99EA-7EC60F4D8191}"/>
               </a:ext>
             </a:extLst>
           </p:cNvPr>
@@ -16112,7 +16112,7 @@
           <p:cNvPr id="5" name="Date Placeholder 4">
             <a:extLst>
               <a:ext uri="{FF2B5EF4-FFF2-40B4-BE49-F238E27FC236}">
-                <a16:creationId xmlns:a16="http://schemas.microsoft.com/office/drawing/2014/main" xmlns="" id="{2D9775F3-A041-479A-8038-652B7D9C72E9}"/>
+                <a16:creationId xmlns:a16="http://schemas.microsoft.com/office/drawing/2014/main" id="{2D9775F3-A041-479A-8038-652B7D9C72E9}"/>
               </a:ext>
             </a:extLst>
           </p:cNvPr>
@@ -16141,7 +16141,7 @@
           <p:cNvPr id="6" name="Footer Placeholder 5">
             <a:extLst>
               <a:ext uri="{FF2B5EF4-FFF2-40B4-BE49-F238E27FC236}">
-                <a16:creationId xmlns:a16="http://schemas.microsoft.com/office/drawing/2014/main" xmlns="" id="{29BEDD04-BE4E-4B91-B13E-0C4FB3E1658F}"/>
+                <a16:creationId xmlns:a16="http://schemas.microsoft.com/office/drawing/2014/main" id="{29BEDD04-BE4E-4B91-B13E-0C4FB3E1658F}"/>
               </a:ext>
             </a:extLst>
           </p:cNvPr>
@@ -16170,7 +16170,7 @@
           <p:cNvPr id="7" name="Slide Number Placeholder 6">
             <a:extLst>
               <a:ext uri="{FF2B5EF4-FFF2-40B4-BE49-F238E27FC236}">
-                <a16:creationId xmlns:a16="http://schemas.microsoft.com/office/drawing/2014/main" xmlns="" id="{306DF5D8-12DC-494E-B0F1-2E9C86A14544}"/>
+                <a16:creationId xmlns:a16="http://schemas.microsoft.com/office/drawing/2014/main" id="{306DF5D8-12DC-494E-B0F1-2E9C86A14544}"/>
               </a:ext>
             </a:extLst>
           </p:cNvPr>
@@ -16199,7 +16199,7 @@
           <p:cNvPr id="8" name="Title 1">
             <a:extLst>
               <a:ext uri="{FF2B5EF4-FFF2-40B4-BE49-F238E27FC236}">
-                <a16:creationId xmlns:a16="http://schemas.microsoft.com/office/drawing/2014/main" xmlns="" id="{ABF87C9E-53A2-4DE1-89DC-3907BE2E3D3C}"/>
+                <a16:creationId xmlns:a16="http://schemas.microsoft.com/office/drawing/2014/main" id="{ABF87C9E-53A2-4DE1-89DC-3907BE2E3D3C}"/>
               </a:ext>
             </a:extLst>
           </p:cNvPr>
@@ -16239,7 +16239,7 @@
           <p:cNvPr id="9" name="Text Placeholder 2">
             <a:extLst>
               <a:ext uri="{FF2B5EF4-FFF2-40B4-BE49-F238E27FC236}">
-                <a16:creationId xmlns:a16="http://schemas.microsoft.com/office/drawing/2014/main" xmlns="" id="{EB453F8F-AA02-4E0D-93BF-8CF4F1490377}"/>
+                <a16:creationId xmlns:a16="http://schemas.microsoft.com/office/drawing/2014/main" id="{EB453F8F-AA02-4E0D-93BF-8CF4F1490377}"/>
               </a:ext>
             </a:extLst>
           </p:cNvPr>
@@ -16369,7 +16369,7 @@
           <p:cNvPr id="10" name="Picture Placeholder 10">
             <a:extLst>
               <a:ext uri="{FF2B5EF4-FFF2-40B4-BE49-F238E27FC236}">
-                <a16:creationId xmlns:a16="http://schemas.microsoft.com/office/drawing/2014/main" xmlns="" id="{A541F291-2E4B-474E-9ED0-55C97A2A066D}"/>
+                <a16:creationId xmlns:a16="http://schemas.microsoft.com/office/drawing/2014/main" id="{A541F291-2E4B-474E-9ED0-55C97A2A066D}"/>
               </a:ext>
             </a:extLst>
           </p:cNvPr>
@@ -16410,7 +16410,7 @@
           <p:cNvPr id="11" name="Group 10">
             <a:extLst>
               <a:ext uri="{FF2B5EF4-FFF2-40B4-BE49-F238E27FC236}">
-                <a16:creationId xmlns:a16="http://schemas.microsoft.com/office/drawing/2014/main" xmlns="" id="{59E4D57E-4989-4939-A31F-637543FAB606}"/>
+                <a16:creationId xmlns:a16="http://schemas.microsoft.com/office/drawing/2014/main" id="{59E4D57E-4989-4939-A31F-637543FAB606}"/>
               </a:ext>
             </a:extLst>
           </p:cNvPr>
@@ -16430,7 +16430,7 @@
             <p:cNvPr id="12" name="Straight Connector 11">
               <a:extLst>
                 <a:ext uri="{FF2B5EF4-FFF2-40B4-BE49-F238E27FC236}">
-                  <a16:creationId xmlns:a16="http://schemas.microsoft.com/office/drawing/2014/main" xmlns="" id="{370B72A7-B625-48B8-88E6-BCE2A4DD531E}"/>
+                  <a16:creationId xmlns:a16="http://schemas.microsoft.com/office/drawing/2014/main" id="{370B72A7-B625-48B8-88E6-BCE2A4DD531E}"/>
                 </a:ext>
               </a:extLst>
             </p:cNvPr>
@@ -16476,7 +16476,7 @@
             <p:cNvPr id="13" name="Oval 12">
               <a:extLst>
                 <a:ext uri="{FF2B5EF4-FFF2-40B4-BE49-F238E27FC236}">
-                  <a16:creationId xmlns:a16="http://schemas.microsoft.com/office/drawing/2014/main" xmlns="" id="{01ED729F-F8A5-4244-9776-4935C260F11F}"/>
+                  <a16:creationId xmlns:a16="http://schemas.microsoft.com/office/drawing/2014/main" id="{01ED729F-F8A5-4244-9776-4935C260F11F}"/>
                 </a:ext>
               </a:extLst>
             </p:cNvPr>
@@ -16537,7 +16537,7 @@
           <p:cNvPr id="14" name="Text Placeholder 2">
             <a:extLst>
               <a:ext uri="{FF2B5EF4-FFF2-40B4-BE49-F238E27FC236}">
-                <a16:creationId xmlns:a16="http://schemas.microsoft.com/office/drawing/2014/main" xmlns="" id="{BE12A846-0DFC-435B-BAE9-D90C353E0344}"/>
+                <a16:creationId xmlns:a16="http://schemas.microsoft.com/office/drawing/2014/main" id="{BE12A846-0DFC-435B-BAE9-D90C353E0344}"/>
               </a:ext>
             </a:extLst>
           </p:cNvPr>
@@ -16674,7 +16674,7 @@
           <p:cNvPr id="17" name="Straight Connector 16">
             <a:extLst>
               <a:ext uri="{FF2B5EF4-FFF2-40B4-BE49-F238E27FC236}">
-                <a16:creationId xmlns:a16="http://schemas.microsoft.com/office/drawing/2014/main" xmlns="" id="{6150998C-CF95-4C6F-8962-8EB2DB30177D}"/>
+                <a16:creationId xmlns:a16="http://schemas.microsoft.com/office/drawing/2014/main" id="{6150998C-CF95-4C6F-8962-8EB2DB30177D}"/>
               </a:ext>
             </a:extLst>
           </p:cNvPr>
@@ -16718,7 +16718,7 @@
           <p:cNvPr id="18" name="Oval 17">
             <a:extLst>
               <a:ext uri="{FF2B5EF4-FFF2-40B4-BE49-F238E27FC236}">
-                <a16:creationId xmlns:a16="http://schemas.microsoft.com/office/drawing/2014/main" xmlns="" id="{F86A2ACD-8CF5-48A3-A678-E213A809B332}"/>
+                <a16:creationId xmlns:a16="http://schemas.microsoft.com/office/drawing/2014/main" id="{F86A2ACD-8CF5-48A3-A678-E213A809B332}"/>
               </a:ext>
             </a:extLst>
           </p:cNvPr>
@@ -16773,7 +16773,7 @@
           <p:cNvPr id="19" name="Straight Connector 18">
             <a:extLst>
               <a:ext uri="{FF2B5EF4-FFF2-40B4-BE49-F238E27FC236}">
-                <a16:creationId xmlns:a16="http://schemas.microsoft.com/office/drawing/2014/main" xmlns="" id="{F00811BB-0E37-4D70-84A5-97B3FBEDCBE6}"/>
+                <a16:creationId xmlns:a16="http://schemas.microsoft.com/office/drawing/2014/main" id="{F00811BB-0E37-4D70-84A5-97B3FBEDCBE6}"/>
               </a:ext>
             </a:extLst>
           </p:cNvPr>
@@ -16819,7 +16819,7 @@
           <p:cNvPr id="20" name="Oval 19">
             <a:extLst>
               <a:ext uri="{FF2B5EF4-FFF2-40B4-BE49-F238E27FC236}">
-                <a16:creationId xmlns:a16="http://schemas.microsoft.com/office/drawing/2014/main" xmlns="" id="{D03B3046-0457-4D23-8E0C-64E3FCD620BB}"/>
+                <a16:creationId xmlns:a16="http://schemas.microsoft.com/office/drawing/2014/main" id="{D03B3046-0457-4D23-8E0C-64E3FCD620BB}"/>
               </a:ext>
             </a:extLst>
           </p:cNvPr>
@@ -16874,7 +16874,7 @@
           <p:cNvPr id="22" name="Text Placeholder 2">
             <a:extLst>
               <a:ext uri="{FF2B5EF4-FFF2-40B4-BE49-F238E27FC236}">
-                <a16:creationId xmlns:a16="http://schemas.microsoft.com/office/drawing/2014/main" xmlns="" id="{F2ACDD32-C1AB-4359-B055-2F910492987E}"/>
+                <a16:creationId xmlns:a16="http://schemas.microsoft.com/office/drawing/2014/main" id="{F2ACDD32-C1AB-4359-B055-2F910492987E}"/>
               </a:ext>
             </a:extLst>
           </p:cNvPr>
@@ -17007,7 +17007,7 @@
           <p:cNvPr id="3" name="Picture Placeholder 2">
             <a:extLst>
               <a:ext uri="{FF2B5EF4-FFF2-40B4-BE49-F238E27FC236}">
-                <a16:creationId xmlns:a16="http://schemas.microsoft.com/office/drawing/2014/main" xmlns="" id="{F6FF07C5-314A-4EA8-B78F-7A51C234D3A1}"/>
+                <a16:creationId xmlns:a16="http://schemas.microsoft.com/office/drawing/2014/main" id="{F6FF07C5-314A-4EA8-B78F-7A51C234D3A1}"/>
               </a:ext>
             </a:extLst>
           </p:cNvPr>
@@ -17059,7 +17059,7 @@
           <p:cNvPr id="23" name="Straight Connector 22">
             <a:extLst>
               <a:ext uri="{FF2B5EF4-FFF2-40B4-BE49-F238E27FC236}">
-                <a16:creationId xmlns:a16="http://schemas.microsoft.com/office/drawing/2014/main" xmlns="" id="{B691060D-E361-43B0-BFD7-43D7CC4E5CCD}"/>
+                <a16:creationId xmlns:a16="http://schemas.microsoft.com/office/drawing/2014/main" id="{B691060D-E361-43B0-BFD7-43D7CC4E5CCD}"/>
               </a:ext>
             </a:extLst>
           </p:cNvPr>
@@ -17102,7 +17102,7 @@
           <p:cNvPr id="40" name="Text Placeholder 2">
             <a:extLst>
               <a:ext uri="{FF2B5EF4-FFF2-40B4-BE49-F238E27FC236}">
-                <a16:creationId xmlns:a16="http://schemas.microsoft.com/office/drawing/2014/main" xmlns="" id="{4A98AB01-9578-4430-96AD-F434AF0CDA20}"/>
+                <a16:creationId xmlns:a16="http://schemas.microsoft.com/office/drawing/2014/main" id="{4A98AB01-9578-4430-96AD-F434AF0CDA20}"/>
               </a:ext>
             </a:extLst>
           </p:cNvPr>
@@ -17239,7 +17239,7 @@
           <p:cNvPr id="41" name="Text Placeholder 2">
             <a:extLst>
               <a:ext uri="{FF2B5EF4-FFF2-40B4-BE49-F238E27FC236}">
-                <a16:creationId xmlns:a16="http://schemas.microsoft.com/office/drawing/2014/main" xmlns="" id="{EF9D60F2-A1FB-4A95-997B-A4F1723AC1EC}"/>
+                <a16:creationId xmlns:a16="http://schemas.microsoft.com/office/drawing/2014/main" id="{EF9D60F2-A1FB-4A95-997B-A4F1723AC1EC}"/>
               </a:ext>
             </a:extLst>
           </p:cNvPr>
@@ -17372,7 +17372,7 @@
           <p:cNvPr id="42" name="Picture Placeholder 2">
             <a:extLst>
               <a:ext uri="{FF2B5EF4-FFF2-40B4-BE49-F238E27FC236}">
-                <a16:creationId xmlns:a16="http://schemas.microsoft.com/office/drawing/2014/main" xmlns="" id="{76A56D2A-42F0-40C5-96D7-B1AC33152A85}"/>
+                <a16:creationId xmlns:a16="http://schemas.microsoft.com/office/drawing/2014/main" id="{76A56D2A-42F0-40C5-96D7-B1AC33152A85}"/>
               </a:ext>
             </a:extLst>
           </p:cNvPr>
@@ -17424,7 +17424,7 @@
           <p:cNvPr id="43" name="Straight Connector 42">
             <a:extLst>
               <a:ext uri="{FF2B5EF4-FFF2-40B4-BE49-F238E27FC236}">
-                <a16:creationId xmlns:a16="http://schemas.microsoft.com/office/drawing/2014/main" xmlns="" id="{CF6D1C91-9136-4678-A712-92BE9B3902C4}"/>
+                <a16:creationId xmlns:a16="http://schemas.microsoft.com/office/drawing/2014/main" id="{CF6D1C91-9136-4678-A712-92BE9B3902C4}"/>
               </a:ext>
             </a:extLst>
           </p:cNvPr>
@@ -17467,7 +17467,7 @@
           <p:cNvPr id="44" name="Text Placeholder 2">
             <a:extLst>
               <a:ext uri="{FF2B5EF4-FFF2-40B4-BE49-F238E27FC236}">
-                <a16:creationId xmlns:a16="http://schemas.microsoft.com/office/drawing/2014/main" xmlns="" id="{BACF15AB-FF8A-422B-840D-88503024E5D3}"/>
+                <a16:creationId xmlns:a16="http://schemas.microsoft.com/office/drawing/2014/main" id="{BACF15AB-FF8A-422B-840D-88503024E5D3}"/>
               </a:ext>
             </a:extLst>
           </p:cNvPr>
@@ -17604,7 +17604,7 @@
           <p:cNvPr id="45" name="Text Placeholder 2">
             <a:extLst>
               <a:ext uri="{FF2B5EF4-FFF2-40B4-BE49-F238E27FC236}">
-                <a16:creationId xmlns:a16="http://schemas.microsoft.com/office/drawing/2014/main" xmlns="" id="{EFC2028F-7DFE-412D-97DF-707D128D95E0}"/>
+                <a16:creationId xmlns:a16="http://schemas.microsoft.com/office/drawing/2014/main" id="{EFC2028F-7DFE-412D-97DF-707D128D95E0}"/>
               </a:ext>
             </a:extLst>
           </p:cNvPr>
@@ -17737,7 +17737,7 @@
           <p:cNvPr id="47" name="Text Placeholder 2">
             <a:extLst>
               <a:ext uri="{FF2B5EF4-FFF2-40B4-BE49-F238E27FC236}">
-                <a16:creationId xmlns:a16="http://schemas.microsoft.com/office/drawing/2014/main" xmlns="" id="{4349A4F0-1181-4A58-BFD4-4783CD130356}"/>
+                <a16:creationId xmlns:a16="http://schemas.microsoft.com/office/drawing/2014/main" id="{4349A4F0-1181-4A58-BFD4-4783CD130356}"/>
               </a:ext>
             </a:extLst>
           </p:cNvPr>
@@ -17874,7 +17874,7 @@
           <p:cNvPr id="48" name="Text Placeholder 2">
             <a:extLst>
               <a:ext uri="{FF2B5EF4-FFF2-40B4-BE49-F238E27FC236}">
-                <a16:creationId xmlns:a16="http://schemas.microsoft.com/office/drawing/2014/main" xmlns="" id="{DC1D5D83-8D32-491F-87EB-9DA9360D4F2B}"/>
+                <a16:creationId xmlns:a16="http://schemas.microsoft.com/office/drawing/2014/main" id="{DC1D5D83-8D32-491F-87EB-9DA9360D4F2B}"/>
               </a:ext>
             </a:extLst>
           </p:cNvPr>
@@ -18007,7 +18007,7 @@
           <p:cNvPr id="50" name="Text Placeholder 2">
             <a:extLst>
               <a:ext uri="{FF2B5EF4-FFF2-40B4-BE49-F238E27FC236}">
-                <a16:creationId xmlns:a16="http://schemas.microsoft.com/office/drawing/2014/main" xmlns="" id="{8120723F-A42C-4B81-97FD-6F575E5C2584}"/>
+                <a16:creationId xmlns:a16="http://schemas.microsoft.com/office/drawing/2014/main" id="{8120723F-A42C-4B81-97FD-6F575E5C2584}"/>
               </a:ext>
             </a:extLst>
           </p:cNvPr>
@@ -18144,7 +18144,7 @@
           <p:cNvPr id="51" name="Text Placeholder 2">
             <a:extLst>
               <a:ext uri="{FF2B5EF4-FFF2-40B4-BE49-F238E27FC236}">
-                <a16:creationId xmlns:a16="http://schemas.microsoft.com/office/drawing/2014/main" xmlns="" id="{27D068F1-398F-4D11-977C-080C8151C786}"/>
+                <a16:creationId xmlns:a16="http://schemas.microsoft.com/office/drawing/2014/main" id="{27D068F1-398F-4D11-977C-080C8151C786}"/>
               </a:ext>
             </a:extLst>
           </p:cNvPr>
@@ -18277,7 +18277,7 @@
           <p:cNvPr id="53" name="Text Placeholder 2">
             <a:extLst>
               <a:ext uri="{FF2B5EF4-FFF2-40B4-BE49-F238E27FC236}">
-                <a16:creationId xmlns:a16="http://schemas.microsoft.com/office/drawing/2014/main" xmlns="" id="{B795705E-C5CB-46CC-9E41-D2269E07BC15}"/>
+                <a16:creationId xmlns:a16="http://schemas.microsoft.com/office/drawing/2014/main" id="{B795705E-C5CB-46CC-9E41-D2269E07BC15}"/>
               </a:ext>
             </a:extLst>
           </p:cNvPr>
@@ -18414,7 +18414,7 @@
           <p:cNvPr id="54" name="Text Placeholder 2">
             <a:extLst>
               <a:ext uri="{FF2B5EF4-FFF2-40B4-BE49-F238E27FC236}">
-                <a16:creationId xmlns:a16="http://schemas.microsoft.com/office/drawing/2014/main" xmlns="" id="{80211A2B-0F3C-4DBE-AE01-069AE7FC3468}"/>
+                <a16:creationId xmlns:a16="http://schemas.microsoft.com/office/drawing/2014/main" id="{80211A2B-0F3C-4DBE-AE01-069AE7FC3468}"/>
               </a:ext>
             </a:extLst>
           </p:cNvPr>
@@ -18547,7 +18547,7 @@
           <p:cNvPr id="56" name="Straight Connector 55">
             <a:extLst>
               <a:ext uri="{FF2B5EF4-FFF2-40B4-BE49-F238E27FC236}">
-                <a16:creationId xmlns:a16="http://schemas.microsoft.com/office/drawing/2014/main" xmlns="" id="{2E5E9742-C670-47AB-AA69-AE65D7915B06}"/>
+                <a16:creationId xmlns:a16="http://schemas.microsoft.com/office/drawing/2014/main" id="{2E5E9742-C670-47AB-AA69-AE65D7915B06}"/>
               </a:ext>
             </a:extLst>
           </p:cNvPr>
@@ -18590,7 +18590,7 @@
           <p:cNvPr id="57" name="Straight Connector 56">
             <a:extLst>
               <a:ext uri="{FF2B5EF4-FFF2-40B4-BE49-F238E27FC236}">
-                <a16:creationId xmlns:a16="http://schemas.microsoft.com/office/drawing/2014/main" xmlns="" id="{158712DB-5183-45D8-9ABB-6E0795658012}"/>
+                <a16:creationId xmlns:a16="http://schemas.microsoft.com/office/drawing/2014/main" id="{158712DB-5183-45D8-9ABB-6E0795658012}"/>
               </a:ext>
             </a:extLst>
           </p:cNvPr>
@@ -18633,7 +18633,7 @@
           <p:cNvPr id="49" name="Picture Placeholder 2">
             <a:extLst>
               <a:ext uri="{FF2B5EF4-FFF2-40B4-BE49-F238E27FC236}">
-                <a16:creationId xmlns:a16="http://schemas.microsoft.com/office/drawing/2014/main" xmlns="" id="{417A32F4-3459-4A31-A90E-AA771FD4D491}"/>
+                <a16:creationId xmlns:a16="http://schemas.microsoft.com/office/drawing/2014/main" id="{417A32F4-3459-4A31-A90E-AA771FD4D491}"/>
               </a:ext>
             </a:extLst>
           </p:cNvPr>
@@ -18688,7 +18688,7 @@
           <p:cNvPr id="55" name="Picture Placeholder 2">
             <a:extLst>
               <a:ext uri="{FF2B5EF4-FFF2-40B4-BE49-F238E27FC236}">
-                <a16:creationId xmlns:a16="http://schemas.microsoft.com/office/drawing/2014/main" xmlns="" id="{63549FA7-92E5-4DB1-92FA-15902DFD3753}"/>
+                <a16:creationId xmlns:a16="http://schemas.microsoft.com/office/drawing/2014/main" id="{63549FA7-92E5-4DB1-92FA-15902DFD3753}"/>
               </a:ext>
             </a:extLst>
           </p:cNvPr>
@@ -18743,7 +18743,7 @@
           <p:cNvPr id="46" name="Picture Placeholder 2">
             <a:extLst>
               <a:ext uri="{FF2B5EF4-FFF2-40B4-BE49-F238E27FC236}">
-                <a16:creationId xmlns:a16="http://schemas.microsoft.com/office/drawing/2014/main" xmlns="" id="{0F62D330-6A30-4A65-89DA-EDFE4AAD343E}"/>
+                <a16:creationId xmlns:a16="http://schemas.microsoft.com/office/drawing/2014/main" id="{0F62D330-6A30-4A65-89DA-EDFE4AAD343E}"/>
               </a:ext>
             </a:extLst>
           </p:cNvPr>
@@ -18798,7 +18798,7 @@
           <p:cNvPr id="52" name="Picture Placeholder 2">
             <a:extLst>
               <a:ext uri="{FF2B5EF4-FFF2-40B4-BE49-F238E27FC236}">
-                <a16:creationId xmlns:a16="http://schemas.microsoft.com/office/drawing/2014/main" xmlns="" id="{A3FC286B-05E7-4E48-A7FD-197800349118}"/>
+                <a16:creationId xmlns:a16="http://schemas.microsoft.com/office/drawing/2014/main" id="{A3FC286B-05E7-4E48-A7FD-197800349118}"/>
               </a:ext>
             </a:extLst>
           </p:cNvPr>
@@ -18883,7 +18883,7 @@
           <p:cNvPr id="8" name="Picture Placeholder 7">
             <a:extLst>
               <a:ext uri="{FF2B5EF4-FFF2-40B4-BE49-F238E27FC236}">
-                <a16:creationId xmlns:a16="http://schemas.microsoft.com/office/drawing/2014/main" xmlns="" id="{C799DC18-D353-427C-B849-0204F13D9B3D}"/>
+                <a16:creationId xmlns:a16="http://schemas.microsoft.com/office/drawing/2014/main" id="{C799DC18-D353-427C-B849-0204F13D9B3D}"/>
               </a:ext>
             </a:extLst>
           </p:cNvPr>
@@ -18924,7 +18924,7 @@
           <p:cNvPr id="7" name="Rectangle 6">
             <a:extLst>
               <a:ext uri="{FF2B5EF4-FFF2-40B4-BE49-F238E27FC236}">
-                <a16:creationId xmlns:a16="http://schemas.microsoft.com/office/drawing/2014/main" xmlns="" id="{45015858-8549-49EA-BB83-070E0D9D4890}"/>
+                <a16:creationId xmlns:a16="http://schemas.microsoft.com/office/drawing/2014/main" id="{45015858-8549-49EA-BB83-070E0D9D4890}"/>
               </a:ext>
             </a:extLst>
           </p:cNvPr>
@@ -18991,7 +18991,7 @@
           <p:cNvPr id="2" name="Title 1">
             <a:extLst>
               <a:ext uri="{FF2B5EF4-FFF2-40B4-BE49-F238E27FC236}">
-                <a16:creationId xmlns:a16="http://schemas.microsoft.com/office/drawing/2014/main" xmlns="" id="{2206FBAC-B8FD-4768-B682-E0B93BA33105}"/>
+                <a16:creationId xmlns:a16="http://schemas.microsoft.com/office/drawing/2014/main" id="{2206FBAC-B8FD-4768-B682-E0B93BA33105}"/>
               </a:ext>
             </a:extLst>
           </p:cNvPr>
@@ -19045,7 +19045,7 @@
           <p:cNvPr id="4" name="Date Placeholder 3">
             <a:extLst>
               <a:ext uri="{FF2B5EF4-FFF2-40B4-BE49-F238E27FC236}">
-                <a16:creationId xmlns:a16="http://schemas.microsoft.com/office/drawing/2014/main" xmlns="" id="{2472534F-03A6-408A-9BF1-303D0A440BA4}"/>
+                <a16:creationId xmlns:a16="http://schemas.microsoft.com/office/drawing/2014/main" id="{2472534F-03A6-408A-9BF1-303D0A440BA4}"/>
               </a:ext>
             </a:extLst>
           </p:cNvPr>
@@ -19074,7 +19074,7 @@
           <p:cNvPr id="5" name="Footer Placeholder 4">
             <a:extLst>
               <a:ext uri="{FF2B5EF4-FFF2-40B4-BE49-F238E27FC236}">
-                <a16:creationId xmlns:a16="http://schemas.microsoft.com/office/drawing/2014/main" xmlns="" id="{0A24E181-0C50-4F43-A5A7-6FDD1500C708}"/>
+                <a16:creationId xmlns:a16="http://schemas.microsoft.com/office/drawing/2014/main" id="{0A24E181-0C50-4F43-A5A7-6FDD1500C708}"/>
               </a:ext>
             </a:extLst>
           </p:cNvPr>
@@ -19103,7 +19103,7 @@
           <p:cNvPr id="6" name="Slide Number Placeholder 5">
             <a:extLst>
               <a:ext uri="{FF2B5EF4-FFF2-40B4-BE49-F238E27FC236}">
-                <a16:creationId xmlns:a16="http://schemas.microsoft.com/office/drawing/2014/main" xmlns="" id="{13A749CC-EB55-4FEF-AA4C-9A9C6E2AA9C0}"/>
+                <a16:creationId xmlns:a16="http://schemas.microsoft.com/office/drawing/2014/main" id="{13A749CC-EB55-4FEF-AA4C-9A9C6E2AA9C0}"/>
               </a:ext>
             </a:extLst>
           </p:cNvPr>
@@ -19132,7 +19132,7 @@
           <p:cNvPr id="9" name="Group 8">
             <a:extLst>
               <a:ext uri="{FF2B5EF4-FFF2-40B4-BE49-F238E27FC236}">
-                <a16:creationId xmlns:a16="http://schemas.microsoft.com/office/drawing/2014/main" xmlns="" id="{6F3E26A6-6962-4A35-AA86-805537D45296}"/>
+                <a16:creationId xmlns:a16="http://schemas.microsoft.com/office/drawing/2014/main" id="{6F3E26A6-6962-4A35-AA86-805537D45296}"/>
               </a:ext>
             </a:extLst>
           </p:cNvPr>
@@ -19152,7 +19152,7 @@
             <p:cNvPr id="10" name="Oval 9">
               <a:extLst>
                 <a:ext uri="{FF2B5EF4-FFF2-40B4-BE49-F238E27FC236}">
-                  <a16:creationId xmlns:a16="http://schemas.microsoft.com/office/drawing/2014/main" xmlns="" id="{681504C4-12AC-4251-8E47-0089784BDB9B}"/>
+                  <a16:creationId xmlns:a16="http://schemas.microsoft.com/office/drawing/2014/main" id="{681504C4-12AC-4251-8E47-0089784BDB9B}"/>
                 </a:ext>
               </a:extLst>
             </p:cNvPr>
@@ -19207,7 +19207,7 @@
             <p:cNvPr id="11" name="Straight Connector 10">
               <a:extLst>
                 <a:ext uri="{FF2B5EF4-FFF2-40B4-BE49-F238E27FC236}">
-                  <a16:creationId xmlns:a16="http://schemas.microsoft.com/office/drawing/2014/main" xmlns="" id="{192040D0-01C2-4643-8F84-3B8F334E545C}"/>
+                  <a16:creationId xmlns:a16="http://schemas.microsoft.com/office/drawing/2014/main" id="{192040D0-01C2-4643-8F84-3B8F334E545C}"/>
                 </a:ext>
               </a:extLst>
             </p:cNvPr>
@@ -19251,7 +19251,7 @@
             <p:cNvPr id="12" name="Oval 11">
               <a:extLst>
                 <a:ext uri="{FF2B5EF4-FFF2-40B4-BE49-F238E27FC236}">
-                  <a16:creationId xmlns:a16="http://schemas.microsoft.com/office/drawing/2014/main" xmlns="" id="{7ED601E9-2BFC-460B-A2A8-69A787A4988E}"/>
+                  <a16:creationId xmlns:a16="http://schemas.microsoft.com/office/drawing/2014/main" id="{7ED601E9-2BFC-460B-A2A8-69A787A4988E}"/>
                 </a:ext>
               </a:extLst>
             </p:cNvPr>
@@ -19307,7 +19307,7 @@
           <p:cNvPr id="13" name="Group 12">
             <a:extLst>
               <a:ext uri="{FF2B5EF4-FFF2-40B4-BE49-F238E27FC236}">
-                <a16:creationId xmlns:a16="http://schemas.microsoft.com/office/drawing/2014/main" xmlns="" id="{BB49A8A6-FEDB-4D20-B581-A84DB8EFE977}"/>
+                <a16:creationId xmlns:a16="http://schemas.microsoft.com/office/drawing/2014/main" id="{BB49A8A6-FEDB-4D20-B581-A84DB8EFE977}"/>
               </a:ext>
             </a:extLst>
           </p:cNvPr>
@@ -19327,7 +19327,7 @@
             <p:cNvPr id="14" name="Oval 13">
               <a:extLst>
                 <a:ext uri="{FF2B5EF4-FFF2-40B4-BE49-F238E27FC236}">
-                  <a16:creationId xmlns:a16="http://schemas.microsoft.com/office/drawing/2014/main" xmlns="" id="{C2F65998-5EC3-446A-8307-1CF81A348CE3}"/>
+                  <a16:creationId xmlns:a16="http://schemas.microsoft.com/office/drawing/2014/main" id="{C2F65998-5EC3-446A-8307-1CF81A348CE3}"/>
                 </a:ext>
               </a:extLst>
             </p:cNvPr>
@@ -19382,7 +19382,7 @@
             <p:cNvPr id="15" name="Straight Connector 14">
               <a:extLst>
                 <a:ext uri="{FF2B5EF4-FFF2-40B4-BE49-F238E27FC236}">
-                  <a16:creationId xmlns:a16="http://schemas.microsoft.com/office/drawing/2014/main" xmlns="" id="{7CC5D776-F60A-4A0C-AA7C-EFACDA2CEA88}"/>
+                  <a16:creationId xmlns:a16="http://schemas.microsoft.com/office/drawing/2014/main" id="{7CC5D776-F60A-4A0C-AA7C-EFACDA2CEA88}"/>
                 </a:ext>
               </a:extLst>
             </p:cNvPr>
@@ -19426,7 +19426,7 @@
             <p:cNvPr id="16" name="Oval 15">
               <a:extLst>
                 <a:ext uri="{FF2B5EF4-FFF2-40B4-BE49-F238E27FC236}">
-                  <a16:creationId xmlns:a16="http://schemas.microsoft.com/office/drawing/2014/main" xmlns="" id="{AEAFE309-55C5-409C-92ED-748307C74318}"/>
+                  <a16:creationId xmlns:a16="http://schemas.microsoft.com/office/drawing/2014/main" id="{AEAFE309-55C5-409C-92ED-748307C74318}"/>
                 </a:ext>
               </a:extLst>
             </p:cNvPr>
@@ -19482,7 +19482,7 @@
           <p:cNvPr id="17" name="Subtitle 2">
             <a:extLst>
               <a:ext uri="{FF2B5EF4-FFF2-40B4-BE49-F238E27FC236}">
-                <a16:creationId xmlns:a16="http://schemas.microsoft.com/office/drawing/2014/main" xmlns="" id="{5B77B20B-76F5-4912-803D-5709F730D4FB}"/>
+                <a16:creationId xmlns:a16="http://schemas.microsoft.com/office/drawing/2014/main" id="{5B77B20B-76F5-4912-803D-5709F730D4FB}"/>
               </a:ext>
             </a:extLst>
           </p:cNvPr>
@@ -19564,7 +19564,7 @@
           <p:cNvPr id="18" name="Picture Placeholder 9">
             <a:extLst>
               <a:ext uri="{FF2B5EF4-FFF2-40B4-BE49-F238E27FC236}">
-                <a16:creationId xmlns:a16="http://schemas.microsoft.com/office/drawing/2014/main" xmlns="" id="{4293BA4F-7776-4C41-BE4F-7247935D5CCC}"/>
+                <a16:creationId xmlns:a16="http://schemas.microsoft.com/office/drawing/2014/main" id="{4293BA4F-7776-4C41-BE4F-7247935D5CCC}"/>
               </a:ext>
             </a:extLst>
           </p:cNvPr>
@@ -19635,7 +19635,7 @@
           <p:cNvPr id="7" name="Rectangle 6">
             <a:extLst>
               <a:ext uri="{FF2B5EF4-FFF2-40B4-BE49-F238E27FC236}">
-                <a16:creationId xmlns:a16="http://schemas.microsoft.com/office/drawing/2014/main" xmlns="" id="{09F1B35C-893A-4033-ADC0-2192AFA29271}"/>
+                <a16:creationId xmlns:a16="http://schemas.microsoft.com/office/drawing/2014/main" id="{09F1B35C-893A-4033-ADC0-2192AFA29271}"/>
               </a:ext>
             </a:extLst>
           </p:cNvPr>
@@ -19702,7 +19702,7 @@
           <p:cNvPr id="2" name="Title 1">
             <a:extLst>
               <a:ext uri="{FF2B5EF4-FFF2-40B4-BE49-F238E27FC236}">
-                <a16:creationId xmlns:a16="http://schemas.microsoft.com/office/drawing/2014/main" xmlns="" id="{CD637DF8-B064-4F36-89F8-EBF538A2E7F2}"/>
+                <a16:creationId xmlns:a16="http://schemas.microsoft.com/office/drawing/2014/main" id="{CD637DF8-B064-4F36-89F8-EBF538A2E7F2}"/>
               </a:ext>
             </a:extLst>
           </p:cNvPr>
@@ -19742,7 +19742,7 @@
           <p:cNvPr id="3" name="Text Placeholder 2">
             <a:extLst>
               <a:ext uri="{FF2B5EF4-FFF2-40B4-BE49-F238E27FC236}">
-                <a16:creationId xmlns:a16="http://schemas.microsoft.com/office/drawing/2014/main" xmlns="" id="{8A72532A-5006-46B7-AE99-3A6891CD0254}"/>
+                <a16:creationId xmlns:a16="http://schemas.microsoft.com/office/drawing/2014/main" id="{8A72532A-5006-46B7-AE99-3A6891CD0254}"/>
               </a:ext>
             </a:extLst>
           </p:cNvPr>
@@ -19872,7 +19872,7 @@
           <p:cNvPr id="4" name="Date Placeholder 3">
             <a:extLst>
               <a:ext uri="{FF2B5EF4-FFF2-40B4-BE49-F238E27FC236}">
-                <a16:creationId xmlns:a16="http://schemas.microsoft.com/office/drawing/2014/main" xmlns="" id="{49EFC6D7-3241-401C-A16A-4A7CC2653954}"/>
+                <a16:creationId xmlns:a16="http://schemas.microsoft.com/office/drawing/2014/main" id="{49EFC6D7-3241-401C-A16A-4A7CC2653954}"/>
               </a:ext>
             </a:extLst>
           </p:cNvPr>
@@ -19901,7 +19901,7 @@
           <p:cNvPr id="5" name="Footer Placeholder 4">
             <a:extLst>
               <a:ext uri="{FF2B5EF4-FFF2-40B4-BE49-F238E27FC236}">
-                <a16:creationId xmlns:a16="http://schemas.microsoft.com/office/drawing/2014/main" xmlns="" id="{F345D6DC-ABA5-4D00-9CD3-92FFDD1FA2DC}"/>
+                <a16:creationId xmlns:a16="http://schemas.microsoft.com/office/drawing/2014/main" id="{F345D6DC-ABA5-4D00-9CD3-92FFDD1FA2DC}"/>
               </a:ext>
             </a:extLst>
           </p:cNvPr>
@@ -19930,7 +19930,7 @@
           <p:cNvPr id="6" name="Slide Number Placeholder 5">
             <a:extLst>
               <a:ext uri="{FF2B5EF4-FFF2-40B4-BE49-F238E27FC236}">
-                <a16:creationId xmlns:a16="http://schemas.microsoft.com/office/drawing/2014/main" xmlns="" id="{92459C86-0106-40E0-AA18-795EC5787677}"/>
+                <a16:creationId xmlns:a16="http://schemas.microsoft.com/office/drawing/2014/main" id="{92459C86-0106-40E0-AA18-795EC5787677}"/>
               </a:ext>
             </a:extLst>
           </p:cNvPr>
@@ -19959,7 +19959,7 @@
           <p:cNvPr id="11" name="Picture Placeholder 10">
             <a:extLst>
               <a:ext uri="{FF2B5EF4-FFF2-40B4-BE49-F238E27FC236}">
-                <a16:creationId xmlns:a16="http://schemas.microsoft.com/office/drawing/2014/main" xmlns="" id="{6D14F7B3-A6CF-491C-9855-75B5784CC456}"/>
+                <a16:creationId xmlns:a16="http://schemas.microsoft.com/office/drawing/2014/main" id="{6D14F7B3-A6CF-491C-9855-75B5784CC456}"/>
               </a:ext>
             </a:extLst>
           </p:cNvPr>
@@ -20000,7 +20000,7 @@
           <p:cNvPr id="15" name="Group 14">
             <a:extLst>
               <a:ext uri="{FF2B5EF4-FFF2-40B4-BE49-F238E27FC236}">
-                <a16:creationId xmlns:a16="http://schemas.microsoft.com/office/drawing/2014/main" xmlns="" id="{B7317392-EF87-4050-8BBE-32F74B0CF15A}"/>
+                <a16:creationId xmlns:a16="http://schemas.microsoft.com/office/drawing/2014/main" id="{B7317392-EF87-4050-8BBE-32F74B0CF15A}"/>
               </a:ext>
             </a:extLst>
           </p:cNvPr>
@@ -20020,7 +20020,7 @@
             <p:cNvPr id="13" name="Straight Connector 12">
               <a:extLst>
                 <a:ext uri="{FF2B5EF4-FFF2-40B4-BE49-F238E27FC236}">
-                  <a16:creationId xmlns:a16="http://schemas.microsoft.com/office/drawing/2014/main" xmlns="" id="{785A4134-866D-4143-AC1E-8A2FFDB49855}"/>
+                  <a16:creationId xmlns:a16="http://schemas.microsoft.com/office/drawing/2014/main" id="{785A4134-866D-4143-AC1E-8A2FFDB49855}"/>
                 </a:ext>
               </a:extLst>
             </p:cNvPr>
@@ -20066,7 +20066,7 @@
             <p:cNvPr id="14" name="Oval 13">
               <a:extLst>
                 <a:ext uri="{FF2B5EF4-FFF2-40B4-BE49-F238E27FC236}">
-                  <a16:creationId xmlns:a16="http://schemas.microsoft.com/office/drawing/2014/main" xmlns="" id="{1BBC5D9C-B8FB-455B-9398-36DB21F2765E}"/>
+                  <a16:creationId xmlns:a16="http://schemas.microsoft.com/office/drawing/2014/main" id="{1BBC5D9C-B8FB-455B-9398-36DB21F2765E}"/>
                 </a:ext>
               </a:extLst>
             </p:cNvPr>
@@ -20127,7 +20127,7 @@
           <p:cNvPr id="17" name="Oval 16">
             <a:extLst>
               <a:ext uri="{FF2B5EF4-FFF2-40B4-BE49-F238E27FC236}">
-                <a16:creationId xmlns:a16="http://schemas.microsoft.com/office/drawing/2014/main" xmlns="" id="{72225750-E4CE-4A81-A0C3-4023030D637E}"/>
+                <a16:creationId xmlns:a16="http://schemas.microsoft.com/office/drawing/2014/main" id="{72225750-E4CE-4A81-A0C3-4023030D637E}"/>
               </a:ext>
             </a:extLst>
           </p:cNvPr>
@@ -20182,7 +20182,7 @@
           <p:cNvPr id="18" name="Straight Connector 17">
             <a:extLst>
               <a:ext uri="{FF2B5EF4-FFF2-40B4-BE49-F238E27FC236}">
-                <a16:creationId xmlns:a16="http://schemas.microsoft.com/office/drawing/2014/main" xmlns="" id="{3819C324-07DF-49DB-A08C-0E6155CE3041}"/>
+                <a16:creationId xmlns:a16="http://schemas.microsoft.com/office/drawing/2014/main" id="{3819C324-07DF-49DB-A08C-0E6155CE3041}"/>
               </a:ext>
             </a:extLst>
           </p:cNvPr>
@@ -20226,7 +20226,7 @@
           <p:cNvPr id="19" name="Oval 18">
             <a:extLst>
               <a:ext uri="{FF2B5EF4-FFF2-40B4-BE49-F238E27FC236}">
-                <a16:creationId xmlns:a16="http://schemas.microsoft.com/office/drawing/2014/main" xmlns="" id="{75A34025-44F2-4A09-8629-F1794E9D35AF}"/>
+                <a16:creationId xmlns:a16="http://schemas.microsoft.com/office/drawing/2014/main" id="{75A34025-44F2-4A09-8629-F1794E9D35AF}"/>
               </a:ext>
             </a:extLst>
           </p:cNvPr>
@@ -20281,7 +20281,7 @@
           <p:cNvPr id="20" name="Straight Connector 19">
             <a:extLst>
               <a:ext uri="{FF2B5EF4-FFF2-40B4-BE49-F238E27FC236}">
-                <a16:creationId xmlns:a16="http://schemas.microsoft.com/office/drawing/2014/main" xmlns="" id="{815854A2-EAE9-4B2A-84CF-5A4BD753863A}"/>
+                <a16:creationId xmlns:a16="http://schemas.microsoft.com/office/drawing/2014/main" id="{815854A2-EAE9-4B2A-84CF-5A4BD753863A}"/>
               </a:ext>
             </a:extLst>
           </p:cNvPr>
@@ -20327,7 +20327,7 @@
           <p:cNvPr id="36" name="Text Placeholder 2">
             <a:extLst>
               <a:ext uri="{FF2B5EF4-FFF2-40B4-BE49-F238E27FC236}">
-                <a16:creationId xmlns:a16="http://schemas.microsoft.com/office/drawing/2014/main" xmlns="" id="{9A5180A6-7D2B-4341-A749-16387D907EEF}"/>
+                <a16:creationId xmlns:a16="http://schemas.microsoft.com/office/drawing/2014/main" id="{9A5180A6-7D2B-4341-A749-16387D907EEF}"/>
               </a:ext>
             </a:extLst>
           </p:cNvPr>
@@ -20408,7 +20408,7 @@
           <p:cNvPr id="37" name="Text Placeholder 2">
             <a:extLst>
               <a:ext uri="{FF2B5EF4-FFF2-40B4-BE49-F238E27FC236}">
-                <a16:creationId xmlns:a16="http://schemas.microsoft.com/office/drawing/2014/main" xmlns="" id="{79DFBEE7-50AA-4F4F-8B5D-AD23ECAD9919}"/>
+                <a16:creationId xmlns:a16="http://schemas.microsoft.com/office/drawing/2014/main" id="{79DFBEE7-50AA-4F4F-8B5D-AD23ECAD9919}"/>
               </a:ext>
             </a:extLst>
           </p:cNvPr>
@@ -20490,7 +20490,7 @@
           <p:cNvPr id="39" name="Text Placeholder 2">
             <a:extLst>
               <a:ext uri="{FF2B5EF4-FFF2-40B4-BE49-F238E27FC236}">
-                <a16:creationId xmlns:a16="http://schemas.microsoft.com/office/drawing/2014/main" xmlns="" id="{306EAF0C-F17D-47D6-BAA1-16745F4F70D9}"/>
+                <a16:creationId xmlns:a16="http://schemas.microsoft.com/office/drawing/2014/main" id="{306EAF0C-F17D-47D6-BAA1-16745F4F70D9}"/>
               </a:ext>
             </a:extLst>
           </p:cNvPr>
@@ -20571,7 +20571,7 @@
           <p:cNvPr id="40" name="Text Placeholder 2">
             <a:extLst>
               <a:ext uri="{FF2B5EF4-FFF2-40B4-BE49-F238E27FC236}">
-                <a16:creationId xmlns:a16="http://schemas.microsoft.com/office/drawing/2014/main" xmlns="" id="{D091E31C-C1DC-4D72-8C9E-3B6BD91E72AF}"/>
+                <a16:creationId xmlns:a16="http://schemas.microsoft.com/office/drawing/2014/main" id="{D091E31C-C1DC-4D72-8C9E-3B6BD91E72AF}"/>
               </a:ext>
             </a:extLst>
           </p:cNvPr>
@@ -20653,7 +20653,7 @@
           <p:cNvPr id="42" name="Text Placeholder 2">
             <a:extLst>
               <a:ext uri="{FF2B5EF4-FFF2-40B4-BE49-F238E27FC236}">
-                <a16:creationId xmlns:a16="http://schemas.microsoft.com/office/drawing/2014/main" xmlns="" id="{F62E753C-C8BE-457D-9B22-6A8227347A67}"/>
+                <a16:creationId xmlns:a16="http://schemas.microsoft.com/office/drawing/2014/main" id="{F62E753C-C8BE-457D-9B22-6A8227347A67}"/>
               </a:ext>
             </a:extLst>
           </p:cNvPr>
@@ -20734,7 +20734,7 @@
           <p:cNvPr id="43" name="Text Placeholder 2">
             <a:extLst>
               <a:ext uri="{FF2B5EF4-FFF2-40B4-BE49-F238E27FC236}">
-                <a16:creationId xmlns:a16="http://schemas.microsoft.com/office/drawing/2014/main" xmlns="" id="{BC1E8F6C-0BDD-4AFA-9E8D-5EF61AA59F50}"/>
+                <a16:creationId xmlns:a16="http://schemas.microsoft.com/office/drawing/2014/main" id="{BC1E8F6C-0BDD-4AFA-9E8D-5EF61AA59F50}"/>
               </a:ext>
             </a:extLst>
           </p:cNvPr>
@@ -20816,7 +20816,7 @@
           <p:cNvPr id="45" name="Text Placeholder 2">
             <a:extLst>
               <a:ext uri="{FF2B5EF4-FFF2-40B4-BE49-F238E27FC236}">
-                <a16:creationId xmlns:a16="http://schemas.microsoft.com/office/drawing/2014/main" xmlns="" id="{C70C9772-55FF-4449-988F-6CDDE075E730}"/>
+                <a16:creationId xmlns:a16="http://schemas.microsoft.com/office/drawing/2014/main" id="{C70C9772-55FF-4449-988F-6CDDE075E730}"/>
               </a:ext>
             </a:extLst>
           </p:cNvPr>
@@ -20897,7 +20897,7 @@
           <p:cNvPr id="46" name="Text Placeholder 2">
             <a:extLst>
               <a:ext uri="{FF2B5EF4-FFF2-40B4-BE49-F238E27FC236}">
-                <a16:creationId xmlns:a16="http://schemas.microsoft.com/office/drawing/2014/main" xmlns="" id="{75EE6DCE-6A55-4D95-85F7-E22E3E268256}"/>
+                <a16:creationId xmlns:a16="http://schemas.microsoft.com/office/drawing/2014/main" id="{75EE6DCE-6A55-4D95-85F7-E22E3E268256}"/>
               </a:ext>
             </a:extLst>
           </p:cNvPr>
@@ -20979,7 +20979,7 @@
           <p:cNvPr id="48" name="Text Placeholder 2">
             <a:extLst>
               <a:ext uri="{FF2B5EF4-FFF2-40B4-BE49-F238E27FC236}">
-                <a16:creationId xmlns:a16="http://schemas.microsoft.com/office/drawing/2014/main" xmlns="" id="{84DC7882-7541-4AEA-95FE-DDBCF6F9CA32}"/>
+                <a16:creationId xmlns:a16="http://schemas.microsoft.com/office/drawing/2014/main" id="{84DC7882-7541-4AEA-95FE-DDBCF6F9CA32}"/>
               </a:ext>
             </a:extLst>
           </p:cNvPr>
@@ -21060,7 +21060,7 @@
           <p:cNvPr id="49" name="Text Placeholder 2">
             <a:extLst>
               <a:ext uri="{FF2B5EF4-FFF2-40B4-BE49-F238E27FC236}">
-                <a16:creationId xmlns:a16="http://schemas.microsoft.com/office/drawing/2014/main" xmlns="" id="{5542D500-4CD6-4FDE-9133-F8020797D9B5}"/>
+                <a16:creationId xmlns:a16="http://schemas.microsoft.com/office/drawing/2014/main" id="{5542D500-4CD6-4FDE-9133-F8020797D9B5}"/>
               </a:ext>
             </a:extLst>
           </p:cNvPr>
@@ -21142,7 +21142,7 @@
           <p:cNvPr id="51" name="Text Placeholder 2">
             <a:extLst>
               <a:ext uri="{FF2B5EF4-FFF2-40B4-BE49-F238E27FC236}">
-                <a16:creationId xmlns:a16="http://schemas.microsoft.com/office/drawing/2014/main" xmlns="" id="{500C362B-BA02-4F7D-86F6-3F6F2EF20D04}"/>
+                <a16:creationId xmlns:a16="http://schemas.microsoft.com/office/drawing/2014/main" id="{500C362B-BA02-4F7D-86F6-3F6F2EF20D04}"/>
               </a:ext>
             </a:extLst>
           </p:cNvPr>
@@ -21223,7 +21223,7 @@
           <p:cNvPr id="52" name="Text Placeholder 2">
             <a:extLst>
               <a:ext uri="{FF2B5EF4-FFF2-40B4-BE49-F238E27FC236}">
-                <a16:creationId xmlns:a16="http://schemas.microsoft.com/office/drawing/2014/main" xmlns="" id="{E213E497-634E-40E7-BF08-765CC21529E2}"/>
+                <a16:creationId xmlns:a16="http://schemas.microsoft.com/office/drawing/2014/main" id="{E213E497-634E-40E7-BF08-765CC21529E2}"/>
               </a:ext>
             </a:extLst>
           </p:cNvPr>
@@ -21305,7 +21305,7 @@
           <p:cNvPr id="8" name="Oval 7">
             <a:extLst>
               <a:ext uri="{FF2B5EF4-FFF2-40B4-BE49-F238E27FC236}">
-                <a16:creationId xmlns:a16="http://schemas.microsoft.com/office/drawing/2014/main" xmlns="" id="{FA01C659-0131-449B-BA07-5BC568F00BF0}"/>
+                <a16:creationId xmlns:a16="http://schemas.microsoft.com/office/drawing/2014/main" id="{FA01C659-0131-449B-BA07-5BC568F00BF0}"/>
               </a:ext>
             </a:extLst>
           </p:cNvPr>
@@ -21362,7 +21362,7 @@
           <p:cNvPr id="54" name="Oval 53">
             <a:extLst>
               <a:ext uri="{FF2B5EF4-FFF2-40B4-BE49-F238E27FC236}">
-                <a16:creationId xmlns:a16="http://schemas.microsoft.com/office/drawing/2014/main" xmlns="" id="{69CB80EA-A8D6-4099-9412-0C14095755FF}"/>
+                <a16:creationId xmlns:a16="http://schemas.microsoft.com/office/drawing/2014/main" id="{69CB80EA-A8D6-4099-9412-0C14095755FF}"/>
               </a:ext>
             </a:extLst>
           </p:cNvPr>
@@ -21419,7 +21419,7 @@
           <p:cNvPr id="55" name="Oval 54">
             <a:extLst>
               <a:ext uri="{FF2B5EF4-FFF2-40B4-BE49-F238E27FC236}">
-                <a16:creationId xmlns:a16="http://schemas.microsoft.com/office/drawing/2014/main" xmlns="" id="{2E20CCE5-B889-49FE-8FA6-A6F0F11A5D91}"/>
+                <a16:creationId xmlns:a16="http://schemas.microsoft.com/office/drawing/2014/main" id="{2E20CCE5-B889-49FE-8FA6-A6F0F11A5D91}"/>
               </a:ext>
             </a:extLst>
           </p:cNvPr>
@@ -21479,7 +21479,7 @@
           <p:cNvPr id="56" name="Oval 55">
             <a:extLst>
               <a:ext uri="{FF2B5EF4-FFF2-40B4-BE49-F238E27FC236}">
-                <a16:creationId xmlns:a16="http://schemas.microsoft.com/office/drawing/2014/main" xmlns="" id="{769A77E3-4AFB-45BB-8FDC-4AD084EA9D23}"/>
+                <a16:creationId xmlns:a16="http://schemas.microsoft.com/office/drawing/2014/main" id="{769A77E3-4AFB-45BB-8FDC-4AD084EA9D23}"/>
               </a:ext>
             </a:extLst>
           </p:cNvPr>
@@ -21536,7 +21536,7 @@
           <p:cNvPr id="57" name="Oval 56">
             <a:extLst>
               <a:ext uri="{FF2B5EF4-FFF2-40B4-BE49-F238E27FC236}">
-                <a16:creationId xmlns:a16="http://schemas.microsoft.com/office/drawing/2014/main" xmlns="" id="{53A8B986-3280-4EAC-846B-9167ECC55646}"/>
+                <a16:creationId xmlns:a16="http://schemas.microsoft.com/office/drawing/2014/main" id="{53A8B986-3280-4EAC-846B-9167ECC55646}"/>
               </a:ext>
             </a:extLst>
           </p:cNvPr>
@@ -21593,7 +21593,7 @@
           <p:cNvPr id="58" name="Oval 57">
             <a:extLst>
               <a:ext uri="{FF2B5EF4-FFF2-40B4-BE49-F238E27FC236}">
-                <a16:creationId xmlns:a16="http://schemas.microsoft.com/office/drawing/2014/main" xmlns="" id="{0AE6D315-5EC0-4956-B7BF-B94D2AFE679B}"/>
+                <a16:creationId xmlns:a16="http://schemas.microsoft.com/office/drawing/2014/main" id="{0AE6D315-5EC0-4956-B7BF-B94D2AFE679B}"/>
               </a:ext>
             </a:extLst>
           </p:cNvPr>
@@ -21653,7 +21653,7 @@
           <p:cNvPr id="12" name="Chart Placeholder 11">
             <a:extLst>
               <a:ext uri="{FF2B5EF4-FFF2-40B4-BE49-F238E27FC236}">
-                <a16:creationId xmlns:a16="http://schemas.microsoft.com/office/drawing/2014/main" xmlns="" id="{9ED8422E-0C74-45EF-B794-252146C6639A}"/>
+                <a16:creationId xmlns:a16="http://schemas.microsoft.com/office/drawing/2014/main" id="{9ED8422E-0C74-45EF-B794-252146C6639A}"/>
               </a:ext>
             </a:extLst>
           </p:cNvPr>
@@ -21694,7 +21694,7 @@
           <p:cNvPr id="35" name="Oval 34">
             <a:extLst>
               <a:ext uri="{FF2B5EF4-FFF2-40B4-BE49-F238E27FC236}">
-                <a16:creationId xmlns:a16="http://schemas.microsoft.com/office/drawing/2014/main" xmlns="" id="{E8B7C827-F016-49F6-B775-FAC0E6420466}"/>
+                <a16:creationId xmlns:a16="http://schemas.microsoft.com/office/drawing/2014/main" id="{E8B7C827-F016-49F6-B775-FAC0E6420466}"/>
               </a:ext>
             </a:extLst>
           </p:cNvPr>
@@ -21751,7 +21751,7 @@
           <p:cNvPr id="38" name="Oval 37">
             <a:extLst>
               <a:ext uri="{FF2B5EF4-FFF2-40B4-BE49-F238E27FC236}">
-                <a16:creationId xmlns:a16="http://schemas.microsoft.com/office/drawing/2014/main" xmlns="" id="{C0F8D2C7-9093-4F92-B8A4-D819FEE69F1F}"/>
+                <a16:creationId xmlns:a16="http://schemas.microsoft.com/office/drawing/2014/main" id="{C0F8D2C7-9093-4F92-B8A4-D819FEE69F1F}"/>
               </a:ext>
             </a:extLst>
           </p:cNvPr>
@@ -21808,7 +21808,7 @@
           <p:cNvPr id="41" name="Straight Connector 40">
             <a:extLst>
               <a:ext uri="{FF2B5EF4-FFF2-40B4-BE49-F238E27FC236}">
-                <a16:creationId xmlns:a16="http://schemas.microsoft.com/office/drawing/2014/main" xmlns="" id="{0DE9D0C0-04C1-4621-8B2D-E65A25A8DCF3}"/>
+                <a16:creationId xmlns:a16="http://schemas.microsoft.com/office/drawing/2014/main" id="{0DE9D0C0-04C1-4621-8B2D-E65A25A8DCF3}"/>
               </a:ext>
             </a:extLst>
           </p:cNvPr>
@@ -21881,7 +21881,7 @@
           <p:cNvPr id="15" name="Rectangle 14">
             <a:extLst>
               <a:ext uri="{FF2B5EF4-FFF2-40B4-BE49-F238E27FC236}">
-                <a16:creationId xmlns:a16="http://schemas.microsoft.com/office/drawing/2014/main" xmlns="" id="{E8E3FDB8-6D5C-48FE-99EA-7EC60F4D8191}"/>
+                <a16:creationId xmlns:a16="http://schemas.microsoft.com/office/drawing/2014/main" id="{E8E3FDB8-6D5C-48FE-99EA-7EC60F4D8191}"/>
               </a:ext>
             </a:extLst>
           </p:cNvPr>
@@ -21948,7 +21948,7 @@
           <p:cNvPr id="5" name="Date Placeholder 4">
             <a:extLst>
               <a:ext uri="{FF2B5EF4-FFF2-40B4-BE49-F238E27FC236}">
-                <a16:creationId xmlns:a16="http://schemas.microsoft.com/office/drawing/2014/main" xmlns="" id="{2D9775F3-A041-479A-8038-652B7D9C72E9}"/>
+                <a16:creationId xmlns:a16="http://schemas.microsoft.com/office/drawing/2014/main" id="{2D9775F3-A041-479A-8038-652B7D9C72E9}"/>
               </a:ext>
             </a:extLst>
           </p:cNvPr>
@@ -21977,7 +21977,7 @@
           <p:cNvPr id="6" name="Footer Placeholder 5">
             <a:extLst>
               <a:ext uri="{FF2B5EF4-FFF2-40B4-BE49-F238E27FC236}">
-                <a16:creationId xmlns:a16="http://schemas.microsoft.com/office/drawing/2014/main" xmlns="" id="{29BEDD04-BE4E-4B91-B13E-0C4FB3E1658F}"/>
+                <a16:creationId xmlns:a16="http://schemas.microsoft.com/office/drawing/2014/main" id="{29BEDD04-BE4E-4B91-B13E-0C4FB3E1658F}"/>
               </a:ext>
             </a:extLst>
           </p:cNvPr>
@@ -22006,7 +22006,7 @@
           <p:cNvPr id="7" name="Slide Number Placeholder 6">
             <a:extLst>
               <a:ext uri="{FF2B5EF4-FFF2-40B4-BE49-F238E27FC236}">
-                <a16:creationId xmlns:a16="http://schemas.microsoft.com/office/drawing/2014/main" xmlns="" id="{306DF5D8-12DC-494E-B0F1-2E9C86A14544}"/>
+                <a16:creationId xmlns:a16="http://schemas.microsoft.com/office/drawing/2014/main" id="{306DF5D8-12DC-494E-B0F1-2E9C86A14544}"/>
               </a:ext>
             </a:extLst>
           </p:cNvPr>
@@ -22035,7 +22035,7 @@
           <p:cNvPr id="8" name="Title 1">
             <a:extLst>
               <a:ext uri="{FF2B5EF4-FFF2-40B4-BE49-F238E27FC236}">
-                <a16:creationId xmlns:a16="http://schemas.microsoft.com/office/drawing/2014/main" xmlns="" id="{ABF87C9E-53A2-4DE1-89DC-3907BE2E3D3C}"/>
+                <a16:creationId xmlns:a16="http://schemas.microsoft.com/office/drawing/2014/main" id="{ABF87C9E-53A2-4DE1-89DC-3907BE2E3D3C}"/>
               </a:ext>
             </a:extLst>
           </p:cNvPr>
@@ -22075,7 +22075,7 @@
           <p:cNvPr id="9" name="Text Placeholder 2">
             <a:extLst>
               <a:ext uri="{FF2B5EF4-FFF2-40B4-BE49-F238E27FC236}">
-                <a16:creationId xmlns:a16="http://schemas.microsoft.com/office/drawing/2014/main" xmlns="" id="{EB453F8F-AA02-4E0D-93BF-8CF4F1490377}"/>
+                <a16:creationId xmlns:a16="http://schemas.microsoft.com/office/drawing/2014/main" id="{EB453F8F-AA02-4E0D-93BF-8CF4F1490377}"/>
               </a:ext>
             </a:extLst>
           </p:cNvPr>
@@ -22205,7 +22205,7 @@
           <p:cNvPr id="10" name="Picture Placeholder 10">
             <a:extLst>
               <a:ext uri="{FF2B5EF4-FFF2-40B4-BE49-F238E27FC236}">
-                <a16:creationId xmlns:a16="http://schemas.microsoft.com/office/drawing/2014/main" xmlns="" id="{A541F291-2E4B-474E-9ED0-55C97A2A066D}"/>
+                <a16:creationId xmlns:a16="http://schemas.microsoft.com/office/drawing/2014/main" id="{A541F291-2E4B-474E-9ED0-55C97A2A066D}"/>
               </a:ext>
             </a:extLst>
           </p:cNvPr>
@@ -22246,7 +22246,7 @@
           <p:cNvPr id="11" name="Group 10">
             <a:extLst>
               <a:ext uri="{FF2B5EF4-FFF2-40B4-BE49-F238E27FC236}">
-                <a16:creationId xmlns:a16="http://schemas.microsoft.com/office/drawing/2014/main" xmlns="" id="{59E4D57E-4989-4939-A31F-637543FAB606}"/>
+                <a16:creationId xmlns:a16="http://schemas.microsoft.com/office/drawing/2014/main" id="{59E4D57E-4989-4939-A31F-637543FAB606}"/>
               </a:ext>
             </a:extLst>
           </p:cNvPr>
@@ -22266,7 +22266,7 @@
             <p:cNvPr id="12" name="Straight Connector 11">
               <a:extLst>
                 <a:ext uri="{FF2B5EF4-FFF2-40B4-BE49-F238E27FC236}">
-                  <a16:creationId xmlns:a16="http://schemas.microsoft.com/office/drawing/2014/main" xmlns="" id="{370B72A7-B625-48B8-88E6-BCE2A4DD531E}"/>
+                  <a16:creationId xmlns:a16="http://schemas.microsoft.com/office/drawing/2014/main" id="{370B72A7-B625-48B8-88E6-BCE2A4DD531E}"/>
                 </a:ext>
               </a:extLst>
             </p:cNvPr>
@@ -22310,7 +22310,7 @@
             <p:cNvPr id="13" name="Oval 12">
               <a:extLst>
                 <a:ext uri="{FF2B5EF4-FFF2-40B4-BE49-F238E27FC236}">
-                  <a16:creationId xmlns:a16="http://schemas.microsoft.com/office/drawing/2014/main" xmlns="" id="{01ED729F-F8A5-4244-9776-4935C260F11F}"/>
+                  <a16:creationId xmlns:a16="http://schemas.microsoft.com/office/drawing/2014/main" id="{01ED729F-F8A5-4244-9776-4935C260F11F}"/>
                 </a:ext>
               </a:extLst>
             </p:cNvPr>
@@ -22371,7 +22371,7 @@
           <p:cNvPr id="14" name="Text Placeholder 2">
             <a:extLst>
               <a:ext uri="{FF2B5EF4-FFF2-40B4-BE49-F238E27FC236}">
-                <a16:creationId xmlns:a16="http://schemas.microsoft.com/office/drawing/2014/main" xmlns="" id="{BE12A846-0DFC-435B-BAE9-D90C353E0344}"/>
+                <a16:creationId xmlns:a16="http://schemas.microsoft.com/office/drawing/2014/main" id="{BE12A846-0DFC-435B-BAE9-D90C353E0344}"/>
               </a:ext>
             </a:extLst>
           </p:cNvPr>
@@ -22506,7 +22506,7 @@
           <p:cNvPr id="17" name="Straight Connector 16">
             <a:extLst>
               <a:ext uri="{FF2B5EF4-FFF2-40B4-BE49-F238E27FC236}">
-                <a16:creationId xmlns:a16="http://schemas.microsoft.com/office/drawing/2014/main" xmlns="" id="{6150998C-CF95-4C6F-8962-8EB2DB30177D}"/>
+                <a16:creationId xmlns:a16="http://schemas.microsoft.com/office/drawing/2014/main" id="{6150998C-CF95-4C6F-8962-8EB2DB30177D}"/>
               </a:ext>
             </a:extLst>
           </p:cNvPr>
@@ -22550,7 +22550,7 @@
           <p:cNvPr id="18" name="Oval 17">
             <a:extLst>
               <a:ext uri="{FF2B5EF4-FFF2-40B4-BE49-F238E27FC236}">
-                <a16:creationId xmlns:a16="http://schemas.microsoft.com/office/drawing/2014/main" xmlns="" id="{F86A2ACD-8CF5-48A3-A678-E213A809B332}"/>
+                <a16:creationId xmlns:a16="http://schemas.microsoft.com/office/drawing/2014/main" id="{F86A2ACD-8CF5-48A3-A678-E213A809B332}"/>
               </a:ext>
             </a:extLst>
           </p:cNvPr>
@@ -22605,7 +22605,7 @@
           <p:cNvPr id="19" name="Straight Connector 18">
             <a:extLst>
               <a:ext uri="{FF2B5EF4-FFF2-40B4-BE49-F238E27FC236}">
-                <a16:creationId xmlns:a16="http://schemas.microsoft.com/office/drawing/2014/main" xmlns="" id="{F00811BB-0E37-4D70-84A5-97B3FBEDCBE6}"/>
+                <a16:creationId xmlns:a16="http://schemas.microsoft.com/office/drawing/2014/main" id="{F00811BB-0E37-4D70-84A5-97B3FBEDCBE6}"/>
               </a:ext>
             </a:extLst>
           </p:cNvPr>
@@ -22651,7 +22651,7 @@
           <p:cNvPr id="20" name="Oval 19">
             <a:extLst>
               <a:ext uri="{FF2B5EF4-FFF2-40B4-BE49-F238E27FC236}">
-                <a16:creationId xmlns:a16="http://schemas.microsoft.com/office/drawing/2014/main" xmlns="" id="{D03B3046-0457-4D23-8E0C-64E3FCD620BB}"/>
+                <a16:creationId xmlns:a16="http://schemas.microsoft.com/office/drawing/2014/main" id="{D03B3046-0457-4D23-8E0C-64E3FCD620BB}"/>
               </a:ext>
             </a:extLst>
           </p:cNvPr>
@@ -22706,7 +22706,7 @@
           <p:cNvPr id="22" name="Picture Placeholder 7">
             <a:extLst>
               <a:ext uri="{FF2B5EF4-FFF2-40B4-BE49-F238E27FC236}">
-                <a16:creationId xmlns:a16="http://schemas.microsoft.com/office/drawing/2014/main" xmlns="" id="{CF430BFB-0A7C-4FB8-B93B-8DA19F3E634A}"/>
+                <a16:creationId xmlns:a16="http://schemas.microsoft.com/office/drawing/2014/main" id="{CF430BFB-0A7C-4FB8-B93B-8DA19F3E634A}"/>
               </a:ext>
             </a:extLst>
           </p:cNvPr>
@@ -22777,7 +22777,7 @@
           <p:cNvPr id="15" name="Rectangle 14">
             <a:extLst>
               <a:ext uri="{FF2B5EF4-FFF2-40B4-BE49-F238E27FC236}">
-                <a16:creationId xmlns:a16="http://schemas.microsoft.com/office/drawing/2014/main" xmlns="" id="{E8E3FDB8-6D5C-48FE-99EA-7EC60F4D8191}"/>
+                <a16:creationId xmlns:a16="http://schemas.microsoft.com/office/drawing/2014/main" id="{E8E3FDB8-6D5C-48FE-99EA-7EC60F4D8191}"/>
               </a:ext>
             </a:extLst>
           </p:cNvPr>
@@ -22844,7 +22844,7 @@
           <p:cNvPr id="3" name="Picture Placeholder 2">
             <a:extLst>
               <a:ext uri="{FF2B5EF4-FFF2-40B4-BE49-F238E27FC236}">
-                <a16:creationId xmlns:a16="http://schemas.microsoft.com/office/drawing/2014/main" xmlns="" id="{36EF099F-79D2-486F-A4B2-DD4F699752C8}"/>
+                <a16:creationId xmlns:a16="http://schemas.microsoft.com/office/drawing/2014/main" id="{36EF099F-79D2-486F-A4B2-DD4F699752C8}"/>
               </a:ext>
             </a:extLst>
           </p:cNvPr>
@@ -22885,7 +22885,7 @@
           <p:cNvPr id="5" name="Date Placeholder 4">
             <a:extLst>
               <a:ext uri="{FF2B5EF4-FFF2-40B4-BE49-F238E27FC236}">
-                <a16:creationId xmlns:a16="http://schemas.microsoft.com/office/drawing/2014/main" xmlns="" id="{2D9775F3-A041-479A-8038-652B7D9C72E9}"/>
+                <a16:creationId xmlns:a16="http://schemas.microsoft.com/office/drawing/2014/main" id="{2D9775F3-A041-479A-8038-652B7D9C72E9}"/>
               </a:ext>
             </a:extLst>
           </p:cNvPr>
@@ -22914,7 +22914,7 @@
           <p:cNvPr id="6" name="Footer Placeholder 5">
             <a:extLst>
               <a:ext uri="{FF2B5EF4-FFF2-40B4-BE49-F238E27FC236}">
-                <a16:creationId xmlns:a16="http://schemas.microsoft.com/office/drawing/2014/main" xmlns="" id="{29BEDD04-BE4E-4B91-B13E-0C4FB3E1658F}"/>
+                <a16:creationId xmlns:a16="http://schemas.microsoft.com/office/drawing/2014/main" id="{29BEDD04-BE4E-4B91-B13E-0C4FB3E1658F}"/>
               </a:ext>
             </a:extLst>
           </p:cNvPr>
@@ -22943,7 +22943,7 @@
           <p:cNvPr id="7" name="Slide Number Placeholder 6">
             <a:extLst>
               <a:ext uri="{FF2B5EF4-FFF2-40B4-BE49-F238E27FC236}">
-                <a16:creationId xmlns:a16="http://schemas.microsoft.com/office/drawing/2014/main" xmlns="" id="{306DF5D8-12DC-494E-B0F1-2E9C86A14544}"/>
+                <a16:creationId xmlns:a16="http://schemas.microsoft.com/office/drawing/2014/main" id="{306DF5D8-12DC-494E-B0F1-2E9C86A14544}"/>
               </a:ext>
             </a:extLst>
           </p:cNvPr>
@@ -22972,7 +22972,7 @@
           <p:cNvPr id="10" name="Picture Placeholder 10">
             <a:extLst>
               <a:ext uri="{FF2B5EF4-FFF2-40B4-BE49-F238E27FC236}">
-                <a16:creationId xmlns:a16="http://schemas.microsoft.com/office/drawing/2014/main" xmlns="" id="{A541F291-2E4B-474E-9ED0-55C97A2A066D}"/>
+                <a16:creationId xmlns:a16="http://schemas.microsoft.com/office/drawing/2014/main" id="{A541F291-2E4B-474E-9ED0-55C97A2A066D}"/>
               </a:ext>
             </a:extLst>
           </p:cNvPr>
@@ -23013,7 +23013,7 @@
           <p:cNvPr id="21" name="Title 1">
             <a:extLst>
               <a:ext uri="{FF2B5EF4-FFF2-40B4-BE49-F238E27FC236}">
-                <a16:creationId xmlns:a16="http://schemas.microsoft.com/office/drawing/2014/main" xmlns="" id="{1FF22294-F2E5-4C74-A30C-46BA988FD586}"/>
+                <a16:creationId xmlns:a16="http://schemas.microsoft.com/office/drawing/2014/main" id="{1FF22294-F2E5-4C74-A30C-46BA988FD586}"/>
               </a:ext>
             </a:extLst>
           </p:cNvPr>
@@ -23053,7 +23053,7 @@
           <p:cNvPr id="22" name="Text Placeholder 3">
             <a:extLst>
               <a:ext uri="{FF2B5EF4-FFF2-40B4-BE49-F238E27FC236}">
-                <a16:creationId xmlns:a16="http://schemas.microsoft.com/office/drawing/2014/main" xmlns="" id="{FC5C0DA6-1B31-4BDF-BAEB-BF7978102847}"/>
+                <a16:creationId xmlns:a16="http://schemas.microsoft.com/office/drawing/2014/main" id="{FC5C0DA6-1B31-4BDF-BAEB-BF7978102847}"/>
               </a:ext>
             </a:extLst>
           </p:cNvPr>
@@ -23136,7 +23136,7 @@
           <p:cNvPr id="23" name="Text Placeholder 3">
             <a:extLst>
               <a:ext uri="{FF2B5EF4-FFF2-40B4-BE49-F238E27FC236}">
-                <a16:creationId xmlns:a16="http://schemas.microsoft.com/office/drawing/2014/main" xmlns="" id="{5E1647C9-9AC1-4500-A56E-94CABC656E0C}"/>
+                <a16:creationId xmlns:a16="http://schemas.microsoft.com/office/drawing/2014/main" id="{5E1647C9-9AC1-4500-A56E-94CABC656E0C}"/>
               </a:ext>
             </a:extLst>
           </p:cNvPr>
@@ -23220,7 +23220,7 @@
           <p:cNvPr id="24" name="Text Placeholder 3">
             <a:extLst>
               <a:ext uri="{FF2B5EF4-FFF2-40B4-BE49-F238E27FC236}">
-                <a16:creationId xmlns:a16="http://schemas.microsoft.com/office/drawing/2014/main" xmlns="" id="{8605CECB-8164-4428-B478-98C42902F9FC}"/>
+                <a16:creationId xmlns:a16="http://schemas.microsoft.com/office/drawing/2014/main" id="{8605CECB-8164-4428-B478-98C42902F9FC}"/>
               </a:ext>
             </a:extLst>
           </p:cNvPr>
@@ -23303,7 +23303,7 @@
           <p:cNvPr id="25" name="Text Placeholder 3">
             <a:extLst>
               <a:ext uri="{FF2B5EF4-FFF2-40B4-BE49-F238E27FC236}">
-                <a16:creationId xmlns:a16="http://schemas.microsoft.com/office/drawing/2014/main" xmlns="" id="{D39B56C4-E128-4995-91CC-64C268BC7603}"/>
+                <a16:creationId xmlns:a16="http://schemas.microsoft.com/office/drawing/2014/main" id="{D39B56C4-E128-4995-91CC-64C268BC7603}"/>
               </a:ext>
             </a:extLst>
           </p:cNvPr>
@@ -23388,7 +23388,7 @@
           <p:cNvPr id="26" name="Text Placeholder 3">
             <a:extLst>
               <a:ext uri="{FF2B5EF4-FFF2-40B4-BE49-F238E27FC236}">
-                <a16:creationId xmlns:a16="http://schemas.microsoft.com/office/drawing/2014/main" xmlns="" id="{94772DA1-74CC-430C-9A8E-5A6586692CAB}"/>
+                <a16:creationId xmlns:a16="http://schemas.microsoft.com/office/drawing/2014/main" id="{94772DA1-74CC-430C-9A8E-5A6586692CAB}"/>
               </a:ext>
             </a:extLst>
           </p:cNvPr>
@@ -23471,7 +23471,7 @@
           <p:cNvPr id="27" name="Text Placeholder 3">
             <a:extLst>
               <a:ext uri="{FF2B5EF4-FFF2-40B4-BE49-F238E27FC236}">
-                <a16:creationId xmlns:a16="http://schemas.microsoft.com/office/drawing/2014/main" xmlns="" id="{7A073B5B-2BE3-49D1-A646-1492F534C94B}"/>
+                <a16:creationId xmlns:a16="http://schemas.microsoft.com/office/drawing/2014/main" id="{7A073B5B-2BE3-49D1-A646-1492F534C94B}"/>
               </a:ext>
             </a:extLst>
           </p:cNvPr>
@@ -23565,7 +23565,7 @@
           <p:cNvPr id="28" name="Text Placeholder 3">
             <a:extLst>
               <a:ext uri="{FF2B5EF4-FFF2-40B4-BE49-F238E27FC236}">
-                <a16:creationId xmlns:a16="http://schemas.microsoft.com/office/drawing/2014/main" xmlns="" id="{52D10EDD-0329-4443-8665-7603E4A83B16}"/>
+                <a16:creationId xmlns:a16="http://schemas.microsoft.com/office/drawing/2014/main" id="{52D10EDD-0329-4443-8665-7603E4A83B16}"/>
               </a:ext>
             </a:extLst>
           </p:cNvPr>
@@ -23648,7 +23648,7 @@
           <p:cNvPr id="4" name="Group 3">
             <a:extLst>
               <a:ext uri="{FF2B5EF4-FFF2-40B4-BE49-F238E27FC236}">
-                <a16:creationId xmlns:a16="http://schemas.microsoft.com/office/drawing/2014/main" xmlns="" id="{5F591C52-0202-44BA-A6BE-E2362516B893}"/>
+                <a16:creationId xmlns:a16="http://schemas.microsoft.com/office/drawing/2014/main" id="{5F591C52-0202-44BA-A6BE-E2362516B893}"/>
               </a:ext>
             </a:extLst>
           </p:cNvPr>
@@ -23668,7 +23668,7 @@
             <p:cNvPr id="11" name="Group 10">
               <a:extLst>
                 <a:ext uri="{FF2B5EF4-FFF2-40B4-BE49-F238E27FC236}">
-                  <a16:creationId xmlns:a16="http://schemas.microsoft.com/office/drawing/2014/main" xmlns="" id="{59E4D57E-4989-4939-A31F-637543FAB606}"/>
+                  <a16:creationId xmlns:a16="http://schemas.microsoft.com/office/drawing/2014/main" id="{59E4D57E-4989-4939-A31F-637543FAB606}"/>
                 </a:ext>
               </a:extLst>
             </p:cNvPr>
@@ -23688,7 +23688,7 @@
               <p:cNvPr id="12" name="Straight Connector 11">
                 <a:extLst>
                   <a:ext uri="{FF2B5EF4-FFF2-40B4-BE49-F238E27FC236}">
-                    <a16:creationId xmlns:a16="http://schemas.microsoft.com/office/drawing/2014/main" xmlns="" id="{370B72A7-B625-48B8-88E6-BCE2A4DD531E}"/>
+                    <a16:creationId xmlns:a16="http://schemas.microsoft.com/office/drawing/2014/main" id="{370B72A7-B625-48B8-88E6-BCE2A4DD531E}"/>
                   </a:ext>
                 </a:extLst>
               </p:cNvPr>
@@ -23732,7 +23732,7 @@
               <p:cNvPr id="13" name="Oval 12">
                 <a:extLst>
                   <a:ext uri="{FF2B5EF4-FFF2-40B4-BE49-F238E27FC236}">
-                    <a16:creationId xmlns:a16="http://schemas.microsoft.com/office/drawing/2014/main" xmlns="" id="{01ED729F-F8A5-4244-9776-4935C260F11F}"/>
+                    <a16:creationId xmlns:a16="http://schemas.microsoft.com/office/drawing/2014/main" id="{01ED729F-F8A5-4244-9776-4935C260F11F}"/>
                   </a:ext>
                 </a:extLst>
               </p:cNvPr>
@@ -23793,7 +23793,7 @@
             <p:cNvPr id="29" name="Oval 28">
               <a:extLst>
                 <a:ext uri="{FF2B5EF4-FFF2-40B4-BE49-F238E27FC236}">
-                  <a16:creationId xmlns:a16="http://schemas.microsoft.com/office/drawing/2014/main" xmlns="" id="{BECBEDE0-51BB-48BD-AAAD-63B6F60C1D57}"/>
+                  <a16:creationId xmlns:a16="http://schemas.microsoft.com/office/drawing/2014/main" id="{BECBEDE0-51BB-48BD-AAAD-63B6F60C1D57}"/>
                 </a:ext>
               </a:extLst>
             </p:cNvPr>
@@ -23854,7 +23854,7 @@
           <p:cNvPr id="32" name="Group 31">
             <a:extLst>
               <a:ext uri="{FF2B5EF4-FFF2-40B4-BE49-F238E27FC236}">
-                <a16:creationId xmlns:a16="http://schemas.microsoft.com/office/drawing/2014/main" xmlns="" id="{63E1608D-F119-4C0D-8D91-7CB089C037C8}"/>
+                <a16:creationId xmlns:a16="http://schemas.microsoft.com/office/drawing/2014/main" id="{63E1608D-F119-4C0D-8D91-7CB089C037C8}"/>
               </a:ext>
             </a:extLst>
           </p:cNvPr>
@@ -23874,7 +23874,7 @@
             <p:cNvPr id="33" name="Group 32">
               <a:extLst>
                 <a:ext uri="{FF2B5EF4-FFF2-40B4-BE49-F238E27FC236}">
-                  <a16:creationId xmlns:a16="http://schemas.microsoft.com/office/drawing/2014/main" xmlns="" id="{EBDC0121-6865-4B65-A28B-1CEDB16AAD9E}"/>
+                  <a16:creationId xmlns:a16="http://schemas.microsoft.com/office/drawing/2014/main" id="{EBDC0121-6865-4B65-A28B-1CEDB16AAD9E}"/>
                 </a:ext>
               </a:extLst>
             </p:cNvPr>
@@ -23894,7 +23894,7 @@
               <p:cNvPr id="35" name="Straight Connector 34">
                 <a:extLst>
                   <a:ext uri="{FF2B5EF4-FFF2-40B4-BE49-F238E27FC236}">
-                    <a16:creationId xmlns:a16="http://schemas.microsoft.com/office/drawing/2014/main" xmlns="" id="{386E3714-07DE-4318-B5BC-25F879B97D59}"/>
+                    <a16:creationId xmlns:a16="http://schemas.microsoft.com/office/drawing/2014/main" id="{386E3714-07DE-4318-B5BC-25F879B97D59}"/>
                   </a:ext>
                 </a:extLst>
               </p:cNvPr>
@@ -23938,7 +23938,7 @@
               <p:cNvPr id="36" name="Oval 35">
                 <a:extLst>
                   <a:ext uri="{FF2B5EF4-FFF2-40B4-BE49-F238E27FC236}">
-                    <a16:creationId xmlns:a16="http://schemas.microsoft.com/office/drawing/2014/main" xmlns="" id="{2ECCE30B-E848-4C5E-83A1-A811D489E7B8}"/>
+                    <a16:creationId xmlns:a16="http://schemas.microsoft.com/office/drawing/2014/main" id="{2ECCE30B-E848-4C5E-83A1-A811D489E7B8}"/>
                   </a:ext>
                 </a:extLst>
               </p:cNvPr>
@@ -23999,7 +23999,7 @@
             <p:cNvPr id="34" name="Oval 33">
               <a:extLst>
                 <a:ext uri="{FF2B5EF4-FFF2-40B4-BE49-F238E27FC236}">
-                  <a16:creationId xmlns:a16="http://schemas.microsoft.com/office/drawing/2014/main" xmlns="" id="{09817AEC-C67C-49A3-AC5A-669FD4D6D586}"/>
+                  <a16:creationId xmlns:a16="http://schemas.microsoft.com/office/drawing/2014/main" id="{09817AEC-C67C-49A3-AC5A-669FD4D6D586}"/>
                 </a:ext>
               </a:extLst>
             </p:cNvPr>
@@ -24090,7 +24090,7 @@
           <p:cNvPr id="15" name="Rectangle 14">
             <a:extLst>
               <a:ext uri="{FF2B5EF4-FFF2-40B4-BE49-F238E27FC236}">
-                <a16:creationId xmlns:a16="http://schemas.microsoft.com/office/drawing/2014/main" xmlns="" id="{E8E3FDB8-6D5C-48FE-99EA-7EC60F4D8191}"/>
+                <a16:creationId xmlns:a16="http://schemas.microsoft.com/office/drawing/2014/main" id="{E8E3FDB8-6D5C-48FE-99EA-7EC60F4D8191}"/>
               </a:ext>
             </a:extLst>
           </p:cNvPr>
@@ -24157,7 +24157,7 @@
           <p:cNvPr id="3" name="Picture Placeholder 2">
             <a:extLst>
               <a:ext uri="{FF2B5EF4-FFF2-40B4-BE49-F238E27FC236}">
-                <a16:creationId xmlns:a16="http://schemas.microsoft.com/office/drawing/2014/main" xmlns="" id="{96C5B5AA-0D95-4C33-8EBC-90401B51BDB4}"/>
+                <a16:creationId xmlns:a16="http://schemas.microsoft.com/office/drawing/2014/main" id="{96C5B5AA-0D95-4C33-8EBC-90401B51BDB4}"/>
               </a:ext>
             </a:extLst>
           </p:cNvPr>
@@ -24198,7 +24198,7 @@
           <p:cNvPr id="5" name="Date Placeholder 4">
             <a:extLst>
               <a:ext uri="{FF2B5EF4-FFF2-40B4-BE49-F238E27FC236}">
-                <a16:creationId xmlns:a16="http://schemas.microsoft.com/office/drawing/2014/main" xmlns="" id="{2D9775F3-A041-479A-8038-652B7D9C72E9}"/>
+                <a16:creationId xmlns:a16="http://schemas.microsoft.com/office/drawing/2014/main" id="{2D9775F3-A041-479A-8038-652B7D9C72E9}"/>
               </a:ext>
             </a:extLst>
           </p:cNvPr>
@@ -24227,7 +24227,7 @@
           <p:cNvPr id="6" name="Footer Placeholder 5">
             <a:extLst>
               <a:ext uri="{FF2B5EF4-FFF2-40B4-BE49-F238E27FC236}">
-                <a16:creationId xmlns:a16="http://schemas.microsoft.com/office/drawing/2014/main" xmlns="" id="{29BEDD04-BE4E-4B91-B13E-0C4FB3E1658F}"/>
+                <a16:creationId xmlns:a16="http://schemas.microsoft.com/office/drawing/2014/main" id="{29BEDD04-BE4E-4B91-B13E-0C4FB3E1658F}"/>
               </a:ext>
             </a:extLst>
           </p:cNvPr>
@@ -24256,7 +24256,7 @@
           <p:cNvPr id="7" name="Slide Number Placeholder 6">
             <a:extLst>
               <a:ext uri="{FF2B5EF4-FFF2-40B4-BE49-F238E27FC236}">
-                <a16:creationId xmlns:a16="http://schemas.microsoft.com/office/drawing/2014/main" xmlns="" id="{306DF5D8-12DC-494E-B0F1-2E9C86A14544}"/>
+                <a16:creationId xmlns:a16="http://schemas.microsoft.com/office/drawing/2014/main" id="{306DF5D8-12DC-494E-B0F1-2E9C86A14544}"/>
               </a:ext>
             </a:extLst>
           </p:cNvPr>
@@ -24285,7 +24285,7 @@
           <p:cNvPr id="8" name="Title 1">
             <a:extLst>
               <a:ext uri="{FF2B5EF4-FFF2-40B4-BE49-F238E27FC236}">
-                <a16:creationId xmlns:a16="http://schemas.microsoft.com/office/drawing/2014/main" xmlns="" id="{ABF87C9E-53A2-4DE1-89DC-3907BE2E3D3C}"/>
+                <a16:creationId xmlns:a16="http://schemas.microsoft.com/office/drawing/2014/main" id="{ABF87C9E-53A2-4DE1-89DC-3907BE2E3D3C}"/>
               </a:ext>
             </a:extLst>
           </p:cNvPr>
@@ -24325,7 +24325,7 @@
           <p:cNvPr id="10" name="Picture Placeholder 10">
             <a:extLst>
               <a:ext uri="{FF2B5EF4-FFF2-40B4-BE49-F238E27FC236}">
-                <a16:creationId xmlns:a16="http://schemas.microsoft.com/office/drawing/2014/main" xmlns="" id="{A541F291-2E4B-474E-9ED0-55C97A2A066D}"/>
+                <a16:creationId xmlns:a16="http://schemas.microsoft.com/office/drawing/2014/main" id="{A541F291-2E4B-474E-9ED0-55C97A2A066D}"/>
               </a:ext>
             </a:extLst>
           </p:cNvPr>
@@ -24366,7 +24366,7 @@
           <p:cNvPr id="17" name="Straight Connector 16">
             <a:extLst>
               <a:ext uri="{FF2B5EF4-FFF2-40B4-BE49-F238E27FC236}">
-                <a16:creationId xmlns:a16="http://schemas.microsoft.com/office/drawing/2014/main" xmlns="" id="{6150998C-CF95-4C6F-8962-8EB2DB30177D}"/>
+                <a16:creationId xmlns:a16="http://schemas.microsoft.com/office/drawing/2014/main" id="{6150998C-CF95-4C6F-8962-8EB2DB30177D}"/>
               </a:ext>
             </a:extLst>
           </p:cNvPr>
@@ -24410,7 +24410,7 @@
           <p:cNvPr id="18" name="Oval 17">
             <a:extLst>
               <a:ext uri="{FF2B5EF4-FFF2-40B4-BE49-F238E27FC236}">
-                <a16:creationId xmlns:a16="http://schemas.microsoft.com/office/drawing/2014/main" xmlns="" id="{F86A2ACD-8CF5-48A3-A678-E213A809B332}"/>
+                <a16:creationId xmlns:a16="http://schemas.microsoft.com/office/drawing/2014/main" id="{F86A2ACD-8CF5-48A3-A678-E213A809B332}"/>
               </a:ext>
             </a:extLst>
           </p:cNvPr>
@@ -24465,7 +24465,7 @@
           <p:cNvPr id="19" name="Straight Connector 18">
             <a:extLst>
               <a:ext uri="{FF2B5EF4-FFF2-40B4-BE49-F238E27FC236}">
-                <a16:creationId xmlns:a16="http://schemas.microsoft.com/office/drawing/2014/main" xmlns="" id="{F00811BB-0E37-4D70-84A5-97B3FBEDCBE6}"/>
+                <a16:creationId xmlns:a16="http://schemas.microsoft.com/office/drawing/2014/main" id="{F00811BB-0E37-4D70-84A5-97B3FBEDCBE6}"/>
               </a:ext>
             </a:extLst>
           </p:cNvPr>
@@ -24511,7 +24511,7 @@
           <p:cNvPr id="20" name="Oval 19">
             <a:extLst>
               <a:ext uri="{FF2B5EF4-FFF2-40B4-BE49-F238E27FC236}">
-                <a16:creationId xmlns:a16="http://schemas.microsoft.com/office/drawing/2014/main" xmlns="" id="{D03B3046-0457-4D23-8E0C-64E3FCD620BB}"/>
+                <a16:creationId xmlns:a16="http://schemas.microsoft.com/office/drawing/2014/main" id="{D03B3046-0457-4D23-8E0C-64E3FCD620BB}"/>
               </a:ext>
             </a:extLst>
           </p:cNvPr>
@@ -24566,7 +24566,7 @@
           <p:cNvPr id="4" name="Group 3">
             <a:extLst>
               <a:ext uri="{FF2B5EF4-FFF2-40B4-BE49-F238E27FC236}">
-                <a16:creationId xmlns:a16="http://schemas.microsoft.com/office/drawing/2014/main" xmlns="" id="{908B302A-0F76-466E-9FCE-DCEECCBCF6C9}"/>
+                <a16:creationId xmlns:a16="http://schemas.microsoft.com/office/drawing/2014/main" id="{908B302A-0F76-466E-9FCE-DCEECCBCF6C9}"/>
               </a:ext>
             </a:extLst>
           </p:cNvPr>
@@ -24586,7 +24586,7 @@
             <p:cNvPr id="11" name="Group 10">
               <a:extLst>
                 <a:ext uri="{FF2B5EF4-FFF2-40B4-BE49-F238E27FC236}">
-                  <a16:creationId xmlns:a16="http://schemas.microsoft.com/office/drawing/2014/main" xmlns="" id="{59E4D57E-4989-4939-A31F-637543FAB606}"/>
+                  <a16:creationId xmlns:a16="http://schemas.microsoft.com/office/drawing/2014/main" id="{59E4D57E-4989-4939-A31F-637543FAB606}"/>
                 </a:ext>
               </a:extLst>
             </p:cNvPr>
@@ -24606,7 +24606,7 @@
               <p:cNvPr id="12" name="Straight Connector 11">
                 <a:extLst>
                   <a:ext uri="{FF2B5EF4-FFF2-40B4-BE49-F238E27FC236}">
-                    <a16:creationId xmlns:a16="http://schemas.microsoft.com/office/drawing/2014/main" xmlns="" id="{370B72A7-B625-48B8-88E6-BCE2A4DD531E}"/>
+                    <a16:creationId xmlns:a16="http://schemas.microsoft.com/office/drawing/2014/main" id="{370B72A7-B625-48B8-88E6-BCE2A4DD531E}"/>
                   </a:ext>
                 </a:extLst>
               </p:cNvPr>
@@ -24650,7 +24650,7 @@
               <p:cNvPr id="13" name="Oval 12">
                 <a:extLst>
                   <a:ext uri="{FF2B5EF4-FFF2-40B4-BE49-F238E27FC236}">
-                    <a16:creationId xmlns:a16="http://schemas.microsoft.com/office/drawing/2014/main" xmlns="" id="{01ED729F-F8A5-4244-9776-4935C260F11F}"/>
+                    <a16:creationId xmlns:a16="http://schemas.microsoft.com/office/drawing/2014/main" id="{01ED729F-F8A5-4244-9776-4935C260F11F}"/>
                   </a:ext>
                 </a:extLst>
               </p:cNvPr>
@@ -24711,7 +24711,7 @@
             <p:cNvPr id="21" name="Oval 20">
               <a:extLst>
                 <a:ext uri="{FF2B5EF4-FFF2-40B4-BE49-F238E27FC236}">
-                  <a16:creationId xmlns:a16="http://schemas.microsoft.com/office/drawing/2014/main" xmlns="" id="{427C0C4F-6341-4BE0-931E-AAA6EA2AF137}"/>
+                  <a16:creationId xmlns:a16="http://schemas.microsoft.com/office/drawing/2014/main" id="{427C0C4F-6341-4BE0-931E-AAA6EA2AF137}"/>
                 </a:ext>
               </a:extLst>
             </p:cNvPr>
@@ -24802,7 +24802,7 @@
           <p:cNvPr id="15" name="Rectangle 14">
             <a:extLst>
               <a:ext uri="{FF2B5EF4-FFF2-40B4-BE49-F238E27FC236}">
-                <a16:creationId xmlns:a16="http://schemas.microsoft.com/office/drawing/2014/main" xmlns="" id="{E8E3FDB8-6D5C-48FE-99EA-7EC60F4D8191}"/>
+                <a16:creationId xmlns:a16="http://schemas.microsoft.com/office/drawing/2014/main" id="{E8E3FDB8-6D5C-48FE-99EA-7EC60F4D8191}"/>
               </a:ext>
             </a:extLst>
           </p:cNvPr>
@@ -24869,7 +24869,7 @@
           <p:cNvPr id="5" name="Date Placeholder 4">
             <a:extLst>
               <a:ext uri="{FF2B5EF4-FFF2-40B4-BE49-F238E27FC236}">
-                <a16:creationId xmlns:a16="http://schemas.microsoft.com/office/drawing/2014/main" xmlns="" id="{2D9775F3-A041-479A-8038-652B7D9C72E9}"/>
+                <a16:creationId xmlns:a16="http://schemas.microsoft.com/office/drawing/2014/main" id="{2D9775F3-A041-479A-8038-652B7D9C72E9}"/>
               </a:ext>
             </a:extLst>
           </p:cNvPr>
@@ -24898,7 +24898,7 @@
           <p:cNvPr id="6" name="Footer Placeholder 5">
             <a:extLst>
               <a:ext uri="{FF2B5EF4-FFF2-40B4-BE49-F238E27FC236}">
-                <a16:creationId xmlns:a16="http://schemas.microsoft.com/office/drawing/2014/main" xmlns="" id="{29BEDD04-BE4E-4B91-B13E-0C4FB3E1658F}"/>
+                <a16:creationId xmlns:a16="http://schemas.microsoft.com/office/drawing/2014/main" id="{29BEDD04-BE4E-4B91-B13E-0C4FB3E1658F}"/>
               </a:ext>
             </a:extLst>
           </p:cNvPr>
@@ -24927,7 +24927,7 @@
           <p:cNvPr id="7" name="Slide Number Placeholder 6">
             <a:extLst>
               <a:ext uri="{FF2B5EF4-FFF2-40B4-BE49-F238E27FC236}">
-                <a16:creationId xmlns:a16="http://schemas.microsoft.com/office/drawing/2014/main" xmlns="" id="{306DF5D8-12DC-494E-B0F1-2E9C86A14544}"/>
+                <a16:creationId xmlns:a16="http://schemas.microsoft.com/office/drawing/2014/main" id="{306DF5D8-12DC-494E-B0F1-2E9C86A14544}"/>
               </a:ext>
             </a:extLst>
           </p:cNvPr>
@@ -24956,7 +24956,7 @@
           <p:cNvPr id="8" name="Title 1">
             <a:extLst>
               <a:ext uri="{FF2B5EF4-FFF2-40B4-BE49-F238E27FC236}">
-                <a16:creationId xmlns:a16="http://schemas.microsoft.com/office/drawing/2014/main" xmlns="" id="{ABF87C9E-53A2-4DE1-89DC-3907BE2E3D3C}"/>
+                <a16:creationId xmlns:a16="http://schemas.microsoft.com/office/drawing/2014/main" id="{ABF87C9E-53A2-4DE1-89DC-3907BE2E3D3C}"/>
               </a:ext>
             </a:extLst>
           </p:cNvPr>
@@ -24996,7 +24996,7 @@
           <p:cNvPr id="10" name="Picture Placeholder 10">
             <a:extLst>
               <a:ext uri="{FF2B5EF4-FFF2-40B4-BE49-F238E27FC236}">
-                <a16:creationId xmlns:a16="http://schemas.microsoft.com/office/drawing/2014/main" xmlns="" id="{A541F291-2E4B-474E-9ED0-55C97A2A066D}"/>
+                <a16:creationId xmlns:a16="http://schemas.microsoft.com/office/drawing/2014/main" id="{A541F291-2E4B-474E-9ED0-55C97A2A066D}"/>
               </a:ext>
             </a:extLst>
           </p:cNvPr>
@@ -25037,7 +25037,7 @@
           <p:cNvPr id="11" name="Group 10">
             <a:extLst>
               <a:ext uri="{FF2B5EF4-FFF2-40B4-BE49-F238E27FC236}">
-                <a16:creationId xmlns:a16="http://schemas.microsoft.com/office/drawing/2014/main" xmlns="" id="{59E4D57E-4989-4939-A31F-637543FAB606}"/>
+                <a16:creationId xmlns:a16="http://schemas.microsoft.com/office/drawing/2014/main" id="{59E4D57E-4989-4939-A31F-637543FAB606}"/>
               </a:ext>
             </a:extLst>
           </p:cNvPr>
@@ -25057,7 +25057,7 @@
             <p:cNvPr id="12" name="Straight Connector 11">
               <a:extLst>
                 <a:ext uri="{FF2B5EF4-FFF2-40B4-BE49-F238E27FC236}">
-                  <a16:creationId xmlns:a16="http://schemas.microsoft.com/office/drawing/2014/main" xmlns="" id="{370B72A7-B625-48B8-88E6-BCE2A4DD531E}"/>
+                  <a16:creationId xmlns:a16="http://schemas.microsoft.com/office/drawing/2014/main" id="{370B72A7-B625-48B8-88E6-BCE2A4DD531E}"/>
                 </a:ext>
               </a:extLst>
             </p:cNvPr>
@@ -25103,7 +25103,7 @@
             <p:cNvPr id="13" name="Oval 12">
               <a:extLst>
                 <a:ext uri="{FF2B5EF4-FFF2-40B4-BE49-F238E27FC236}">
-                  <a16:creationId xmlns:a16="http://schemas.microsoft.com/office/drawing/2014/main" xmlns="" id="{01ED729F-F8A5-4244-9776-4935C260F11F}"/>
+                  <a16:creationId xmlns:a16="http://schemas.microsoft.com/office/drawing/2014/main" id="{01ED729F-F8A5-4244-9776-4935C260F11F}"/>
                 </a:ext>
               </a:extLst>
             </p:cNvPr>
@@ -25164,7 +25164,7 @@
           <p:cNvPr id="17" name="Straight Connector 16">
             <a:extLst>
               <a:ext uri="{FF2B5EF4-FFF2-40B4-BE49-F238E27FC236}">
-                <a16:creationId xmlns:a16="http://schemas.microsoft.com/office/drawing/2014/main" xmlns="" id="{6150998C-CF95-4C6F-8962-8EB2DB30177D}"/>
+                <a16:creationId xmlns:a16="http://schemas.microsoft.com/office/drawing/2014/main" id="{6150998C-CF95-4C6F-8962-8EB2DB30177D}"/>
               </a:ext>
             </a:extLst>
           </p:cNvPr>
@@ -25208,7 +25208,7 @@
           <p:cNvPr id="18" name="Oval 17">
             <a:extLst>
               <a:ext uri="{FF2B5EF4-FFF2-40B4-BE49-F238E27FC236}">
-                <a16:creationId xmlns:a16="http://schemas.microsoft.com/office/drawing/2014/main" xmlns="" id="{F86A2ACD-8CF5-48A3-A678-E213A809B332}"/>
+                <a16:creationId xmlns:a16="http://schemas.microsoft.com/office/drawing/2014/main" id="{F86A2ACD-8CF5-48A3-A678-E213A809B332}"/>
               </a:ext>
             </a:extLst>
           </p:cNvPr>
@@ -25263,7 +25263,7 @@
           <p:cNvPr id="19" name="Straight Connector 18">
             <a:extLst>
               <a:ext uri="{FF2B5EF4-FFF2-40B4-BE49-F238E27FC236}">
-                <a16:creationId xmlns:a16="http://schemas.microsoft.com/office/drawing/2014/main" xmlns="" id="{F00811BB-0E37-4D70-84A5-97B3FBEDCBE6}"/>
+                <a16:creationId xmlns:a16="http://schemas.microsoft.com/office/drawing/2014/main" id="{F00811BB-0E37-4D70-84A5-97B3FBEDCBE6}"/>
               </a:ext>
             </a:extLst>
           </p:cNvPr>
@@ -25309,7 +25309,7 @@
           <p:cNvPr id="20" name="Oval 19">
             <a:extLst>
               <a:ext uri="{FF2B5EF4-FFF2-40B4-BE49-F238E27FC236}">
-                <a16:creationId xmlns:a16="http://schemas.microsoft.com/office/drawing/2014/main" xmlns="" id="{D03B3046-0457-4D23-8E0C-64E3FCD620BB}"/>
+                <a16:creationId xmlns:a16="http://schemas.microsoft.com/office/drawing/2014/main" id="{D03B3046-0457-4D23-8E0C-64E3FCD620BB}"/>
               </a:ext>
             </a:extLst>
           </p:cNvPr>
@@ -25364,7 +25364,7 @@
           <p:cNvPr id="40" name="Text Placeholder 2">
             <a:extLst>
               <a:ext uri="{FF2B5EF4-FFF2-40B4-BE49-F238E27FC236}">
-                <a16:creationId xmlns:a16="http://schemas.microsoft.com/office/drawing/2014/main" xmlns="" id="{4A98AB01-9578-4430-96AD-F434AF0CDA20}"/>
+                <a16:creationId xmlns:a16="http://schemas.microsoft.com/office/drawing/2014/main" id="{4A98AB01-9578-4430-96AD-F434AF0CDA20}"/>
               </a:ext>
             </a:extLst>
           </p:cNvPr>
@@ -25501,7 +25501,7 @@
           <p:cNvPr id="41" name="Text Placeholder 2">
             <a:extLst>
               <a:ext uri="{FF2B5EF4-FFF2-40B4-BE49-F238E27FC236}">
-                <a16:creationId xmlns:a16="http://schemas.microsoft.com/office/drawing/2014/main" xmlns="" id="{EF9D60F2-A1FB-4A95-997B-A4F1723AC1EC}"/>
+                <a16:creationId xmlns:a16="http://schemas.microsoft.com/office/drawing/2014/main" id="{EF9D60F2-A1FB-4A95-997B-A4F1723AC1EC}"/>
               </a:ext>
             </a:extLst>
           </p:cNvPr>
@@ -25641,7 +25641,7 @@
           <p:cNvPr id="42" name="Picture Placeholder 2">
             <a:extLst>
               <a:ext uri="{FF2B5EF4-FFF2-40B4-BE49-F238E27FC236}">
-                <a16:creationId xmlns:a16="http://schemas.microsoft.com/office/drawing/2014/main" xmlns="" id="{76A56D2A-42F0-40C5-96D7-B1AC33152A85}"/>
+                <a16:creationId xmlns:a16="http://schemas.microsoft.com/office/drawing/2014/main" id="{76A56D2A-42F0-40C5-96D7-B1AC33152A85}"/>
               </a:ext>
             </a:extLst>
           </p:cNvPr>
@@ -25693,7 +25693,7 @@
           <p:cNvPr id="43" name="Straight Connector 42">
             <a:extLst>
               <a:ext uri="{FF2B5EF4-FFF2-40B4-BE49-F238E27FC236}">
-                <a16:creationId xmlns:a16="http://schemas.microsoft.com/office/drawing/2014/main" xmlns="" id="{CF6D1C91-9136-4678-A712-92BE9B3902C4}"/>
+                <a16:creationId xmlns:a16="http://schemas.microsoft.com/office/drawing/2014/main" id="{CF6D1C91-9136-4678-A712-92BE9B3902C4}"/>
               </a:ext>
             </a:extLst>
           </p:cNvPr>
@@ -25736,7 +25736,7 @@
           <p:cNvPr id="4" name="Text Placeholder 3">
             <a:extLst>
               <a:ext uri="{FF2B5EF4-FFF2-40B4-BE49-F238E27FC236}">
-                <a16:creationId xmlns:a16="http://schemas.microsoft.com/office/drawing/2014/main" xmlns="" id="{F2D92A7B-1C40-4AEB-92C3-C35F8C01F1FA}"/>
+                <a16:creationId xmlns:a16="http://schemas.microsoft.com/office/drawing/2014/main" id="{F2D92A7B-1C40-4AEB-92C3-C35F8C01F1FA}"/>
               </a:ext>
             </a:extLst>
           </p:cNvPr>
@@ -25973,7 +25973,7 @@
           <p:cNvPr id="24" name="Oval 23">
             <a:extLst>
               <a:ext uri="{FF2B5EF4-FFF2-40B4-BE49-F238E27FC236}">
-                <a16:creationId xmlns:a16="http://schemas.microsoft.com/office/drawing/2014/main" xmlns="" id="{F2E312F1-B417-47B6-97E4-7CCA31034F82}"/>
+                <a16:creationId xmlns:a16="http://schemas.microsoft.com/office/drawing/2014/main" id="{F2E312F1-B417-47B6-97E4-7CCA31034F82}"/>
               </a:ext>
             </a:extLst>
           </p:cNvPr>
@@ -26033,7 +26033,7 @@
           <p:cNvPr id="58" name="Text Placeholder 2">
             <a:extLst>
               <a:ext uri="{FF2B5EF4-FFF2-40B4-BE49-F238E27FC236}">
-                <a16:creationId xmlns:a16="http://schemas.microsoft.com/office/drawing/2014/main" xmlns="" id="{13DB5D84-04D8-4536-A06B-AED76E7C51D7}"/>
+                <a16:creationId xmlns:a16="http://schemas.microsoft.com/office/drawing/2014/main" id="{13DB5D84-04D8-4536-A06B-AED76E7C51D7}"/>
               </a:ext>
             </a:extLst>
           </p:cNvPr>
@@ -26170,7 +26170,7 @@
           <p:cNvPr id="59" name="Text Placeholder 2">
             <a:extLst>
               <a:ext uri="{FF2B5EF4-FFF2-40B4-BE49-F238E27FC236}">
-                <a16:creationId xmlns:a16="http://schemas.microsoft.com/office/drawing/2014/main" xmlns="" id="{3AB0AC7E-7919-422E-95A1-82E8B125756D}"/>
+                <a16:creationId xmlns:a16="http://schemas.microsoft.com/office/drawing/2014/main" id="{3AB0AC7E-7919-422E-95A1-82E8B125756D}"/>
               </a:ext>
             </a:extLst>
           </p:cNvPr>
@@ -26310,7 +26310,7 @@
           <p:cNvPr id="60" name="Picture Placeholder 2">
             <a:extLst>
               <a:ext uri="{FF2B5EF4-FFF2-40B4-BE49-F238E27FC236}">
-                <a16:creationId xmlns:a16="http://schemas.microsoft.com/office/drawing/2014/main" xmlns="" id="{B44FD76B-D1AE-458B-AF32-E4AA246B0881}"/>
+                <a16:creationId xmlns:a16="http://schemas.microsoft.com/office/drawing/2014/main" id="{B44FD76B-D1AE-458B-AF32-E4AA246B0881}"/>
               </a:ext>
             </a:extLst>
           </p:cNvPr>
@@ -26362,7 +26362,7 @@
           <p:cNvPr id="61" name="Straight Connector 60">
             <a:extLst>
               <a:ext uri="{FF2B5EF4-FFF2-40B4-BE49-F238E27FC236}">
-                <a16:creationId xmlns:a16="http://schemas.microsoft.com/office/drawing/2014/main" xmlns="" id="{07D22CD4-7F86-495D-B381-7D706058B916}"/>
+                <a16:creationId xmlns:a16="http://schemas.microsoft.com/office/drawing/2014/main" id="{07D22CD4-7F86-495D-B381-7D706058B916}"/>
               </a:ext>
             </a:extLst>
           </p:cNvPr>
@@ -26405,7 +26405,7 @@
           <p:cNvPr id="62" name="Text Placeholder 3">
             <a:extLst>
               <a:ext uri="{FF2B5EF4-FFF2-40B4-BE49-F238E27FC236}">
-                <a16:creationId xmlns:a16="http://schemas.microsoft.com/office/drawing/2014/main" xmlns="" id="{1BA0EB90-BA97-4A18-AD3D-1E839B636DEB}"/>
+                <a16:creationId xmlns:a16="http://schemas.microsoft.com/office/drawing/2014/main" id="{1BA0EB90-BA97-4A18-AD3D-1E839B636DEB}"/>
               </a:ext>
             </a:extLst>
           </p:cNvPr>
@@ -26642,7 +26642,7 @@
           <p:cNvPr id="63" name="Oval 62">
             <a:extLst>
               <a:ext uri="{FF2B5EF4-FFF2-40B4-BE49-F238E27FC236}">
-                <a16:creationId xmlns:a16="http://schemas.microsoft.com/office/drawing/2014/main" xmlns="" id="{ED057A87-963C-4F8A-BD4C-959BF8AF699B}"/>
+                <a16:creationId xmlns:a16="http://schemas.microsoft.com/office/drawing/2014/main" id="{ED057A87-963C-4F8A-BD4C-959BF8AF699B}"/>
               </a:ext>
             </a:extLst>
           </p:cNvPr>
@@ -26702,7 +26702,7 @@
           <p:cNvPr id="64" name="Text Placeholder 2">
             <a:extLst>
               <a:ext uri="{FF2B5EF4-FFF2-40B4-BE49-F238E27FC236}">
-                <a16:creationId xmlns:a16="http://schemas.microsoft.com/office/drawing/2014/main" xmlns="" id="{B6BAFE05-9EC0-4C3C-AB0F-89A83361452F}"/>
+                <a16:creationId xmlns:a16="http://schemas.microsoft.com/office/drawing/2014/main" id="{B6BAFE05-9EC0-4C3C-AB0F-89A83361452F}"/>
               </a:ext>
             </a:extLst>
           </p:cNvPr>
@@ -26839,7 +26839,7 @@
           <p:cNvPr id="65" name="Text Placeholder 2">
             <a:extLst>
               <a:ext uri="{FF2B5EF4-FFF2-40B4-BE49-F238E27FC236}">
-                <a16:creationId xmlns:a16="http://schemas.microsoft.com/office/drawing/2014/main" xmlns="" id="{290BF8E2-78CA-4427-9231-3C5EDC272DEE}"/>
+                <a16:creationId xmlns:a16="http://schemas.microsoft.com/office/drawing/2014/main" id="{290BF8E2-78CA-4427-9231-3C5EDC272DEE}"/>
               </a:ext>
             </a:extLst>
           </p:cNvPr>
@@ -26979,7 +26979,7 @@
           <p:cNvPr id="66" name="Picture Placeholder 2">
             <a:extLst>
               <a:ext uri="{FF2B5EF4-FFF2-40B4-BE49-F238E27FC236}">
-                <a16:creationId xmlns:a16="http://schemas.microsoft.com/office/drawing/2014/main" xmlns="" id="{ACA8732F-AB9E-4253-BB5A-5ADD5BA9B153}"/>
+                <a16:creationId xmlns:a16="http://schemas.microsoft.com/office/drawing/2014/main" id="{ACA8732F-AB9E-4253-BB5A-5ADD5BA9B153}"/>
               </a:ext>
             </a:extLst>
           </p:cNvPr>
@@ -27031,7 +27031,7 @@
           <p:cNvPr id="67" name="Straight Connector 66">
             <a:extLst>
               <a:ext uri="{FF2B5EF4-FFF2-40B4-BE49-F238E27FC236}">
-                <a16:creationId xmlns:a16="http://schemas.microsoft.com/office/drawing/2014/main" xmlns="" id="{BB9A566A-8C97-4AE6-B9EF-701587499889}"/>
+                <a16:creationId xmlns:a16="http://schemas.microsoft.com/office/drawing/2014/main" id="{BB9A566A-8C97-4AE6-B9EF-701587499889}"/>
               </a:ext>
             </a:extLst>
           </p:cNvPr>
@@ -27074,7 +27074,7 @@
           <p:cNvPr id="68" name="Text Placeholder 3">
             <a:extLst>
               <a:ext uri="{FF2B5EF4-FFF2-40B4-BE49-F238E27FC236}">
-                <a16:creationId xmlns:a16="http://schemas.microsoft.com/office/drawing/2014/main" xmlns="" id="{45B69021-5E85-4B37-B529-366AC57512FD}"/>
+                <a16:creationId xmlns:a16="http://schemas.microsoft.com/office/drawing/2014/main" id="{45B69021-5E85-4B37-B529-366AC57512FD}"/>
               </a:ext>
             </a:extLst>
           </p:cNvPr>
@@ -27311,7 +27311,7 @@
           <p:cNvPr id="69" name="Oval 68">
             <a:extLst>
               <a:ext uri="{FF2B5EF4-FFF2-40B4-BE49-F238E27FC236}">
-                <a16:creationId xmlns:a16="http://schemas.microsoft.com/office/drawing/2014/main" xmlns="" id="{E407CD49-808A-445A-96C0-E3083C9FB390}"/>
+                <a16:creationId xmlns:a16="http://schemas.microsoft.com/office/drawing/2014/main" id="{E407CD49-808A-445A-96C0-E3083C9FB390}"/>
               </a:ext>
             </a:extLst>
           </p:cNvPr>
@@ -27401,7 +27401,7 @@
           <p:cNvPr id="7" name="Rectangle 6">
             <a:extLst>
               <a:ext uri="{FF2B5EF4-FFF2-40B4-BE49-F238E27FC236}">
-                <a16:creationId xmlns:a16="http://schemas.microsoft.com/office/drawing/2014/main" xmlns="" id="{09F1B35C-893A-4033-ADC0-2192AFA29271}"/>
+                <a16:creationId xmlns:a16="http://schemas.microsoft.com/office/drawing/2014/main" id="{09F1B35C-893A-4033-ADC0-2192AFA29271}"/>
               </a:ext>
             </a:extLst>
           </p:cNvPr>
@@ -27468,7 +27468,7 @@
           <p:cNvPr id="2" name="Title 1">
             <a:extLst>
               <a:ext uri="{FF2B5EF4-FFF2-40B4-BE49-F238E27FC236}">
-                <a16:creationId xmlns:a16="http://schemas.microsoft.com/office/drawing/2014/main" xmlns="" id="{CD637DF8-B064-4F36-89F8-EBF538A2E7F2}"/>
+                <a16:creationId xmlns:a16="http://schemas.microsoft.com/office/drawing/2014/main" id="{CD637DF8-B064-4F36-89F8-EBF538A2E7F2}"/>
               </a:ext>
             </a:extLst>
           </p:cNvPr>
@@ -27508,7 +27508,7 @@
           <p:cNvPr id="3" name="Text Placeholder 2">
             <a:extLst>
               <a:ext uri="{FF2B5EF4-FFF2-40B4-BE49-F238E27FC236}">
-                <a16:creationId xmlns:a16="http://schemas.microsoft.com/office/drawing/2014/main" xmlns="" id="{8A72532A-5006-46B7-AE99-3A6891CD0254}"/>
+                <a16:creationId xmlns:a16="http://schemas.microsoft.com/office/drawing/2014/main" id="{8A72532A-5006-46B7-AE99-3A6891CD0254}"/>
               </a:ext>
             </a:extLst>
           </p:cNvPr>
@@ -27638,7 +27638,7 @@
           <p:cNvPr id="4" name="Date Placeholder 3">
             <a:extLst>
               <a:ext uri="{FF2B5EF4-FFF2-40B4-BE49-F238E27FC236}">
-                <a16:creationId xmlns:a16="http://schemas.microsoft.com/office/drawing/2014/main" xmlns="" id="{49EFC6D7-3241-401C-A16A-4A7CC2653954}"/>
+                <a16:creationId xmlns:a16="http://schemas.microsoft.com/office/drawing/2014/main" id="{49EFC6D7-3241-401C-A16A-4A7CC2653954}"/>
               </a:ext>
             </a:extLst>
           </p:cNvPr>
@@ -27667,7 +27667,7 @@
           <p:cNvPr id="5" name="Footer Placeholder 4">
             <a:extLst>
               <a:ext uri="{FF2B5EF4-FFF2-40B4-BE49-F238E27FC236}">
-                <a16:creationId xmlns:a16="http://schemas.microsoft.com/office/drawing/2014/main" xmlns="" id="{F345D6DC-ABA5-4D00-9CD3-92FFDD1FA2DC}"/>
+                <a16:creationId xmlns:a16="http://schemas.microsoft.com/office/drawing/2014/main" id="{F345D6DC-ABA5-4D00-9CD3-92FFDD1FA2DC}"/>
               </a:ext>
             </a:extLst>
           </p:cNvPr>
@@ -27696,7 +27696,7 @@
           <p:cNvPr id="6" name="Slide Number Placeholder 5">
             <a:extLst>
               <a:ext uri="{FF2B5EF4-FFF2-40B4-BE49-F238E27FC236}">
-                <a16:creationId xmlns:a16="http://schemas.microsoft.com/office/drawing/2014/main" xmlns="" id="{92459C86-0106-40E0-AA18-795EC5787677}"/>
+                <a16:creationId xmlns:a16="http://schemas.microsoft.com/office/drawing/2014/main" id="{92459C86-0106-40E0-AA18-795EC5787677}"/>
               </a:ext>
             </a:extLst>
           </p:cNvPr>
@@ -27725,7 +27725,7 @@
           <p:cNvPr id="11" name="Picture Placeholder 10">
             <a:extLst>
               <a:ext uri="{FF2B5EF4-FFF2-40B4-BE49-F238E27FC236}">
-                <a16:creationId xmlns:a16="http://schemas.microsoft.com/office/drawing/2014/main" xmlns="" id="{6D14F7B3-A6CF-491C-9855-75B5784CC456}"/>
+                <a16:creationId xmlns:a16="http://schemas.microsoft.com/office/drawing/2014/main" id="{6D14F7B3-A6CF-491C-9855-75B5784CC456}"/>
               </a:ext>
             </a:extLst>
           </p:cNvPr>
@@ -27766,7 +27766,7 @@
           <p:cNvPr id="15" name="Group 14">
             <a:extLst>
               <a:ext uri="{FF2B5EF4-FFF2-40B4-BE49-F238E27FC236}">
-                <a16:creationId xmlns:a16="http://schemas.microsoft.com/office/drawing/2014/main" xmlns="" id="{B7317392-EF87-4050-8BBE-32F74B0CF15A}"/>
+                <a16:creationId xmlns:a16="http://schemas.microsoft.com/office/drawing/2014/main" id="{B7317392-EF87-4050-8BBE-32F74B0CF15A}"/>
               </a:ext>
             </a:extLst>
           </p:cNvPr>
@@ -27786,7 +27786,7 @@
             <p:cNvPr id="13" name="Straight Connector 12">
               <a:extLst>
                 <a:ext uri="{FF2B5EF4-FFF2-40B4-BE49-F238E27FC236}">
-                  <a16:creationId xmlns:a16="http://schemas.microsoft.com/office/drawing/2014/main" xmlns="" id="{785A4134-866D-4143-AC1E-8A2FFDB49855}"/>
+                  <a16:creationId xmlns:a16="http://schemas.microsoft.com/office/drawing/2014/main" id="{785A4134-866D-4143-AC1E-8A2FFDB49855}"/>
                 </a:ext>
               </a:extLst>
             </p:cNvPr>
@@ -27832,7 +27832,7 @@
             <p:cNvPr id="14" name="Oval 13">
               <a:extLst>
                 <a:ext uri="{FF2B5EF4-FFF2-40B4-BE49-F238E27FC236}">
-                  <a16:creationId xmlns:a16="http://schemas.microsoft.com/office/drawing/2014/main" xmlns="" id="{1BBC5D9C-B8FB-455B-9398-36DB21F2765E}"/>
+                  <a16:creationId xmlns:a16="http://schemas.microsoft.com/office/drawing/2014/main" id="{1BBC5D9C-B8FB-455B-9398-36DB21F2765E}"/>
                 </a:ext>
               </a:extLst>
             </p:cNvPr>
@@ -27893,7 +27893,7 @@
           <p:cNvPr id="17" name="Oval 16">
             <a:extLst>
               <a:ext uri="{FF2B5EF4-FFF2-40B4-BE49-F238E27FC236}">
-                <a16:creationId xmlns:a16="http://schemas.microsoft.com/office/drawing/2014/main" xmlns="" id="{72225750-E4CE-4A81-A0C3-4023030D637E}"/>
+                <a16:creationId xmlns:a16="http://schemas.microsoft.com/office/drawing/2014/main" id="{72225750-E4CE-4A81-A0C3-4023030D637E}"/>
               </a:ext>
             </a:extLst>
           </p:cNvPr>
@@ -27948,7 +27948,7 @@
           <p:cNvPr id="18" name="Straight Connector 17">
             <a:extLst>
               <a:ext uri="{FF2B5EF4-FFF2-40B4-BE49-F238E27FC236}">
-                <a16:creationId xmlns:a16="http://schemas.microsoft.com/office/drawing/2014/main" xmlns="" id="{3819C324-07DF-49DB-A08C-0E6155CE3041}"/>
+                <a16:creationId xmlns:a16="http://schemas.microsoft.com/office/drawing/2014/main" id="{3819C324-07DF-49DB-A08C-0E6155CE3041}"/>
               </a:ext>
             </a:extLst>
           </p:cNvPr>
@@ -27992,7 +27992,7 @@
           <p:cNvPr id="19" name="Oval 18">
             <a:extLst>
               <a:ext uri="{FF2B5EF4-FFF2-40B4-BE49-F238E27FC236}">
-                <a16:creationId xmlns:a16="http://schemas.microsoft.com/office/drawing/2014/main" xmlns="" id="{75A34025-44F2-4A09-8629-F1794E9D35AF}"/>
+                <a16:creationId xmlns:a16="http://schemas.microsoft.com/office/drawing/2014/main" id="{75A34025-44F2-4A09-8629-F1794E9D35AF}"/>
               </a:ext>
             </a:extLst>
           </p:cNvPr>
@@ -28047,7 +28047,7 @@
           <p:cNvPr id="20" name="Straight Connector 19">
             <a:extLst>
               <a:ext uri="{FF2B5EF4-FFF2-40B4-BE49-F238E27FC236}">
-                <a16:creationId xmlns:a16="http://schemas.microsoft.com/office/drawing/2014/main" xmlns="" id="{815854A2-EAE9-4B2A-84CF-5A4BD753863A}"/>
+                <a16:creationId xmlns:a16="http://schemas.microsoft.com/office/drawing/2014/main" id="{815854A2-EAE9-4B2A-84CF-5A4BD753863A}"/>
               </a:ext>
             </a:extLst>
           </p:cNvPr>
@@ -28093,7 +28093,7 @@
           <p:cNvPr id="35" name="Text Placeholder 2">
             <a:extLst>
               <a:ext uri="{FF2B5EF4-FFF2-40B4-BE49-F238E27FC236}">
-                <a16:creationId xmlns:a16="http://schemas.microsoft.com/office/drawing/2014/main" xmlns="" id="{82DA762C-1D45-43AA-9DB3-3D8DBE3EACFE}"/>
+                <a16:creationId xmlns:a16="http://schemas.microsoft.com/office/drawing/2014/main" id="{82DA762C-1D45-43AA-9DB3-3D8DBE3EACFE}"/>
               </a:ext>
             </a:extLst>
           </p:cNvPr>
@@ -28228,7 +28228,7 @@
           <p:cNvPr id="38" name="Text Placeholder 2">
             <a:extLst>
               <a:ext uri="{FF2B5EF4-FFF2-40B4-BE49-F238E27FC236}">
-                <a16:creationId xmlns:a16="http://schemas.microsoft.com/office/drawing/2014/main" xmlns="" id="{4C3C1BF4-C955-4D71-87E4-BE0F7B619575}"/>
+                <a16:creationId xmlns:a16="http://schemas.microsoft.com/office/drawing/2014/main" id="{4C3C1BF4-C955-4D71-87E4-BE0F7B619575}"/>
               </a:ext>
             </a:extLst>
           </p:cNvPr>
@@ -28393,7 +28393,7 @@
           <p:cNvPr id="15" name="Rectangle 14">
             <a:extLst>
               <a:ext uri="{FF2B5EF4-FFF2-40B4-BE49-F238E27FC236}">
-                <a16:creationId xmlns:a16="http://schemas.microsoft.com/office/drawing/2014/main" xmlns="" id="{E8E3FDB8-6D5C-48FE-99EA-7EC60F4D8191}"/>
+                <a16:creationId xmlns:a16="http://schemas.microsoft.com/office/drawing/2014/main" id="{E8E3FDB8-6D5C-48FE-99EA-7EC60F4D8191}"/>
               </a:ext>
             </a:extLst>
           </p:cNvPr>
@@ -28460,7 +28460,7 @@
           <p:cNvPr id="5" name="Date Placeholder 4">
             <a:extLst>
               <a:ext uri="{FF2B5EF4-FFF2-40B4-BE49-F238E27FC236}">
-                <a16:creationId xmlns:a16="http://schemas.microsoft.com/office/drawing/2014/main" xmlns="" id="{2D9775F3-A041-479A-8038-652B7D9C72E9}"/>
+                <a16:creationId xmlns:a16="http://schemas.microsoft.com/office/drawing/2014/main" id="{2D9775F3-A041-479A-8038-652B7D9C72E9}"/>
               </a:ext>
             </a:extLst>
           </p:cNvPr>
@@ -28489,7 +28489,7 @@
           <p:cNvPr id="6" name="Footer Placeholder 5">
             <a:extLst>
               <a:ext uri="{FF2B5EF4-FFF2-40B4-BE49-F238E27FC236}">
-                <a16:creationId xmlns:a16="http://schemas.microsoft.com/office/drawing/2014/main" xmlns="" id="{29BEDD04-BE4E-4B91-B13E-0C4FB3E1658F}"/>
+                <a16:creationId xmlns:a16="http://schemas.microsoft.com/office/drawing/2014/main" id="{29BEDD04-BE4E-4B91-B13E-0C4FB3E1658F}"/>
               </a:ext>
             </a:extLst>
           </p:cNvPr>
@@ -28518,7 +28518,7 @@
           <p:cNvPr id="7" name="Slide Number Placeholder 6">
             <a:extLst>
               <a:ext uri="{FF2B5EF4-FFF2-40B4-BE49-F238E27FC236}">
-                <a16:creationId xmlns:a16="http://schemas.microsoft.com/office/drawing/2014/main" xmlns="" id="{306DF5D8-12DC-494E-B0F1-2E9C86A14544}"/>
+                <a16:creationId xmlns:a16="http://schemas.microsoft.com/office/drawing/2014/main" id="{306DF5D8-12DC-494E-B0F1-2E9C86A14544}"/>
               </a:ext>
             </a:extLst>
           </p:cNvPr>
@@ -28547,7 +28547,7 @@
           <p:cNvPr id="8" name="Title 1">
             <a:extLst>
               <a:ext uri="{FF2B5EF4-FFF2-40B4-BE49-F238E27FC236}">
-                <a16:creationId xmlns:a16="http://schemas.microsoft.com/office/drawing/2014/main" xmlns="" id="{ABF87C9E-53A2-4DE1-89DC-3907BE2E3D3C}"/>
+                <a16:creationId xmlns:a16="http://schemas.microsoft.com/office/drawing/2014/main" id="{ABF87C9E-53A2-4DE1-89DC-3907BE2E3D3C}"/>
               </a:ext>
             </a:extLst>
           </p:cNvPr>
@@ -28587,7 +28587,7 @@
           <p:cNvPr id="9" name="Text Placeholder 2">
             <a:extLst>
               <a:ext uri="{FF2B5EF4-FFF2-40B4-BE49-F238E27FC236}">
-                <a16:creationId xmlns:a16="http://schemas.microsoft.com/office/drawing/2014/main" xmlns="" id="{EB453F8F-AA02-4E0D-93BF-8CF4F1490377}"/>
+                <a16:creationId xmlns:a16="http://schemas.microsoft.com/office/drawing/2014/main" id="{EB453F8F-AA02-4E0D-93BF-8CF4F1490377}"/>
               </a:ext>
             </a:extLst>
           </p:cNvPr>
@@ -28717,7 +28717,7 @@
           <p:cNvPr id="10" name="Picture Placeholder 10">
             <a:extLst>
               <a:ext uri="{FF2B5EF4-FFF2-40B4-BE49-F238E27FC236}">
-                <a16:creationId xmlns:a16="http://schemas.microsoft.com/office/drawing/2014/main" xmlns="" id="{A541F291-2E4B-474E-9ED0-55C97A2A066D}"/>
+                <a16:creationId xmlns:a16="http://schemas.microsoft.com/office/drawing/2014/main" id="{A541F291-2E4B-474E-9ED0-55C97A2A066D}"/>
               </a:ext>
             </a:extLst>
           </p:cNvPr>
@@ -28758,7 +28758,7 @@
           <p:cNvPr id="11" name="Group 10">
             <a:extLst>
               <a:ext uri="{FF2B5EF4-FFF2-40B4-BE49-F238E27FC236}">
-                <a16:creationId xmlns:a16="http://schemas.microsoft.com/office/drawing/2014/main" xmlns="" id="{59E4D57E-4989-4939-A31F-637543FAB606}"/>
+                <a16:creationId xmlns:a16="http://schemas.microsoft.com/office/drawing/2014/main" id="{59E4D57E-4989-4939-A31F-637543FAB606}"/>
               </a:ext>
             </a:extLst>
           </p:cNvPr>
@@ -28778,7 +28778,7 @@
             <p:cNvPr id="12" name="Straight Connector 11">
               <a:extLst>
                 <a:ext uri="{FF2B5EF4-FFF2-40B4-BE49-F238E27FC236}">
-                  <a16:creationId xmlns:a16="http://schemas.microsoft.com/office/drawing/2014/main" xmlns="" id="{370B72A7-B625-48B8-88E6-BCE2A4DD531E}"/>
+                  <a16:creationId xmlns:a16="http://schemas.microsoft.com/office/drawing/2014/main" id="{370B72A7-B625-48B8-88E6-BCE2A4DD531E}"/>
                 </a:ext>
               </a:extLst>
             </p:cNvPr>
@@ -28824,7 +28824,7 @@
             <p:cNvPr id="13" name="Oval 12">
               <a:extLst>
                 <a:ext uri="{FF2B5EF4-FFF2-40B4-BE49-F238E27FC236}">
-                  <a16:creationId xmlns:a16="http://schemas.microsoft.com/office/drawing/2014/main" xmlns="" id="{01ED729F-F8A5-4244-9776-4935C260F11F}"/>
+                  <a16:creationId xmlns:a16="http://schemas.microsoft.com/office/drawing/2014/main" id="{01ED729F-F8A5-4244-9776-4935C260F11F}"/>
                 </a:ext>
               </a:extLst>
             </p:cNvPr>
@@ -28885,7 +28885,7 @@
           <p:cNvPr id="17" name="Straight Connector 16">
             <a:extLst>
               <a:ext uri="{FF2B5EF4-FFF2-40B4-BE49-F238E27FC236}">
-                <a16:creationId xmlns:a16="http://schemas.microsoft.com/office/drawing/2014/main" xmlns="" id="{6150998C-CF95-4C6F-8962-8EB2DB30177D}"/>
+                <a16:creationId xmlns:a16="http://schemas.microsoft.com/office/drawing/2014/main" id="{6150998C-CF95-4C6F-8962-8EB2DB30177D}"/>
               </a:ext>
             </a:extLst>
           </p:cNvPr>
@@ -28929,7 +28929,7 @@
           <p:cNvPr id="18" name="Oval 17">
             <a:extLst>
               <a:ext uri="{FF2B5EF4-FFF2-40B4-BE49-F238E27FC236}">
-                <a16:creationId xmlns:a16="http://schemas.microsoft.com/office/drawing/2014/main" xmlns="" id="{F86A2ACD-8CF5-48A3-A678-E213A809B332}"/>
+                <a16:creationId xmlns:a16="http://schemas.microsoft.com/office/drawing/2014/main" id="{F86A2ACD-8CF5-48A3-A678-E213A809B332}"/>
               </a:ext>
             </a:extLst>
           </p:cNvPr>
@@ -28984,7 +28984,7 @@
           <p:cNvPr id="19" name="Straight Connector 18">
             <a:extLst>
               <a:ext uri="{FF2B5EF4-FFF2-40B4-BE49-F238E27FC236}">
-                <a16:creationId xmlns:a16="http://schemas.microsoft.com/office/drawing/2014/main" xmlns="" id="{F00811BB-0E37-4D70-84A5-97B3FBEDCBE6}"/>
+                <a16:creationId xmlns:a16="http://schemas.microsoft.com/office/drawing/2014/main" id="{F00811BB-0E37-4D70-84A5-97B3FBEDCBE6}"/>
               </a:ext>
             </a:extLst>
           </p:cNvPr>
@@ -29030,7 +29030,7 @@
           <p:cNvPr id="20" name="Oval 19">
             <a:extLst>
               <a:ext uri="{FF2B5EF4-FFF2-40B4-BE49-F238E27FC236}">
-                <a16:creationId xmlns:a16="http://schemas.microsoft.com/office/drawing/2014/main" xmlns="" id="{D03B3046-0457-4D23-8E0C-64E3FCD620BB}"/>
+                <a16:creationId xmlns:a16="http://schemas.microsoft.com/office/drawing/2014/main" id="{D03B3046-0457-4D23-8E0C-64E3FCD620BB}"/>
               </a:ext>
             </a:extLst>
           </p:cNvPr>
@@ -29085,7 +29085,7 @@
           <p:cNvPr id="23" name="Text Placeholder 2">
             <a:extLst>
               <a:ext uri="{FF2B5EF4-FFF2-40B4-BE49-F238E27FC236}">
-                <a16:creationId xmlns:a16="http://schemas.microsoft.com/office/drawing/2014/main" xmlns="" id="{ABD2EF23-562D-4049-92E3-48371C9E83A4}"/>
+                <a16:creationId xmlns:a16="http://schemas.microsoft.com/office/drawing/2014/main" id="{ABD2EF23-562D-4049-92E3-48371C9E83A4}"/>
               </a:ext>
             </a:extLst>
           </p:cNvPr>
@@ -29220,7 +29220,7 @@
           <p:cNvPr id="3" name="Rectangle 2">
             <a:extLst>
               <a:ext uri="{FF2B5EF4-FFF2-40B4-BE49-F238E27FC236}">
-                <a16:creationId xmlns:a16="http://schemas.microsoft.com/office/drawing/2014/main" xmlns="" id="{496B07E0-C579-4C5F-9AD4-6AF791562924}"/>
+                <a16:creationId xmlns:a16="http://schemas.microsoft.com/office/drawing/2014/main" id="{496B07E0-C579-4C5F-9AD4-6AF791562924}"/>
               </a:ext>
             </a:extLst>
           </p:cNvPr>
@@ -29239,7 +29239,7 @@
             <a:blip r:embed="rId2">
               <a:extLst>
                 <a:ext uri="{96DAC541-7B7A-43D3-8B79-37D633B846F1}">
-                  <asvg:svgBlip xmlns:asvg="http://schemas.microsoft.com/office/drawing/2016/SVG/main" xmlns="" r:embed="rId3"/>
+                  <asvg:svgBlip xmlns:asvg="http://schemas.microsoft.com/office/drawing/2016/SVG/main" r:embed="rId3"/>
                 </a:ext>
               </a:extLst>
             </a:blip>
@@ -29287,7 +29287,7 @@
           <p:cNvPr id="21" name="Picture Placeholder 2">
             <a:extLst>
               <a:ext uri="{FF2B5EF4-FFF2-40B4-BE49-F238E27FC236}">
-                <a16:creationId xmlns:a16="http://schemas.microsoft.com/office/drawing/2014/main" xmlns="" id="{D5639F99-011E-49CF-8ABD-A4DB4439FB47}"/>
+                <a16:creationId xmlns:a16="http://schemas.microsoft.com/office/drawing/2014/main" id="{D5639F99-011E-49CF-8ABD-A4DB4439FB47}"/>
               </a:ext>
             </a:extLst>
           </p:cNvPr>
@@ -29333,7 +29333,7 @@
           <p:cNvPr id="22" name="Picture Placeholder 2">
             <a:extLst>
               <a:ext uri="{FF2B5EF4-FFF2-40B4-BE49-F238E27FC236}">
-                <a16:creationId xmlns:a16="http://schemas.microsoft.com/office/drawing/2014/main" xmlns="" id="{028483B2-B562-448D-AEE1-556BC9366BBA}"/>
+                <a16:creationId xmlns:a16="http://schemas.microsoft.com/office/drawing/2014/main" id="{028483B2-B562-448D-AEE1-556BC9366BBA}"/>
               </a:ext>
             </a:extLst>
           </p:cNvPr>
@@ -29409,7 +29409,7 @@
           <p:cNvPr id="35" name="Rectangle 34">
             <a:extLst>
               <a:ext uri="{FF2B5EF4-FFF2-40B4-BE49-F238E27FC236}">
-                <a16:creationId xmlns:a16="http://schemas.microsoft.com/office/drawing/2014/main" xmlns="" id="{42737603-04DB-411C-B2D9-BDFF9AEE89D6}"/>
+                <a16:creationId xmlns:a16="http://schemas.microsoft.com/office/drawing/2014/main" id="{42737603-04DB-411C-B2D9-BDFF9AEE89D6}"/>
               </a:ext>
             </a:extLst>
           </p:cNvPr>
@@ -29476,7 +29476,7 @@
           <p:cNvPr id="21" name="Text Placeholder 3">
             <a:extLst>
               <a:ext uri="{FF2B5EF4-FFF2-40B4-BE49-F238E27FC236}">
-                <a16:creationId xmlns:a16="http://schemas.microsoft.com/office/drawing/2014/main" xmlns="" id="{605A03A4-E79C-49C5-A546-FF8E2D42E9D2}"/>
+                <a16:creationId xmlns:a16="http://schemas.microsoft.com/office/drawing/2014/main" id="{605A03A4-E79C-49C5-A546-FF8E2D42E9D2}"/>
               </a:ext>
             </a:extLst>
           </p:cNvPr>
@@ -29562,7 +29562,7 @@
           <p:cNvPr id="22" name="Text Placeholder 3">
             <a:extLst>
               <a:ext uri="{FF2B5EF4-FFF2-40B4-BE49-F238E27FC236}">
-                <a16:creationId xmlns:a16="http://schemas.microsoft.com/office/drawing/2014/main" xmlns="" id="{9EA27EF7-FC6B-496C-B737-B9219950367E}"/>
+                <a16:creationId xmlns:a16="http://schemas.microsoft.com/office/drawing/2014/main" id="{9EA27EF7-FC6B-496C-B737-B9219950367E}"/>
               </a:ext>
             </a:extLst>
           </p:cNvPr>
@@ -29652,7 +29652,7 @@
           <p:cNvPr id="23" name="Text Placeholder 3">
             <a:extLst>
               <a:ext uri="{FF2B5EF4-FFF2-40B4-BE49-F238E27FC236}">
-                <a16:creationId xmlns:a16="http://schemas.microsoft.com/office/drawing/2014/main" xmlns="" id="{6C0E2C30-6E91-49DE-B7A1-6E32A19EC81D}"/>
+                <a16:creationId xmlns:a16="http://schemas.microsoft.com/office/drawing/2014/main" id="{6C0E2C30-6E91-49DE-B7A1-6E32A19EC81D}"/>
               </a:ext>
             </a:extLst>
           </p:cNvPr>
@@ -29747,7 +29747,7 @@
           <p:cNvPr id="24" name="Picture Placeholder 12">
             <a:extLst>
               <a:ext uri="{FF2B5EF4-FFF2-40B4-BE49-F238E27FC236}">
-                <a16:creationId xmlns:a16="http://schemas.microsoft.com/office/drawing/2014/main" xmlns="" id="{70BE5E73-C067-492F-BE30-5E3DADAD40EF}"/>
+                <a16:creationId xmlns:a16="http://schemas.microsoft.com/office/drawing/2014/main" id="{70BE5E73-C067-492F-BE30-5E3DADAD40EF}"/>
               </a:ext>
             </a:extLst>
           </p:cNvPr>
@@ -29792,7 +29792,7 @@
           <p:cNvPr id="25" name="Picture Placeholder 12">
             <a:extLst>
               <a:ext uri="{FF2B5EF4-FFF2-40B4-BE49-F238E27FC236}">
-                <a16:creationId xmlns:a16="http://schemas.microsoft.com/office/drawing/2014/main" xmlns="" id="{36A9B448-4FDC-41F7-941E-5BF5A129057A}"/>
+                <a16:creationId xmlns:a16="http://schemas.microsoft.com/office/drawing/2014/main" id="{36A9B448-4FDC-41F7-941E-5BF5A129057A}"/>
               </a:ext>
             </a:extLst>
           </p:cNvPr>
@@ -29837,7 +29837,7 @@
           <p:cNvPr id="26" name="Text Placeholder 3">
             <a:extLst>
               <a:ext uri="{FF2B5EF4-FFF2-40B4-BE49-F238E27FC236}">
-                <a16:creationId xmlns:a16="http://schemas.microsoft.com/office/drawing/2014/main" xmlns="" id="{90B3A413-8776-4B3B-931F-C132DAB3A425}"/>
+                <a16:creationId xmlns:a16="http://schemas.microsoft.com/office/drawing/2014/main" id="{90B3A413-8776-4B3B-931F-C132DAB3A425}"/>
               </a:ext>
             </a:extLst>
           </p:cNvPr>
@@ -29932,7 +29932,7 @@
           <p:cNvPr id="27" name="Text Placeholder 3">
             <a:extLst>
               <a:ext uri="{FF2B5EF4-FFF2-40B4-BE49-F238E27FC236}">
-                <a16:creationId xmlns:a16="http://schemas.microsoft.com/office/drawing/2014/main" xmlns="" id="{BAD0CCD5-B712-4DB2-BFE3-4D3461B29F6D}"/>
+                <a16:creationId xmlns:a16="http://schemas.microsoft.com/office/drawing/2014/main" id="{BAD0CCD5-B712-4DB2-BFE3-4D3461B29F6D}"/>
               </a:ext>
             </a:extLst>
           </p:cNvPr>
@@ -30022,7 +30022,7 @@
           <p:cNvPr id="28" name="Picture Placeholder 12">
             <a:extLst>
               <a:ext uri="{FF2B5EF4-FFF2-40B4-BE49-F238E27FC236}">
-                <a16:creationId xmlns:a16="http://schemas.microsoft.com/office/drawing/2014/main" xmlns="" id="{64125935-B0D3-4ABD-9BBA-A60E46D2C55C}"/>
+                <a16:creationId xmlns:a16="http://schemas.microsoft.com/office/drawing/2014/main" id="{64125935-B0D3-4ABD-9BBA-A60E46D2C55C}"/>
               </a:ext>
             </a:extLst>
           </p:cNvPr>
@@ -30067,7 +30067,7 @@
           <p:cNvPr id="29" name="Text Placeholder 3">
             <a:extLst>
               <a:ext uri="{FF2B5EF4-FFF2-40B4-BE49-F238E27FC236}">
-                <a16:creationId xmlns:a16="http://schemas.microsoft.com/office/drawing/2014/main" xmlns="" id="{47D3BA4D-FA26-44C8-B927-E42CC8E67B79}"/>
+                <a16:creationId xmlns:a16="http://schemas.microsoft.com/office/drawing/2014/main" id="{47D3BA4D-FA26-44C8-B927-E42CC8E67B79}"/>
               </a:ext>
             </a:extLst>
           </p:cNvPr>
@@ -30162,7 +30162,7 @@
           <p:cNvPr id="30" name="Text Placeholder 3">
             <a:extLst>
               <a:ext uri="{FF2B5EF4-FFF2-40B4-BE49-F238E27FC236}">
-                <a16:creationId xmlns:a16="http://schemas.microsoft.com/office/drawing/2014/main" xmlns="" id="{2D2A84D7-2523-470B-A3C0-0140355D4F68}"/>
+                <a16:creationId xmlns:a16="http://schemas.microsoft.com/office/drawing/2014/main" id="{2D2A84D7-2523-470B-A3C0-0140355D4F68}"/>
               </a:ext>
             </a:extLst>
           </p:cNvPr>
@@ -30252,7 +30252,7 @@
           <p:cNvPr id="32" name="Text Placeholder 3">
             <a:extLst>
               <a:ext uri="{FF2B5EF4-FFF2-40B4-BE49-F238E27FC236}">
-                <a16:creationId xmlns:a16="http://schemas.microsoft.com/office/drawing/2014/main" xmlns="" id="{55D1A91B-BB99-4DC7-B8F5-55514B49A9D1}"/>
+                <a16:creationId xmlns:a16="http://schemas.microsoft.com/office/drawing/2014/main" id="{55D1A91B-BB99-4DC7-B8F5-55514B49A9D1}"/>
               </a:ext>
             </a:extLst>
           </p:cNvPr>
@@ -30347,7 +30347,7 @@
           <p:cNvPr id="33" name="Text Placeholder 3">
             <a:extLst>
               <a:ext uri="{FF2B5EF4-FFF2-40B4-BE49-F238E27FC236}">
-                <a16:creationId xmlns:a16="http://schemas.microsoft.com/office/drawing/2014/main" xmlns="" id="{FFAB2C75-BBBF-4A4D-A633-7CEFFABAFE32}"/>
+                <a16:creationId xmlns:a16="http://schemas.microsoft.com/office/drawing/2014/main" id="{FFAB2C75-BBBF-4A4D-A633-7CEFFABAFE32}"/>
               </a:ext>
             </a:extLst>
           </p:cNvPr>
@@ -30442,7 +30442,7 @@
           <p:cNvPr id="34" name="Text Placeholder 7">
             <a:extLst>
               <a:ext uri="{FF2B5EF4-FFF2-40B4-BE49-F238E27FC236}">
-                <a16:creationId xmlns:a16="http://schemas.microsoft.com/office/drawing/2014/main" xmlns="" id="{83CD3289-0FBC-4854-8EB2-ADD41F89CA4F}"/>
+                <a16:creationId xmlns:a16="http://schemas.microsoft.com/office/drawing/2014/main" id="{83CD3289-0FBC-4854-8EB2-ADD41F89CA4F}"/>
               </a:ext>
             </a:extLst>
           </p:cNvPr>
@@ -30494,7 +30494,7 @@
           <p:cNvPr id="36" name="Text Placeholder 7">
             <a:extLst>
               <a:ext uri="{FF2B5EF4-FFF2-40B4-BE49-F238E27FC236}">
-                <a16:creationId xmlns:a16="http://schemas.microsoft.com/office/drawing/2014/main" xmlns="" id="{2F18CD59-6602-4DEC-9B12-412E6BAF9283}"/>
+                <a16:creationId xmlns:a16="http://schemas.microsoft.com/office/drawing/2014/main" id="{2F18CD59-6602-4DEC-9B12-412E6BAF9283}"/>
               </a:ext>
             </a:extLst>
           </p:cNvPr>
@@ -30555,7 +30555,7 @@
           <p:cNvPr id="37" name="Text Placeholder 7">
             <a:extLst>
               <a:ext uri="{FF2B5EF4-FFF2-40B4-BE49-F238E27FC236}">
-                <a16:creationId xmlns:a16="http://schemas.microsoft.com/office/drawing/2014/main" xmlns="" id="{88B09568-0B94-4B51-BE65-A72C65C3D7DA}"/>
+                <a16:creationId xmlns:a16="http://schemas.microsoft.com/office/drawing/2014/main" id="{88B09568-0B94-4B51-BE65-A72C65C3D7DA}"/>
               </a:ext>
             </a:extLst>
           </p:cNvPr>
@@ -30616,7 +30616,7 @@
           <p:cNvPr id="40" name="Text Placeholder 3">
             <a:extLst>
               <a:ext uri="{FF2B5EF4-FFF2-40B4-BE49-F238E27FC236}">
-                <a16:creationId xmlns:a16="http://schemas.microsoft.com/office/drawing/2014/main" xmlns="" id="{315834F5-9ACD-4898-B96E-8C732881FF01}"/>
+                <a16:creationId xmlns:a16="http://schemas.microsoft.com/office/drawing/2014/main" id="{315834F5-9ACD-4898-B96E-8C732881FF01}"/>
               </a:ext>
             </a:extLst>
           </p:cNvPr>
@@ -30702,7 +30702,7 @@
           <p:cNvPr id="38" name="Title 1">
             <a:extLst>
               <a:ext uri="{FF2B5EF4-FFF2-40B4-BE49-F238E27FC236}">
-                <a16:creationId xmlns:a16="http://schemas.microsoft.com/office/drawing/2014/main" xmlns="" id="{7E5CF6DE-4761-4BA5-A429-30AC8BBAD45B}"/>
+                <a16:creationId xmlns:a16="http://schemas.microsoft.com/office/drawing/2014/main" id="{7E5CF6DE-4761-4BA5-A429-30AC8BBAD45B}"/>
               </a:ext>
             </a:extLst>
           </p:cNvPr>
@@ -30756,7 +30756,7 @@
           <p:cNvPr id="41" name="Picture Placeholder 9">
             <a:extLst>
               <a:ext uri="{FF2B5EF4-FFF2-40B4-BE49-F238E27FC236}">
-                <a16:creationId xmlns:a16="http://schemas.microsoft.com/office/drawing/2014/main" xmlns="" id="{8A4896B5-1C5E-47F0-8F0C-4EF97E356C86}"/>
+                <a16:creationId xmlns:a16="http://schemas.microsoft.com/office/drawing/2014/main" id="{8A4896B5-1C5E-47F0-8F0C-4EF97E356C86}"/>
               </a:ext>
             </a:extLst>
           </p:cNvPr>
@@ -30797,7 +30797,7 @@
           <p:cNvPr id="31" name="Group 30">
             <a:extLst>
               <a:ext uri="{FF2B5EF4-FFF2-40B4-BE49-F238E27FC236}">
-                <a16:creationId xmlns:a16="http://schemas.microsoft.com/office/drawing/2014/main" xmlns="" id="{D87F4783-C8BA-411C-A188-4A4DAED10C02}"/>
+                <a16:creationId xmlns:a16="http://schemas.microsoft.com/office/drawing/2014/main" id="{D87F4783-C8BA-411C-A188-4A4DAED10C02}"/>
               </a:ext>
             </a:extLst>
           </p:cNvPr>
@@ -30817,7 +30817,7 @@
             <p:cNvPr id="39" name="Straight Connector 38">
               <a:extLst>
                 <a:ext uri="{FF2B5EF4-FFF2-40B4-BE49-F238E27FC236}">
-                  <a16:creationId xmlns:a16="http://schemas.microsoft.com/office/drawing/2014/main" xmlns="" id="{959A2713-966D-4694-A067-D6BE1B2986D1}"/>
+                  <a16:creationId xmlns:a16="http://schemas.microsoft.com/office/drawing/2014/main" id="{959A2713-966D-4694-A067-D6BE1B2986D1}"/>
                 </a:ext>
               </a:extLst>
             </p:cNvPr>
@@ -30863,7 +30863,7 @@
             <p:cNvPr id="42" name="Oval 41">
               <a:extLst>
                 <a:ext uri="{FF2B5EF4-FFF2-40B4-BE49-F238E27FC236}">
-                  <a16:creationId xmlns:a16="http://schemas.microsoft.com/office/drawing/2014/main" xmlns="" id="{FCA15F19-C2FE-4F13-9359-69E884CA83B9}"/>
+                  <a16:creationId xmlns:a16="http://schemas.microsoft.com/office/drawing/2014/main" id="{FCA15F19-C2FE-4F13-9359-69E884CA83B9}"/>
                 </a:ext>
               </a:extLst>
             </p:cNvPr>
@@ -30954,7 +30954,7 @@
           <p:cNvPr id="8" name="Rectangle 7">
             <a:extLst>
               <a:ext uri="{FF2B5EF4-FFF2-40B4-BE49-F238E27FC236}">
-                <a16:creationId xmlns:a16="http://schemas.microsoft.com/office/drawing/2014/main" xmlns="" id="{278196A9-689D-4410-BFC0-7ACB19755A0C}"/>
+                <a16:creationId xmlns:a16="http://schemas.microsoft.com/office/drawing/2014/main" id="{278196A9-689D-4410-BFC0-7ACB19755A0C}"/>
               </a:ext>
             </a:extLst>
           </p:cNvPr>
@@ -31015,7 +31015,7 @@
           <p:cNvPr id="2" name="Title 1">
             <a:extLst>
               <a:ext uri="{FF2B5EF4-FFF2-40B4-BE49-F238E27FC236}">
-                <a16:creationId xmlns:a16="http://schemas.microsoft.com/office/drawing/2014/main" xmlns="" id="{129BFEAD-57CF-438A-8084-C5AC7F47E544}"/>
+                <a16:creationId xmlns:a16="http://schemas.microsoft.com/office/drawing/2014/main" id="{129BFEAD-57CF-438A-8084-C5AC7F47E544}"/>
               </a:ext>
             </a:extLst>
           </p:cNvPr>
@@ -31053,7 +31053,7 @@
           <p:cNvPr id="4" name="Date Placeholder 3">
             <a:extLst>
               <a:ext uri="{FF2B5EF4-FFF2-40B4-BE49-F238E27FC236}">
-                <a16:creationId xmlns:a16="http://schemas.microsoft.com/office/drawing/2014/main" xmlns="" id="{7E17A3CB-B083-4E49-9123-A5E47559DCDB}"/>
+                <a16:creationId xmlns:a16="http://schemas.microsoft.com/office/drawing/2014/main" id="{7E17A3CB-B083-4E49-9123-A5E47559DCDB}"/>
               </a:ext>
             </a:extLst>
           </p:cNvPr>
@@ -31082,7 +31082,7 @@
           <p:cNvPr id="5" name="Footer Placeholder 4">
             <a:extLst>
               <a:ext uri="{FF2B5EF4-FFF2-40B4-BE49-F238E27FC236}">
-                <a16:creationId xmlns:a16="http://schemas.microsoft.com/office/drawing/2014/main" xmlns="" id="{A8C4102C-4609-416C-A808-0FFE0051DAA1}"/>
+                <a16:creationId xmlns:a16="http://schemas.microsoft.com/office/drawing/2014/main" id="{A8C4102C-4609-416C-A808-0FFE0051DAA1}"/>
               </a:ext>
             </a:extLst>
           </p:cNvPr>
@@ -31111,7 +31111,7 @@
           <p:cNvPr id="6" name="Slide Number Placeholder 5">
             <a:extLst>
               <a:ext uri="{FF2B5EF4-FFF2-40B4-BE49-F238E27FC236}">
-                <a16:creationId xmlns:a16="http://schemas.microsoft.com/office/drawing/2014/main" xmlns="" id="{2D7BCC5D-6F2C-472F-BD4C-4096793DFC24}"/>
+                <a16:creationId xmlns:a16="http://schemas.microsoft.com/office/drawing/2014/main" id="{2D7BCC5D-6F2C-472F-BD4C-4096793DFC24}"/>
               </a:ext>
             </a:extLst>
           </p:cNvPr>
@@ -31140,7 +31140,7 @@
           <p:cNvPr id="7" name="Rectangle 6">
             <a:extLst>
               <a:ext uri="{FF2B5EF4-FFF2-40B4-BE49-F238E27FC236}">
-                <a16:creationId xmlns:a16="http://schemas.microsoft.com/office/drawing/2014/main" xmlns="" id="{7BE854BB-FA44-4CAB-85DF-F5C412560348}"/>
+                <a16:creationId xmlns:a16="http://schemas.microsoft.com/office/drawing/2014/main" id="{7BE854BB-FA44-4CAB-85DF-F5C412560348}"/>
               </a:ext>
             </a:extLst>
           </p:cNvPr>
@@ -31207,7 +31207,7 @@
           <p:cNvPr id="3" name="Subtitle 2">
             <a:extLst>
               <a:ext uri="{FF2B5EF4-FFF2-40B4-BE49-F238E27FC236}">
-                <a16:creationId xmlns:a16="http://schemas.microsoft.com/office/drawing/2014/main" xmlns="" id="{389BFFF1-5465-4317-B9DB-C23A5B1D76EF}"/>
+                <a16:creationId xmlns:a16="http://schemas.microsoft.com/office/drawing/2014/main" id="{389BFFF1-5465-4317-B9DB-C23A5B1D76EF}"/>
               </a:ext>
             </a:extLst>
           </p:cNvPr>
@@ -31289,7 +31289,7 @@
           <p:cNvPr id="15" name="Group 14">
             <a:extLst>
               <a:ext uri="{FF2B5EF4-FFF2-40B4-BE49-F238E27FC236}">
-                <a16:creationId xmlns:a16="http://schemas.microsoft.com/office/drawing/2014/main" xmlns="" id="{676B4374-8F24-43DE-860D-E5C6EA850AB4}"/>
+                <a16:creationId xmlns:a16="http://schemas.microsoft.com/office/drawing/2014/main" id="{676B4374-8F24-43DE-860D-E5C6EA850AB4}"/>
               </a:ext>
             </a:extLst>
           </p:cNvPr>
@@ -31309,7 +31309,7 @@
             <p:cNvPr id="11" name="Oval 10">
               <a:extLst>
                 <a:ext uri="{FF2B5EF4-FFF2-40B4-BE49-F238E27FC236}">
-                  <a16:creationId xmlns:a16="http://schemas.microsoft.com/office/drawing/2014/main" xmlns="" id="{585C7755-9394-4129-AB48-1AC32DA80C75}"/>
+                  <a16:creationId xmlns:a16="http://schemas.microsoft.com/office/drawing/2014/main" id="{585C7755-9394-4129-AB48-1AC32DA80C75}"/>
                 </a:ext>
               </a:extLst>
             </p:cNvPr>
@@ -31364,7 +31364,7 @@
             <p:cNvPr id="13" name="Straight Connector 12">
               <a:extLst>
                 <a:ext uri="{FF2B5EF4-FFF2-40B4-BE49-F238E27FC236}">
-                  <a16:creationId xmlns:a16="http://schemas.microsoft.com/office/drawing/2014/main" xmlns="" id="{64C71ABE-575A-48CF-82B1-EDE8535F3993}"/>
+                  <a16:creationId xmlns:a16="http://schemas.microsoft.com/office/drawing/2014/main" id="{64C71ABE-575A-48CF-82B1-EDE8535F3993}"/>
                 </a:ext>
               </a:extLst>
             </p:cNvPr>
@@ -31408,7 +31408,7 @@
             <p:cNvPr id="14" name="Oval 13">
               <a:extLst>
                 <a:ext uri="{FF2B5EF4-FFF2-40B4-BE49-F238E27FC236}">
-                  <a16:creationId xmlns:a16="http://schemas.microsoft.com/office/drawing/2014/main" xmlns="" id="{E3C1EA63-78B2-4715-B4DC-63D98AC7F354}"/>
+                  <a16:creationId xmlns:a16="http://schemas.microsoft.com/office/drawing/2014/main" id="{E3C1EA63-78B2-4715-B4DC-63D98AC7F354}"/>
                 </a:ext>
               </a:extLst>
             </p:cNvPr>
@@ -31464,7 +31464,7 @@
           <p:cNvPr id="16" name="Group 15">
             <a:extLst>
               <a:ext uri="{FF2B5EF4-FFF2-40B4-BE49-F238E27FC236}">
-                <a16:creationId xmlns:a16="http://schemas.microsoft.com/office/drawing/2014/main" xmlns="" id="{E9BB74A1-0BEA-4AD8-8138-0641A45D8B40}"/>
+                <a16:creationId xmlns:a16="http://schemas.microsoft.com/office/drawing/2014/main" id="{E9BB74A1-0BEA-4AD8-8138-0641A45D8B40}"/>
               </a:ext>
             </a:extLst>
           </p:cNvPr>
@@ -31484,7 +31484,7 @@
             <p:cNvPr id="17" name="Oval 16">
               <a:extLst>
                 <a:ext uri="{FF2B5EF4-FFF2-40B4-BE49-F238E27FC236}">
-                  <a16:creationId xmlns:a16="http://schemas.microsoft.com/office/drawing/2014/main" xmlns="" id="{73D0026E-5270-4C52-A1AF-5631E8192DCD}"/>
+                  <a16:creationId xmlns:a16="http://schemas.microsoft.com/office/drawing/2014/main" id="{73D0026E-5270-4C52-A1AF-5631E8192DCD}"/>
                 </a:ext>
               </a:extLst>
             </p:cNvPr>
@@ -31539,7 +31539,7 @@
             <p:cNvPr id="18" name="Straight Connector 17">
               <a:extLst>
                 <a:ext uri="{FF2B5EF4-FFF2-40B4-BE49-F238E27FC236}">
-                  <a16:creationId xmlns:a16="http://schemas.microsoft.com/office/drawing/2014/main" xmlns="" id="{A6085D92-5F70-4097-A2FF-C15B13788D08}"/>
+                  <a16:creationId xmlns:a16="http://schemas.microsoft.com/office/drawing/2014/main" id="{A6085D92-5F70-4097-A2FF-C15B13788D08}"/>
                 </a:ext>
               </a:extLst>
             </p:cNvPr>
@@ -31583,7 +31583,7 @@
             <p:cNvPr id="19" name="Oval 18">
               <a:extLst>
                 <a:ext uri="{FF2B5EF4-FFF2-40B4-BE49-F238E27FC236}">
-                  <a16:creationId xmlns:a16="http://schemas.microsoft.com/office/drawing/2014/main" xmlns="" id="{BE68EB6C-48D0-4EBF-8541-926D16790F52}"/>
+                  <a16:creationId xmlns:a16="http://schemas.microsoft.com/office/drawing/2014/main" id="{BE68EB6C-48D0-4EBF-8541-926D16790F52}"/>
                 </a:ext>
               </a:extLst>
             </p:cNvPr>
@@ -31669,7 +31669,7 @@
           <p:cNvPr id="7" name="Rectangle 6">
             <a:extLst>
               <a:ext uri="{FF2B5EF4-FFF2-40B4-BE49-F238E27FC236}">
-                <a16:creationId xmlns:a16="http://schemas.microsoft.com/office/drawing/2014/main" xmlns="" id="{45015858-8549-49EA-BB83-070E0D9D4890}"/>
+                <a16:creationId xmlns:a16="http://schemas.microsoft.com/office/drawing/2014/main" id="{45015858-8549-49EA-BB83-070E0D9D4890}"/>
               </a:ext>
             </a:extLst>
           </p:cNvPr>
@@ -31736,7 +31736,7 @@
           <p:cNvPr id="2" name="Title 1">
             <a:extLst>
               <a:ext uri="{FF2B5EF4-FFF2-40B4-BE49-F238E27FC236}">
-                <a16:creationId xmlns:a16="http://schemas.microsoft.com/office/drawing/2014/main" xmlns="" id="{2206FBAC-B8FD-4768-B682-E0B93BA33105}"/>
+                <a16:creationId xmlns:a16="http://schemas.microsoft.com/office/drawing/2014/main" id="{2206FBAC-B8FD-4768-B682-E0B93BA33105}"/>
               </a:ext>
             </a:extLst>
           </p:cNvPr>
@@ -31790,7 +31790,7 @@
           <p:cNvPr id="4" name="Date Placeholder 3">
             <a:extLst>
               <a:ext uri="{FF2B5EF4-FFF2-40B4-BE49-F238E27FC236}">
-                <a16:creationId xmlns:a16="http://schemas.microsoft.com/office/drawing/2014/main" xmlns="" id="{2472534F-03A6-408A-9BF1-303D0A440BA4}"/>
+                <a16:creationId xmlns:a16="http://schemas.microsoft.com/office/drawing/2014/main" id="{2472534F-03A6-408A-9BF1-303D0A440BA4}"/>
               </a:ext>
             </a:extLst>
           </p:cNvPr>
@@ -31819,7 +31819,7 @@
           <p:cNvPr id="5" name="Footer Placeholder 4">
             <a:extLst>
               <a:ext uri="{FF2B5EF4-FFF2-40B4-BE49-F238E27FC236}">
-                <a16:creationId xmlns:a16="http://schemas.microsoft.com/office/drawing/2014/main" xmlns="" id="{0A24E181-0C50-4F43-A5A7-6FDD1500C708}"/>
+                <a16:creationId xmlns:a16="http://schemas.microsoft.com/office/drawing/2014/main" id="{0A24E181-0C50-4F43-A5A7-6FDD1500C708}"/>
               </a:ext>
             </a:extLst>
           </p:cNvPr>
@@ -31848,7 +31848,7 @@
           <p:cNvPr id="6" name="Slide Number Placeholder 5">
             <a:extLst>
               <a:ext uri="{FF2B5EF4-FFF2-40B4-BE49-F238E27FC236}">
-                <a16:creationId xmlns:a16="http://schemas.microsoft.com/office/drawing/2014/main" xmlns="" id="{13A749CC-EB55-4FEF-AA4C-9A9C6E2AA9C0}"/>
+                <a16:creationId xmlns:a16="http://schemas.microsoft.com/office/drawing/2014/main" id="{13A749CC-EB55-4FEF-AA4C-9A9C6E2AA9C0}"/>
               </a:ext>
             </a:extLst>
           </p:cNvPr>
@@ -31877,7 +31877,7 @@
           <p:cNvPr id="9" name="Group 8">
             <a:extLst>
               <a:ext uri="{FF2B5EF4-FFF2-40B4-BE49-F238E27FC236}">
-                <a16:creationId xmlns:a16="http://schemas.microsoft.com/office/drawing/2014/main" xmlns="" id="{6F3E26A6-6962-4A35-AA86-805537D45296}"/>
+                <a16:creationId xmlns:a16="http://schemas.microsoft.com/office/drawing/2014/main" id="{6F3E26A6-6962-4A35-AA86-805537D45296}"/>
               </a:ext>
             </a:extLst>
           </p:cNvPr>
@@ -31897,7 +31897,7 @@
             <p:cNvPr id="10" name="Oval 9">
               <a:extLst>
                 <a:ext uri="{FF2B5EF4-FFF2-40B4-BE49-F238E27FC236}">
-                  <a16:creationId xmlns:a16="http://schemas.microsoft.com/office/drawing/2014/main" xmlns="" id="{681504C4-12AC-4251-8E47-0089784BDB9B}"/>
+                  <a16:creationId xmlns:a16="http://schemas.microsoft.com/office/drawing/2014/main" id="{681504C4-12AC-4251-8E47-0089784BDB9B}"/>
                 </a:ext>
               </a:extLst>
             </p:cNvPr>
@@ -31952,7 +31952,7 @@
             <p:cNvPr id="11" name="Straight Connector 10">
               <a:extLst>
                 <a:ext uri="{FF2B5EF4-FFF2-40B4-BE49-F238E27FC236}">
-                  <a16:creationId xmlns:a16="http://schemas.microsoft.com/office/drawing/2014/main" xmlns="" id="{192040D0-01C2-4643-8F84-3B8F334E545C}"/>
+                  <a16:creationId xmlns:a16="http://schemas.microsoft.com/office/drawing/2014/main" id="{192040D0-01C2-4643-8F84-3B8F334E545C}"/>
                 </a:ext>
               </a:extLst>
             </p:cNvPr>
@@ -31996,7 +31996,7 @@
             <p:cNvPr id="12" name="Oval 11">
               <a:extLst>
                 <a:ext uri="{FF2B5EF4-FFF2-40B4-BE49-F238E27FC236}">
-                  <a16:creationId xmlns:a16="http://schemas.microsoft.com/office/drawing/2014/main" xmlns="" id="{7ED601E9-2BFC-460B-A2A8-69A787A4988E}"/>
+                  <a16:creationId xmlns:a16="http://schemas.microsoft.com/office/drawing/2014/main" id="{7ED601E9-2BFC-460B-A2A8-69A787A4988E}"/>
                 </a:ext>
               </a:extLst>
             </p:cNvPr>
@@ -32052,7 +32052,7 @@
           <p:cNvPr id="13" name="Group 12">
             <a:extLst>
               <a:ext uri="{FF2B5EF4-FFF2-40B4-BE49-F238E27FC236}">
-                <a16:creationId xmlns:a16="http://schemas.microsoft.com/office/drawing/2014/main" xmlns="" id="{BB49A8A6-FEDB-4D20-B581-A84DB8EFE977}"/>
+                <a16:creationId xmlns:a16="http://schemas.microsoft.com/office/drawing/2014/main" id="{BB49A8A6-FEDB-4D20-B581-A84DB8EFE977}"/>
               </a:ext>
             </a:extLst>
           </p:cNvPr>
@@ -32072,7 +32072,7 @@
             <p:cNvPr id="14" name="Oval 13">
               <a:extLst>
                 <a:ext uri="{FF2B5EF4-FFF2-40B4-BE49-F238E27FC236}">
-                  <a16:creationId xmlns:a16="http://schemas.microsoft.com/office/drawing/2014/main" xmlns="" id="{C2F65998-5EC3-446A-8307-1CF81A348CE3}"/>
+                  <a16:creationId xmlns:a16="http://schemas.microsoft.com/office/drawing/2014/main" id="{C2F65998-5EC3-446A-8307-1CF81A348CE3}"/>
                 </a:ext>
               </a:extLst>
             </p:cNvPr>
@@ -32127,7 +32127,7 @@
             <p:cNvPr id="15" name="Straight Connector 14">
               <a:extLst>
                 <a:ext uri="{FF2B5EF4-FFF2-40B4-BE49-F238E27FC236}">
-                  <a16:creationId xmlns:a16="http://schemas.microsoft.com/office/drawing/2014/main" xmlns="" id="{7CC5D776-F60A-4A0C-AA7C-EFACDA2CEA88}"/>
+                  <a16:creationId xmlns:a16="http://schemas.microsoft.com/office/drawing/2014/main" id="{7CC5D776-F60A-4A0C-AA7C-EFACDA2CEA88}"/>
                 </a:ext>
               </a:extLst>
             </p:cNvPr>
@@ -32171,7 +32171,7 @@
             <p:cNvPr id="16" name="Oval 15">
               <a:extLst>
                 <a:ext uri="{FF2B5EF4-FFF2-40B4-BE49-F238E27FC236}">
-                  <a16:creationId xmlns:a16="http://schemas.microsoft.com/office/drawing/2014/main" xmlns="" id="{AEAFE309-55C5-409C-92ED-748307C74318}"/>
+                  <a16:creationId xmlns:a16="http://schemas.microsoft.com/office/drawing/2014/main" id="{AEAFE309-55C5-409C-92ED-748307C74318}"/>
                 </a:ext>
               </a:extLst>
             </p:cNvPr>
@@ -32227,7 +32227,7 @@
           <p:cNvPr id="17" name="Subtitle 2">
             <a:extLst>
               <a:ext uri="{FF2B5EF4-FFF2-40B4-BE49-F238E27FC236}">
-                <a16:creationId xmlns:a16="http://schemas.microsoft.com/office/drawing/2014/main" xmlns="" id="{5B77B20B-76F5-4912-803D-5709F730D4FB}"/>
+                <a16:creationId xmlns:a16="http://schemas.microsoft.com/office/drawing/2014/main" id="{5B77B20B-76F5-4912-803D-5709F730D4FB}"/>
               </a:ext>
             </a:extLst>
           </p:cNvPr>
@@ -32339,7 +32339,7 @@
           <p:cNvPr id="7" name="Rectangle 6">
             <a:extLst>
               <a:ext uri="{FF2B5EF4-FFF2-40B4-BE49-F238E27FC236}">
-                <a16:creationId xmlns:a16="http://schemas.microsoft.com/office/drawing/2014/main" xmlns="" id="{09F1B35C-893A-4033-ADC0-2192AFA29271}"/>
+                <a16:creationId xmlns:a16="http://schemas.microsoft.com/office/drawing/2014/main" id="{09F1B35C-893A-4033-ADC0-2192AFA29271}"/>
               </a:ext>
             </a:extLst>
           </p:cNvPr>
@@ -32406,7 +32406,7 @@
           <p:cNvPr id="2" name="Title 1">
             <a:extLst>
               <a:ext uri="{FF2B5EF4-FFF2-40B4-BE49-F238E27FC236}">
-                <a16:creationId xmlns:a16="http://schemas.microsoft.com/office/drawing/2014/main" xmlns="" id="{CD637DF8-B064-4F36-89F8-EBF538A2E7F2}"/>
+                <a16:creationId xmlns:a16="http://schemas.microsoft.com/office/drawing/2014/main" id="{CD637DF8-B064-4F36-89F8-EBF538A2E7F2}"/>
               </a:ext>
             </a:extLst>
           </p:cNvPr>
@@ -32446,7 +32446,7 @@
           <p:cNvPr id="3" name="Text Placeholder 2">
             <a:extLst>
               <a:ext uri="{FF2B5EF4-FFF2-40B4-BE49-F238E27FC236}">
-                <a16:creationId xmlns:a16="http://schemas.microsoft.com/office/drawing/2014/main" xmlns="" id="{8A72532A-5006-46B7-AE99-3A6891CD0254}"/>
+                <a16:creationId xmlns:a16="http://schemas.microsoft.com/office/drawing/2014/main" id="{8A72532A-5006-46B7-AE99-3A6891CD0254}"/>
               </a:ext>
             </a:extLst>
           </p:cNvPr>
@@ -32576,7 +32576,7 @@
           <p:cNvPr id="4" name="Date Placeholder 3">
             <a:extLst>
               <a:ext uri="{FF2B5EF4-FFF2-40B4-BE49-F238E27FC236}">
-                <a16:creationId xmlns:a16="http://schemas.microsoft.com/office/drawing/2014/main" xmlns="" id="{49EFC6D7-3241-401C-A16A-4A7CC2653954}"/>
+                <a16:creationId xmlns:a16="http://schemas.microsoft.com/office/drawing/2014/main" id="{49EFC6D7-3241-401C-A16A-4A7CC2653954}"/>
               </a:ext>
             </a:extLst>
           </p:cNvPr>
@@ -32605,7 +32605,7 @@
           <p:cNvPr id="5" name="Footer Placeholder 4">
             <a:extLst>
               <a:ext uri="{FF2B5EF4-FFF2-40B4-BE49-F238E27FC236}">
-                <a16:creationId xmlns:a16="http://schemas.microsoft.com/office/drawing/2014/main" xmlns="" id="{F345D6DC-ABA5-4D00-9CD3-92FFDD1FA2DC}"/>
+                <a16:creationId xmlns:a16="http://schemas.microsoft.com/office/drawing/2014/main" id="{F345D6DC-ABA5-4D00-9CD3-92FFDD1FA2DC}"/>
               </a:ext>
             </a:extLst>
           </p:cNvPr>
@@ -32634,7 +32634,7 @@
           <p:cNvPr id="6" name="Slide Number Placeholder 5">
             <a:extLst>
               <a:ext uri="{FF2B5EF4-FFF2-40B4-BE49-F238E27FC236}">
-                <a16:creationId xmlns:a16="http://schemas.microsoft.com/office/drawing/2014/main" xmlns="" id="{92459C86-0106-40E0-AA18-795EC5787677}"/>
+                <a16:creationId xmlns:a16="http://schemas.microsoft.com/office/drawing/2014/main" id="{92459C86-0106-40E0-AA18-795EC5787677}"/>
               </a:ext>
             </a:extLst>
           </p:cNvPr>
@@ -32663,7 +32663,7 @@
           <p:cNvPr id="11" name="Picture Placeholder 10">
             <a:extLst>
               <a:ext uri="{FF2B5EF4-FFF2-40B4-BE49-F238E27FC236}">
-                <a16:creationId xmlns:a16="http://schemas.microsoft.com/office/drawing/2014/main" xmlns="" id="{6D14F7B3-A6CF-491C-9855-75B5784CC456}"/>
+                <a16:creationId xmlns:a16="http://schemas.microsoft.com/office/drawing/2014/main" id="{6D14F7B3-A6CF-491C-9855-75B5784CC456}"/>
               </a:ext>
             </a:extLst>
           </p:cNvPr>
@@ -32704,7 +32704,7 @@
           <p:cNvPr id="15" name="Group 14">
             <a:extLst>
               <a:ext uri="{FF2B5EF4-FFF2-40B4-BE49-F238E27FC236}">
-                <a16:creationId xmlns:a16="http://schemas.microsoft.com/office/drawing/2014/main" xmlns="" id="{B7317392-EF87-4050-8BBE-32F74B0CF15A}"/>
+                <a16:creationId xmlns:a16="http://schemas.microsoft.com/office/drawing/2014/main" id="{B7317392-EF87-4050-8BBE-32F74B0CF15A}"/>
               </a:ext>
             </a:extLst>
           </p:cNvPr>
@@ -32724,7 +32724,7 @@
             <p:cNvPr id="13" name="Straight Connector 12">
               <a:extLst>
                 <a:ext uri="{FF2B5EF4-FFF2-40B4-BE49-F238E27FC236}">
-                  <a16:creationId xmlns:a16="http://schemas.microsoft.com/office/drawing/2014/main" xmlns="" id="{785A4134-866D-4143-AC1E-8A2FFDB49855}"/>
+                  <a16:creationId xmlns:a16="http://schemas.microsoft.com/office/drawing/2014/main" id="{785A4134-866D-4143-AC1E-8A2FFDB49855}"/>
                 </a:ext>
               </a:extLst>
             </p:cNvPr>
@@ -32768,7 +32768,7 @@
             <p:cNvPr id="14" name="Oval 13">
               <a:extLst>
                 <a:ext uri="{FF2B5EF4-FFF2-40B4-BE49-F238E27FC236}">
-                  <a16:creationId xmlns:a16="http://schemas.microsoft.com/office/drawing/2014/main" xmlns="" id="{1BBC5D9C-B8FB-455B-9398-36DB21F2765E}"/>
+                  <a16:creationId xmlns:a16="http://schemas.microsoft.com/office/drawing/2014/main" id="{1BBC5D9C-B8FB-455B-9398-36DB21F2765E}"/>
                 </a:ext>
               </a:extLst>
             </p:cNvPr>
@@ -32829,7 +32829,7 @@
           <p:cNvPr id="16" name="Text Placeholder 2">
             <a:extLst>
               <a:ext uri="{FF2B5EF4-FFF2-40B4-BE49-F238E27FC236}">
-                <a16:creationId xmlns:a16="http://schemas.microsoft.com/office/drawing/2014/main" xmlns="" id="{BB522941-5C7D-4701-9AD7-BB4C11C6EBCE}"/>
+                <a16:creationId xmlns:a16="http://schemas.microsoft.com/office/drawing/2014/main" id="{BB522941-5C7D-4701-9AD7-BB4C11C6EBCE}"/>
               </a:ext>
             </a:extLst>
           </p:cNvPr>
@@ -32960,7 +32960,7 @@
           <p:cNvPr id="17" name="Oval 16">
             <a:extLst>
               <a:ext uri="{FF2B5EF4-FFF2-40B4-BE49-F238E27FC236}">
-                <a16:creationId xmlns:a16="http://schemas.microsoft.com/office/drawing/2014/main" xmlns="" id="{72225750-E4CE-4A81-A0C3-4023030D637E}"/>
+                <a16:creationId xmlns:a16="http://schemas.microsoft.com/office/drawing/2014/main" id="{72225750-E4CE-4A81-A0C3-4023030D637E}"/>
               </a:ext>
             </a:extLst>
           </p:cNvPr>
@@ -33015,7 +33015,7 @@
           <p:cNvPr id="18" name="Straight Connector 17">
             <a:extLst>
               <a:ext uri="{FF2B5EF4-FFF2-40B4-BE49-F238E27FC236}">
-                <a16:creationId xmlns:a16="http://schemas.microsoft.com/office/drawing/2014/main" xmlns="" id="{3819C324-07DF-49DB-A08C-0E6155CE3041}"/>
+                <a16:creationId xmlns:a16="http://schemas.microsoft.com/office/drawing/2014/main" id="{3819C324-07DF-49DB-A08C-0E6155CE3041}"/>
               </a:ext>
             </a:extLst>
           </p:cNvPr>
@@ -33059,7 +33059,7 @@
           <p:cNvPr id="19" name="Oval 18">
             <a:extLst>
               <a:ext uri="{FF2B5EF4-FFF2-40B4-BE49-F238E27FC236}">
-                <a16:creationId xmlns:a16="http://schemas.microsoft.com/office/drawing/2014/main" xmlns="" id="{75A34025-44F2-4A09-8629-F1794E9D35AF}"/>
+                <a16:creationId xmlns:a16="http://schemas.microsoft.com/office/drawing/2014/main" id="{75A34025-44F2-4A09-8629-F1794E9D35AF}"/>
               </a:ext>
             </a:extLst>
           </p:cNvPr>
@@ -33114,7 +33114,7 @@
           <p:cNvPr id="20" name="Straight Connector 19">
             <a:extLst>
               <a:ext uri="{FF2B5EF4-FFF2-40B4-BE49-F238E27FC236}">
-                <a16:creationId xmlns:a16="http://schemas.microsoft.com/office/drawing/2014/main" xmlns="" id="{815854A2-EAE9-4B2A-84CF-5A4BD753863A}"/>
+                <a16:creationId xmlns:a16="http://schemas.microsoft.com/office/drawing/2014/main" id="{815854A2-EAE9-4B2A-84CF-5A4BD753863A}"/>
               </a:ext>
             </a:extLst>
           </p:cNvPr>
@@ -33160,7 +33160,7 @@
           <p:cNvPr id="22" name="Picture Placeholder 7">
             <a:extLst>
               <a:ext uri="{FF2B5EF4-FFF2-40B4-BE49-F238E27FC236}">
-                <a16:creationId xmlns:a16="http://schemas.microsoft.com/office/drawing/2014/main" xmlns="" id="{DE71F7A0-F439-470D-A1B8-556C960D112C}"/>
+                <a16:creationId xmlns:a16="http://schemas.microsoft.com/office/drawing/2014/main" id="{DE71F7A0-F439-470D-A1B8-556C960D112C}"/>
               </a:ext>
             </a:extLst>
           </p:cNvPr>
@@ -33231,7 +33231,7 @@
           <p:cNvPr id="7" name="Rectangle 6">
             <a:extLst>
               <a:ext uri="{FF2B5EF4-FFF2-40B4-BE49-F238E27FC236}">
-                <a16:creationId xmlns:a16="http://schemas.microsoft.com/office/drawing/2014/main" xmlns="" id="{A16E3F0B-343E-4C97-A8D6-C47FCC915F74}"/>
+                <a16:creationId xmlns:a16="http://schemas.microsoft.com/office/drawing/2014/main" id="{A16E3F0B-343E-4C97-A8D6-C47FCC915F74}"/>
               </a:ext>
             </a:extLst>
           </p:cNvPr>
@@ -33298,7 +33298,7 @@
           <p:cNvPr id="2" name="Title 1">
             <a:extLst>
               <a:ext uri="{FF2B5EF4-FFF2-40B4-BE49-F238E27FC236}">
-                <a16:creationId xmlns:a16="http://schemas.microsoft.com/office/drawing/2014/main" xmlns="" id="{7215E379-3C1C-4942-917E-02E25E8CB910}"/>
+                <a16:creationId xmlns:a16="http://schemas.microsoft.com/office/drawing/2014/main" id="{7215E379-3C1C-4942-917E-02E25E8CB910}"/>
               </a:ext>
             </a:extLst>
           </p:cNvPr>
@@ -33331,7 +33331,7 @@
           <p:cNvPr id="3" name="Date Placeholder 2">
             <a:extLst>
               <a:ext uri="{FF2B5EF4-FFF2-40B4-BE49-F238E27FC236}">
-                <a16:creationId xmlns:a16="http://schemas.microsoft.com/office/drawing/2014/main" xmlns="" id="{046047C4-77C4-4E19-8DD7-2ED3165B7637}"/>
+                <a16:creationId xmlns:a16="http://schemas.microsoft.com/office/drawing/2014/main" id="{046047C4-77C4-4E19-8DD7-2ED3165B7637}"/>
               </a:ext>
             </a:extLst>
           </p:cNvPr>
@@ -33360,7 +33360,7 @@
           <p:cNvPr id="4" name="Footer Placeholder 3">
             <a:extLst>
               <a:ext uri="{FF2B5EF4-FFF2-40B4-BE49-F238E27FC236}">
-                <a16:creationId xmlns:a16="http://schemas.microsoft.com/office/drawing/2014/main" xmlns="" id="{D250B5CF-1C4F-4BA2-8E78-5F48C92A9DA1}"/>
+                <a16:creationId xmlns:a16="http://schemas.microsoft.com/office/drawing/2014/main" id="{D250B5CF-1C4F-4BA2-8E78-5F48C92A9DA1}"/>
               </a:ext>
             </a:extLst>
           </p:cNvPr>
@@ -33389,7 +33389,7 @@
           <p:cNvPr id="5" name="Slide Number Placeholder 4">
             <a:extLst>
               <a:ext uri="{FF2B5EF4-FFF2-40B4-BE49-F238E27FC236}">
-                <a16:creationId xmlns:a16="http://schemas.microsoft.com/office/drawing/2014/main" xmlns="" id="{714C6A0A-8A9D-47A1-97DA-BB494915175B}"/>
+                <a16:creationId xmlns:a16="http://schemas.microsoft.com/office/drawing/2014/main" id="{714C6A0A-8A9D-47A1-97DA-BB494915175B}"/>
               </a:ext>
             </a:extLst>
           </p:cNvPr>
@@ -33419,7 +33419,7 @@
           <p:cNvPr id="6" name="Content Placeholder 2">
             <a:extLst>
               <a:ext uri="{FF2B5EF4-FFF2-40B4-BE49-F238E27FC236}">
-                <a16:creationId xmlns:a16="http://schemas.microsoft.com/office/drawing/2014/main" xmlns="" id="{DEA943F6-C418-4339-8C7E-A12127BDE29C}"/>
+                <a16:creationId xmlns:a16="http://schemas.microsoft.com/office/drawing/2014/main" id="{DEA943F6-C418-4339-8C7E-A12127BDE29C}"/>
               </a:ext>
             </a:extLst>
           </p:cNvPr>
@@ -33548,7 +33548,7 @@
           <p:cNvPr id="9" name="Rectangle 8">
             <a:extLst>
               <a:ext uri="{FF2B5EF4-FFF2-40B4-BE49-F238E27FC236}">
-                <a16:creationId xmlns:a16="http://schemas.microsoft.com/office/drawing/2014/main" xmlns="" id="{8B6FE9A2-5CE4-4652-97CE-3FF947D5485F}"/>
+                <a16:creationId xmlns:a16="http://schemas.microsoft.com/office/drawing/2014/main" id="{8B6FE9A2-5CE4-4652-97CE-3FF947D5485F}"/>
               </a:ext>
             </a:extLst>
           </p:cNvPr>
@@ -33615,7 +33615,7 @@
           <p:cNvPr id="2" name="Title 1">
             <a:extLst>
               <a:ext uri="{FF2B5EF4-FFF2-40B4-BE49-F238E27FC236}">
-                <a16:creationId xmlns:a16="http://schemas.microsoft.com/office/drawing/2014/main" xmlns="" id="{7215E379-3C1C-4942-917E-02E25E8CB910}"/>
+                <a16:creationId xmlns:a16="http://schemas.microsoft.com/office/drawing/2014/main" id="{7215E379-3C1C-4942-917E-02E25E8CB910}"/>
               </a:ext>
             </a:extLst>
           </p:cNvPr>
@@ -33648,7 +33648,7 @@
           <p:cNvPr id="3" name="Date Placeholder 2">
             <a:extLst>
               <a:ext uri="{FF2B5EF4-FFF2-40B4-BE49-F238E27FC236}">
-                <a16:creationId xmlns:a16="http://schemas.microsoft.com/office/drawing/2014/main" xmlns="" id="{046047C4-77C4-4E19-8DD7-2ED3165B7637}"/>
+                <a16:creationId xmlns:a16="http://schemas.microsoft.com/office/drawing/2014/main" id="{046047C4-77C4-4E19-8DD7-2ED3165B7637}"/>
               </a:ext>
             </a:extLst>
           </p:cNvPr>
@@ -33677,7 +33677,7 @@
           <p:cNvPr id="4" name="Footer Placeholder 3">
             <a:extLst>
               <a:ext uri="{FF2B5EF4-FFF2-40B4-BE49-F238E27FC236}">
-                <a16:creationId xmlns:a16="http://schemas.microsoft.com/office/drawing/2014/main" xmlns="" id="{D250B5CF-1C4F-4BA2-8E78-5F48C92A9DA1}"/>
+                <a16:creationId xmlns:a16="http://schemas.microsoft.com/office/drawing/2014/main" id="{D250B5CF-1C4F-4BA2-8E78-5F48C92A9DA1}"/>
               </a:ext>
             </a:extLst>
           </p:cNvPr>
@@ -33706,7 +33706,7 @@
           <p:cNvPr id="5" name="Slide Number Placeholder 4">
             <a:extLst>
               <a:ext uri="{FF2B5EF4-FFF2-40B4-BE49-F238E27FC236}">
-                <a16:creationId xmlns:a16="http://schemas.microsoft.com/office/drawing/2014/main" xmlns="" id="{714C6A0A-8A9D-47A1-97DA-BB494915175B}"/>
+                <a16:creationId xmlns:a16="http://schemas.microsoft.com/office/drawing/2014/main" id="{714C6A0A-8A9D-47A1-97DA-BB494915175B}"/>
               </a:ext>
             </a:extLst>
           </p:cNvPr>
@@ -33736,7 +33736,7 @@
           <p:cNvPr id="7" name="Content Placeholder 2">
             <a:extLst>
               <a:ext uri="{FF2B5EF4-FFF2-40B4-BE49-F238E27FC236}">
-                <a16:creationId xmlns:a16="http://schemas.microsoft.com/office/drawing/2014/main" xmlns="" id="{3FD6D4E1-CC57-4556-9CB7-31B375477219}"/>
+                <a16:creationId xmlns:a16="http://schemas.microsoft.com/office/drawing/2014/main" id="{3FD6D4E1-CC57-4556-9CB7-31B375477219}"/>
               </a:ext>
             </a:extLst>
           </p:cNvPr>
@@ -33837,7 +33837,7 @@
           <p:cNvPr id="8" name="Content Placeholder 3">
             <a:extLst>
               <a:ext uri="{FF2B5EF4-FFF2-40B4-BE49-F238E27FC236}">
-                <a16:creationId xmlns:a16="http://schemas.microsoft.com/office/drawing/2014/main" xmlns="" id="{2AE7A31C-D605-4363-B037-1938B9304C13}"/>
+                <a16:creationId xmlns:a16="http://schemas.microsoft.com/office/drawing/2014/main" id="{2AE7A31C-D605-4363-B037-1938B9304C13}"/>
               </a:ext>
             </a:extLst>
           </p:cNvPr>
@@ -33967,7 +33967,7 @@
           <p:cNvPr id="11" name="Rectangle 10">
             <a:extLst>
               <a:ext uri="{FF2B5EF4-FFF2-40B4-BE49-F238E27FC236}">
-                <a16:creationId xmlns:a16="http://schemas.microsoft.com/office/drawing/2014/main" xmlns="" id="{A4B5E40D-C1A5-4C5A-BBA0-C3E41F028D01}"/>
+                <a16:creationId xmlns:a16="http://schemas.microsoft.com/office/drawing/2014/main" id="{A4B5E40D-C1A5-4C5A-BBA0-C3E41F028D01}"/>
               </a:ext>
             </a:extLst>
           </p:cNvPr>
@@ -34034,7 +34034,7 @@
           <p:cNvPr id="2" name="Title 1">
             <a:extLst>
               <a:ext uri="{FF2B5EF4-FFF2-40B4-BE49-F238E27FC236}">
-                <a16:creationId xmlns:a16="http://schemas.microsoft.com/office/drawing/2014/main" xmlns="" id="{7215E379-3C1C-4942-917E-02E25E8CB910}"/>
+                <a16:creationId xmlns:a16="http://schemas.microsoft.com/office/drawing/2014/main" id="{7215E379-3C1C-4942-917E-02E25E8CB910}"/>
               </a:ext>
             </a:extLst>
           </p:cNvPr>
@@ -34067,7 +34067,7 @@
           <p:cNvPr id="3" name="Date Placeholder 2">
             <a:extLst>
               <a:ext uri="{FF2B5EF4-FFF2-40B4-BE49-F238E27FC236}">
-                <a16:creationId xmlns:a16="http://schemas.microsoft.com/office/drawing/2014/main" xmlns="" id="{046047C4-77C4-4E19-8DD7-2ED3165B7637}"/>
+                <a16:creationId xmlns:a16="http://schemas.microsoft.com/office/drawing/2014/main" id="{046047C4-77C4-4E19-8DD7-2ED3165B7637}"/>
               </a:ext>
             </a:extLst>
           </p:cNvPr>
@@ -34096,7 +34096,7 @@
           <p:cNvPr id="4" name="Footer Placeholder 3">
             <a:extLst>
               <a:ext uri="{FF2B5EF4-FFF2-40B4-BE49-F238E27FC236}">
-                <a16:creationId xmlns:a16="http://schemas.microsoft.com/office/drawing/2014/main" xmlns="" id="{D250B5CF-1C4F-4BA2-8E78-5F48C92A9DA1}"/>
+                <a16:creationId xmlns:a16="http://schemas.microsoft.com/office/drawing/2014/main" id="{D250B5CF-1C4F-4BA2-8E78-5F48C92A9DA1}"/>
               </a:ext>
             </a:extLst>
           </p:cNvPr>
@@ -34125,7 +34125,7 @@
           <p:cNvPr id="5" name="Slide Number Placeholder 4">
             <a:extLst>
               <a:ext uri="{FF2B5EF4-FFF2-40B4-BE49-F238E27FC236}">
-                <a16:creationId xmlns:a16="http://schemas.microsoft.com/office/drawing/2014/main" xmlns="" id="{714C6A0A-8A9D-47A1-97DA-BB494915175B}"/>
+                <a16:creationId xmlns:a16="http://schemas.microsoft.com/office/drawing/2014/main" id="{714C6A0A-8A9D-47A1-97DA-BB494915175B}"/>
               </a:ext>
             </a:extLst>
           </p:cNvPr>
@@ -34155,7 +34155,7 @@
           <p:cNvPr id="7" name="Text Placeholder 2">
             <a:extLst>
               <a:ext uri="{FF2B5EF4-FFF2-40B4-BE49-F238E27FC236}">
-                <a16:creationId xmlns:a16="http://schemas.microsoft.com/office/drawing/2014/main" xmlns="" id="{85C650EE-495E-44EB-870B-AC85B18EBDB8}"/>
+                <a16:creationId xmlns:a16="http://schemas.microsoft.com/office/drawing/2014/main" id="{85C650EE-495E-44EB-870B-AC85B18EBDB8}"/>
               </a:ext>
             </a:extLst>
           </p:cNvPr>
@@ -34228,7 +34228,7 @@
           <p:cNvPr id="8" name="Content Placeholder 3">
             <a:extLst>
               <a:ext uri="{FF2B5EF4-FFF2-40B4-BE49-F238E27FC236}">
-                <a16:creationId xmlns:a16="http://schemas.microsoft.com/office/drawing/2014/main" xmlns="" id="{77DCC2A5-8A6A-431F-BD6C-93E32539A0F4}"/>
+                <a16:creationId xmlns:a16="http://schemas.microsoft.com/office/drawing/2014/main" id="{77DCC2A5-8A6A-431F-BD6C-93E32539A0F4}"/>
               </a:ext>
             </a:extLst>
           </p:cNvPr>
@@ -34328,7 +34328,7 @@
           <p:cNvPr id="9" name="Text Placeholder 4">
             <a:extLst>
               <a:ext uri="{FF2B5EF4-FFF2-40B4-BE49-F238E27FC236}">
-                <a16:creationId xmlns:a16="http://schemas.microsoft.com/office/drawing/2014/main" xmlns="" id="{7FE620E9-8AD3-4771-8897-E65B461E2801}"/>
+                <a16:creationId xmlns:a16="http://schemas.microsoft.com/office/drawing/2014/main" id="{7FE620E9-8AD3-4771-8897-E65B461E2801}"/>
               </a:ext>
             </a:extLst>
           </p:cNvPr>
@@ -34401,7 +34401,7 @@
           <p:cNvPr id="10" name="Content Placeholder 5">
             <a:extLst>
               <a:ext uri="{FF2B5EF4-FFF2-40B4-BE49-F238E27FC236}">
-                <a16:creationId xmlns:a16="http://schemas.microsoft.com/office/drawing/2014/main" xmlns="" id="{B75F265B-9F81-4A64-A8D4-7D0A31CEA45A}"/>
+                <a16:creationId xmlns:a16="http://schemas.microsoft.com/office/drawing/2014/main" id="{B75F265B-9F81-4A64-A8D4-7D0A31CEA45A}"/>
               </a:ext>
             </a:extLst>
           </p:cNvPr>
@@ -34532,7 +34532,7 @@
           <p:cNvPr id="7" name="Rectangle 6">
             <a:extLst>
               <a:ext uri="{FF2B5EF4-FFF2-40B4-BE49-F238E27FC236}">
-                <a16:creationId xmlns:a16="http://schemas.microsoft.com/office/drawing/2014/main" xmlns="" id="{A16E3F0B-343E-4C97-A8D6-C47FCC915F74}"/>
+                <a16:creationId xmlns:a16="http://schemas.microsoft.com/office/drawing/2014/main" id="{A16E3F0B-343E-4C97-A8D6-C47FCC915F74}"/>
               </a:ext>
             </a:extLst>
           </p:cNvPr>
@@ -34599,7 +34599,7 @@
           <p:cNvPr id="3" name="Date Placeholder 2">
             <a:extLst>
               <a:ext uri="{FF2B5EF4-FFF2-40B4-BE49-F238E27FC236}">
-                <a16:creationId xmlns:a16="http://schemas.microsoft.com/office/drawing/2014/main" xmlns="" id="{046047C4-77C4-4E19-8DD7-2ED3165B7637}"/>
+                <a16:creationId xmlns:a16="http://schemas.microsoft.com/office/drawing/2014/main" id="{046047C4-77C4-4E19-8DD7-2ED3165B7637}"/>
               </a:ext>
             </a:extLst>
           </p:cNvPr>
@@ -34628,7 +34628,7 @@
           <p:cNvPr id="4" name="Footer Placeholder 3">
             <a:extLst>
               <a:ext uri="{FF2B5EF4-FFF2-40B4-BE49-F238E27FC236}">
-                <a16:creationId xmlns:a16="http://schemas.microsoft.com/office/drawing/2014/main" xmlns="" id="{D250B5CF-1C4F-4BA2-8E78-5F48C92A9DA1}"/>
+                <a16:creationId xmlns:a16="http://schemas.microsoft.com/office/drawing/2014/main" id="{D250B5CF-1C4F-4BA2-8E78-5F48C92A9DA1}"/>
               </a:ext>
             </a:extLst>
           </p:cNvPr>
@@ -34657,7 +34657,7 @@
           <p:cNvPr id="5" name="Slide Number Placeholder 4">
             <a:extLst>
               <a:ext uri="{FF2B5EF4-FFF2-40B4-BE49-F238E27FC236}">
-                <a16:creationId xmlns:a16="http://schemas.microsoft.com/office/drawing/2014/main" xmlns="" id="{714C6A0A-8A9D-47A1-97DA-BB494915175B}"/>
+                <a16:creationId xmlns:a16="http://schemas.microsoft.com/office/drawing/2014/main" id="{714C6A0A-8A9D-47A1-97DA-BB494915175B}"/>
               </a:ext>
             </a:extLst>
           </p:cNvPr>
@@ -34687,7 +34687,7 @@
           <p:cNvPr id="8" name="Title 1">
             <a:extLst>
               <a:ext uri="{FF2B5EF4-FFF2-40B4-BE49-F238E27FC236}">
-                <a16:creationId xmlns:a16="http://schemas.microsoft.com/office/drawing/2014/main" xmlns="" id="{8A02905C-2C7D-4445-B47F-3EBBA44657F7}"/>
+                <a16:creationId xmlns:a16="http://schemas.microsoft.com/office/drawing/2014/main" id="{8A02905C-2C7D-4445-B47F-3EBBA44657F7}"/>
               </a:ext>
             </a:extLst>
           </p:cNvPr>
@@ -34724,7 +34724,7 @@
           <p:cNvPr id="9" name="Text Placeholder 3">
             <a:extLst>
               <a:ext uri="{FF2B5EF4-FFF2-40B4-BE49-F238E27FC236}">
-                <a16:creationId xmlns:a16="http://schemas.microsoft.com/office/drawing/2014/main" xmlns="" id="{17BC8A51-D50F-4F98-9402-8FF90BD2D1BE}"/>
+                <a16:creationId xmlns:a16="http://schemas.microsoft.com/office/drawing/2014/main" id="{17BC8A51-D50F-4F98-9402-8FF90BD2D1BE}"/>
               </a:ext>
             </a:extLst>
           </p:cNvPr>
@@ -34795,7 +34795,7 @@
           <p:cNvPr id="10" name="Content Placeholder 2">
             <a:extLst>
               <a:ext uri="{FF2B5EF4-FFF2-40B4-BE49-F238E27FC236}">
-                <a16:creationId xmlns:a16="http://schemas.microsoft.com/office/drawing/2014/main" xmlns="" id="{3AE79E65-3D1E-4444-9BD4-8578BF0C6484}"/>
+                <a16:creationId xmlns:a16="http://schemas.microsoft.com/office/drawing/2014/main" id="{3AE79E65-3D1E-4444-9BD4-8578BF0C6484}"/>
               </a:ext>
             </a:extLst>
           </p:cNvPr>
@@ -34937,7 +34937,7 @@
           <p:cNvPr id="7" name="Rectangle 6">
             <a:extLst>
               <a:ext uri="{FF2B5EF4-FFF2-40B4-BE49-F238E27FC236}">
-                <a16:creationId xmlns:a16="http://schemas.microsoft.com/office/drawing/2014/main" xmlns="" id="{A16E3F0B-343E-4C97-A8D6-C47FCC915F74}"/>
+                <a16:creationId xmlns:a16="http://schemas.microsoft.com/office/drawing/2014/main" id="{A16E3F0B-343E-4C97-A8D6-C47FCC915F74}"/>
               </a:ext>
             </a:extLst>
           </p:cNvPr>
@@ -35004,7 +35004,7 @@
           <p:cNvPr id="3" name="Date Placeholder 2">
             <a:extLst>
               <a:ext uri="{FF2B5EF4-FFF2-40B4-BE49-F238E27FC236}">
-                <a16:creationId xmlns:a16="http://schemas.microsoft.com/office/drawing/2014/main" xmlns="" id="{046047C4-77C4-4E19-8DD7-2ED3165B7637}"/>
+                <a16:creationId xmlns:a16="http://schemas.microsoft.com/office/drawing/2014/main" id="{046047C4-77C4-4E19-8DD7-2ED3165B7637}"/>
               </a:ext>
             </a:extLst>
           </p:cNvPr>
@@ -35033,7 +35033,7 @@
           <p:cNvPr id="4" name="Footer Placeholder 3">
             <a:extLst>
               <a:ext uri="{FF2B5EF4-FFF2-40B4-BE49-F238E27FC236}">
-                <a16:creationId xmlns:a16="http://schemas.microsoft.com/office/drawing/2014/main" xmlns="" id="{D250B5CF-1C4F-4BA2-8E78-5F48C92A9DA1}"/>
+                <a16:creationId xmlns:a16="http://schemas.microsoft.com/office/drawing/2014/main" id="{D250B5CF-1C4F-4BA2-8E78-5F48C92A9DA1}"/>
               </a:ext>
             </a:extLst>
           </p:cNvPr>
@@ -35062,7 +35062,7 @@
           <p:cNvPr id="5" name="Slide Number Placeholder 4">
             <a:extLst>
               <a:ext uri="{FF2B5EF4-FFF2-40B4-BE49-F238E27FC236}">
-                <a16:creationId xmlns:a16="http://schemas.microsoft.com/office/drawing/2014/main" xmlns="" id="{714C6A0A-8A9D-47A1-97DA-BB494915175B}"/>
+                <a16:creationId xmlns:a16="http://schemas.microsoft.com/office/drawing/2014/main" id="{714C6A0A-8A9D-47A1-97DA-BB494915175B}"/>
               </a:ext>
             </a:extLst>
           </p:cNvPr>
@@ -35092,7 +35092,7 @@
           <p:cNvPr id="8" name="Title 1">
             <a:extLst>
               <a:ext uri="{FF2B5EF4-FFF2-40B4-BE49-F238E27FC236}">
-                <a16:creationId xmlns:a16="http://schemas.microsoft.com/office/drawing/2014/main" xmlns="" id="{8A02905C-2C7D-4445-B47F-3EBBA44657F7}"/>
+                <a16:creationId xmlns:a16="http://schemas.microsoft.com/office/drawing/2014/main" id="{8A02905C-2C7D-4445-B47F-3EBBA44657F7}"/>
               </a:ext>
             </a:extLst>
           </p:cNvPr>
@@ -35129,7 +35129,7 @@
           <p:cNvPr id="9" name="Text Placeholder 3">
             <a:extLst>
               <a:ext uri="{FF2B5EF4-FFF2-40B4-BE49-F238E27FC236}">
-                <a16:creationId xmlns:a16="http://schemas.microsoft.com/office/drawing/2014/main" xmlns="" id="{17BC8A51-D50F-4F98-9402-8FF90BD2D1BE}"/>
+                <a16:creationId xmlns:a16="http://schemas.microsoft.com/office/drawing/2014/main" id="{17BC8A51-D50F-4F98-9402-8FF90BD2D1BE}"/>
               </a:ext>
             </a:extLst>
           </p:cNvPr>
@@ -35200,7 +35200,7 @@
           <p:cNvPr id="11" name="Picture Placeholder 2">
             <a:extLst>
               <a:ext uri="{FF2B5EF4-FFF2-40B4-BE49-F238E27FC236}">
-                <a16:creationId xmlns:a16="http://schemas.microsoft.com/office/drawing/2014/main" xmlns="" id="{1D23A006-AC57-4A0B-BC20-6D226A80CC78}"/>
+                <a16:creationId xmlns:a16="http://schemas.microsoft.com/office/drawing/2014/main" id="{1D23A006-AC57-4A0B-BC20-6D226A80CC78}"/>
               </a:ext>
             </a:extLst>
           </p:cNvPr>
@@ -35307,7 +35307,7 @@
           <p:cNvPr id="7" name="Rectangle 6">
             <a:extLst>
               <a:ext uri="{FF2B5EF4-FFF2-40B4-BE49-F238E27FC236}">
-                <a16:creationId xmlns:a16="http://schemas.microsoft.com/office/drawing/2014/main" xmlns="" id="{9F05564D-C546-470F-B93C-274AA86CE01F}"/>
+                <a16:creationId xmlns:a16="http://schemas.microsoft.com/office/drawing/2014/main" id="{9F05564D-C546-470F-B93C-274AA86CE01F}"/>
               </a:ext>
             </a:extLst>
           </p:cNvPr>
@@ -35374,7 +35374,7 @@
           <p:cNvPr id="2" name="Title 1">
             <a:extLst>
               <a:ext uri="{FF2B5EF4-FFF2-40B4-BE49-F238E27FC236}">
-                <a16:creationId xmlns:a16="http://schemas.microsoft.com/office/drawing/2014/main" xmlns="" id="{7215E379-3C1C-4942-917E-02E25E8CB910}"/>
+                <a16:creationId xmlns:a16="http://schemas.microsoft.com/office/drawing/2014/main" id="{7215E379-3C1C-4942-917E-02E25E8CB910}"/>
               </a:ext>
             </a:extLst>
           </p:cNvPr>
@@ -35407,7 +35407,7 @@
           <p:cNvPr id="3" name="Date Placeholder 2">
             <a:extLst>
               <a:ext uri="{FF2B5EF4-FFF2-40B4-BE49-F238E27FC236}">
-                <a16:creationId xmlns:a16="http://schemas.microsoft.com/office/drawing/2014/main" xmlns="" id="{046047C4-77C4-4E19-8DD7-2ED3165B7637}"/>
+                <a16:creationId xmlns:a16="http://schemas.microsoft.com/office/drawing/2014/main" id="{046047C4-77C4-4E19-8DD7-2ED3165B7637}"/>
               </a:ext>
             </a:extLst>
           </p:cNvPr>
@@ -35436,7 +35436,7 @@
           <p:cNvPr id="4" name="Footer Placeholder 3">
             <a:extLst>
               <a:ext uri="{FF2B5EF4-FFF2-40B4-BE49-F238E27FC236}">
-                <a16:creationId xmlns:a16="http://schemas.microsoft.com/office/drawing/2014/main" xmlns="" id="{D250B5CF-1C4F-4BA2-8E78-5F48C92A9DA1}"/>
+                <a16:creationId xmlns:a16="http://schemas.microsoft.com/office/drawing/2014/main" id="{D250B5CF-1C4F-4BA2-8E78-5F48C92A9DA1}"/>
               </a:ext>
             </a:extLst>
           </p:cNvPr>
@@ -35465,7 +35465,7 @@
           <p:cNvPr id="5" name="Slide Number Placeholder 4">
             <a:extLst>
               <a:ext uri="{FF2B5EF4-FFF2-40B4-BE49-F238E27FC236}">
-                <a16:creationId xmlns:a16="http://schemas.microsoft.com/office/drawing/2014/main" xmlns="" id="{714C6A0A-8A9D-47A1-97DA-BB494915175B}"/>
+                <a16:creationId xmlns:a16="http://schemas.microsoft.com/office/drawing/2014/main" id="{714C6A0A-8A9D-47A1-97DA-BB494915175B}"/>
               </a:ext>
             </a:extLst>
           </p:cNvPr>
@@ -35525,7 +35525,7 @@
           <p:cNvPr id="6" name="Rectangle 5">
             <a:extLst>
               <a:ext uri="{FF2B5EF4-FFF2-40B4-BE49-F238E27FC236}">
-                <a16:creationId xmlns:a16="http://schemas.microsoft.com/office/drawing/2014/main" xmlns="" id="{D9E60A5F-CE74-4F00-A5C2-F9742DDFFF1F}"/>
+                <a16:creationId xmlns:a16="http://schemas.microsoft.com/office/drawing/2014/main" id="{D9E60A5F-CE74-4F00-A5C2-F9742DDFFF1F}"/>
               </a:ext>
             </a:extLst>
           </p:cNvPr>
@@ -35592,7 +35592,7 @@
           <p:cNvPr id="3" name="Date Placeholder 2">
             <a:extLst>
               <a:ext uri="{FF2B5EF4-FFF2-40B4-BE49-F238E27FC236}">
-                <a16:creationId xmlns:a16="http://schemas.microsoft.com/office/drawing/2014/main" xmlns="" id="{046047C4-77C4-4E19-8DD7-2ED3165B7637}"/>
+                <a16:creationId xmlns:a16="http://schemas.microsoft.com/office/drawing/2014/main" id="{046047C4-77C4-4E19-8DD7-2ED3165B7637}"/>
               </a:ext>
             </a:extLst>
           </p:cNvPr>
@@ -35621,7 +35621,7 @@
           <p:cNvPr id="4" name="Footer Placeholder 3">
             <a:extLst>
               <a:ext uri="{FF2B5EF4-FFF2-40B4-BE49-F238E27FC236}">
-                <a16:creationId xmlns:a16="http://schemas.microsoft.com/office/drawing/2014/main" xmlns="" id="{D250B5CF-1C4F-4BA2-8E78-5F48C92A9DA1}"/>
+                <a16:creationId xmlns:a16="http://schemas.microsoft.com/office/drawing/2014/main" id="{D250B5CF-1C4F-4BA2-8E78-5F48C92A9DA1}"/>
               </a:ext>
             </a:extLst>
           </p:cNvPr>
@@ -35650,7 +35650,7 @@
           <p:cNvPr id="5" name="Slide Number Placeholder 4">
             <a:extLst>
               <a:ext uri="{FF2B5EF4-FFF2-40B4-BE49-F238E27FC236}">
-                <a16:creationId xmlns:a16="http://schemas.microsoft.com/office/drawing/2014/main" xmlns="" id="{714C6A0A-8A9D-47A1-97DA-BB494915175B}"/>
+                <a16:creationId xmlns:a16="http://schemas.microsoft.com/office/drawing/2014/main" id="{714C6A0A-8A9D-47A1-97DA-BB494915175B}"/>
               </a:ext>
             </a:extLst>
           </p:cNvPr>
@@ -35710,7 +35710,7 @@
           <p:cNvPr id="15" name="Rectangle 14">
             <a:extLst>
               <a:ext uri="{FF2B5EF4-FFF2-40B4-BE49-F238E27FC236}">
-                <a16:creationId xmlns:a16="http://schemas.microsoft.com/office/drawing/2014/main" xmlns="" id="{E8E3FDB8-6D5C-48FE-99EA-7EC60F4D8191}"/>
+                <a16:creationId xmlns:a16="http://schemas.microsoft.com/office/drawing/2014/main" id="{E8E3FDB8-6D5C-48FE-99EA-7EC60F4D8191}"/>
               </a:ext>
             </a:extLst>
           </p:cNvPr>
@@ -35777,7 +35777,7 @@
           <p:cNvPr id="5" name="Date Placeholder 4">
             <a:extLst>
               <a:ext uri="{FF2B5EF4-FFF2-40B4-BE49-F238E27FC236}">
-                <a16:creationId xmlns:a16="http://schemas.microsoft.com/office/drawing/2014/main" xmlns="" id="{2D9775F3-A041-479A-8038-652B7D9C72E9}"/>
+                <a16:creationId xmlns:a16="http://schemas.microsoft.com/office/drawing/2014/main" id="{2D9775F3-A041-479A-8038-652B7D9C72E9}"/>
               </a:ext>
             </a:extLst>
           </p:cNvPr>
@@ -35806,7 +35806,7 @@
           <p:cNvPr id="6" name="Footer Placeholder 5">
             <a:extLst>
               <a:ext uri="{FF2B5EF4-FFF2-40B4-BE49-F238E27FC236}">
-                <a16:creationId xmlns:a16="http://schemas.microsoft.com/office/drawing/2014/main" xmlns="" id="{29BEDD04-BE4E-4B91-B13E-0C4FB3E1658F}"/>
+                <a16:creationId xmlns:a16="http://schemas.microsoft.com/office/drawing/2014/main" id="{29BEDD04-BE4E-4B91-B13E-0C4FB3E1658F}"/>
               </a:ext>
             </a:extLst>
           </p:cNvPr>
@@ -35835,7 +35835,7 @@
           <p:cNvPr id="7" name="Slide Number Placeholder 6">
             <a:extLst>
               <a:ext uri="{FF2B5EF4-FFF2-40B4-BE49-F238E27FC236}">
-                <a16:creationId xmlns:a16="http://schemas.microsoft.com/office/drawing/2014/main" xmlns="" id="{306DF5D8-12DC-494E-B0F1-2E9C86A14544}"/>
+                <a16:creationId xmlns:a16="http://schemas.microsoft.com/office/drawing/2014/main" id="{306DF5D8-12DC-494E-B0F1-2E9C86A14544}"/>
               </a:ext>
             </a:extLst>
           </p:cNvPr>
@@ -35864,7 +35864,7 @@
           <p:cNvPr id="8" name="Title 1">
             <a:extLst>
               <a:ext uri="{FF2B5EF4-FFF2-40B4-BE49-F238E27FC236}">
-                <a16:creationId xmlns:a16="http://schemas.microsoft.com/office/drawing/2014/main" xmlns="" id="{ABF87C9E-53A2-4DE1-89DC-3907BE2E3D3C}"/>
+                <a16:creationId xmlns:a16="http://schemas.microsoft.com/office/drawing/2014/main" id="{ABF87C9E-53A2-4DE1-89DC-3907BE2E3D3C}"/>
               </a:ext>
             </a:extLst>
           </p:cNvPr>
@@ -35904,7 +35904,7 @@
           <p:cNvPr id="9" name="Text Placeholder 2">
             <a:extLst>
               <a:ext uri="{FF2B5EF4-FFF2-40B4-BE49-F238E27FC236}">
-                <a16:creationId xmlns:a16="http://schemas.microsoft.com/office/drawing/2014/main" xmlns="" id="{EB453F8F-AA02-4E0D-93BF-8CF4F1490377}"/>
+                <a16:creationId xmlns:a16="http://schemas.microsoft.com/office/drawing/2014/main" id="{EB453F8F-AA02-4E0D-93BF-8CF4F1490377}"/>
               </a:ext>
             </a:extLst>
           </p:cNvPr>
@@ -36034,7 +36034,7 @@
           <p:cNvPr id="10" name="Picture Placeholder 10">
             <a:extLst>
               <a:ext uri="{FF2B5EF4-FFF2-40B4-BE49-F238E27FC236}">
-                <a16:creationId xmlns:a16="http://schemas.microsoft.com/office/drawing/2014/main" xmlns="" id="{A541F291-2E4B-474E-9ED0-55C97A2A066D}"/>
+                <a16:creationId xmlns:a16="http://schemas.microsoft.com/office/drawing/2014/main" id="{A541F291-2E4B-474E-9ED0-55C97A2A066D}"/>
               </a:ext>
             </a:extLst>
           </p:cNvPr>
@@ -36075,7 +36075,7 @@
           <p:cNvPr id="11" name="Group 10">
             <a:extLst>
               <a:ext uri="{FF2B5EF4-FFF2-40B4-BE49-F238E27FC236}">
-                <a16:creationId xmlns:a16="http://schemas.microsoft.com/office/drawing/2014/main" xmlns="" id="{59E4D57E-4989-4939-A31F-637543FAB606}"/>
+                <a16:creationId xmlns:a16="http://schemas.microsoft.com/office/drawing/2014/main" id="{59E4D57E-4989-4939-A31F-637543FAB606}"/>
               </a:ext>
             </a:extLst>
           </p:cNvPr>
@@ -36095,7 +36095,7 @@
             <p:cNvPr id="12" name="Straight Connector 11">
               <a:extLst>
                 <a:ext uri="{FF2B5EF4-FFF2-40B4-BE49-F238E27FC236}">
-                  <a16:creationId xmlns:a16="http://schemas.microsoft.com/office/drawing/2014/main" xmlns="" id="{370B72A7-B625-48B8-88E6-BCE2A4DD531E}"/>
+                  <a16:creationId xmlns:a16="http://schemas.microsoft.com/office/drawing/2014/main" id="{370B72A7-B625-48B8-88E6-BCE2A4DD531E}"/>
                 </a:ext>
               </a:extLst>
             </p:cNvPr>
@@ -36139,7 +36139,7 @@
             <p:cNvPr id="13" name="Oval 12">
               <a:extLst>
                 <a:ext uri="{FF2B5EF4-FFF2-40B4-BE49-F238E27FC236}">
-                  <a16:creationId xmlns:a16="http://schemas.microsoft.com/office/drawing/2014/main" xmlns="" id="{01ED729F-F8A5-4244-9776-4935C260F11F}"/>
+                  <a16:creationId xmlns:a16="http://schemas.microsoft.com/office/drawing/2014/main" id="{01ED729F-F8A5-4244-9776-4935C260F11F}"/>
                 </a:ext>
               </a:extLst>
             </p:cNvPr>
@@ -36200,7 +36200,7 @@
           <p:cNvPr id="14" name="Text Placeholder 2">
             <a:extLst>
               <a:ext uri="{FF2B5EF4-FFF2-40B4-BE49-F238E27FC236}">
-                <a16:creationId xmlns:a16="http://schemas.microsoft.com/office/drawing/2014/main" xmlns="" id="{BE12A846-0DFC-435B-BAE9-D90C353E0344}"/>
+                <a16:creationId xmlns:a16="http://schemas.microsoft.com/office/drawing/2014/main" id="{BE12A846-0DFC-435B-BAE9-D90C353E0344}"/>
               </a:ext>
             </a:extLst>
           </p:cNvPr>
@@ -36335,7 +36335,7 @@
           <p:cNvPr id="17" name="Straight Connector 16">
             <a:extLst>
               <a:ext uri="{FF2B5EF4-FFF2-40B4-BE49-F238E27FC236}">
-                <a16:creationId xmlns:a16="http://schemas.microsoft.com/office/drawing/2014/main" xmlns="" id="{6150998C-CF95-4C6F-8962-8EB2DB30177D}"/>
+                <a16:creationId xmlns:a16="http://schemas.microsoft.com/office/drawing/2014/main" id="{6150998C-CF95-4C6F-8962-8EB2DB30177D}"/>
               </a:ext>
             </a:extLst>
           </p:cNvPr>
@@ -36379,7 +36379,7 @@
           <p:cNvPr id="18" name="Oval 17">
             <a:extLst>
               <a:ext uri="{FF2B5EF4-FFF2-40B4-BE49-F238E27FC236}">
-                <a16:creationId xmlns:a16="http://schemas.microsoft.com/office/drawing/2014/main" xmlns="" id="{F86A2ACD-8CF5-48A3-A678-E213A809B332}"/>
+                <a16:creationId xmlns:a16="http://schemas.microsoft.com/office/drawing/2014/main" id="{F86A2ACD-8CF5-48A3-A678-E213A809B332}"/>
               </a:ext>
             </a:extLst>
           </p:cNvPr>
@@ -36434,7 +36434,7 @@
           <p:cNvPr id="19" name="Straight Connector 18">
             <a:extLst>
               <a:ext uri="{FF2B5EF4-FFF2-40B4-BE49-F238E27FC236}">
-                <a16:creationId xmlns:a16="http://schemas.microsoft.com/office/drawing/2014/main" xmlns="" id="{F00811BB-0E37-4D70-84A5-97B3FBEDCBE6}"/>
+                <a16:creationId xmlns:a16="http://schemas.microsoft.com/office/drawing/2014/main" id="{F00811BB-0E37-4D70-84A5-97B3FBEDCBE6}"/>
               </a:ext>
             </a:extLst>
           </p:cNvPr>
@@ -36480,7 +36480,7 @@
           <p:cNvPr id="20" name="Oval 19">
             <a:extLst>
               <a:ext uri="{FF2B5EF4-FFF2-40B4-BE49-F238E27FC236}">
-                <a16:creationId xmlns:a16="http://schemas.microsoft.com/office/drawing/2014/main" xmlns="" id="{D03B3046-0457-4D23-8E0C-64E3FCD620BB}"/>
+                <a16:creationId xmlns:a16="http://schemas.microsoft.com/office/drawing/2014/main" id="{D03B3046-0457-4D23-8E0C-64E3FCD620BB}"/>
               </a:ext>
             </a:extLst>
           </p:cNvPr>
@@ -36535,7 +36535,7 @@
           <p:cNvPr id="22" name="Picture Placeholder 7">
             <a:extLst>
               <a:ext uri="{FF2B5EF4-FFF2-40B4-BE49-F238E27FC236}">
-                <a16:creationId xmlns:a16="http://schemas.microsoft.com/office/drawing/2014/main" xmlns="" id="{F0861AA2-8248-462C-B6D8-FFD829F41ED0}"/>
+                <a16:creationId xmlns:a16="http://schemas.microsoft.com/office/drawing/2014/main" id="{F0861AA2-8248-462C-B6D8-FFD829F41ED0}"/>
               </a:ext>
             </a:extLst>
           </p:cNvPr>
@@ -36606,7 +36606,7 @@
           <p:cNvPr id="7" name="Rectangle 6">
             <a:extLst>
               <a:ext uri="{FF2B5EF4-FFF2-40B4-BE49-F238E27FC236}">
-                <a16:creationId xmlns:a16="http://schemas.microsoft.com/office/drawing/2014/main" xmlns="" id="{09F1B35C-893A-4033-ADC0-2192AFA29271}"/>
+                <a16:creationId xmlns:a16="http://schemas.microsoft.com/office/drawing/2014/main" id="{09F1B35C-893A-4033-ADC0-2192AFA29271}"/>
               </a:ext>
             </a:extLst>
           </p:cNvPr>
@@ -36673,7 +36673,7 @@
           <p:cNvPr id="2" name="Title 1">
             <a:extLst>
               <a:ext uri="{FF2B5EF4-FFF2-40B4-BE49-F238E27FC236}">
-                <a16:creationId xmlns:a16="http://schemas.microsoft.com/office/drawing/2014/main" xmlns="" id="{CD637DF8-B064-4F36-89F8-EBF538A2E7F2}"/>
+                <a16:creationId xmlns:a16="http://schemas.microsoft.com/office/drawing/2014/main" id="{CD637DF8-B064-4F36-89F8-EBF538A2E7F2}"/>
               </a:ext>
             </a:extLst>
           </p:cNvPr>
@@ -36713,7 +36713,7 @@
           <p:cNvPr id="4" name="Date Placeholder 3">
             <a:extLst>
               <a:ext uri="{FF2B5EF4-FFF2-40B4-BE49-F238E27FC236}">
-                <a16:creationId xmlns:a16="http://schemas.microsoft.com/office/drawing/2014/main" xmlns="" id="{49EFC6D7-3241-401C-A16A-4A7CC2653954}"/>
+                <a16:creationId xmlns:a16="http://schemas.microsoft.com/office/drawing/2014/main" id="{49EFC6D7-3241-401C-A16A-4A7CC2653954}"/>
               </a:ext>
             </a:extLst>
           </p:cNvPr>
@@ -36742,7 +36742,7 @@
           <p:cNvPr id="5" name="Footer Placeholder 4">
             <a:extLst>
               <a:ext uri="{FF2B5EF4-FFF2-40B4-BE49-F238E27FC236}">
-                <a16:creationId xmlns:a16="http://schemas.microsoft.com/office/drawing/2014/main" xmlns="" id="{F345D6DC-ABA5-4D00-9CD3-92FFDD1FA2DC}"/>
+                <a16:creationId xmlns:a16="http://schemas.microsoft.com/office/drawing/2014/main" id="{F345D6DC-ABA5-4D00-9CD3-92FFDD1FA2DC}"/>
               </a:ext>
             </a:extLst>
           </p:cNvPr>
@@ -36771,7 +36771,7 @@
           <p:cNvPr id="6" name="Slide Number Placeholder 5">
             <a:extLst>
               <a:ext uri="{FF2B5EF4-FFF2-40B4-BE49-F238E27FC236}">
-                <a16:creationId xmlns:a16="http://schemas.microsoft.com/office/drawing/2014/main" xmlns="" id="{92459C86-0106-40E0-AA18-795EC5787677}"/>
+                <a16:creationId xmlns:a16="http://schemas.microsoft.com/office/drawing/2014/main" id="{92459C86-0106-40E0-AA18-795EC5787677}"/>
               </a:ext>
             </a:extLst>
           </p:cNvPr>
@@ -36800,7 +36800,7 @@
           <p:cNvPr id="11" name="Picture Placeholder 10">
             <a:extLst>
               <a:ext uri="{FF2B5EF4-FFF2-40B4-BE49-F238E27FC236}">
-                <a16:creationId xmlns:a16="http://schemas.microsoft.com/office/drawing/2014/main" xmlns="" id="{6D14F7B3-A6CF-491C-9855-75B5784CC456}"/>
+                <a16:creationId xmlns:a16="http://schemas.microsoft.com/office/drawing/2014/main" id="{6D14F7B3-A6CF-491C-9855-75B5784CC456}"/>
               </a:ext>
             </a:extLst>
           </p:cNvPr>
@@ -36841,7 +36841,7 @@
           <p:cNvPr id="15" name="Group 14">
             <a:extLst>
               <a:ext uri="{FF2B5EF4-FFF2-40B4-BE49-F238E27FC236}">
-                <a16:creationId xmlns:a16="http://schemas.microsoft.com/office/drawing/2014/main" xmlns="" id="{B7317392-EF87-4050-8BBE-32F74B0CF15A}"/>
+                <a16:creationId xmlns:a16="http://schemas.microsoft.com/office/drawing/2014/main" id="{B7317392-EF87-4050-8BBE-32F74B0CF15A}"/>
               </a:ext>
             </a:extLst>
           </p:cNvPr>
@@ -36861,7 +36861,7 @@
             <p:cNvPr id="13" name="Straight Connector 12">
               <a:extLst>
                 <a:ext uri="{FF2B5EF4-FFF2-40B4-BE49-F238E27FC236}">
-                  <a16:creationId xmlns:a16="http://schemas.microsoft.com/office/drawing/2014/main" xmlns="" id="{785A4134-866D-4143-AC1E-8A2FFDB49855}"/>
+                  <a16:creationId xmlns:a16="http://schemas.microsoft.com/office/drawing/2014/main" id="{785A4134-866D-4143-AC1E-8A2FFDB49855}"/>
                 </a:ext>
               </a:extLst>
             </p:cNvPr>
@@ -36905,7 +36905,7 @@
             <p:cNvPr id="14" name="Oval 13">
               <a:extLst>
                 <a:ext uri="{FF2B5EF4-FFF2-40B4-BE49-F238E27FC236}">
-                  <a16:creationId xmlns:a16="http://schemas.microsoft.com/office/drawing/2014/main" xmlns="" id="{1BBC5D9C-B8FB-455B-9398-36DB21F2765E}"/>
+                  <a16:creationId xmlns:a16="http://schemas.microsoft.com/office/drawing/2014/main" id="{1BBC5D9C-B8FB-455B-9398-36DB21F2765E}"/>
                 </a:ext>
               </a:extLst>
             </p:cNvPr>
@@ -36966,7 +36966,7 @@
           <p:cNvPr id="17" name="Oval 16">
             <a:extLst>
               <a:ext uri="{FF2B5EF4-FFF2-40B4-BE49-F238E27FC236}">
-                <a16:creationId xmlns:a16="http://schemas.microsoft.com/office/drawing/2014/main" xmlns="" id="{72225750-E4CE-4A81-A0C3-4023030D637E}"/>
+                <a16:creationId xmlns:a16="http://schemas.microsoft.com/office/drawing/2014/main" id="{72225750-E4CE-4A81-A0C3-4023030D637E}"/>
               </a:ext>
             </a:extLst>
           </p:cNvPr>
@@ -37021,7 +37021,7 @@
           <p:cNvPr id="18" name="Straight Connector 17">
             <a:extLst>
               <a:ext uri="{FF2B5EF4-FFF2-40B4-BE49-F238E27FC236}">
-                <a16:creationId xmlns:a16="http://schemas.microsoft.com/office/drawing/2014/main" xmlns="" id="{3819C324-07DF-49DB-A08C-0E6155CE3041}"/>
+                <a16:creationId xmlns:a16="http://schemas.microsoft.com/office/drawing/2014/main" id="{3819C324-07DF-49DB-A08C-0E6155CE3041}"/>
               </a:ext>
             </a:extLst>
           </p:cNvPr>
@@ -37065,7 +37065,7 @@
           <p:cNvPr id="19" name="Oval 18">
             <a:extLst>
               <a:ext uri="{FF2B5EF4-FFF2-40B4-BE49-F238E27FC236}">
-                <a16:creationId xmlns:a16="http://schemas.microsoft.com/office/drawing/2014/main" xmlns="" id="{75A34025-44F2-4A09-8629-F1794E9D35AF}"/>
+                <a16:creationId xmlns:a16="http://schemas.microsoft.com/office/drawing/2014/main" id="{75A34025-44F2-4A09-8629-F1794E9D35AF}"/>
               </a:ext>
             </a:extLst>
           </p:cNvPr>
@@ -37120,7 +37120,7 @@
           <p:cNvPr id="20" name="Straight Connector 19">
             <a:extLst>
               <a:ext uri="{FF2B5EF4-FFF2-40B4-BE49-F238E27FC236}">
-                <a16:creationId xmlns:a16="http://schemas.microsoft.com/office/drawing/2014/main" xmlns="" id="{815854A2-EAE9-4B2A-84CF-5A4BD753863A}"/>
+                <a16:creationId xmlns:a16="http://schemas.microsoft.com/office/drawing/2014/main" id="{815854A2-EAE9-4B2A-84CF-5A4BD753863A}"/>
               </a:ext>
             </a:extLst>
           </p:cNvPr>
@@ -37166,7 +37166,7 @@
           <p:cNvPr id="21" name="Text Placeholder 2">
             <a:extLst>
               <a:ext uri="{FF2B5EF4-FFF2-40B4-BE49-F238E27FC236}">
-                <a16:creationId xmlns:a16="http://schemas.microsoft.com/office/drawing/2014/main" xmlns="" id="{4C9D5785-B116-4BE7-AC26-5CD6481FFA6A}"/>
+                <a16:creationId xmlns:a16="http://schemas.microsoft.com/office/drawing/2014/main" id="{4C9D5785-B116-4BE7-AC26-5CD6481FFA6A}"/>
               </a:ext>
             </a:extLst>
           </p:cNvPr>
@@ -37301,7 +37301,7 @@
           <p:cNvPr id="23" name="Picture Placeholder 7">
             <a:extLst>
               <a:ext uri="{FF2B5EF4-FFF2-40B4-BE49-F238E27FC236}">
-                <a16:creationId xmlns:a16="http://schemas.microsoft.com/office/drawing/2014/main" xmlns="" id="{278C2B8F-0B29-449C-AFFD-42BB56FA1595}"/>
+                <a16:creationId xmlns:a16="http://schemas.microsoft.com/office/drawing/2014/main" id="{278C2B8F-0B29-449C-AFFD-42BB56FA1595}"/>
               </a:ext>
             </a:extLst>
           </p:cNvPr>
@@ -37372,7 +37372,7 @@
           <p:cNvPr id="15" name="Rectangle 14">
             <a:extLst>
               <a:ext uri="{FF2B5EF4-FFF2-40B4-BE49-F238E27FC236}">
-                <a16:creationId xmlns:a16="http://schemas.microsoft.com/office/drawing/2014/main" xmlns="" id="{E8E3FDB8-6D5C-48FE-99EA-7EC60F4D8191}"/>
+                <a16:creationId xmlns:a16="http://schemas.microsoft.com/office/drawing/2014/main" id="{E8E3FDB8-6D5C-48FE-99EA-7EC60F4D8191}"/>
               </a:ext>
             </a:extLst>
           </p:cNvPr>
@@ -37439,7 +37439,7 @@
           <p:cNvPr id="5" name="Date Placeholder 4">
             <a:extLst>
               <a:ext uri="{FF2B5EF4-FFF2-40B4-BE49-F238E27FC236}">
-                <a16:creationId xmlns:a16="http://schemas.microsoft.com/office/drawing/2014/main" xmlns="" id="{2D9775F3-A041-479A-8038-652B7D9C72E9}"/>
+                <a16:creationId xmlns:a16="http://schemas.microsoft.com/office/drawing/2014/main" id="{2D9775F3-A041-479A-8038-652B7D9C72E9}"/>
               </a:ext>
             </a:extLst>
           </p:cNvPr>
@@ -37468,7 +37468,7 @@
           <p:cNvPr id="6" name="Footer Placeholder 5">
             <a:extLst>
               <a:ext uri="{FF2B5EF4-FFF2-40B4-BE49-F238E27FC236}">
-                <a16:creationId xmlns:a16="http://schemas.microsoft.com/office/drawing/2014/main" xmlns="" id="{29BEDD04-BE4E-4B91-B13E-0C4FB3E1658F}"/>
+                <a16:creationId xmlns:a16="http://schemas.microsoft.com/office/drawing/2014/main" id="{29BEDD04-BE4E-4B91-B13E-0C4FB3E1658F}"/>
               </a:ext>
             </a:extLst>
           </p:cNvPr>
@@ -37497,7 +37497,7 @@
           <p:cNvPr id="7" name="Slide Number Placeholder 6">
             <a:extLst>
               <a:ext uri="{FF2B5EF4-FFF2-40B4-BE49-F238E27FC236}">
-                <a16:creationId xmlns:a16="http://schemas.microsoft.com/office/drawing/2014/main" xmlns="" id="{306DF5D8-12DC-494E-B0F1-2E9C86A14544}"/>
+                <a16:creationId xmlns:a16="http://schemas.microsoft.com/office/drawing/2014/main" id="{306DF5D8-12DC-494E-B0F1-2E9C86A14544}"/>
               </a:ext>
             </a:extLst>
           </p:cNvPr>
@@ -37526,7 +37526,7 @@
           <p:cNvPr id="8" name="Title 1">
             <a:extLst>
               <a:ext uri="{FF2B5EF4-FFF2-40B4-BE49-F238E27FC236}">
-                <a16:creationId xmlns:a16="http://schemas.microsoft.com/office/drawing/2014/main" xmlns="" id="{ABF87C9E-53A2-4DE1-89DC-3907BE2E3D3C}"/>
+                <a16:creationId xmlns:a16="http://schemas.microsoft.com/office/drawing/2014/main" id="{ABF87C9E-53A2-4DE1-89DC-3907BE2E3D3C}"/>
               </a:ext>
             </a:extLst>
           </p:cNvPr>
@@ -37566,7 +37566,7 @@
           <p:cNvPr id="9" name="Text Placeholder 2">
             <a:extLst>
               <a:ext uri="{FF2B5EF4-FFF2-40B4-BE49-F238E27FC236}">
-                <a16:creationId xmlns:a16="http://schemas.microsoft.com/office/drawing/2014/main" xmlns="" id="{EB453F8F-AA02-4E0D-93BF-8CF4F1490377}"/>
+                <a16:creationId xmlns:a16="http://schemas.microsoft.com/office/drawing/2014/main" id="{EB453F8F-AA02-4E0D-93BF-8CF4F1490377}"/>
               </a:ext>
             </a:extLst>
           </p:cNvPr>
@@ -37696,7 +37696,7 @@
           <p:cNvPr id="10" name="Picture Placeholder 10">
             <a:extLst>
               <a:ext uri="{FF2B5EF4-FFF2-40B4-BE49-F238E27FC236}">
-                <a16:creationId xmlns:a16="http://schemas.microsoft.com/office/drawing/2014/main" xmlns="" id="{A541F291-2E4B-474E-9ED0-55C97A2A066D}"/>
+                <a16:creationId xmlns:a16="http://schemas.microsoft.com/office/drawing/2014/main" id="{A541F291-2E4B-474E-9ED0-55C97A2A066D}"/>
               </a:ext>
             </a:extLst>
           </p:cNvPr>
@@ -37737,7 +37737,7 @@
           <p:cNvPr id="11" name="Group 10">
             <a:extLst>
               <a:ext uri="{FF2B5EF4-FFF2-40B4-BE49-F238E27FC236}">
-                <a16:creationId xmlns:a16="http://schemas.microsoft.com/office/drawing/2014/main" xmlns="" id="{59E4D57E-4989-4939-A31F-637543FAB606}"/>
+                <a16:creationId xmlns:a16="http://schemas.microsoft.com/office/drawing/2014/main" id="{59E4D57E-4989-4939-A31F-637543FAB606}"/>
               </a:ext>
             </a:extLst>
           </p:cNvPr>
@@ -37757,7 +37757,7 @@
             <p:cNvPr id="12" name="Straight Connector 11">
               <a:extLst>
                 <a:ext uri="{FF2B5EF4-FFF2-40B4-BE49-F238E27FC236}">
-                  <a16:creationId xmlns:a16="http://schemas.microsoft.com/office/drawing/2014/main" xmlns="" id="{370B72A7-B625-48B8-88E6-BCE2A4DD531E}"/>
+                  <a16:creationId xmlns:a16="http://schemas.microsoft.com/office/drawing/2014/main" id="{370B72A7-B625-48B8-88E6-BCE2A4DD531E}"/>
                 </a:ext>
               </a:extLst>
             </p:cNvPr>
@@ -37803,7 +37803,7 @@
             <p:cNvPr id="13" name="Oval 12">
               <a:extLst>
                 <a:ext uri="{FF2B5EF4-FFF2-40B4-BE49-F238E27FC236}">
-                  <a16:creationId xmlns:a16="http://schemas.microsoft.com/office/drawing/2014/main" xmlns="" id="{01ED729F-F8A5-4244-9776-4935C260F11F}"/>
+                  <a16:creationId xmlns:a16="http://schemas.microsoft.com/office/drawing/2014/main" id="{01ED729F-F8A5-4244-9776-4935C260F11F}"/>
                 </a:ext>
               </a:extLst>
             </p:cNvPr>
@@ -37864,7 +37864,7 @@
           <p:cNvPr id="14" name="Text Placeholder 2">
             <a:extLst>
               <a:ext uri="{FF2B5EF4-FFF2-40B4-BE49-F238E27FC236}">
-                <a16:creationId xmlns:a16="http://schemas.microsoft.com/office/drawing/2014/main" xmlns="" id="{BE12A846-0DFC-435B-BAE9-D90C353E0344}"/>
+                <a16:creationId xmlns:a16="http://schemas.microsoft.com/office/drawing/2014/main" id="{BE12A846-0DFC-435B-BAE9-D90C353E0344}"/>
               </a:ext>
             </a:extLst>
           </p:cNvPr>
@@ -37999,7 +37999,7 @@
           <p:cNvPr id="17" name="Straight Connector 16">
             <a:extLst>
               <a:ext uri="{FF2B5EF4-FFF2-40B4-BE49-F238E27FC236}">
-                <a16:creationId xmlns:a16="http://schemas.microsoft.com/office/drawing/2014/main" xmlns="" id="{6150998C-CF95-4C6F-8962-8EB2DB30177D}"/>
+                <a16:creationId xmlns:a16="http://schemas.microsoft.com/office/drawing/2014/main" id="{6150998C-CF95-4C6F-8962-8EB2DB30177D}"/>
               </a:ext>
             </a:extLst>
           </p:cNvPr>
@@ -38043,7 +38043,7 @@
           <p:cNvPr id="18" name="Oval 17">
             <a:extLst>
               <a:ext uri="{FF2B5EF4-FFF2-40B4-BE49-F238E27FC236}">
-                <a16:creationId xmlns:a16="http://schemas.microsoft.com/office/drawing/2014/main" xmlns="" id="{F86A2ACD-8CF5-48A3-A678-E213A809B332}"/>
+                <a16:creationId xmlns:a16="http://schemas.microsoft.com/office/drawing/2014/main" id="{F86A2ACD-8CF5-48A3-A678-E213A809B332}"/>
               </a:ext>
             </a:extLst>
           </p:cNvPr>
@@ -38098,7 +38098,7 @@
           <p:cNvPr id="19" name="Straight Connector 18">
             <a:extLst>
               <a:ext uri="{FF2B5EF4-FFF2-40B4-BE49-F238E27FC236}">
-                <a16:creationId xmlns:a16="http://schemas.microsoft.com/office/drawing/2014/main" xmlns="" id="{F00811BB-0E37-4D70-84A5-97B3FBEDCBE6}"/>
+                <a16:creationId xmlns:a16="http://schemas.microsoft.com/office/drawing/2014/main" id="{F00811BB-0E37-4D70-84A5-97B3FBEDCBE6}"/>
               </a:ext>
             </a:extLst>
           </p:cNvPr>
@@ -38144,7 +38144,7 @@
           <p:cNvPr id="20" name="Oval 19">
             <a:extLst>
               <a:ext uri="{FF2B5EF4-FFF2-40B4-BE49-F238E27FC236}">
-                <a16:creationId xmlns:a16="http://schemas.microsoft.com/office/drawing/2014/main" xmlns="" id="{D03B3046-0457-4D23-8E0C-64E3FCD620BB}"/>
+                <a16:creationId xmlns:a16="http://schemas.microsoft.com/office/drawing/2014/main" id="{D03B3046-0457-4D23-8E0C-64E3FCD620BB}"/>
               </a:ext>
             </a:extLst>
           </p:cNvPr>
@@ -38199,7 +38199,7 @@
           <p:cNvPr id="4" name="Picture Placeholder 3">
             <a:extLst>
               <a:ext uri="{FF2B5EF4-FFF2-40B4-BE49-F238E27FC236}">
-                <a16:creationId xmlns:a16="http://schemas.microsoft.com/office/drawing/2014/main" xmlns="" id="{1EDA47E0-9B2C-45BF-A34A-E7069690AEF4}"/>
+                <a16:creationId xmlns:a16="http://schemas.microsoft.com/office/drawing/2014/main" id="{1EDA47E0-9B2C-45BF-A34A-E7069690AEF4}"/>
               </a:ext>
             </a:extLst>
           </p:cNvPr>
@@ -38240,7 +38240,7 @@
           <p:cNvPr id="22" name="Text Placeholder 2">
             <a:extLst>
               <a:ext uri="{FF2B5EF4-FFF2-40B4-BE49-F238E27FC236}">
-                <a16:creationId xmlns:a16="http://schemas.microsoft.com/office/drawing/2014/main" xmlns="" id="{F2ACDD32-C1AB-4359-B055-2F910492987E}"/>
+                <a16:creationId xmlns:a16="http://schemas.microsoft.com/office/drawing/2014/main" id="{F2ACDD32-C1AB-4359-B055-2F910492987E}"/>
               </a:ext>
             </a:extLst>
           </p:cNvPr>
@@ -38373,7 +38373,7 @@
           <p:cNvPr id="23" name="Text Placeholder 2">
             <a:extLst>
               <a:ext uri="{FF2B5EF4-FFF2-40B4-BE49-F238E27FC236}">
-                <a16:creationId xmlns:a16="http://schemas.microsoft.com/office/drawing/2014/main" xmlns="" id="{C7A796C4-1255-4B26-B034-EFB1284B77EB}"/>
+                <a16:creationId xmlns:a16="http://schemas.microsoft.com/office/drawing/2014/main" id="{C7A796C4-1255-4B26-B034-EFB1284B77EB}"/>
               </a:ext>
             </a:extLst>
           </p:cNvPr>
@@ -38508,7 +38508,7 @@
           <p:cNvPr id="24" name="Picture Placeholder 3">
             <a:extLst>
               <a:ext uri="{FF2B5EF4-FFF2-40B4-BE49-F238E27FC236}">
-                <a16:creationId xmlns:a16="http://schemas.microsoft.com/office/drawing/2014/main" xmlns="" id="{7F406E84-6EA1-4D34-8016-6A41F065FF76}"/>
+                <a16:creationId xmlns:a16="http://schemas.microsoft.com/office/drawing/2014/main" id="{7F406E84-6EA1-4D34-8016-6A41F065FF76}"/>
               </a:ext>
             </a:extLst>
           </p:cNvPr>
@@ -38549,7 +38549,7 @@
           <p:cNvPr id="25" name="Text Placeholder 2">
             <a:extLst>
               <a:ext uri="{FF2B5EF4-FFF2-40B4-BE49-F238E27FC236}">
-                <a16:creationId xmlns:a16="http://schemas.microsoft.com/office/drawing/2014/main" xmlns="" id="{7965133B-076D-4FAD-8D2A-C24FE2619C80}"/>
+                <a16:creationId xmlns:a16="http://schemas.microsoft.com/office/drawing/2014/main" id="{7965133B-076D-4FAD-8D2A-C24FE2619C80}"/>
               </a:ext>
             </a:extLst>
           </p:cNvPr>
@@ -38682,7 +38682,7 @@
           <p:cNvPr id="26" name="Text Placeholder 2">
             <a:extLst>
               <a:ext uri="{FF2B5EF4-FFF2-40B4-BE49-F238E27FC236}">
-                <a16:creationId xmlns:a16="http://schemas.microsoft.com/office/drawing/2014/main" xmlns="" id="{CABE6307-1A20-419D-A352-17FF0286600B}"/>
+                <a16:creationId xmlns:a16="http://schemas.microsoft.com/office/drawing/2014/main" id="{CABE6307-1A20-419D-A352-17FF0286600B}"/>
               </a:ext>
             </a:extLst>
           </p:cNvPr>
@@ -38817,7 +38817,7 @@
           <p:cNvPr id="27" name="Picture Placeholder 3">
             <a:extLst>
               <a:ext uri="{FF2B5EF4-FFF2-40B4-BE49-F238E27FC236}">
-                <a16:creationId xmlns:a16="http://schemas.microsoft.com/office/drawing/2014/main" xmlns="" id="{D2C5C227-18EE-4D6A-AA31-30B8F7CD20AE}"/>
+                <a16:creationId xmlns:a16="http://schemas.microsoft.com/office/drawing/2014/main" id="{D2C5C227-18EE-4D6A-AA31-30B8F7CD20AE}"/>
               </a:ext>
             </a:extLst>
           </p:cNvPr>
@@ -38858,7 +38858,7 @@
           <p:cNvPr id="28" name="Text Placeholder 2">
             <a:extLst>
               <a:ext uri="{FF2B5EF4-FFF2-40B4-BE49-F238E27FC236}">
-                <a16:creationId xmlns:a16="http://schemas.microsoft.com/office/drawing/2014/main" xmlns="" id="{6ABEA821-83E0-4C10-98A8-5F29E246F741}"/>
+                <a16:creationId xmlns:a16="http://schemas.microsoft.com/office/drawing/2014/main" id="{6ABEA821-83E0-4C10-98A8-5F29E246F741}"/>
               </a:ext>
             </a:extLst>
           </p:cNvPr>
@@ -38991,7 +38991,7 @@
           <p:cNvPr id="29" name="Text Placeholder 2">
             <a:extLst>
               <a:ext uri="{FF2B5EF4-FFF2-40B4-BE49-F238E27FC236}">
-                <a16:creationId xmlns:a16="http://schemas.microsoft.com/office/drawing/2014/main" xmlns="" id="{CA1DC741-B44F-4275-A1D5-B8D26A3390B3}"/>
+                <a16:creationId xmlns:a16="http://schemas.microsoft.com/office/drawing/2014/main" id="{CA1DC741-B44F-4275-A1D5-B8D26A3390B3}"/>
               </a:ext>
             </a:extLst>
           </p:cNvPr>
@@ -39126,7 +39126,7 @@
           <p:cNvPr id="30" name="Picture Placeholder 3">
             <a:extLst>
               <a:ext uri="{FF2B5EF4-FFF2-40B4-BE49-F238E27FC236}">
-                <a16:creationId xmlns:a16="http://schemas.microsoft.com/office/drawing/2014/main" xmlns="" id="{C550F6C4-BE33-415F-B0BC-B47EDC1BDACB}"/>
+                <a16:creationId xmlns:a16="http://schemas.microsoft.com/office/drawing/2014/main" id="{C550F6C4-BE33-415F-B0BC-B47EDC1BDACB}"/>
               </a:ext>
             </a:extLst>
           </p:cNvPr>
@@ -39167,7 +39167,7 @@
           <p:cNvPr id="31" name="Text Placeholder 2">
             <a:extLst>
               <a:ext uri="{FF2B5EF4-FFF2-40B4-BE49-F238E27FC236}">
-                <a16:creationId xmlns:a16="http://schemas.microsoft.com/office/drawing/2014/main" xmlns="" id="{4C0830D2-D692-4161-8ECB-338703C94351}"/>
+                <a16:creationId xmlns:a16="http://schemas.microsoft.com/office/drawing/2014/main" id="{4C0830D2-D692-4161-8ECB-338703C94351}"/>
               </a:ext>
             </a:extLst>
           </p:cNvPr>
@@ -39330,7 +39330,7 @@
           <p:cNvPr id="7" name="Rectangle 6">
             <a:extLst>
               <a:ext uri="{FF2B5EF4-FFF2-40B4-BE49-F238E27FC236}">
-                <a16:creationId xmlns:a16="http://schemas.microsoft.com/office/drawing/2014/main" xmlns="" id="{09F1B35C-893A-4033-ADC0-2192AFA29271}"/>
+                <a16:creationId xmlns:a16="http://schemas.microsoft.com/office/drawing/2014/main" id="{09F1B35C-893A-4033-ADC0-2192AFA29271}"/>
               </a:ext>
             </a:extLst>
           </p:cNvPr>
@@ -39397,7 +39397,7 @@
           <p:cNvPr id="2" name="Title 1">
             <a:extLst>
               <a:ext uri="{FF2B5EF4-FFF2-40B4-BE49-F238E27FC236}">
-                <a16:creationId xmlns:a16="http://schemas.microsoft.com/office/drawing/2014/main" xmlns="" id="{CD637DF8-B064-4F36-89F8-EBF538A2E7F2}"/>
+                <a16:creationId xmlns:a16="http://schemas.microsoft.com/office/drawing/2014/main" id="{CD637DF8-B064-4F36-89F8-EBF538A2E7F2}"/>
               </a:ext>
             </a:extLst>
           </p:cNvPr>
@@ -39437,7 +39437,7 @@
           <p:cNvPr id="3" name="Text Placeholder 2">
             <a:extLst>
               <a:ext uri="{FF2B5EF4-FFF2-40B4-BE49-F238E27FC236}">
-                <a16:creationId xmlns:a16="http://schemas.microsoft.com/office/drawing/2014/main" xmlns="" id="{8A72532A-5006-46B7-AE99-3A6891CD0254}"/>
+                <a16:creationId xmlns:a16="http://schemas.microsoft.com/office/drawing/2014/main" id="{8A72532A-5006-46B7-AE99-3A6891CD0254}"/>
               </a:ext>
             </a:extLst>
           </p:cNvPr>
@@ -39567,7 +39567,7 @@
           <p:cNvPr id="4" name="Date Placeholder 3">
             <a:extLst>
               <a:ext uri="{FF2B5EF4-FFF2-40B4-BE49-F238E27FC236}">
-                <a16:creationId xmlns:a16="http://schemas.microsoft.com/office/drawing/2014/main" xmlns="" id="{49EFC6D7-3241-401C-A16A-4A7CC2653954}"/>
+                <a16:creationId xmlns:a16="http://schemas.microsoft.com/office/drawing/2014/main" id="{49EFC6D7-3241-401C-A16A-4A7CC2653954}"/>
               </a:ext>
             </a:extLst>
           </p:cNvPr>
@@ -39596,7 +39596,7 @@
           <p:cNvPr id="5" name="Footer Placeholder 4">
             <a:extLst>
               <a:ext uri="{FF2B5EF4-FFF2-40B4-BE49-F238E27FC236}">
-                <a16:creationId xmlns:a16="http://schemas.microsoft.com/office/drawing/2014/main" xmlns="" id="{F345D6DC-ABA5-4D00-9CD3-92FFDD1FA2DC}"/>
+                <a16:creationId xmlns:a16="http://schemas.microsoft.com/office/drawing/2014/main" id="{F345D6DC-ABA5-4D00-9CD3-92FFDD1FA2DC}"/>
               </a:ext>
             </a:extLst>
           </p:cNvPr>
@@ -39625,7 +39625,7 @@
           <p:cNvPr id="6" name="Slide Number Placeholder 5">
             <a:extLst>
               <a:ext uri="{FF2B5EF4-FFF2-40B4-BE49-F238E27FC236}">
-                <a16:creationId xmlns:a16="http://schemas.microsoft.com/office/drawing/2014/main" xmlns="" id="{92459C86-0106-40E0-AA18-795EC5787677}"/>
+                <a16:creationId xmlns:a16="http://schemas.microsoft.com/office/drawing/2014/main" id="{92459C86-0106-40E0-AA18-795EC5787677}"/>
               </a:ext>
             </a:extLst>
           </p:cNvPr>
@@ -39654,7 +39654,7 @@
           <p:cNvPr id="8" name="Rectangle 7">
             <a:extLst>
               <a:ext uri="{FF2B5EF4-FFF2-40B4-BE49-F238E27FC236}">
-                <a16:creationId xmlns:a16="http://schemas.microsoft.com/office/drawing/2014/main" xmlns="" id="{4ACF4ED1-C6C8-4C5C-8C14-4FF197588C03}"/>
+                <a16:creationId xmlns:a16="http://schemas.microsoft.com/office/drawing/2014/main" id="{4ACF4ED1-C6C8-4C5C-8C14-4FF197588C03}"/>
               </a:ext>
             </a:extLst>
           </p:cNvPr>
@@ -39673,7 +39673,7 @@
             <a:blip r:embed="rId2">
               <a:extLst>
                 <a:ext uri="{96DAC541-7B7A-43D3-8B79-37D633B846F1}">
-                  <asvg:svgBlip xmlns:asvg="http://schemas.microsoft.com/office/drawing/2016/SVG/main" xmlns="" r:embed="rId3"/>
+                  <asvg:svgBlip xmlns:asvg="http://schemas.microsoft.com/office/drawing/2016/SVG/main" r:embed="rId3"/>
                 </a:ext>
               </a:extLst>
             </a:blip>
@@ -39721,7 +39721,7 @@
           <p:cNvPr id="11" name="Picture Placeholder 10">
             <a:extLst>
               <a:ext uri="{FF2B5EF4-FFF2-40B4-BE49-F238E27FC236}">
-                <a16:creationId xmlns:a16="http://schemas.microsoft.com/office/drawing/2014/main" xmlns="" id="{6D14F7B3-A6CF-491C-9855-75B5784CC456}"/>
+                <a16:creationId xmlns:a16="http://schemas.microsoft.com/office/drawing/2014/main" id="{6D14F7B3-A6CF-491C-9855-75B5784CC456}"/>
               </a:ext>
             </a:extLst>
           </p:cNvPr>
@@ -39762,7 +39762,7 @@
           <p:cNvPr id="15" name="Group 14">
             <a:extLst>
               <a:ext uri="{FF2B5EF4-FFF2-40B4-BE49-F238E27FC236}">
-                <a16:creationId xmlns:a16="http://schemas.microsoft.com/office/drawing/2014/main" xmlns="" id="{B7317392-EF87-4050-8BBE-32F74B0CF15A}"/>
+                <a16:creationId xmlns:a16="http://schemas.microsoft.com/office/drawing/2014/main" id="{B7317392-EF87-4050-8BBE-32F74B0CF15A}"/>
               </a:ext>
             </a:extLst>
           </p:cNvPr>
@@ -39782,7 +39782,7 @@
             <p:cNvPr id="13" name="Straight Connector 12">
               <a:extLst>
                 <a:ext uri="{FF2B5EF4-FFF2-40B4-BE49-F238E27FC236}">
-                  <a16:creationId xmlns:a16="http://schemas.microsoft.com/office/drawing/2014/main" xmlns="" id="{785A4134-866D-4143-AC1E-8A2FFDB49855}"/>
+                  <a16:creationId xmlns:a16="http://schemas.microsoft.com/office/drawing/2014/main" id="{785A4134-866D-4143-AC1E-8A2FFDB49855}"/>
                 </a:ext>
               </a:extLst>
             </p:cNvPr>
@@ -39826,7 +39826,7 @@
             <p:cNvPr id="14" name="Oval 13">
               <a:extLst>
                 <a:ext uri="{FF2B5EF4-FFF2-40B4-BE49-F238E27FC236}">
-                  <a16:creationId xmlns:a16="http://schemas.microsoft.com/office/drawing/2014/main" xmlns="" id="{1BBC5D9C-B8FB-455B-9398-36DB21F2765E}"/>
+                  <a16:creationId xmlns:a16="http://schemas.microsoft.com/office/drawing/2014/main" id="{1BBC5D9C-B8FB-455B-9398-36DB21F2765E}"/>
                 </a:ext>
               </a:extLst>
             </p:cNvPr>
@@ -39887,7 +39887,7 @@
           <p:cNvPr id="16" name="Text Placeholder 2">
             <a:extLst>
               <a:ext uri="{FF2B5EF4-FFF2-40B4-BE49-F238E27FC236}">
-                <a16:creationId xmlns:a16="http://schemas.microsoft.com/office/drawing/2014/main" xmlns="" id="{BB522941-5C7D-4701-9AD7-BB4C11C6EBCE}"/>
+                <a16:creationId xmlns:a16="http://schemas.microsoft.com/office/drawing/2014/main" id="{BB522941-5C7D-4701-9AD7-BB4C11C6EBCE}"/>
               </a:ext>
             </a:extLst>
           </p:cNvPr>
@@ -40022,7 +40022,7 @@
           <p:cNvPr id="17" name="Oval 16">
             <a:extLst>
               <a:ext uri="{FF2B5EF4-FFF2-40B4-BE49-F238E27FC236}">
-                <a16:creationId xmlns:a16="http://schemas.microsoft.com/office/drawing/2014/main" xmlns="" id="{72225750-E4CE-4A81-A0C3-4023030D637E}"/>
+                <a16:creationId xmlns:a16="http://schemas.microsoft.com/office/drawing/2014/main" id="{72225750-E4CE-4A81-A0C3-4023030D637E}"/>
               </a:ext>
             </a:extLst>
           </p:cNvPr>
@@ -40077,7 +40077,7 @@
           <p:cNvPr id="18" name="Straight Connector 17">
             <a:extLst>
               <a:ext uri="{FF2B5EF4-FFF2-40B4-BE49-F238E27FC236}">
-                <a16:creationId xmlns:a16="http://schemas.microsoft.com/office/drawing/2014/main" xmlns="" id="{3819C324-07DF-49DB-A08C-0E6155CE3041}"/>
+                <a16:creationId xmlns:a16="http://schemas.microsoft.com/office/drawing/2014/main" id="{3819C324-07DF-49DB-A08C-0E6155CE3041}"/>
               </a:ext>
             </a:extLst>
           </p:cNvPr>
@@ -40121,7 +40121,7 @@
           <p:cNvPr id="19" name="Oval 18">
             <a:extLst>
               <a:ext uri="{FF2B5EF4-FFF2-40B4-BE49-F238E27FC236}">
-                <a16:creationId xmlns:a16="http://schemas.microsoft.com/office/drawing/2014/main" xmlns="" id="{75A34025-44F2-4A09-8629-F1794E9D35AF}"/>
+                <a16:creationId xmlns:a16="http://schemas.microsoft.com/office/drawing/2014/main" id="{75A34025-44F2-4A09-8629-F1794E9D35AF}"/>
               </a:ext>
             </a:extLst>
           </p:cNvPr>
@@ -40176,7 +40176,7 @@
           <p:cNvPr id="20" name="Straight Connector 19">
             <a:extLst>
               <a:ext uri="{FF2B5EF4-FFF2-40B4-BE49-F238E27FC236}">
-                <a16:creationId xmlns:a16="http://schemas.microsoft.com/office/drawing/2014/main" xmlns="" id="{815854A2-EAE9-4B2A-84CF-5A4BD753863A}"/>
+                <a16:creationId xmlns:a16="http://schemas.microsoft.com/office/drawing/2014/main" id="{815854A2-EAE9-4B2A-84CF-5A4BD753863A}"/>
               </a:ext>
             </a:extLst>
           </p:cNvPr>
@@ -40222,7 +40222,7 @@
           <p:cNvPr id="10" name="Picture Placeholder 9">
             <a:extLst>
               <a:ext uri="{FF2B5EF4-FFF2-40B4-BE49-F238E27FC236}">
-                <a16:creationId xmlns:a16="http://schemas.microsoft.com/office/drawing/2014/main" xmlns="" id="{6B8B3AB3-C02D-418C-A9E2-AA65DE78350D}"/>
+                <a16:creationId xmlns:a16="http://schemas.microsoft.com/office/drawing/2014/main" id="{6B8B3AB3-C02D-418C-A9E2-AA65DE78350D}"/>
               </a:ext>
             </a:extLst>
           </p:cNvPr>
@@ -40298,7 +40298,7 @@
           <p:cNvPr id="22" name="Picture Placeholder 7">
             <a:extLst>
               <a:ext uri="{FF2B5EF4-FFF2-40B4-BE49-F238E27FC236}">
-                <a16:creationId xmlns:a16="http://schemas.microsoft.com/office/drawing/2014/main" xmlns="" id="{093DA11F-BC94-447C-B660-9C906BED01B1}"/>
+                <a16:creationId xmlns:a16="http://schemas.microsoft.com/office/drawing/2014/main" id="{093DA11F-BC94-447C-B660-9C906BED01B1}"/>
               </a:ext>
             </a:extLst>
           </p:cNvPr>
@@ -40339,7 +40339,7 @@
           <p:cNvPr id="7" name="Rectangle 6">
             <a:extLst>
               <a:ext uri="{FF2B5EF4-FFF2-40B4-BE49-F238E27FC236}">
-                <a16:creationId xmlns:a16="http://schemas.microsoft.com/office/drawing/2014/main" xmlns="" id="{09F1B35C-893A-4033-ADC0-2192AFA29271}"/>
+                <a16:creationId xmlns:a16="http://schemas.microsoft.com/office/drawing/2014/main" id="{09F1B35C-893A-4033-ADC0-2192AFA29271}"/>
               </a:ext>
             </a:extLst>
           </p:cNvPr>
@@ -40406,7 +40406,7 @@
           <p:cNvPr id="2" name="Title 1">
             <a:extLst>
               <a:ext uri="{FF2B5EF4-FFF2-40B4-BE49-F238E27FC236}">
-                <a16:creationId xmlns:a16="http://schemas.microsoft.com/office/drawing/2014/main" xmlns="" id="{CD637DF8-B064-4F36-89F8-EBF538A2E7F2}"/>
+                <a16:creationId xmlns:a16="http://schemas.microsoft.com/office/drawing/2014/main" id="{CD637DF8-B064-4F36-89F8-EBF538A2E7F2}"/>
               </a:ext>
             </a:extLst>
           </p:cNvPr>
@@ -40446,7 +40446,7 @@
           <p:cNvPr id="3" name="Text Placeholder 2">
             <a:extLst>
               <a:ext uri="{FF2B5EF4-FFF2-40B4-BE49-F238E27FC236}">
-                <a16:creationId xmlns:a16="http://schemas.microsoft.com/office/drawing/2014/main" xmlns="" id="{8A72532A-5006-46B7-AE99-3A6891CD0254}"/>
+                <a16:creationId xmlns:a16="http://schemas.microsoft.com/office/drawing/2014/main" id="{8A72532A-5006-46B7-AE99-3A6891CD0254}"/>
               </a:ext>
             </a:extLst>
           </p:cNvPr>
@@ -40576,7 +40576,7 @@
           <p:cNvPr id="4" name="Date Placeholder 3">
             <a:extLst>
               <a:ext uri="{FF2B5EF4-FFF2-40B4-BE49-F238E27FC236}">
-                <a16:creationId xmlns:a16="http://schemas.microsoft.com/office/drawing/2014/main" xmlns="" id="{49EFC6D7-3241-401C-A16A-4A7CC2653954}"/>
+                <a16:creationId xmlns:a16="http://schemas.microsoft.com/office/drawing/2014/main" id="{49EFC6D7-3241-401C-A16A-4A7CC2653954}"/>
               </a:ext>
             </a:extLst>
           </p:cNvPr>
@@ -40605,7 +40605,7 @@
           <p:cNvPr id="5" name="Footer Placeholder 4">
             <a:extLst>
               <a:ext uri="{FF2B5EF4-FFF2-40B4-BE49-F238E27FC236}">
-                <a16:creationId xmlns:a16="http://schemas.microsoft.com/office/drawing/2014/main" xmlns="" id="{F345D6DC-ABA5-4D00-9CD3-92FFDD1FA2DC}"/>
+                <a16:creationId xmlns:a16="http://schemas.microsoft.com/office/drawing/2014/main" id="{F345D6DC-ABA5-4D00-9CD3-92FFDD1FA2DC}"/>
               </a:ext>
             </a:extLst>
           </p:cNvPr>
@@ -40634,7 +40634,7 @@
           <p:cNvPr id="6" name="Slide Number Placeholder 5">
             <a:extLst>
               <a:ext uri="{FF2B5EF4-FFF2-40B4-BE49-F238E27FC236}">
-                <a16:creationId xmlns:a16="http://schemas.microsoft.com/office/drawing/2014/main" xmlns="" id="{92459C86-0106-40E0-AA18-795EC5787677}"/>
+                <a16:creationId xmlns:a16="http://schemas.microsoft.com/office/drawing/2014/main" id="{92459C86-0106-40E0-AA18-795EC5787677}"/>
               </a:ext>
             </a:extLst>
           </p:cNvPr>
@@ -40663,7 +40663,7 @@
           <p:cNvPr id="11" name="Picture Placeholder 10">
             <a:extLst>
               <a:ext uri="{FF2B5EF4-FFF2-40B4-BE49-F238E27FC236}">
-                <a16:creationId xmlns:a16="http://schemas.microsoft.com/office/drawing/2014/main" xmlns="" id="{6D14F7B3-A6CF-491C-9855-75B5784CC456}"/>
+                <a16:creationId xmlns:a16="http://schemas.microsoft.com/office/drawing/2014/main" id="{6D14F7B3-A6CF-491C-9855-75B5784CC456}"/>
               </a:ext>
             </a:extLst>
           </p:cNvPr>
@@ -40704,7 +40704,7 @@
           <p:cNvPr id="17" name="Oval 16">
             <a:extLst>
               <a:ext uri="{FF2B5EF4-FFF2-40B4-BE49-F238E27FC236}">
-                <a16:creationId xmlns:a16="http://schemas.microsoft.com/office/drawing/2014/main" xmlns="" id="{72225750-E4CE-4A81-A0C3-4023030D637E}"/>
+                <a16:creationId xmlns:a16="http://schemas.microsoft.com/office/drawing/2014/main" id="{72225750-E4CE-4A81-A0C3-4023030D637E}"/>
               </a:ext>
             </a:extLst>
           </p:cNvPr>
@@ -40759,7 +40759,7 @@
           <p:cNvPr id="18" name="Straight Connector 17">
             <a:extLst>
               <a:ext uri="{FF2B5EF4-FFF2-40B4-BE49-F238E27FC236}">
-                <a16:creationId xmlns:a16="http://schemas.microsoft.com/office/drawing/2014/main" xmlns="" id="{3819C324-07DF-49DB-A08C-0E6155CE3041}"/>
+                <a16:creationId xmlns:a16="http://schemas.microsoft.com/office/drawing/2014/main" id="{3819C324-07DF-49DB-A08C-0E6155CE3041}"/>
               </a:ext>
             </a:extLst>
           </p:cNvPr>
@@ -40803,7 +40803,7 @@
           <p:cNvPr id="19" name="Oval 18">
             <a:extLst>
               <a:ext uri="{FF2B5EF4-FFF2-40B4-BE49-F238E27FC236}">
-                <a16:creationId xmlns:a16="http://schemas.microsoft.com/office/drawing/2014/main" xmlns="" id="{75A34025-44F2-4A09-8629-F1794E9D35AF}"/>
+                <a16:creationId xmlns:a16="http://schemas.microsoft.com/office/drawing/2014/main" id="{75A34025-44F2-4A09-8629-F1794E9D35AF}"/>
               </a:ext>
             </a:extLst>
           </p:cNvPr>
@@ -40858,7 +40858,7 @@
           <p:cNvPr id="20" name="Straight Connector 19">
             <a:extLst>
               <a:ext uri="{FF2B5EF4-FFF2-40B4-BE49-F238E27FC236}">
-                <a16:creationId xmlns:a16="http://schemas.microsoft.com/office/drawing/2014/main" xmlns="" id="{815854A2-EAE9-4B2A-84CF-5A4BD753863A}"/>
+                <a16:creationId xmlns:a16="http://schemas.microsoft.com/office/drawing/2014/main" id="{815854A2-EAE9-4B2A-84CF-5A4BD753863A}"/>
               </a:ext>
             </a:extLst>
           </p:cNvPr>
@@ -40904,7 +40904,7 @@
           <p:cNvPr id="9" name="Group 8">
             <a:extLst>
               <a:ext uri="{FF2B5EF4-FFF2-40B4-BE49-F238E27FC236}">
-                <a16:creationId xmlns:a16="http://schemas.microsoft.com/office/drawing/2014/main" xmlns="" id="{78842051-6173-4CC2-8C4A-8AE31FE7BA54}"/>
+                <a16:creationId xmlns:a16="http://schemas.microsoft.com/office/drawing/2014/main" id="{78842051-6173-4CC2-8C4A-8AE31FE7BA54}"/>
               </a:ext>
             </a:extLst>
           </p:cNvPr>
@@ -40924,7 +40924,7 @@
             <p:cNvPr id="15" name="Group 14">
               <a:extLst>
                 <a:ext uri="{FF2B5EF4-FFF2-40B4-BE49-F238E27FC236}">
-                  <a16:creationId xmlns:a16="http://schemas.microsoft.com/office/drawing/2014/main" xmlns="" id="{B7317392-EF87-4050-8BBE-32F74B0CF15A}"/>
+                  <a16:creationId xmlns:a16="http://schemas.microsoft.com/office/drawing/2014/main" id="{B7317392-EF87-4050-8BBE-32F74B0CF15A}"/>
                 </a:ext>
               </a:extLst>
             </p:cNvPr>
@@ -40944,7 +40944,7 @@
               <p:cNvPr id="13" name="Straight Connector 12">
                 <a:extLst>
                   <a:ext uri="{FF2B5EF4-FFF2-40B4-BE49-F238E27FC236}">
-                    <a16:creationId xmlns:a16="http://schemas.microsoft.com/office/drawing/2014/main" xmlns="" id="{785A4134-866D-4143-AC1E-8A2FFDB49855}"/>
+                    <a16:creationId xmlns:a16="http://schemas.microsoft.com/office/drawing/2014/main" id="{785A4134-866D-4143-AC1E-8A2FFDB49855}"/>
                   </a:ext>
                 </a:extLst>
               </p:cNvPr>
@@ -40988,7 +40988,7 @@
               <p:cNvPr id="14" name="Oval 13">
                 <a:extLst>
                   <a:ext uri="{FF2B5EF4-FFF2-40B4-BE49-F238E27FC236}">
-                    <a16:creationId xmlns:a16="http://schemas.microsoft.com/office/drawing/2014/main" xmlns="" id="{1BBC5D9C-B8FB-455B-9398-36DB21F2765E}"/>
+                    <a16:creationId xmlns:a16="http://schemas.microsoft.com/office/drawing/2014/main" id="{1BBC5D9C-B8FB-455B-9398-36DB21F2765E}"/>
                   </a:ext>
                 </a:extLst>
               </p:cNvPr>
@@ -41049,7 +41049,7 @@
             <p:cNvPr id="21" name="Oval 20">
               <a:extLst>
                 <a:ext uri="{FF2B5EF4-FFF2-40B4-BE49-F238E27FC236}">
-                  <a16:creationId xmlns:a16="http://schemas.microsoft.com/office/drawing/2014/main" xmlns="" id="{5D1C3636-C306-4492-8D46-194288459CAF}"/>
+                  <a16:creationId xmlns:a16="http://schemas.microsoft.com/office/drawing/2014/main" id="{5D1C3636-C306-4492-8D46-194288459CAF}"/>
                 </a:ext>
               </a:extLst>
             </p:cNvPr>
@@ -41140,7 +41140,7 @@
           <p:cNvPr id="15" name="Rectangle 14">
             <a:extLst>
               <a:ext uri="{FF2B5EF4-FFF2-40B4-BE49-F238E27FC236}">
-                <a16:creationId xmlns:a16="http://schemas.microsoft.com/office/drawing/2014/main" xmlns="" id="{E8E3FDB8-6D5C-48FE-99EA-7EC60F4D8191}"/>
+                <a16:creationId xmlns:a16="http://schemas.microsoft.com/office/drawing/2014/main" id="{E8E3FDB8-6D5C-48FE-99EA-7EC60F4D8191}"/>
               </a:ext>
             </a:extLst>
           </p:cNvPr>
@@ -41207,7 +41207,7 @@
           <p:cNvPr id="5" name="Date Placeholder 4">
             <a:extLst>
               <a:ext uri="{FF2B5EF4-FFF2-40B4-BE49-F238E27FC236}">
-                <a16:creationId xmlns:a16="http://schemas.microsoft.com/office/drawing/2014/main" xmlns="" id="{2D9775F3-A041-479A-8038-652B7D9C72E9}"/>
+                <a16:creationId xmlns:a16="http://schemas.microsoft.com/office/drawing/2014/main" id="{2D9775F3-A041-479A-8038-652B7D9C72E9}"/>
               </a:ext>
             </a:extLst>
           </p:cNvPr>
@@ -41236,7 +41236,7 @@
           <p:cNvPr id="6" name="Footer Placeholder 5">
             <a:extLst>
               <a:ext uri="{FF2B5EF4-FFF2-40B4-BE49-F238E27FC236}">
-                <a16:creationId xmlns:a16="http://schemas.microsoft.com/office/drawing/2014/main" xmlns="" id="{29BEDD04-BE4E-4B91-B13E-0C4FB3E1658F}"/>
+                <a16:creationId xmlns:a16="http://schemas.microsoft.com/office/drawing/2014/main" id="{29BEDD04-BE4E-4B91-B13E-0C4FB3E1658F}"/>
               </a:ext>
             </a:extLst>
           </p:cNvPr>
@@ -41265,7 +41265,7 @@
           <p:cNvPr id="7" name="Slide Number Placeholder 6">
             <a:extLst>
               <a:ext uri="{FF2B5EF4-FFF2-40B4-BE49-F238E27FC236}">
-                <a16:creationId xmlns:a16="http://schemas.microsoft.com/office/drawing/2014/main" xmlns="" id="{306DF5D8-12DC-494E-B0F1-2E9C86A14544}"/>
+                <a16:creationId xmlns:a16="http://schemas.microsoft.com/office/drawing/2014/main" id="{306DF5D8-12DC-494E-B0F1-2E9C86A14544}"/>
               </a:ext>
             </a:extLst>
           </p:cNvPr>
@@ -41294,7 +41294,7 @@
           <p:cNvPr id="8" name="Title 1">
             <a:extLst>
               <a:ext uri="{FF2B5EF4-FFF2-40B4-BE49-F238E27FC236}">
-                <a16:creationId xmlns:a16="http://schemas.microsoft.com/office/drawing/2014/main" xmlns="" id="{ABF87C9E-53A2-4DE1-89DC-3907BE2E3D3C}"/>
+                <a16:creationId xmlns:a16="http://schemas.microsoft.com/office/drawing/2014/main" id="{ABF87C9E-53A2-4DE1-89DC-3907BE2E3D3C}"/>
               </a:ext>
             </a:extLst>
           </p:cNvPr>
@@ -41334,7 +41334,7 @@
           <p:cNvPr id="9" name="Text Placeholder 2">
             <a:extLst>
               <a:ext uri="{FF2B5EF4-FFF2-40B4-BE49-F238E27FC236}">
-                <a16:creationId xmlns:a16="http://schemas.microsoft.com/office/drawing/2014/main" xmlns="" id="{EB453F8F-AA02-4E0D-93BF-8CF4F1490377}"/>
+                <a16:creationId xmlns:a16="http://schemas.microsoft.com/office/drawing/2014/main" id="{EB453F8F-AA02-4E0D-93BF-8CF4F1490377}"/>
               </a:ext>
             </a:extLst>
           </p:cNvPr>
@@ -41464,7 +41464,7 @@
           <p:cNvPr id="10" name="Picture Placeholder 10">
             <a:extLst>
               <a:ext uri="{FF2B5EF4-FFF2-40B4-BE49-F238E27FC236}">
-                <a16:creationId xmlns:a16="http://schemas.microsoft.com/office/drawing/2014/main" xmlns="" id="{A541F291-2E4B-474E-9ED0-55C97A2A066D}"/>
+                <a16:creationId xmlns:a16="http://schemas.microsoft.com/office/drawing/2014/main" id="{A541F291-2E4B-474E-9ED0-55C97A2A066D}"/>
               </a:ext>
             </a:extLst>
           </p:cNvPr>
@@ -41505,7 +41505,7 @@
           <p:cNvPr id="11" name="Group 10">
             <a:extLst>
               <a:ext uri="{FF2B5EF4-FFF2-40B4-BE49-F238E27FC236}">
-                <a16:creationId xmlns:a16="http://schemas.microsoft.com/office/drawing/2014/main" xmlns="" id="{59E4D57E-4989-4939-A31F-637543FAB606}"/>
+                <a16:creationId xmlns:a16="http://schemas.microsoft.com/office/drawing/2014/main" id="{59E4D57E-4989-4939-A31F-637543FAB606}"/>
               </a:ext>
             </a:extLst>
           </p:cNvPr>
@@ -41525,7 +41525,7 @@
             <p:cNvPr id="12" name="Straight Connector 11">
               <a:extLst>
                 <a:ext uri="{FF2B5EF4-FFF2-40B4-BE49-F238E27FC236}">
-                  <a16:creationId xmlns:a16="http://schemas.microsoft.com/office/drawing/2014/main" xmlns="" id="{370B72A7-B625-48B8-88E6-BCE2A4DD531E}"/>
+                  <a16:creationId xmlns:a16="http://schemas.microsoft.com/office/drawing/2014/main" id="{370B72A7-B625-48B8-88E6-BCE2A4DD531E}"/>
                 </a:ext>
               </a:extLst>
             </p:cNvPr>
@@ -41571,7 +41571,7 @@
             <p:cNvPr id="13" name="Oval 12">
               <a:extLst>
                 <a:ext uri="{FF2B5EF4-FFF2-40B4-BE49-F238E27FC236}">
-                  <a16:creationId xmlns:a16="http://schemas.microsoft.com/office/drawing/2014/main" xmlns="" id="{01ED729F-F8A5-4244-9776-4935C260F11F}"/>
+                  <a16:creationId xmlns:a16="http://schemas.microsoft.com/office/drawing/2014/main" id="{01ED729F-F8A5-4244-9776-4935C260F11F}"/>
                 </a:ext>
               </a:extLst>
             </p:cNvPr>
@@ -41632,7 +41632,7 @@
           <p:cNvPr id="14" name="Text Placeholder 2">
             <a:extLst>
               <a:ext uri="{FF2B5EF4-FFF2-40B4-BE49-F238E27FC236}">
-                <a16:creationId xmlns:a16="http://schemas.microsoft.com/office/drawing/2014/main" xmlns="" id="{BE12A846-0DFC-435B-BAE9-D90C353E0344}"/>
+                <a16:creationId xmlns:a16="http://schemas.microsoft.com/office/drawing/2014/main" id="{BE12A846-0DFC-435B-BAE9-D90C353E0344}"/>
               </a:ext>
             </a:extLst>
           </p:cNvPr>
@@ -41767,7 +41767,7 @@
           <p:cNvPr id="17" name="Straight Connector 16">
             <a:extLst>
               <a:ext uri="{FF2B5EF4-FFF2-40B4-BE49-F238E27FC236}">
-                <a16:creationId xmlns:a16="http://schemas.microsoft.com/office/drawing/2014/main" xmlns="" id="{6150998C-CF95-4C6F-8962-8EB2DB30177D}"/>
+                <a16:creationId xmlns:a16="http://schemas.microsoft.com/office/drawing/2014/main" id="{6150998C-CF95-4C6F-8962-8EB2DB30177D}"/>
               </a:ext>
             </a:extLst>
           </p:cNvPr>
@@ -41811,7 +41811,7 @@
           <p:cNvPr id="18" name="Oval 17">
             <a:extLst>
               <a:ext uri="{FF2B5EF4-FFF2-40B4-BE49-F238E27FC236}">
-                <a16:creationId xmlns:a16="http://schemas.microsoft.com/office/drawing/2014/main" xmlns="" id="{F86A2ACD-8CF5-48A3-A678-E213A809B332}"/>
+                <a16:creationId xmlns:a16="http://schemas.microsoft.com/office/drawing/2014/main" id="{F86A2ACD-8CF5-48A3-A678-E213A809B332}"/>
               </a:ext>
             </a:extLst>
           </p:cNvPr>
@@ -41866,7 +41866,7 @@
           <p:cNvPr id="19" name="Straight Connector 18">
             <a:extLst>
               <a:ext uri="{FF2B5EF4-FFF2-40B4-BE49-F238E27FC236}">
-                <a16:creationId xmlns:a16="http://schemas.microsoft.com/office/drawing/2014/main" xmlns="" id="{F00811BB-0E37-4D70-84A5-97B3FBEDCBE6}"/>
+                <a16:creationId xmlns:a16="http://schemas.microsoft.com/office/drawing/2014/main" id="{F00811BB-0E37-4D70-84A5-97B3FBEDCBE6}"/>
               </a:ext>
             </a:extLst>
           </p:cNvPr>
@@ -41912,7 +41912,7 @@
           <p:cNvPr id="20" name="Oval 19">
             <a:extLst>
               <a:ext uri="{FF2B5EF4-FFF2-40B4-BE49-F238E27FC236}">
-                <a16:creationId xmlns:a16="http://schemas.microsoft.com/office/drawing/2014/main" xmlns="" id="{D03B3046-0457-4D23-8E0C-64E3FCD620BB}"/>
+                <a16:creationId xmlns:a16="http://schemas.microsoft.com/office/drawing/2014/main" id="{D03B3046-0457-4D23-8E0C-64E3FCD620BB}"/>
               </a:ext>
             </a:extLst>
           </p:cNvPr>
@@ -41967,7 +41967,7 @@
           <p:cNvPr id="22" name="Text Placeholder 2">
             <a:extLst>
               <a:ext uri="{FF2B5EF4-FFF2-40B4-BE49-F238E27FC236}">
-                <a16:creationId xmlns:a16="http://schemas.microsoft.com/office/drawing/2014/main" xmlns="" id="{F2ACDD32-C1AB-4359-B055-2F910492987E}"/>
+                <a16:creationId xmlns:a16="http://schemas.microsoft.com/office/drawing/2014/main" id="{F2ACDD32-C1AB-4359-B055-2F910492987E}"/>
               </a:ext>
             </a:extLst>
           </p:cNvPr>
@@ -42100,7 +42100,7 @@
           <p:cNvPr id="16" name="Text Placeholder 15">
             <a:extLst>
               <a:ext uri="{FF2B5EF4-FFF2-40B4-BE49-F238E27FC236}">
-                <a16:creationId xmlns:a16="http://schemas.microsoft.com/office/drawing/2014/main" xmlns="" id="{D0092E26-7A96-4712-98A7-FFDA7C3D7721}"/>
+                <a16:creationId xmlns:a16="http://schemas.microsoft.com/office/drawing/2014/main" id="{D0092E26-7A96-4712-98A7-FFDA7C3D7721}"/>
               </a:ext>
             </a:extLst>
           </p:cNvPr>
@@ -42158,7 +42158,7 @@
           <p:cNvPr id="34" name="Text Placeholder 2">
             <a:extLst>
               <a:ext uri="{FF2B5EF4-FFF2-40B4-BE49-F238E27FC236}">
-                <a16:creationId xmlns:a16="http://schemas.microsoft.com/office/drawing/2014/main" xmlns="" id="{B17B484C-F876-40B2-89DE-FC7A9E54C835}"/>
+                <a16:creationId xmlns:a16="http://schemas.microsoft.com/office/drawing/2014/main" id="{B17B484C-F876-40B2-89DE-FC7A9E54C835}"/>
               </a:ext>
             </a:extLst>
           </p:cNvPr>
@@ -42293,7 +42293,7 @@
           <p:cNvPr id="35" name="Text Placeholder 15">
             <a:extLst>
               <a:ext uri="{FF2B5EF4-FFF2-40B4-BE49-F238E27FC236}">
-                <a16:creationId xmlns:a16="http://schemas.microsoft.com/office/drawing/2014/main" xmlns="" id="{7A54608E-523B-47AC-B8A6-3E8FE9A15847}"/>
+                <a16:creationId xmlns:a16="http://schemas.microsoft.com/office/drawing/2014/main" id="{7A54608E-523B-47AC-B8A6-3E8FE9A15847}"/>
               </a:ext>
             </a:extLst>
           </p:cNvPr>
@@ -42351,7 +42351,7 @@
           <p:cNvPr id="36" name="Text Placeholder 2">
             <a:extLst>
               <a:ext uri="{FF2B5EF4-FFF2-40B4-BE49-F238E27FC236}">
-                <a16:creationId xmlns:a16="http://schemas.microsoft.com/office/drawing/2014/main" xmlns="" id="{99E02476-A734-4A74-BC42-F104B37C8C19}"/>
+                <a16:creationId xmlns:a16="http://schemas.microsoft.com/office/drawing/2014/main" id="{99E02476-A734-4A74-BC42-F104B37C8C19}"/>
               </a:ext>
             </a:extLst>
           </p:cNvPr>
@@ -42484,7 +42484,7 @@
           <p:cNvPr id="37" name="Text Placeholder 2">
             <a:extLst>
               <a:ext uri="{FF2B5EF4-FFF2-40B4-BE49-F238E27FC236}">
-                <a16:creationId xmlns:a16="http://schemas.microsoft.com/office/drawing/2014/main" xmlns="" id="{E0D32F26-CEE2-4420-A43D-B008AE2D1DDC}"/>
+                <a16:creationId xmlns:a16="http://schemas.microsoft.com/office/drawing/2014/main" id="{E0D32F26-CEE2-4420-A43D-B008AE2D1DDC}"/>
               </a:ext>
             </a:extLst>
           </p:cNvPr>
@@ -42619,7 +42619,7 @@
           <p:cNvPr id="38" name="Text Placeholder 15">
             <a:extLst>
               <a:ext uri="{FF2B5EF4-FFF2-40B4-BE49-F238E27FC236}">
-                <a16:creationId xmlns:a16="http://schemas.microsoft.com/office/drawing/2014/main" xmlns="" id="{DBC2890A-FFF7-4606-A262-6D464BA5D997}"/>
+                <a16:creationId xmlns:a16="http://schemas.microsoft.com/office/drawing/2014/main" id="{DBC2890A-FFF7-4606-A262-6D464BA5D997}"/>
               </a:ext>
             </a:extLst>
           </p:cNvPr>
@@ -42677,7 +42677,7 @@
           <p:cNvPr id="39" name="Text Placeholder 2">
             <a:extLst>
               <a:ext uri="{FF2B5EF4-FFF2-40B4-BE49-F238E27FC236}">
-                <a16:creationId xmlns:a16="http://schemas.microsoft.com/office/drawing/2014/main" xmlns="" id="{268E1254-8C59-4B9B-A775-45CA3D655514}"/>
+                <a16:creationId xmlns:a16="http://schemas.microsoft.com/office/drawing/2014/main" id="{268E1254-8C59-4B9B-A775-45CA3D655514}"/>
               </a:ext>
             </a:extLst>
           </p:cNvPr>
@@ -42810,7 +42810,7 @@
           <p:cNvPr id="21" name="Straight Connector 20">
             <a:extLst>
               <a:ext uri="{FF2B5EF4-FFF2-40B4-BE49-F238E27FC236}">
-                <a16:creationId xmlns:a16="http://schemas.microsoft.com/office/drawing/2014/main" xmlns="" id="{8E47DC43-D8A0-4F17-B897-D8B07A6F1B47}"/>
+                <a16:creationId xmlns:a16="http://schemas.microsoft.com/office/drawing/2014/main" id="{8E47DC43-D8A0-4F17-B897-D8B07A6F1B47}"/>
               </a:ext>
             </a:extLst>
           </p:cNvPr>
@@ -42851,7 +42851,7 @@
           <p:cNvPr id="29" name="Straight Connector 28">
             <a:extLst>
               <a:ext uri="{FF2B5EF4-FFF2-40B4-BE49-F238E27FC236}">
-                <a16:creationId xmlns:a16="http://schemas.microsoft.com/office/drawing/2014/main" xmlns="" id="{D201F265-08ED-497A-BE5C-62220829348F}"/>
+                <a16:creationId xmlns:a16="http://schemas.microsoft.com/office/drawing/2014/main" id="{D201F265-08ED-497A-BE5C-62220829348F}"/>
               </a:ext>
             </a:extLst>
           </p:cNvPr>
@@ -42927,7 +42927,7 @@
           <p:cNvPr id="2" name="Title Placeholder 1">
             <a:extLst>
               <a:ext uri="{FF2B5EF4-FFF2-40B4-BE49-F238E27FC236}">
-                <a16:creationId xmlns:a16="http://schemas.microsoft.com/office/drawing/2014/main" xmlns="" id="{6967058B-89E0-4460-AB21-21747CB3A118}"/>
+                <a16:creationId xmlns:a16="http://schemas.microsoft.com/office/drawing/2014/main" id="{6967058B-89E0-4460-AB21-21747CB3A118}"/>
               </a:ext>
             </a:extLst>
           </p:cNvPr>
@@ -42966,7 +42966,7 @@
           <p:cNvPr id="3" name="Text Placeholder 2">
             <a:extLst>
               <a:ext uri="{FF2B5EF4-FFF2-40B4-BE49-F238E27FC236}">
-                <a16:creationId xmlns:a16="http://schemas.microsoft.com/office/drawing/2014/main" xmlns="" id="{7201C5EB-04D6-4050-930C-5F6907528D7A}"/>
+                <a16:creationId xmlns:a16="http://schemas.microsoft.com/office/drawing/2014/main" id="{7201C5EB-04D6-4050-930C-5F6907528D7A}"/>
               </a:ext>
             </a:extLst>
           </p:cNvPr>
@@ -43034,7 +43034,7 @@
           <p:cNvPr id="4" name="Date Placeholder 3">
             <a:extLst>
               <a:ext uri="{FF2B5EF4-FFF2-40B4-BE49-F238E27FC236}">
-                <a16:creationId xmlns:a16="http://schemas.microsoft.com/office/drawing/2014/main" xmlns="" id="{A732220F-109C-4A57-81E9-C6279EDA1374}"/>
+                <a16:creationId xmlns:a16="http://schemas.microsoft.com/office/drawing/2014/main" id="{A732220F-109C-4A57-81E9-C6279EDA1374}"/>
               </a:ext>
             </a:extLst>
           </p:cNvPr>
@@ -43082,7 +43082,7 @@
           <p:cNvPr id="5" name="Footer Placeholder 4">
             <a:extLst>
               <a:ext uri="{FF2B5EF4-FFF2-40B4-BE49-F238E27FC236}">
-                <a16:creationId xmlns:a16="http://schemas.microsoft.com/office/drawing/2014/main" xmlns="" id="{0A25404F-F26F-42E5-BA15-C0373FC1CF2B}"/>
+                <a16:creationId xmlns:a16="http://schemas.microsoft.com/office/drawing/2014/main" id="{0A25404F-F26F-42E5-BA15-C0373FC1CF2B}"/>
               </a:ext>
             </a:extLst>
           </p:cNvPr>
@@ -43130,7 +43130,7 @@
           <p:cNvPr id="6" name="Slide Number Placeholder 5">
             <a:extLst>
               <a:ext uri="{FF2B5EF4-FFF2-40B4-BE49-F238E27FC236}">
-                <a16:creationId xmlns:a16="http://schemas.microsoft.com/office/drawing/2014/main" xmlns="" id="{41725174-FA04-488F-9F0C-3CD1D1483FA9}"/>
+                <a16:creationId xmlns:a16="http://schemas.microsoft.com/office/drawing/2014/main" id="{41725174-FA04-488F-9F0C-3CD1D1483FA9}"/>
               </a:ext>
             </a:extLst>
           </p:cNvPr>
@@ -43176,7 +43176,7 @@
           <p:cNvPr id="7" name="Oval 6">
             <a:extLst>
               <a:ext uri="{FF2B5EF4-FFF2-40B4-BE49-F238E27FC236}">
-                <a16:creationId xmlns:a16="http://schemas.microsoft.com/office/drawing/2014/main" xmlns="" id="{7FEF1588-F385-48F3-800A-554A9423E77A}"/>
+                <a16:creationId xmlns:a16="http://schemas.microsoft.com/office/drawing/2014/main" id="{7FEF1588-F385-48F3-800A-554A9423E77A}"/>
               </a:ext>
             </a:extLst>
           </p:cNvPr>
@@ -43231,7 +43231,7 @@
           <p:cNvPr id="10" name="Straight Connector 9">
             <a:extLst>
               <a:ext uri="{FF2B5EF4-FFF2-40B4-BE49-F238E27FC236}">
-                <a16:creationId xmlns:a16="http://schemas.microsoft.com/office/drawing/2014/main" xmlns="" id="{440B0943-F568-4674-8FA4-B435B1E466AF}"/>
+                <a16:creationId xmlns:a16="http://schemas.microsoft.com/office/drawing/2014/main" id="{440B0943-F568-4674-8FA4-B435B1E466AF}"/>
               </a:ext>
             </a:extLst>
           </p:cNvPr>
@@ -43275,7 +43275,7 @@
           <p:cNvPr id="11" name="Oval 10">
             <a:extLst>
               <a:ext uri="{FF2B5EF4-FFF2-40B4-BE49-F238E27FC236}">
-                <a16:creationId xmlns:a16="http://schemas.microsoft.com/office/drawing/2014/main" xmlns="" id="{62DE7FD5-7941-43A1-8663-42AE40546A4F}"/>
+                <a16:creationId xmlns:a16="http://schemas.microsoft.com/office/drawing/2014/main" id="{62DE7FD5-7941-43A1-8663-42AE40546A4F}"/>
               </a:ext>
             </a:extLst>
           </p:cNvPr>
@@ -43330,7 +43330,7 @@
           <p:cNvPr id="13" name="Straight Connector 12">
             <a:extLst>
               <a:ext uri="{FF2B5EF4-FFF2-40B4-BE49-F238E27FC236}">
-                <a16:creationId xmlns:a16="http://schemas.microsoft.com/office/drawing/2014/main" xmlns="" id="{97791EE5-EF06-4BF8-84C6-EC24114E73F5}"/>
+                <a16:creationId xmlns:a16="http://schemas.microsoft.com/office/drawing/2014/main" id="{97791EE5-EF06-4BF8-84C6-EC24114E73F5}"/>
               </a:ext>
             </a:extLst>
           </p:cNvPr>
@@ -43769,7 +43769,7 @@
           <p:cNvPr id="4" name="Title 3">
             <a:extLst>
               <a:ext uri="{FF2B5EF4-FFF2-40B4-BE49-F238E27FC236}">
-                <a16:creationId xmlns:a16="http://schemas.microsoft.com/office/drawing/2014/main" xmlns="" id="{54F6FF42-70E3-4A7F-B5D8-2928FCB71A74}"/>
+                <a16:creationId xmlns:a16="http://schemas.microsoft.com/office/drawing/2014/main" id="{54F6FF42-70E3-4A7F-B5D8-2928FCB71A74}"/>
               </a:ext>
             </a:extLst>
           </p:cNvPr>
@@ -43805,7 +43805,7 @@
           <p:cNvPr id="7" name="Subtitle 4">
             <a:extLst>
               <a:ext uri="{FF2B5EF4-FFF2-40B4-BE49-F238E27FC236}">
-                <a16:creationId xmlns:a16="http://schemas.microsoft.com/office/drawing/2014/main" xmlns="" id="{D5436797-513B-4F24-8292-8918D22E1E8F}"/>
+                <a16:creationId xmlns:a16="http://schemas.microsoft.com/office/drawing/2014/main" id="{D5436797-513B-4F24-8292-8918D22E1E8F}"/>
               </a:ext>
             </a:extLst>
           </p:cNvPr>
@@ -44035,7 +44035,7 @@
           <p:cNvPr id="2" name="Title 1">
             <a:extLst>
               <a:ext uri="{FF2B5EF4-FFF2-40B4-BE49-F238E27FC236}">
-                <a16:creationId xmlns:a16="http://schemas.microsoft.com/office/drawing/2014/main" xmlns="" id="{9A6E18C9-A34F-49C5-973E-6760D1EF1059}"/>
+                <a16:creationId xmlns:a16="http://schemas.microsoft.com/office/drawing/2014/main" id="{9A6E18C9-A34F-49C5-973E-6760D1EF1059}"/>
               </a:ext>
             </a:extLst>
           </p:cNvPr>
@@ -44064,7 +44064,7 @@
           <p:cNvPr id="22" name="Picture Placeholder 21" descr="Abstract background">
             <a:extLst>
               <a:ext uri="{FF2B5EF4-FFF2-40B4-BE49-F238E27FC236}">
-                <a16:creationId xmlns:a16="http://schemas.microsoft.com/office/drawing/2014/main" xmlns="" id="{0342E5A4-E598-4185-B93F-5814F00C2011}"/>
+                <a16:creationId xmlns:a16="http://schemas.microsoft.com/office/drawing/2014/main" id="{0342E5A4-E598-4185-B93F-5814F00C2011}"/>
               </a:ext>
             </a:extLst>
           </p:cNvPr>
@@ -44095,7 +44095,7 @@
           <p:cNvPr id="6" name="Slide Number Placeholder 5">
             <a:extLst>
               <a:ext uri="{FF2B5EF4-FFF2-40B4-BE49-F238E27FC236}">
-                <a16:creationId xmlns:a16="http://schemas.microsoft.com/office/drawing/2014/main" xmlns="" id="{C35D9EA8-AA17-47B2-A4C4-B60DC7C7DC49}"/>
+                <a16:creationId xmlns:a16="http://schemas.microsoft.com/office/drawing/2014/main" id="{C35D9EA8-AA17-47B2-A4C4-B60DC7C7DC49}"/>
               </a:ext>
             </a:extLst>
           </p:cNvPr>
@@ -44185,7 +44185,7 @@
           <p:cNvPr id="2" name="Title 1">
             <a:extLst>
               <a:ext uri="{FF2B5EF4-FFF2-40B4-BE49-F238E27FC236}">
-                <a16:creationId xmlns:a16="http://schemas.microsoft.com/office/drawing/2014/main" xmlns="" id="{5FD6457C-A61F-46C0-8266-0BBA6BBC7C57}"/>
+                <a16:creationId xmlns:a16="http://schemas.microsoft.com/office/drawing/2014/main" id="{5FD6457C-A61F-46C0-8266-0BBA6BBC7C57}"/>
               </a:ext>
             </a:extLst>
           </p:cNvPr>
@@ -44214,7 +44214,7 @@
           <p:cNvPr id="3" name="Text Placeholder 2">
             <a:extLst>
               <a:ext uri="{FF2B5EF4-FFF2-40B4-BE49-F238E27FC236}">
-                <a16:creationId xmlns:a16="http://schemas.microsoft.com/office/drawing/2014/main" xmlns="" id="{60D16957-8228-4166-804F-C65671955AFC}"/>
+                <a16:creationId xmlns:a16="http://schemas.microsoft.com/office/drawing/2014/main" id="{60D16957-8228-4166-804F-C65671955AFC}"/>
               </a:ext>
             </a:extLst>
           </p:cNvPr>
@@ -44245,7 +44245,7 @@
           <p:cNvPr id="8" name="Text Placeholder 7">
             <a:extLst>
               <a:ext uri="{FF2B5EF4-FFF2-40B4-BE49-F238E27FC236}">
-                <a16:creationId xmlns:a16="http://schemas.microsoft.com/office/drawing/2014/main" xmlns="" id="{0035A84C-449C-4CF8-B16B-6646515E7532}"/>
+                <a16:creationId xmlns:a16="http://schemas.microsoft.com/office/drawing/2014/main" id="{0035A84C-449C-4CF8-B16B-6646515E7532}"/>
               </a:ext>
             </a:extLst>
           </p:cNvPr>
@@ -44274,7 +44274,7 @@
           <p:cNvPr id="13" name="Text Placeholder 12">
             <a:extLst>
               <a:ext uri="{FF2B5EF4-FFF2-40B4-BE49-F238E27FC236}">
-                <a16:creationId xmlns:a16="http://schemas.microsoft.com/office/drawing/2014/main" xmlns="" id="{D62CB705-FC11-48C5-A459-495475D0B55E}"/>
+                <a16:creationId xmlns:a16="http://schemas.microsoft.com/office/drawing/2014/main" id="{D62CB705-FC11-48C5-A459-495475D0B55E}"/>
               </a:ext>
             </a:extLst>
           </p:cNvPr>
@@ -44292,7 +44292,7 @@
           <a:p>
             <a:r>
               <a:rPr lang="en-US" dirty="0"/>
-              <a:t>Feature 1 </a:t>
+              <a:t>Music.py </a:t>
             </a:r>
             <a:endParaRPr lang="ru-RU" dirty="0"/>
           </a:p>
@@ -44303,7 +44303,7 @@
           <p:cNvPr id="12" name="Text Placeholder 11">
             <a:extLst>
               <a:ext uri="{FF2B5EF4-FFF2-40B4-BE49-F238E27FC236}">
-                <a16:creationId xmlns:a16="http://schemas.microsoft.com/office/drawing/2014/main" xmlns="" id="{A1B0D2C5-9B7A-45C5-81F4-9E0E8F13E8FB}"/>
+                <a16:creationId xmlns:a16="http://schemas.microsoft.com/office/drawing/2014/main" id="{A1B0D2C5-9B7A-45C5-81F4-9E0E8F13E8FB}"/>
               </a:ext>
             </a:extLst>
           </p:cNvPr>
@@ -44316,12 +44316,30 @@
         </p:nvSpPr>
         <p:spPr/>
         <p:txBody>
-          <a:bodyPr/>
+          <a:bodyPr>
+            <a:normAutofit fontScale="77500" lnSpcReduction="20000"/>
+          </a:bodyPr>
           <a:lstStyle/>
           <a:p>
             <a:r>
               <a:rPr lang="en-US" dirty="0"/>
-              <a:t>Section 1 Subtitle</a:t>
+              <a:t>Support More 3</a:t>
+            </a:r>
+            <a:r>
+              <a:rPr lang="en-US" baseline="30000" dirty="0"/>
+              <a:t>rd</a:t>
+            </a:r>
+            <a:r>
+              <a:rPr lang="en-US" dirty="0"/>
+              <a:t> </a:t>
+            </a:r>
+            <a:r>
+              <a:rPr lang="en-US" dirty="0" err="1"/>
+              <a:t>plarty</a:t>
+            </a:r>
+            <a:r>
+              <a:rPr lang="en-US" dirty="0"/>
+              <a:t> applications</a:t>
             </a:r>
             <a:endParaRPr lang="ru-RU" dirty="0"/>
           </a:p>
@@ -44332,7 +44350,7 @@
           <p:cNvPr id="11" name="Text Placeholder 10">
             <a:extLst>
               <a:ext uri="{FF2B5EF4-FFF2-40B4-BE49-F238E27FC236}">
-                <a16:creationId xmlns:a16="http://schemas.microsoft.com/office/drawing/2014/main" xmlns="" id="{775CF4E1-948D-4002-A94F-4BA8543DF1C4}"/>
+                <a16:creationId xmlns:a16="http://schemas.microsoft.com/office/drawing/2014/main" id="{775CF4E1-948D-4002-A94F-4BA8543DF1C4}"/>
               </a:ext>
             </a:extLst>
           </p:cNvPr>
@@ -44348,6 +44366,12 @@
           <a:bodyPr/>
           <a:lstStyle/>
           <a:p>
+            <a:r>
+              <a:rPr lang="en-US" dirty="0"/>
+              <a:t>Soundcloud, Spotify</a:t>
+            </a:r>
+          </a:p>
+          <a:p>
             <a:endParaRPr lang="en-US" dirty="0"/>
           </a:p>
         </p:txBody>
@@ -44357,7 +44381,7 @@
           <p:cNvPr id="9" name="Text Placeholder 8">
             <a:extLst>
               <a:ext uri="{FF2B5EF4-FFF2-40B4-BE49-F238E27FC236}">
-                <a16:creationId xmlns:a16="http://schemas.microsoft.com/office/drawing/2014/main" xmlns="" id="{6B1A0A9B-D4E2-459E-998F-4F014D0CE155}"/>
+                <a16:creationId xmlns:a16="http://schemas.microsoft.com/office/drawing/2014/main" id="{6B1A0A9B-D4E2-459E-998F-4F014D0CE155}"/>
               </a:ext>
             </a:extLst>
           </p:cNvPr>
@@ -44386,7 +44410,7 @@
           <p:cNvPr id="16" name="Text Placeholder 15">
             <a:extLst>
               <a:ext uri="{FF2B5EF4-FFF2-40B4-BE49-F238E27FC236}">
-                <a16:creationId xmlns:a16="http://schemas.microsoft.com/office/drawing/2014/main" xmlns="" id="{C4390C17-C4AE-4DB3-8625-333E382D8160}"/>
+                <a16:creationId xmlns:a16="http://schemas.microsoft.com/office/drawing/2014/main" id="{C4390C17-C4AE-4DB3-8625-333E382D8160}"/>
               </a:ext>
             </a:extLst>
           </p:cNvPr>
@@ -44404,7 +44428,7 @@
           <a:p>
             <a:r>
               <a:rPr lang="en-US" dirty="0"/>
-              <a:t>Feature 2</a:t>
+              <a:t>Image.py</a:t>
             </a:r>
             <a:endParaRPr lang="ru-RU" dirty="0"/>
           </a:p>
@@ -44415,7 +44439,7 @@
           <p:cNvPr id="15" name="Text Placeholder 14">
             <a:extLst>
               <a:ext uri="{FF2B5EF4-FFF2-40B4-BE49-F238E27FC236}">
-                <a16:creationId xmlns:a16="http://schemas.microsoft.com/office/drawing/2014/main" xmlns="" id="{727CE960-8379-40F4-AAA5-1C5D97A21A8B}"/>
+                <a16:creationId xmlns:a16="http://schemas.microsoft.com/office/drawing/2014/main" id="{727CE960-8379-40F4-AAA5-1C5D97A21A8B}"/>
               </a:ext>
             </a:extLst>
           </p:cNvPr>
@@ -44444,7 +44468,7 @@
           <p:cNvPr id="14" name="Text Placeholder 13">
             <a:extLst>
               <a:ext uri="{FF2B5EF4-FFF2-40B4-BE49-F238E27FC236}">
-                <a16:creationId xmlns:a16="http://schemas.microsoft.com/office/drawing/2014/main" xmlns="" id="{CD77B647-E767-4BF7-9BBB-4670F75C62E5}"/>
+                <a16:creationId xmlns:a16="http://schemas.microsoft.com/office/drawing/2014/main" id="{CD77B647-E767-4BF7-9BBB-4670F75C62E5}"/>
               </a:ext>
             </a:extLst>
           </p:cNvPr>
@@ -44462,7 +44486,20 @@
           </a:bodyPr>
           <a:lstStyle/>
           <a:p>
-            <a:endParaRPr lang="en-US" dirty="0"/>
+            <a:r>
+              <a:rPr lang="en-US" dirty="0"/>
+              <a:t>Support more image hosting platforms</a:t>
+            </a:r>
+          </a:p>
+          <a:p>
+            <a:r>
+              <a:rPr lang="en-US" dirty="0" err="1"/>
+              <a:t>Giphy</a:t>
+            </a:r>
+            <a:r>
+              <a:rPr lang="en-US" dirty="0"/>
+              <a:t>, </a:t>
+            </a:r>
           </a:p>
         </p:txBody>
       </p:sp>
@@ -44471,7 +44508,7 @@
           <p:cNvPr id="10" name="Text Placeholder 9">
             <a:extLst>
               <a:ext uri="{FF2B5EF4-FFF2-40B4-BE49-F238E27FC236}">
-                <a16:creationId xmlns:a16="http://schemas.microsoft.com/office/drawing/2014/main" xmlns="" id="{67777536-862A-4117-99A6-08D618025F3E}"/>
+                <a16:creationId xmlns:a16="http://schemas.microsoft.com/office/drawing/2014/main" id="{67777536-862A-4117-99A6-08D618025F3E}"/>
               </a:ext>
             </a:extLst>
           </p:cNvPr>
@@ -44500,7 +44537,7 @@
           <p:cNvPr id="19" name="Text Placeholder 18">
             <a:extLst>
               <a:ext uri="{FF2B5EF4-FFF2-40B4-BE49-F238E27FC236}">
-                <a16:creationId xmlns:a16="http://schemas.microsoft.com/office/drawing/2014/main" xmlns="" id="{12F7FE6A-EF99-4A0F-B41B-9EED6BCFB58F}"/>
+                <a16:creationId xmlns:a16="http://schemas.microsoft.com/office/drawing/2014/main" id="{12F7FE6A-EF99-4A0F-B41B-9EED6BCFB58F}"/>
               </a:ext>
             </a:extLst>
           </p:cNvPr>
@@ -44529,7 +44566,7 @@
           <p:cNvPr id="18" name="Text Placeholder 17">
             <a:extLst>
               <a:ext uri="{FF2B5EF4-FFF2-40B4-BE49-F238E27FC236}">
-                <a16:creationId xmlns:a16="http://schemas.microsoft.com/office/drawing/2014/main" xmlns="" id="{8437F6BD-1892-43B0-BD66-91036E5CAAF7}"/>
+                <a16:creationId xmlns:a16="http://schemas.microsoft.com/office/drawing/2014/main" id="{8437F6BD-1892-43B0-BD66-91036E5CAAF7}"/>
               </a:ext>
             </a:extLst>
           </p:cNvPr>
@@ -44558,7 +44595,7 @@
           <p:cNvPr id="17" name="Text Placeholder 16">
             <a:extLst>
               <a:ext uri="{FF2B5EF4-FFF2-40B4-BE49-F238E27FC236}">
-                <a16:creationId xmlns:a16="http://schemas.microsoft.com/office/drawing/2014/main" xmlns="" id="{ED753487-20C4-4668-BE91-11BEE80F5B0C}"/>
+                <a16:creationId xmlns:a16="http://schemas.microsoft.com/office/drawing/2014/main" id="{ED753487-20C4-4668-BE91-11BEE80F5B0C}"/>
               </a:ext>
             </a:extLst>
           </p:cNvPr>
@@ -44590,7 +44627,7 @@
           <p:cNvPr id="6" name="Slide Number Placeholder 5">
             <a:extLst>
               <a:ext uri="{FF2B5EF4-FFF2-40B4-BE49-F238E27FC236}">
-                <a16:creationId xmlns:a16="http://schemas.microsoft.com/office/drawing/2014/main" xmlns="" id="{8277F7BB-ABDC-47FC-A794-3AB13968D04A}"/>
+                <a16:creationId xmlns:a16="http://schemas.microsoft.com/office/drawing/2014/main" id="{8277F7BB-ABDC-47FC-A794-3AB13968D04A}"/>
               </a:ext>
             </a:extLst>
           </p:cNvPr>
@@ -44650,7 +44687,7 @@
           <p:cNvPr id="20" name="Picture Placeholder 19" descr="Abstract background">
             <a:extLst>
               <a:ext uri="{FF2B5EF4-FFF2-40B4-BE49-F238E27FC236}">
-                <a16:creationId xmlns:a16="http://schemas.microsoft.com/office/drawing/2014/main" xmlns="" id="{B9CF847D-0BA8-4D40-B95D-DAC8A415A56D}"/>
+                <a16:creationId xmlns:a16="http://schemas.microsoft.com/office/drawing/2014/main" id="{B9CF847D-0BA8-4D40-B95D-DAC8A415A56D}"/>
               </a:ext>
             </a:extLst>
           </p:cNvPr>
@@ -44681,7 +44718,7 @@
           <p:cNvPr id="5" name="Title 4">
             <a:extLst>
               <a:ext uri="{FF2B5EF4-FFF2-40B4-BE49-F238E27FC236}">
-                <a16:creationId xmlns:a16="http://schemas.microsoft.com/office/drawing/2014/main" xmlns="" id="{953F70E9-6111-446A-BD49-B6A996FA030D}"/>
+                <a16:creationId xmlns:a16="http://schemas.microsoft.com/office/drawing/2014/main" id="{953F70E9-6111-446A-BD49-B6A996FA030D}"/>
               </a:ext>
             </a:extLst>
           </p:cNvPr>
@@ -44710,7 +44747,7 @@
           <p:cNvPr id="6" name="Text Placeholder 5">
             <a:extLst>
               <a:ext uri="{FF2B5EF4-FFF2-40B4-BE49-F238E27FC236}">
-                <a16:creationId xmlns:a16="http://schemas.microsoft.com/office/drawing/2014/main" xmlns="" id="{33221DE2-465E-4B89-BDBB-17EC727932B0}"/>
+                <a16:creationId xmlns:a16="http://schemas.microsoft.com/office/drawing/2014/main" id="{33221DE2-465E-4B89-BDBB-17EC727932B0}"/>
               </a:ext>
             </a:extLst>
           </p:cNvPr>
@@ -44738,7 +44775,7 @@
           <p:cNvPr id="8" name="Text Placeholder 7">
             <a:extLst>
               <a:ext uri="{FF2B5EF4-FFF2-40B4-BE49-F238E27FC236}">
-                <a16:creationId xmlns:a16="http://schemas.microsoft.com/office/drawing/2014/main" xmlns="" id="{7F9E6494-1485-4A3D-8CD3-31B5FAC16899}"/>
+                <a16:creationId xmlns:a16="http://schemas.microsoft.com/office/drawing/2014/main" id="{7F9E6494-1485-4A3D-8CD3-31B5FAC16899}"/>
               </a:ext>
             </a:extLst>
           </p:cNvPr>
@@ -44767,7 +44804,7 @@
           <p:cNvPr id="4" name="Slide Number Placeholder 3">
             <a:extLst>
               <a:ext uri="{FF2B5EF4-FFF2-40B4-BE49-F238E27FC236}">
-                <a16:creationId xmlns:a16="http://schemas.microsoft.com/office/drawing/2014/main" xmlns="" id="{F9EB9F42-DBAC-4200-A2A6-96F4D943EB76}"/>
+                <a16:creationId xmlns:a16="http://schemas.microsoft.com/office/drawing/2014/main" id="{F9EB9F42-DBAC-4200-A2A6-96F4D943EB76}"/>
               </a:ext>
             </a:extLst>
           </p:cNvPr>
@@ -44827,7 +44864,7 @@
           <p:cNvPr id="6" name="Title 5">
             <a:extLst>
               <a:ext uri="{FF2B5EF4-FFF2-40B4-BE49-F238E27FC236}">
-                <a16:creationId xmlns:a16="http://schemas.microsoft.com/office/drawing/2014/main" xmlns="" id="{D2F9A33A-E955-4DFB-9469-3FDBA6703985}"/>
+                <a16:creationId xmlns:a16="http://schemas.microsoft.com/office/drawing/2014/main" id="{D2F9A33A-E955-4DFB-9469-3FDBA6703985}"/>
               </a:ext>
             </a:extLst>
           </p:cNvPr>
@@ -44856,7 +44893,7 @@
           <p:cNvPr id="15" name="Picture Placeholder 14" descr="Abstract background">
             <a:extLst>
               <a:ext uri="{FF2B5EF4-FFF2-40B4-BE49-F238E27FC236}">
-                <a16:creationId xmlns:a16="http://schemas.microsoft.com/office/drawing/2014/main" xmlns="" id="{72AD0CC3-F8DE-4C10-916A-24BC65B1D283}"/>
+                <a16:creationId xmlns:a16="http://schemas.microsoft.com/office/drawing/2014/main" id="{72AD0CC3-F8DE-4C10-916A-24BC65B1D283}"/>
               </a:ext>
             </a:extLst>
           </p:cNvPr>
@@ -44917,7 +44954,7 @@
           <p:cNvPr id="6" name="Title 5">
             <a:extLst>
               <a:ext uri="{FF2B5EF4-FFF2-40B4-BE49-F238E27FC236}">
-                <a16:creationId xmlns:a16="http://schemas.microsoft.com/office/drawing/2014/main" xmlns="" id="{DBCAB2DE-EF98-46F8-A621-2E1A6624F138}"/>
+                <a16:creationId xmlns:a16="http://schemas.microsoft.com/office/drawing/2014/main" id="{DBCAB2DE-EF98-46F8-A621-2E1A6624F138}"/>
               </a:ext>
             </a:extLst>
           </p:cNvPr>
@@ -44946,7 +44983,7 @@
           <p:cNvPr id="11" name="Picture Placeholder 10" descr="Abstract background">
             <a:extLst>
               <a:ext uri="{FF2B5EF4-FFF2-40B4-BE49-F238E27FC236}">
-                <a16:creationId xmlns:a16="http://schemas.microsoft.com/office/drawing/2014/main" xmlns="" id="{FBF9093D-0565-48ED-AA9F-AE0E34947179}"/>
+                <a16:creationId xmlns:a16="http://schemas.microsoft.com/office/drawing/2014/main" id="{FBF9093D-0565-48ED-AA9F-AE0E34947179}"/>
               </a:ext>
             </a:extLst>
           </p:cNvPr>
@@ -44982,7 +45019,7 @@
           <p:cNvPr id="5" name="Slide Number Placeholder 4">
             <a:extLst>
               <a:ext uri="{FF2B5EF4-FFF2-40B4-BE49-F238E27FC236}">
-                <a16:creationId xmlns:a16="http://schemas.microsoft.com/office/drawing/2014/main" xmlns="" id="{5C57986C-983F-481D-81FB-E03E9127DF12}"/>
+                <a16:creationId xmlns:a16="http://schemas.microsoft.com/office/drawing/2014/main" id="{5C57986C-983F-481D-81FB-E03E9127DF12}"/>
               </a:ext>
             </a:extLst>
           </p:cNvPr>
@@ -45011,7 +45048,7 @@
           <p:cNvPr id="10" name="Text Placeholder 7">
             <a:extLst>
               <a:ext uri="{FF2B5EF4-FFF2-40B4-BE49-F238E27FC236}">
-                <a16:creationId xmlns:a16="http://schemas.microsoft.com/office/drawing/2014/main" xmlns="" id="{0A589E81-9BFF-4343-8B7A-17A3C18E0A51}"/>
+                <a16:creationId xmlns:a16="http://schemas.microsoft.com/office/drawing/2014/main" id="{0A589E81-9BFF-4343-8B7A-17A3C18E0A51}"/>
               </a:ext>
             </a:extLst>
           </p:cNvPr>
@@ -45240,7 +45277,7 @@
           <p:cNvPr id="12" name="Picture Placeholder 11" descr="Abstract background&#10;">
             <a:extLst>
               <a:ext uri="{FF2B5EF4-FFF2-40B4-BE49-F238E27FC236}">
-                <a16:creationId xmlns:a16="http://schemas.microsoft.com/office/drawing/2014/main" xmlns="" id="{403E5740-1FF0-42AF-A459-70BE0BD24FDC}"/>
+                <a16:creationId xmlns:a16="http://schemas.microsoft.com/office/drawing/2014/main" id="{403E5740-1FF0-42AF-A459-70BE0BD24FDC}"/>
               </a:ext>
             </a:extLst>
           </p:cNvPr>
@@ -45269,7 +45306,7 @@
           <p:cNvPr id="2" name="Title 1">
             <a:extLst>
               <a:ext uri="{FF2B5EF4-FFF2-40B4-BE49-F238E27FC236}">
-                <a16:creationId xmlns:a16="http://schemas.microsoft.com/office/drawing/2014/main" xmlns="" id="{EA4B7241-C2B7-4F61-A69C-236E16A5F62F}"/>
+                <a16:creationId xmlns:a16="http://schemas.microsoft.com/office/drawing/2014/main" id="{EA4B7241-C2B7-4F61-A69C-236E16A5F62F}"/>
               </a:ext>
             </a:extLst>
           </p:cNvPr>
@@ -45305,7 +45342,7 @@
           <p:cNvPr id="3" name="Subtitle 2">
             <a:extLst>
               <a:ext uri="{FF2B5EF4-FFF2-40B4-BE49-F238E27FC236}">
-                <a16:creationId xmlns:a16="http://schemas.microsoft.com/office/drawing/2014/main" xmlns="" id="{FDFD3B61-D7B5-4C7A-80FB-02A3436F88E1}"/>
+                <a16:creationId xmlns:a16="http://schemas.microsoft.com/office/drawing/2014/main" id="{FDFD3B61-D7B5-4C7A-80FB-02A3436F88E1}"/>
               </a:ext>
             </a:extLst>
           </p:cNvPr>
@@ -45387,7 +45424,7 @@
           <p:cNvPr id="2" name="Title 1">
             <a:extLst>
               <a:ext uri="{FF2B5EF4-FFF2-40B4-BE49-F238E27FC236}">
-                <a16:creationId xmlns:a16="http://schemas.microsoft.com/office/drawing/2014/main" xmlns="" id="{BD4B26A0-76B0-4D92-8A3B-F4FB7FCBBD52}"/>
+                <a16:creationId xmlns:a16="http://schemas.microsoft.com/office/drawing/2014/main" id="{BD4B26A0-76B0-4D92-8A3B-F4FB7FCBBD52}"/>
               </a:ext>
             </a:extLst>
           </p:cNvPr>
@@ -45416,7 +45453,7 @@
           <p:cNvPr id="3" name="Text Placeholder 2">
             <a:extLst>
               <a:ext uri="{FF2B5EF4-FFF2-40B4-BE49-F238E27FC236}">
-                <a16:creationId xmlns:a16="http://schemas.microsoft.com/office/drawing/2014/main" xmlns="" id="{A50184F8-7D3E-4F39-85DA-53F65AF618F6}"/>
+                <a16:creationId xmlns:a16="http://schemas.microsoft.com/office/drawing/2014/main" id="{A50184F8-7D3E-4F39-85DA-53F65AF618F6}"/>
               </a:ext>
             </a:extLst>
           </p:cNvPr>
@@ -45452,7 +45489,7 @@
           <p:cNvPr id="5" name="Text Placeholder 4">
             <a:extLst>
               <a:ext uri="{FF2B5EF4-FFF2-40B4-BE49-F238E27FC236}">
-                <a16:creationId xmlns:a16="http://schemas.microsoft.com/office/drawing/2014/main" xmlns="" id="{C7BC30F8-1890-4494-869A-DCD11E9F5FF4}"/>
+                <a16:creationId xmlns:a16="http://schemas.microsoft.com/office/drawing/2014/main" id="{C7BC30F8-1890-4494-869A-DCD11E9F5FF4}"/>
               </a:ext>
             </a:extLst>
           </p:cNvPr>
@@ -45481,23 +45518,7 @@
                   <a:schemeClr val="bg2"/>
                 </a:solidFill>
               </a:rPr>
-              <a:t>Discord is a </a:t>
-            </a:r>
-            <a:r>
-              <a:rPr lang="en-US" sz="1600" dirty="0" smtClean="0">
-                <a:solidFill>
-                  <a:schemeClr val="bg2"/>
-                </a:solidFill>
-              </a:rPr>
-              <a:t>VoIP proprietary </a:t>
-            </a:r>
-            <a:r>
-              <a:rPr lang="en-US" sz="1600" dirty="0">
-                <a:solidFill>
-                  <a:schemeClr val="bg2"/>
-                </a:solidFill>
-              </a:rPr>
-              <a:t>freeware designed for video gaming communities that specializes in text, image, video, and audio communication. </a:t>
+              <a:t>Discord is a VoIP proprietary freeware designed for video gaming communities that specializes in text, image, video, and audio communication. </a:t>
             </a:r>
           </a:p>
           <a:p>
@@ -45530,7 +45551,7 @@
           <p:cNvPr id="20" name="Picture Placeholder 19" descr="Abstract background">
             <a:extLst>
               <a:ext uri="{FF2B5EF4-FFF2-40B4-BE49-F238E27FC236}">
-                <a16:creationId xmlns:a16="http://schemas.microsoft.com/office/drawing/2014/main" xmlns="" id="{61169563-0C6E-483D-91B6-7AB8952A8FAF}"/>
+                <a16:creationId xmlns:a16="http://schemas.microsoft.com/office/drawing/2014/main" id="{61169563-0C6E-483D-91B6-7AB8952A8FAF}"/>
               </a:ext>
             </a:extLst>
           </p:cNvPr>
@@ -45559,7 +45580,7 @@
           <p:cNvPr id="8" name="Slide Number Placeholder 7">
             <a:extLst>
               <a:ext uri="{FF2B5EF4-FFF2-40B4-BE49-F238E27FC236}">
-                <a16:creationId xmlns:a16="http://schemas.microsoft.com/office/drawing/2014/main" xmlns="" id="{FE91C663-2D66-4255-91B4-906F720EB8BA}"/>
+                <a16:creationId xmlns:a16="http://schemas.microsoft.com/office/drawing/2014/main" id="{FE91C663-2D66-4255-91B4-906F720EB8BA}"/>
               </a:ext>
             </a:extLst>
           </p:cNvPr>
@@ -45589,7 +45610,7 @@
           <p:cNvPr id="12" name="Picture 11">
             <a:extLst>
               <a:ext uri="{FF2B5EF4-FFF2-40B4-BE49-F238E27FC236}">
-                <a16:creationId xmlns:a16="http://schemas.microsoft.com/office/drawing/2014/main" xmlns="" id="{74397055-6771-4AB0-8592-F8A0ECE9AE10}"/>
+                <a16:creationId xmlns:a16="http://schemas.microsoft.com/office/drawing/2014/main" id="{74397055-6771-4AB0-8592-F8A0ECE9AE10}"/>
               </a:ext>
             </a:extLst>
           </p:cNvPr>
@@ -45649,7 +45670,7 @@
           <p:cNvPr id="20" name="Picture Placeholder 19" descr="Abstract background&#10;">
             <a:extLst>
               <a:ext uri="{FF2B5EF4-FFF2-40B4-BE49-F238E27FC236}">
-                <a16:creationId xmlns:a16="http://schemas.microsoft.com/office/drawing/2014/main" xmlns="" id="{3330B498-1497-4DA8-99F4-8F8159B24FF9}"/>
+                <a16:creationId xmlns:a16="http://schemas.microsoft.com/office/drawing/2014/main" id="{3330B498-1497-4DA8-99F4-8F8159B24FF9}"/>
               </a:ext>
             </a:extLst>
           </p:cNvPr>
@@ -45680,7 +45701,7 @@
           <p:cNvPr id="5" name="Title 4">
             <a:extLst>
               <a:ext uri="{FF2B5EF4-FFF2-40B4-BE49-F238E27FC236}">
-                <a16:creationId xmlns:a16="http://schemas.microsoft.com/office/drawing/2014/main" xmlns="" id="{FF93F71D-1663-42FA-A91E-FA23F03F0287}"/>
+                <a16:creationId xmlns:a16="http://schemas.microsoft.com/office/drawing/2014/main" id="{FF93F71D-1663-42FA-A91E-FA23F03F0287}"/>
               </a:ext>
             </a:extLst>
           </p:cNvPr>
@@ -45709,7 +45730,7 @@
           <p:cNvPr id="6" name="Text Placeholder 5">
             <a:extLst>
               <a:ext uri="{FF2B5EF4-FFF2-40B4-BE49-F238E27FC236}">
-                <a16:creationId xmlns:a16="http://schemas.microsoft.com/office/drawing/2014/main" xmlns="" id="{F62CA978-7F10-45ED-A5E7-73BCC796D219}"/>
+                <a16:creationId xmlns:a16="http://schemas.microsoft.com/office/drawing/2014/main" id="{F62CA978-7F10-45ED-A5E7-73BCC796D219}"/>
               </a:ext>
             </a:extLst>
           </p:cNvPr>
@@ -45740,7 +45761,7 @@
           <p:cNvPr id="8" name="Text Placeholder 7">
             <a:extLst>
               <a:ext uri="{FF2B5EF4-FFF2-40B4-BE49-F238E27FC236}">
-                <a16:creationId xmlns:a16="http://schemas.microsoft.com/office/drawing/2014/main" xmlns="" id="{1C19D996-1EAD-4EC5-92CC-5A60F9A9E91F}"/>
+                <a16:creationId xmlns:a16="http://schemas.microsoft.com/office/drawing/2014/main" id="{1C19D996-1EAD-4EC5-92CC-5A60F9A9E91F}"/>
               </a:ext>
             </a:extLst>
           </p:cNvPr>
@@ -45757,23 +45778,21 @@
           <a:lstStyle/>
           <a:p>
             <a:r>
-              <a:rPr lang="en-US" dirty="0" smtClean="0"/>
+              <a:rPr lang="en-US" dirty="0"/>
               <a:t>Allows people to communicate on an online server</a:t>
             </a:r>
           </a:p>
           <a:p>
             <a:r>
-              <a:rPr lang="en-US" dirty="0" smtClean="0"/>
+              <a:rPr lang="en-US" dirty="0"/>
               <a:t>Real-time talk and text</a:t>
             </a:r>
-            <a:endParaRPr lang="en-US" dirty="0" smtClean="0"/>
-          </a:p>
-          <a:p>
-            <a:r>
-              <a:rPr lang="en-US" dirty="0" smtClean="0"/>
+          </a:p>
+          <a:p>
+            <a:r>
+              <a:rPr lang="en-US" dirty="0"/>
               <a:t>Servers have channels (Rooms)</a:t>
             </a:r>
-            <a:endParaRPr lang="en-US" dirty="0"/>
           </a:p>
           <a:p>
             <a:r>
@@ -45797,7 +45816,7 @@
           <p:cNvPr id="4" name="Slide Number Placeholder 3">
             <a:extLst>
               <a:ext uri="{FF2B5EF4-FFF2-40B4-BE49-F238E27FC236}">
-                <a16:creationId xmlns:a16="http://schemas.microsoft.com/office/drawing/2014/main" xmlns="" id="{494C7D40-6709-40D4-B0FB-9D6311AF439F}"/>
+                <a16:creationId xmlns:a16="http://schemas.microsoft.com/office/drawing/2014/main" id="{494C7D40-6709-40D4-B0FB-9D6311AF439F}"/>
               </a:ext>
             </a:extLst>
           </p:cNvPr>
@@ -45827,7 +45846,7 @@
           <p:cNvPr id="9" name="Picture 8">
             <a:extLst>
               <a:ext uri="{FF2B5EF4-FFF2-40B4-BE49-F238E27FC236}">
-                <a16:creationId xmlns:a16="http://schemas.microsoft.com/office/drawing/2014/main" xmlns="" id="{11A653E7-F2BD-4862-BCA0-BFF327BA997D}"/>
+                <a16:creationId xmlns:a16="http://schemas.microsoft.com/office/drawing/2014/main" id="{11A653E7-F2BD-4862-BCA0-BFF327BA997D}"/>
               </a:ext>
             </a:extLst>
           </p:cNvPr>
@@ -45923,10 +45942,9 @@
           <a:lstStyle/>
           <a:p>
             <a:r>
-              <a:rPr lang="en-CA" dirty="0" smtClean="0"/>
+              <a:rPr lang="en-CA" dirty="0"/>
               <a:t>Our Product – RDB V2</a:t>
             </a:r>
-            <a:endParaRPr lang="en-CA" dirty="0"/>
           </a:p>
         </p:txBody>
       </p:sp>
@@ -45946,10 +45964,9 @@
           <a:lstStyle/>
           <a:p>
             <a:r>
-              <a:rPr lang="en-CA" dirty="0" smtClean="0"/>
+              <a:rPr lang="en-CA" dirty="0"/>
               <a:t>Discord Chat Bot</a:t>
             </a:r>
-            <a:endParaRPr lang="en-CA" dirty="0"/>
           </a:p>
         </p:txBody>
       </p:sp>
@@ -45969,19 +45986,19 @@
           <a:lstStyle/>
           <a:p>
             <a:r>
-              <a:rPr lang="en-CA" dirty="0" smtClean="0"/>
+              <a:rPr lang="en-CA" dirty="0"/>
               <a:t>Regulate and moderate general members</a:t>
             </a:r>
           </a:p>
           <a:p>
             <a:r>
-              <a:rPr lang="en-CA" dirty="0" smtClean="0"/>
+              <a:rPr lang="en-CA" dirty="0"/>
               <a:t>Help administration team manage community</a:t>
             </a:r>
           </a:p>
           <a:p>
             <a:r>
-              <a:rPr lang="en-CA" dirty="0" smtClean="0"/>
+              <a:rPr lang="en-CA" dirty="0"/>
               <a:t>Provide tools to improve community quality of life</a:t>
             </a:r>
           </a:p>
@@ -45992,7 +46009,7 @@
             </a:r>
           </a:p>
           <a:p>
-            <a:endParaRPr lang="en-CA" dirty="0" smtClean="0"/>
+            <a:endParaRPr lang="en-CA" dirty="0"/>
           </a:p>
         </p:txBody>
       </p:sp>
@@ -46055,7 +46072,7 @@
           <p:cNvPr id="5" name="Title 4">
             <a:extLst>
               <a:ext uri="{FF2B5EF4-FFF2-40B4-BE49-F238E27FC236}">
-                <a16:creationId xmlns:a16="http://schemas.microsoft.com/office/drawing/2014/main" xmlns="" id="{9FFA9230-37E2-4CEB-A3E5-B704CE27367E}"/>
+                <a16:creationId xmlns:a16="http://schemas.microsoft.com/office/drawing/2014/main" id="{9FFA9230-37E2-4CEB-A3E5-B704CE27367E}"/>
               </a:ext>
             </a:extLst>
           </p:cNvPr>
@@ -46084,7 +46101,7 @@
           <p:cNvPr id="6" name="Text Placeholder 5">
             <a:extLst>
               <a:ext uri="{FF2B5EF4-FFF2-40B4-BE49-F238E27FC236}">
-                <a16:creationId xmlns:a16="http://schemas.microsoft.com/office/drawing/2014/main" xmlns="" id="{04CE41FD-E209-4A5A-A2E8-544E35CFA6C5}"/>
+                <a16:creationId xmlns:a16="http://schemas.microsoft.com/office/drawing/2014/main" id="{04CE41FD-E209-4A5A-A2E8-544E35CFA6C5}"/>
               </a:ext>
             </a:extLst>
           </p:cNvPr>
@@ -46113,7 +46130,7 @@
           <p:cNvPr id="10" name="Text Placeholder 9">
             <a:extLst>
               <a:ext uri="{FF2B5EF4-FFF2-40B4-BE49-F238E27FC236}">
-                <a16:creationId xmlns:a16="http://schemas.microsoft.com/office/drawing/2014/main" xmlns="" id="{89BE0DA3-3A03-418B-B7CF-0D4107499B9C}"/>
+                <a16:creationId xmlns:a16="http://schemas.microsoft.com/office/drawing/2014/main" id="{89BE0DA3-3A03-418B-B7CF-0D4107499B9C}"/>
               </a:ext>
             </a:extLst>
           </p:cNvPr>
@@ -46142,7 +46159,7 @@
           <p:cNvPr id="9" name="Text Placeholder 8">
             <a:extLst>
               <a:ext uri="{FF2B5EF4-FFF2-40B4-BE49-F238E27FC236}">
-                <a16:creationId xmlns:a16="http://schemas.microsoft.com/office/drawing/2014/main" xmlns="" id="{4E74A44B-1AAF-44D0-A426-104890F03E29}"/>
+                <a16:creationId xmlns:a16="http://schemas.microsoft.com/office/drawing/2014/main" id="{4E74A44B-1AAF-44D0-A426-104890F03E29}"/>
               </a:ext>
             </a:extLst>
           </p:cNvPr>
@@ -46159,7 +46176,7 @@
           <a:lstStyle/>
           <a:p>
             <a:r>
-              <a:rPr lang="en-US" dirty="0" smtClean="0"/>
+              <a:rPr lang="en-US" dirty="0"/>
               <a:t>Music.py</a:t>
             </a:r>
             <a:endParaRPr lang="ru-RU" dirty="0"/>
@@ -46171,7 +46188,7 @@
           <p:cNvPr id="8" name="Text Placeholder 7">
             <a:extLst>
               <a:ext uri="{FF2B5EF4-FFF2-40B4-BE49-F238E27FC236}">
-                <a16:creationId xmlns:a16="http://schemas.microsoft.com/office/drawing/2014/main" xmlns="" id="{D5450AF9-6A8E-4054-A832-F7BF5DA0E16C}"/>
+                <a16:creationId xmlns:a16="http://schemas.microsoft.com/office/drawing/2014/main" id="{D5450AF9-6A8E-4054-A832-F7BF5DA0E16C}"/>
               </a:ext>
             </a:extLst>
           </p:cNvPr>
@@ -46191,13 +46208,8 @@
           <a:p>
             <a:r>
               <a:rPr lang="en-CA" dirty="0"/>
-              <a:t>Built-in music </a:t>
-            </a:r>
-            <a:r>
-              <a:rPr lang="en-CA" dirty="0" smtClean="0"/>
-              <a:t>player to share in channels</a:t>
-            </a:r>
-            <a:endParaRPr lang="en-CA" dirty="0"/>
+              <a:t>Built-in music player to share in channels</a:t>
+            </a:r>
           </a:p>
         </p:txBody>
       </p:sp>
@@ -46206,7 +46218,7 @@
           <p:cNvPr id="12" name="Text Placeholder 11">
             <a:extLst>
               <a:ext uri="{FF2B5EF4-FFF2-40B4-BE49-F238E27FC236}">
-                <a16:creationId xmlns:a16="http://schemas.microsoft.com/office/drawing/2014/main" xmlns="" id="{CC46A248-3DD2-4083-A410-269D3C38BC7D}"/>
+                <a16:creationId xmlns:a16="http://schemas.microsoft.com/office/drawing/2014/main" id="{CC46A248-3DD2-4083-A410-269D3C38BC7D}"/>
               </a:ext>
             </a:extLst>
           </p:cNvPr>
@@ -46235,7 +46247,7 @@
           <p:cNvPr id="13" name="Text Placeholder 12">
             <a:extLst>
               <a:ext uri="{FF2B5EF4-FFF2-40B4-BE49-F238E27FC236}">
-                <a16:creationId xmlns:a16="http://schemas.microsoft.com/office/drawing/2014/main" xmlns="" id="{C2591E4E-87B2-4D64-B582-FBD4968920C5}"/>
+                <a16:creationId xmlns:a16="http://schemas.microsoft.com/office/drawing/2014/main" id="{C2591E4E-87B2-4D64-B582-FBD4968920C5}"/>
               </a:ext>
             </a:extLst>
           </p:cNvPr>
@@ -46252,7 +46264,7 @@
           <a:lstStyle/>
           <a:p>
             <a:r>
-              <a:rPr lang="en-CA" dirty="0" smtClean="0"/>
+              <a:rPr lang="en-CA" dirty="0"/>
               <a:t>Level.py</a:t>
             </a:r>
             <a:endParaRPr lang="ru-RU" dirty="0"/>
@@ -46264,7 +46276,7 @@
           <p:cNvPr id="11" name="Text Placeholder 10">
             <a:extLst>
               <a:ext uri="{FF2B5EF4-FFF2-40B4-BE49-F238E27FC236}">
-                <a16:creationId xmlns:a16="http://schemas.microsoft.com/office/drawing/2014/main" xmlns="" id="{D02433E8-0DB5-41D8-8B35-D76C17922FE5}"/>
+                <a16:creationId xmlns:a16="http://schemas.microsoft.com/office/drawing/2014/main" id="{D02433E8-0DB5-41D8-8B35-D76C17922FE5}"/>
               </a:ext>
             </a:extLst>
           </p:cNvPr>
@@ -46283,7 +46295,7 @@
           <a:lstStyle/>
           <a:p>
             <a:r>
-              <a:rPr lang="en-US" dirty="0" smtClean="0"/>
+              <a:rPr lang="en-US" dirty="0"/>
               <a:t>Member leveling system for community participation</a:t>
             </a:r>
             <a:endParaRPr lang="ru-RU" dirty="0"/>
@@ -46295,7 +46307,7 @@
           <p:cNvPr id="15" name="Text Placeholder 14">
             <a:extLst>
               <a:ext uri="{FF2B5EF4-FFF2-40B4-BE49-F238E27FC236}">
-                <a16:creationId xmlns:a16="http://schemas.microsoft.com/office/drawing/2014/main" xmlns="" id="{A0DE6855-935C-4D9C-A6CA-A30ED4BC73A2}"/>
+                <a16:creationId xmlns:a16="http://schemas.microsoft.com/office/drawing/2014/main" id="{A0DE6855-935C-4D9C-A6CA-A30ED4BC73A2}"/>
               </a:ext>
             </a:extLst>
           </p:cNvPr>
@@ -46306,7 +46318,12 @@
             <p:ph type="body" sz="quarter" idx="31"/>
           </p:nvPr>
         </p:nvSpPr>
-        <p:spPr/>
+        <p:spPr>
+          <a:xfrm>
+            <a:off x="8515702" y="2760518"/>
+            <a:ext cx="978408" cy="978408"/>
+          </a:xfrm>
+        </p:spPr>
         <p:txBody>
           <a:bodyPr/>
           <a:lstStyle/>
@@ -46324,7 +46341,7 @@
           <p:cNvPr id="16" name="Text Placeholder 15">
             <a:extLst>
               <a:ext uri="{FF2B5EF4-FFF2-40B4-BE49-F238E27FC236}">
-                <a16:creationId xmlns:a16="http://schemas.microsoft.com/office/drawing/2014/main" xmlns="" id="{A9BECA94-5E25-4E6D-A58C-7792A89CED7C}"/>
+                <a16:creationId xmlns:a16="http://schemas.microsoft.com/office/drawing/2014/main" id="{A9BECA94-5E25-4E6D-A58C-7792A89CED7C}"/>
               </a:ext>
             </a:extLst>
           </p:cNvPr>
@@ -46341,7 +46358,7 @@
           <a:lstStyle/>
           <a:p>
             <a:r>
-              <a:rPr lang="en-US" dirty="0" smtClean="0"/>
+              <a:rPr lang="en-US" dirty="0"/>
               <a:t>Comm.py</a:t>
             </a:r>
             <a:endParaRPr lang="ru-RU" dirty="0"/>
@@ -46353,7 +46370,7 @@
           <p:cNvPr id="14" name="Text Placeholder 13">
             <a:extLst>
               <a:ext uri="{FF2B5EF4-FFF2-40B4-BE49-F238E27FC236}">
-                <a16:creationId xmlns:a16="http://schemas.microsoft.com/office/drawing/2014/main" xmlns="" id="{1A32FF73-A652-43C6-96BD-425851F591BC}"/>
+                <a16:creationId xmlns:a16="http://schemas.microsoft.com/office/drawing/2014/main" id="{1A32FF73-A652-43C6-96BD-425851F591BC}"/>
               </a:ext>
             </a:extLst>
           </p:cNvPr>
@@ -46364,7 +46381,12 @@
             <p:ph type="body" idx="30"/>
           </p:nvPr>
         </p:nvSpPr>
-        <p:spPr/>
+        <p:spPr>
+          <a:xfrm>
+            <a:off x="8515702" y="4271296"/>
+            <a:ext cx="2944368" cy="1419822"/>
+          </a:xfrm>
+        </p:spPr>
         <p:txBody>
           <a:bodyPr>
             <a:normAutofit/>
@@ -46383,7 +46405,7 @@
           <p:cNvPr id="4" name="Slide Number Placeholder 3">
             <a:extLst>
               <a:ext uri="{FF2B5EF4-FFF2-40B4-BE49-F238E27FC236}">
-                <a16:creationId xmlns:a16="http://schemas.microsoft.com/office/drawing/2014/main" xmlns="" id="{30CD95F8-281D-4A11-99F2-9795C5264F76}"/>
+                <a16:creationId xmlns:a16="http://schemas.microsoft.com/office/drawing/2014/main" id="{30CD95F8-281D-4A11-99F2-9795C5264F76}"/>
               </a:ext>
             </a:extLst>
           </p:cNvPr>
@@ -46443,7 +46465,7 @@
           <p:cNvPr id="2" name="Title 1">
             <a:extLst>
               <a:ext uri="{FF2B5EF4-FFF2-40B4-BE49-F238E27FC236}">
-                <a16:creationId xmlns:a16="http://schemas.microsoft.com/office/drawing/2014/main" xmlns="" id="{B0406C22-D0C4-4D8E-86F7-1A902F1CA7AB}"/>
+                <a16:creationId xmlns:a16="http://schemas.microsoft.com/office/drawing/2014/main" id="{B0406C22-D0C4-4D8E-86F7-1A902F1CA7AB}"/>
               </a:ext>
             </a:extLst>
           </p:cNvPr>
@@ -46472,7 +46494,7 @@
           <p:cNvPr id="7" name="Text Placeholder 6">
             <a:extLst>
               <a:ext uri="{FF2B5EF4-FFF2-40B4-BE49-F238E27FC236}">
-                <a16:creationId xmlns:a16="http://schemas.microsoft.com/office/drawing/2014/main" xmlns="" id="{1EBE5B37-5B62-411B-BD45-E04DD958A3F9}"/>
+                <a16:creationId xmlns:a16="http://schemas.microsoft.com/office/drawing/2014/main" id="{1EBE5B37-5B62-411B-BD45-E04DD958A3F9}"/>
               </a:ext>
             </a:extLst>
           </p:cNvPr>
@@ -46508,8 +46530,8 @@
           </a:p>
           <a:p>
             <a:r>
-              <a:rPr lang="en-US" dirty="0"/>
-              <a:t>ADD SOMETHING HERE</a:t>
+              <a:rPr lang="en-US"/>
+              <a:t>Maintainability</a:t>
             </a:r>
             <a:endParaRPr lang="ru-RU" dirty="0"/>
           </a:p>
@@ -46520,7 +46542,7 @@
           <p:cNvPr id="18" name="Picture Placeholder 17" descr="Abstract background">
             <a:extLst>
               <a:ext uri="{FF2B5EF4-FFF2-40B4-BE49-F238E27FC236}">
-                <a16:creationId xmlns:a16="http://schemas.microsoft.com/office/drawing/2014/main" xmlns="" id="{FA9DAA9F-5926-4BC1-8F7B-06E0B1C2F013}"/>
+                <a16:creationId xmlns:a16="http://schemas.microsoft.com/office/drawing/2014/main" id="{FA9DAA9F-5926-4BC1-8F7B-06E0B1C2F013}"/>
               </a:ext>
             </a:extLst>
           </p:cNvPr>
@@ -46551,7 +46573,7 @@
           <p:cNvPr id="5" name="Slide Number Placeholder 4">
             <a:extLst>
               <a:ext uri="{FF2B5EF4-FFF2-40B4-BE49-F238E27FC236}">
-                <a16:creationId xmlns:a16="http://schemas.microsoft.com/office/drawing/2014/main" xmlns="" id="{1C5328BF-D489-4F39-BA27-5AD38E9116D8}"/>
+                <a16:creationId xmlns:a16="http://schemas.microsoft.com/office/drawing/2014/main" id="{1C5328BF-D489-4F39-BA27-5AD38E9116D8}"/>
               </a:ext>
             </a:extLst>
           </p:cNvPr>
@@ -46611,7 +46633,7 @@
           <p:cNvPr id="67" name="Title 66">
             <a:extLst>
               <a:ext uri="{FF2B5EF4-FFF2-40B4-BE49-F238E27FC236}">
-                <a16:creationId xmlns:a16="http://schemas.microsoft.com/office/drawing/2014/main" xmlns="" id="{E72CC338-4598-4AF3-B140-D7F632D20BA5}"/>
+                <a16:creationId xmlns:a16="http://schemas.microsoft.com/office/drawing/2014/main" id="{E72CC338-4598-4AF3-B140-D7F632D20BA5}"/>
               </a:ext>
             </a:extLst>
           </p:cNvPr>
@@ -46641,7 +46663,7 @@
           <p:cNvPr id="10" name="Text Placeholder 9">
             <a:extLst>
               <a:ext uri="{FF2B5EF4-FFF2-40B4-BE49-F238E27FC236}">
-                <a16:creationId xmlns:a16="http://schemas.microsoft.com/office/drawing/2014/main" xmlns="" id="{D87FAD12-8FEF-41B8-B478-8793FF9B485B}"/>
+                <a16:creationId xmlns:a16="http://schemas.microsoft.com/office/drawing/2014/main" id="{D87FAD12-8FEF-41B8-B478-8793FF9B485B}"/>
               </a:ext>
             </a:extLst>
           </p:cNvPr>
@@ -46675,7 +46697,7 @@
           <p:cNvPr id="7" name="Picture Placeholder 6" descr="Globe icon">
             <a:extLst>
               <a:ext uri="{FF2B5EF4-FFF2-40B4-BE49-F238E27FC236}">
-                <a16:creationId xmlns:a16="http://schemas.microsoft.com/office/drawing/2014/main" xmlns="" id="{610C6214-BE35-4ED8-9EE7-7252A6039583}"/>
+                <a16:creationId xmlns:a16="http://schemas.microsoft.com/office/drawing/2014/main" id="{610C6214-BE35-4ED8-9EE7-7252A6039583}"/>
               </a:ext>
             </a:extLst>
           </p:cNvPr>
@@ -46693,7 +46715,7 @@
                 <a14:useLocalDpi xmlns:a14="http://schemas.microsoft.com/office/drawing/2010/main" val="0"/>
               </a:ext>
               <a:ext uri="{96DAC541-7B7A-43D3-8B79-37D633B846F1}">
-                <asvg:svgBlip xmlns:asvg="http://schemas.microsoft.com/office/drawing/2016/SVG/main" xmlns="" r:embed="rId3"/>
+                <asvg:svgBlip xmlns:asvg="http://schemas.microsoft.com/office/drawing/2016/SVG/main" r:embed="rId3"/>
               </a:ext>
             </a:extLst>
           </a:blip>
@@ -46709,7 +46731,7 @@
           <p:cNvPr id="8" name="Text Placeholder 7">
             <a:extLst>
               <a:ext uri="{FF2B5EF4-FFF2-40B4-BE49-F238E27FC236}">
-                <a16:creationId xmlns:a16="http://schemas.microsoft.com/office/drawing/2014/main" xmlns="" id="{C8E5EEAD-1427-4576-B8F8-C485CAE758A4}"/>
+                <a16:creationId xmlns:a16="http://schemas.microsoft.com/office/drawing/2014/main" id="{C8E5EEAD-1427-4576-B8F8-C485CAE758A4}"/>
               </a:ext>
             </a:extLst>
           </p:cNvPr>
@@ -46739,7 +46761,7 @@
           <p:cNvPr id="16" name="Text Placeholder 15">
             <a:extLst>
               <a:ext uri="{FF2B5EF4-FFF2-40B4-BE49-F238E27FC236}">
-                <a16:creationId xmlns:a16="http://schemas.microsoft.com/office/drawing/2014/main" xmlns="" id="{C214C1BB-D845-4DB6-B4FC-B7AD5F5E0C3D}"/>
+                <a16:creationId xmlns:a16="http://schemas.microsoft.com/office/drawing/2014/main" id="{C214C1BB-D845-4DB6-B4FC-B7AD5F5E0C3D}"/>
               </a:ext>
             </a:extLst>
           </p:cNvPr>
@@ -46773,7 +46795,7 @@
           <p:cNvPr id="12" name="Picture Placeholder 11" descr="Cubes icon">
             <a:extLst>
               <a:ext uri="{FF2B5EF4-FFF2-40B4-BE49-F238E27FC236}">
-                <a16:creationId xmlns:a16="http://schemas.microsoft.com/office/drawing/2014/main" xmlns="" id="{92015B7B-96EB-42A1-A654-5DE5377A52C7}"/>
+                <a16:creationId xmlns:a16="http://schemas.microsoft.com/office/drawing/2014/main" id="{92015B7B-96EB-42A1-A654-5DE5377A52C7}"/>
               </a:ext>
             </a:extLst>
           </p:cNvPr>
@@ -46791,7 +46813,7 @@
                 <a14:useLocalDpi xmlns:a14="http://schemas.microsoft.com/office/drawing/2010/main" val="0"/>
               </a:ext>
               <a:ext uri="{96DAC541-7B7A-43D3-8B79-37D633B846F1}">
-                <asvg:svgBlip xmlns:asvg="http://schemas.microsoft.com/office/drawing/2016/SVG/main" xmlns="" r:embed="rId5"/>
+                <asvg:svgBlip xmlns:asvg="http://schemas.microsoft.com/office/drawing/2016/SVG/main" r:embed="rId5"/>
               </a:ext>
             </a:extLst>
           </a:blip>
@@ -46807,7 +46829,7 @@
           <p:cNvPr id="14" name="Text Placeholder 13">
             <a:extLst>
               <a:ext uri="{FF2B5EF4-FFF2-40B4-BE49-F238E27FC236}">
-                <a16:creationId xmlns:a16="http://schemas.microsoft.com/office/drawing/2014/main" xmlns="" id="{B9B92F0C-3A1D-438E-B581-C1A63389DAF6}"/>
+                <a16:creationId xmlns:a16="http://schemas.microsoft.com/office/drawing/2014/main" id="{B9B92F0C-3A1D-438E-B581-C1A63389DAF6}"/>
               </a:ext>
             </a:extLst>
           </p:cNvPr>
@@ -46837,7 +46859,7 @@
           <p:cNvPr id="13" name="Text Placeholder 12">
             <a:extLst>
               <a:ext uri="{FF2B5EF4-FFF2-40B4-BE49-F238E27FC236}">
-                <a16:creationId xmlns:a16="http://schemas.microsoft.com/office/drawing/2014/main" xmlns="" id="{B457CA9C-196E-494C-85C7-9B4861053912}"/>
+                <a16:creationId xmlns:a16="http://schemas.microsoft.com/office/drawing/2014/main" id="{B457CA9C-196E-494C-85C7-9B4861053912}"/>
               </a:ext>
             </a:extLst>
           </p:cNvPr>
@@ -46871,7 +46893,7 @@
           <p:cNvPr id="18" name="Picture Placeholder 17" descr="Microprocessor icon">
             <a:extLst>
               <a:ext uri="{FF2B5EF4-FFF2-40B4-BE49-F238E27FC236}">
-                <a16:creationId xmlns:a16="http://schemas.microsoft.com/office/drawing/2014/main" xmlns="" id="{2714DCC9-F1D9-4D7B-9452-B6DF9693F667}"/>
+                <a16:creationId xmlns:a16="http://schemas.microsoft.com/office/drawing/2014/main" id="{2714DCC9-F1D9-4D7B-9452-B6DF9693F667}"/>
               </a:ext>
             </a:extLst>
           </p:cNvPr>
@@ -46889,7 +46911,7 @@
                 <a14:useLocalDpi xmlns:a14="http://schemas.microsoft.com/office/drawing/2010/main" val="0"/>
               </a:ext>
               <a:ext uri="{96DAC541-7B7A-43D3-8B79-37D633B846F1}">
-                <asvg:svgBlip xmlns:asvg="http://schemas.microsoft.com/office/drawing/2016/SVG/main" xmlns="" r:embed="rId7"/>
+                <asvg:svgBlip xmlns:asvg="http://schemas.microsoft.com/office/drawing/2016/SVG/main" r:embed="rId7"/>
               </a:ext>
             </a:extLst>
           </a:blip>
@@ -46905,7 +46927,7 @@
           <p:cNvPr id="11" name="Text Placeholder 10">
             <a:extLst>
               <a:ext uri="{FF2B5EF4-FFF2-40B4-BE49-F238E27FC236}">
-                <a16:creationId xmlns:a16="http://schemas.microsoft.com/office/drawing/2014/main" xmlns="" id="{CE2783CF-764B-4358-9D88-FAC1CFEBE203}"/>
+                <a16:creationId xmlns:a16="http://schemas.microsoft.com/office/drawing/2014/main" id="{CE2783CF-764B-4358-9D88-FAC1CFEBE203}"/>
               </a:ext>
             </a:extLst>
           </p:cNvPr>
@@ -46923,7 +46945,7 @@
           <a:p>
             <a:r>
               <a:rPr lang="en-US" dirty="0"/>
-              <a:t>Describe how we have this </a:t>
+              <a:t>Documentation describing all of the commands is in the works</a:t>
             </a:r>
           </a:p>
         </p:txBody>
@@ -46933,7 +46955,7 @@
           <p:cNvPr id="19" name="Text Placeholder 18">
             <a:extLst>
               <a:ext uri="{FF2B5EF4-FFF2-40B4-BE49-F238E27FC236}">
-                <a16:creationId xmlns:a16="http://schemas.microsoft.com/office/drawing/2014/main" xmlns="" id="{0D9ADD0F-E05E-4B0E-9D9D-545FD755D7AE}"/>
+                <a16:creationId xmlns:a16="http://schemas.microsoft.com/office/drawing/2014/main" id="{0D9ADD0F-E05E-4B0E-9D9D-545FD755D7AE}"/>
               </a:ext>
             </a:extLst>
           </p:cNvPr>
@@ -46944,14 +46966,19 @@
             <p:ph type="body" idx="25"/>
           </p:nvPr>
         </p:nvSpPr>
-        <p:spPr/>
+        <p:spPr>
+          <a:xfrm>
+            <a:off x="5857875" y="4427608"/>
+            <a:ext cx="1812289" cy="640080"/>
+          </a:xfrm>
+        </p:spPr>
         <p:txBody>
           <a:bodyPr/>
           <a:lstStyle/>
           <a:p>
             <a:r>
               <a:rPr lang="en-US" dirty="0"/>
-              <a:t>Quality 4</a:t>
+              <a:t>Maintainability</a:t>
             </a:r>
             <a:endParaRPr lang="ru-RU" dirty="0"/>
           </a:p>
@@ -46962,7 +46989,7 @@
           <p:cNvPr id="21" name="Picture Placeholder 20" descr="Atom icon">
             <a:extLst>
               <a:ext uri="{FF2B5EF4-FFF2-40B4-BE49-F238E27FC236}">
-                <a16:creationId xmlns:a16="http://schemas.microsoft.com/office/drawing/2014/main" xmlns="" id="{E6E2A99D-9A76-4170-84C5-E8E895DEA558}"/>
+                <a16:creationId xmlns:a16="http://schemas.microsoft.com/office/drawing/2014/main" id="{E6E2A99D-9A76-4170-84C5-E8E895DEA558}"/>
               </a:ext>
             </a:extLst>
           </p:cNvPr>
@@ -46980,7 +47007,7 @@
                 <a14:useLocalDpi xmlns:a14="http://schemas.microsoft.com/office/drawing/2010/main" val="0"/>
               </a:ext>
               <a:ext uri="{96DAC541-7B7A-43D3-8B79-37D633B846F1}">
-                <asvg:svgBlip xmlns:asvg="http://schemas.microsoft.com/office/drawing/2016/SVG/main" xmlns="" r:embed="rId9"/>
+                <asvg:svgBlip xmlns:asvg="http://schemas.microsoft.com/office/drawing/2016/SVG/main" r:embed="rId9"/>
               </a:ext>
             </a:extLst>
           </a:blip>
@@ -46996,7 +47023,7 @@
           <p:cNvPr id="17" name="Text Placeholder 16">
             <a:extLst>
               <a:ext uri="{FF2B5EF4-FFF2-40B4-BE49-F238E27FC236}">
-                <a16:creationId xmlns:a16="http://schemas.microsoft.com/office/drawing/2014/main" xmlns="" id="{46EA4E1F-EF09-44AB-9483-363CF418AA99}"/>
+                <a16:creationId xmlns:a16="http://schemas.microsoft.com/office/drawing/2014/main" id="{46EA4E1F-EF09-44AB-9483-363CF418AA99}"/>
               </a:ext>
             </a:extLst>
           </p:cNvPr>
@@ -47009,12 +47036,14 @@
         </p:nvSpPr>
         <p:spPr/>
         <p:txBody>
-          <a:bodyPr/>
+          <a:bodyPr>
+            <a:normAutofit/>
+          </a:bodyPr>
           <a:lstStyle/>
           <a:p>
             <a:r>
               <a:rPr lang="en-US" dirty="0"/>
-              <a:t>Describe how we have this </a:t>
+              <a:t>Modules have high cohesion and low coupling. The project has extensive documentation.</a:t>
             </a:r>
           </a:p>
         </p:txBody>
@@ -47024,7 +47053,7 @@
           <p:cNvPr id="4" name="Slide Number Placeholder 3">
             <a:extLst>
               <a:ext uri="{FF2B5EF4-FFF2-40B4-BE49-F238E27FC236}">
-                <a16:creationId xmlns:a16="http://schemas.microsoft.com/office/drawing/2014/main" xmlns="" id="{D3581DBA-A3EE-4E75-90A6-DC25DF9DABFC}"/>
+                <a16:creationId xmlns:a16="http://schemas.microsoft.com/office/drawing/2014/main" id="{D3581DBA-A3EE-4E75-90A6-DC25DF9DABFC}"/>
               </a:ext>
             </a:extLst>
           </p:cNvPr>
@@ -47054,7 +47083,7 @@
           <p:cNvPr id="20" name="Picture 19">
             <a:extLst>
               <a:ext uri="{FF2B5EF4-FFF2-40B4-BE49-F238E27FC236}">
-                <a16:creationId xmlns:a16="http://schemas.microsoft.com/office/drawing/2014/main" xmlns="" id="{02570900-C02A-4639-AB06-E9567FCFE32A}"/>
+                <a16:creationId xmlns:a16="http://schemas.microsoft.com/office/drawing/2014/main" id="{02570900-C02A-4639-AB06-E9567FCFE32A}"/>
               </a:ext>
             </a:extLst>
           </p:cNvPr>
@@ -47084,7 +47113,7 @@
           <p:cNvPr id="23" name="Picture 22">
             <a:extLst>
               <a:ext uri="{FF2B5EF4-FFF2-40B4-BE49-F238E27FC236}">
-                <a16:creationId xmlns:a16="http://schemas.microsoft.com/office/drawing/2014/main" xmlns="" id="{1A738492-68EF-4BC9-8F3A-BAB44E6B5C6C}"/>
+                <a16:creationId xmlns:a16="http://schemas.microsoft.com/office/drawing/2014/main" id="{1A738492-68EF-4BC9-8F3A-BAB44E6B5C6C}"/>
               </a:ext>
             </a:extLst>
           </p:cNvPr>
@@ -47144,7 +47173,7 @@
           <p:cNvPr id="2" name="Title 1">
             <a:extLst>
               <a:ext uri="{FF2B5EF4-FFF2-40B4-BE49-F238E27FC236}">
-                <a16:creationId xmlns:a16="http://schemas.microsoft.com/office/drawing/2014/main" xmlns="" id="{134CB059-9E3B-4C24-8E61-717292C2944E}"/>
+                <a16:creationId xmlns:a16="http://schemas.microsoft.com/office/drawing/2014/main" id="{134CB059-9E3B-4C24-8E61-717292C2944E}"/>
               </a:ext>
             </a:extLst>
           </p:cNvPr>
@@ -47173,7 +47202,7 @@
           <p:cNvPr id="3" name="Text Placeholder 2">
             <a:extLst>
               <a:ext uri="{FF2B5EF4-FFF2-40B4-BE49-F238E27FC236}">
-                <a16:creationId xmlns:a16="http://schemas.microsoft.com/office/drawing/2014/main" xmlns="" id="{E66139D5-668D-4A3D-B6B6-F71EC385C8FF}"/>
+                <a16:creationId xmlns:a16="http://schemas.microsoft.com/office/drawing/2014/main" id="{E66139D5-668D-4A3D-B6B6-F71EC385C8FF}"/>
               </a:ext>
             </a:extLst>
           </p:cNvPr>
@@ -47202,7 +47231,7 @@
           <p:cNvPr id="8" name="Text Placeholder 7">
             <a:extLst>
               <a:ext uri="{FF2B5EF4-FFF2-40B4-BE49-F238E27FC236}">
-                <a16:creationId xmlns:a16="http://schemas.microsoft.com/office/drawing/2014/main" xmlns="" id="{EEA947F5-DD66-4D26-BA34-D1D8F7CE9010}"/>
+                <a16:creationId xmlns:a16="http://schemas.microsoft.com/office/drawing/2014/main" id="{EEA947F5-DD66-4D26-BA34-D1D8F7CE9010}"/>
               </a:ext>
             </a:extLst>
           </p:cNvPr>
@@ -47221,22 +47250,21 @@
           <a:lstStyle/>
           <a:p>
             <a:r>
-              <a:rPr lang="en-US" dirty="0" smtClean="0"/>
+              <a:rPr lang="en-US" dirty="0"/>
               <a:t>Simple implementation</a:t>
             </a:r>
           </a:p>
           <a:p>
             <a:r>
-              <a:rPr lang="en-US" dirty="0" smtClean="0"/>
+              <a:rPr lang="en-US" dirty="0"/>
               <a:t>Modules inspired by previous implementation</a:t>
             </a:r>
           </a:p>
           <a:p>
             <a:r>
-              <a:rPr lang="en-US" dirty="0" smtClean="0"/>
+              <a:rPr lang="en-US" dirty="0"/>
               <a:t>High fan-out</a:t>
             </a:r>
-            <a:endParaRPr lang="en-US" dirty="0" smtClean="0"/>
           </a:p>
         </p:txBody>
       </p:sp>
@@ -47245,7 +47273,7 @@
           <p:cNvPr id="13" name="Picture Placeholder 12" descr="Abstract background">
             <a:extLst>
               <a:ext uri="{FF2B5EF4-FFF2-40B4-BE49-F238E27FC236}">
-                <a16:creationId xmlns:a16="http://schemas.microsoft.com/office/drawing/2014/main" xmlns="" id="{0B7AE772-6658-4E84-8EAA-F33DEF1CDE4F}"/>
+                <a16:creationId xmlns:a16="http://schemas.microsoft.com/office/drawing/2014/main" id="{0B7AE772-6658-4E84-8EAA-F33DEF1CDE4F}"/>
               </a:ext>
             </a:extLst>
           </p:cNvPr>
@@ -47276,7 +47304,7 @@
           <p:cNvPr id="6" name="Slide Number Placeholder 5">
             <a:extLst>
               <a:ext uri="{FF2B5EF4-FFF2-40B4-BE49-F238E27FC236}">
-                <a16:creationId xmlns:a16="http://schemas.microsoft.com/office/drawing/2014/main" xmlns="" id="{2B9E0CB5-2F64-4439-AFE9-1BB3ACE6FA9D}"/>
+                <a16:creationId xmlns:a16="http://schemas.microsoft.com/office/drawing/2014/main" id="{2B9E0CB5-2F64-4439-AFE9-1BB3ACE6FA9D}"/>
               </a:ext>
             </a:extLst>
           </p:cNvPr>

--- a/Documents/3XA3_Presentation_2.pptx
+++ b/Documents/3XA3_Presentation_2.pptx
@@ -5,10 +5,10 @@
     <p:sldMasterId id="2147483648" r:id="rId1"/>
   </p:sldMasterIdLst>
   <p:notesMasterIdLst>
-    <p:notesMasterId r:id="rId16"/>
+    <p:notesMasterId r:id="rId15"/>
   </p:notesMasterIdLst>
   <p:handoutMasterIdLst>
-    <p:handoutMasterId r:id="rId17"/>
+    <p:handoutMasterId r:id="rId16"/>
   </p:handoutMasterIdLst>
   <p:sldIdLst>
     <p:sldId id="256" r:id="rId2"/>
@@ -21,10 +21,9 @@
     <p:sldId id="261" r:id="rId9"/>
     <p:sldId id="265" r:id="rId10"/>
     <p:sldId id="262" r:id="rId11"/>
-    <p:sldId id="269" r:id="rId12"/>
-    <p:sldId id="276" r:id="rId13"/>
-    <p:sldId id="277" r:id="rId14"/>
-    <p:sldId id="278" r:id="rId15"/>
+    <p:sldId id="280" r:id="rId12"/>
+    <p:sldId id="277" r:id="rId13"/>
+    <p:sldId id="278" r:id="rId14"/>
   </p:sldIdLst>
   <p:sldSz cx="12192000" cy="6858000"/>
   <p:notesSz cx="6858000" cy="9144000"/>
@@ -43817,7 +43816,7 @@
         <p:spPr>
           <a:xfrm>
             <a:off x="1524000" y="1092660"/>
-            <a:ext cx="9144000" cy="459798"/>
+            <a:ext cx="9223022" cy="815162"/>
           </a:xfrm>
           <a:prstGeom prst="rect">
             <a:avLst/>
@@ -43996,7 +43995,14 @@
               <a:rPr lang="en-US" dirty="0"/>
               <a:t>SW ENG 3XA3 2018</a:t>
             </a:r>
-            <a:endParaRPr lang="ru-RU" dirty="0"/>
+            <a:br>
+              <a:rPr lang="en-US" dirty="0"/>
+            </a:br>
+            <a:r>
+              <a:rPr lang="en-US" sz="1600" dirty="0"/>
+              <a:t>Group 31</a:t>
+            </a:r>
+            <a:endParaRPr lang="ru-RU" sz="1600" dirty="0"/>
           </a:p>
         </p:txBody>
       </p:sp>
@@ -44182,10 +44188,39 @@
       </p:grpSpPr>
       <p:sp>
         <p:nvSpPr>
-          <p:cNvPr id="2" name="Title 1">
-            <a:extLst>
-              <a:ext uri="{FF2B5EF4-FFF2-40B4-BE49-F238E27FC236}">
-                <a16:creationId xmlns:a16="http://schemas.microsoft.com/office/drawing/2014/main" id="{5FD6457C-A61F-46C0-8266-0BBA6BBC7C57}"/>
+          <p:cNvPr id="7" name="Slide Number Placeholder 6">
+            <a:extLst>
+              <a:ext uri="{FF2B5EF4-FFF2-40B4-BE49-F238E27FC236}">
+                <a16:creationId xmlns:a16="http://schemas.microsoft.com/office/drawing/2014/main" id="{74BA6899-6DD4-4105-8971-43BEA6E7329F}"/>
+              </a:ext>
+            </a:extLst>
+          </p:cNvPr>
+          <p:cNvSpPr>
+            <a:spLocks noGrp="1"/>
+          </p:cNvSpPr>
+          <p:nvPr>
+            <p:ph type="sldNum" sz="quarter" idx="12"/>
+          </p:nvPr>
+        </p:nvSpPr>
+        <p:spPr/>
+        <p:txBody>
+          <a:bodyPr/>
+          <a:lstStyle/>
+          <a:p>
+            <a:fld id="{8D581BC7-E183-40DB-AC97-C19EA4EB8894}" type="slidenum">
+              <a:rPr lang="ru-RU" smtClean="0"/>
+              <a:t>11</a:t>
+            </a:fld>
+            <a:endParaRPr lang="ru-RU" dirty="0"/>
+          </a:p>
+        </p:txBody>
+      </p:sp>
+      <p:sp>
+        <p:nvSpPr>
+          <p:cNvPr id="9" name="Title 8">
+            <a:extLst>
+              <a:ext uri="{FF2B5EF4-FFF2-40B4-BE49-F238E27FC236}">
+                <a16:creationId xmlns:a16="http://schemas.microsoft.com/office/drawing/2014/main" id="{3679AB36-F20E-4C8B-9982-C411C10786A6}"/>
               </a:ext>
             </a:extLst>
           </p:cNvPr>
@@ -44203,18 +44238,17 @@
           <a:p>
             <a:r>
               <a:rPr lang="en-US" dirty="0"/>
-              <a:t>Future Features </a:t>
-            </a:r>
-            <a:endParaRPr lang="ru-RU" dirty="0"/>
-          </a:p>
-        </p:txBody>
-      </p:sp>
-      <p:sp>
-        <p:nvSpPr>
-          <p:cNvPr id="3" name="Text Placeholder 2">
-            <a:extLst>
-              <a:ext uri="{FF2B5EF4-FFF2-40B4-BE49-F238E27FC236}">
-                <a16:creationId xmlns:a16="http://schemas.microsoft.com/office/drawing/2014/main" id="{60D16957-8228-4166-804F-C65671955AFC}"/>
+              <a:t>Future Features</a:t>
+            </a:r>
+          </a:p>
+        </p:txBody>
+      </p:sp>
+      <p:sp>
+        <p:nvSpPr>
+          <p:cNvPr id="10" name="Text Placeholder 9">
+            <a:extLst>
+              <a:ext uri="{FF2B5EF4-FFF2-40B4-BE49-F238E27FC236}">
+                <a16:creationId xmlns:a16="http://schemas.microsoft.com/office/drawing/2014/main" id="{2CD23921-DB80-4FFA-98F3-4439A8BDC4EF}"/>
               </a:ext>
             </a:extLst>
           </p:cNvPr>
@@ -44242,10 +44276,10 @@
       </p:sp>
       <p:sp>
         <p:nvSpPr>
-          <p:cNvPr id="8" name="Text Placeholder 7">
-            <a:extLst>
-              <a:ext uri="{FF2B5EF4-FFF2-40B4-BE49-F238E27FC236}">
-                <a16:creationId xmlns:a16="http://schemas.microsoft.com/office/drawing/2014/main" id="{0035A84C-449C-4CF8-B16B-6646515E7532}"/>
+          <p:cNvPr id="12" name="Text Placeholder 11">
+            <a:extLst>
+              <a:ext uri="{FF2B5EF4-FFF2-40B4-BE49-F238E27FC236}">
+                <a16:creationId xmlns:a16="http://schemas.microsoft.com/office/drawing/2014/main" id="{7ABA006F-FDE3-44EE-B762-13DF9E55C1E2}"/>
               </a:ext>
             </a:extLst>
           </p:cNvPr>
@@ -44253,20 +44287,44 @@
             <a:spLocks noGrp="1"/>
           </p:cNvSpPr>
           <p:nvPr>
-            <p:ph type="body" sz="quarter" idx="26"/>
+            <p:ph type="body" idx="14"/>
           </p:nvPr>
         </p:nvSpPr>
-        <p:spPr/>
-        <p:txBody>
-          <a:bodyPr/>
+        <p:spPr>
+          <a:xfrm>
+            <a:off x="1958968" y="3372939"/>
+            <a:ext cx="2295881" cy="818954"/>
+          </a:xfrm>
+        </p:spPr>
+        <p:txBody>
+          <a:bodyPr>
+            <a:normAutofit/>
+          </a:bodyPr>
           <a:lstStyle/>
           <a:p>
             <a:r>
               <a:rPr lang="en-US" dirty="0"/>
-              <a:t>1</a:t>
+              <a:t>Support More 3</a:t>
+            </a:r>
+            <a:r>
+              <a:rPr lang="en-US" baseline="30000" dirty="0"/>
+              <a:t>rd</a:t>
+            </a:r>
+            <a:r>
+              <a:rPr lang="en-US" dirty="0"/>
+              <a:t> party applications</a:t>
             </a:r>
             <a:endParaRPr lang="ru-RU" dirty="0"/>
           </a:p>
+          <a:p>
+            <a:r>
+              <a:rPr lang="en-US" dirty="0"/>
+              <a:t>Soundcloud, Spotify</a:t>
+            </a:r>
+          </a:p>
+          <a:p>
+            <a:endParaRPr lang="en-US" dirty="0"/>
+          </a:p>
         </p:txBody>
       </p:sp>
       <p:sp>
@@ -44274,7 +44332,7 @@
           <p:cNvPr id="13" name="Text Placeholder 12">
             <a:extLst>
               <a:ext uri="{FF2B5EF4-FFF2-40B4-BE49-F238E27FC236}">
-                <a16:creationId xmlns:a16="http://schemas.microsoft.com/office/drawing/2014/main" id="{D62CB705-FC11-48C5-A459-495475D0B55E}"/>
+                <a16:creationId xmlns:a16="http://schemas.microsoft.com/office/drawing/2014/main" id="{4DED719E-DFA7-41B6-BE9C-0D525FE1E77B}"/>
               </a:ext>
             </a:extLst>
           </p:cNvPr>
@@ -44282,12 +44340,14 @@
             <a:spLocks noGrp="1"/>
           </p:cNvSpPr>
           <p:nvPr>
-            <p:ph type="body" idx="32"/>
+            <p:ph type="body" idx="16"/>
           </p:nvPr>
         </p:nvSpPr>
         <p:spPr/>
         <p:txBody>
-          <a:bodyPr/>
+          <a:bodyPr>
+            <a:normAutofit/>
+          </a:bodyPr>
           <a:lstStyle/>
           <a:p>
             <a:r>
@@ -44300,10 +44360,10 @@
       </p:sp>
       <p:sp>
         <p:nvSpPr>
-          <p:cNvPr id="12" name="Text Placeholder 11">
-            <a:extLst>
-              <a:ext uri="{FF2B5EF4-FFF2-40B4-BE49-F238E27FC236}">
-                <a16:creationId xmlns:a16="http://schemas.microsoft.com/office/drawing/2014/main" id="{A1B0D2C5-9B7A-45C5-81F4-9E0E8F13E8FB}"/>
+          <p:cNvPr id="14" name="Picture Placeholder 13">
+            <a:extLst>
+              <a:ext uri="{FF2B5EF4-FFF2-40B4-BE49-F238E27FC236}">
+                <a16:creationId xmlns:a16="http://schemas.microsoft.com/office/drawing/2014/main" id="{DDCE16B6-EA07-4F75-A3C3-1F896FB026B7}"/>
               </a:ext>
             </a:extLst>
           </p:cNvPr>
@@ -44311,46 +44371,21 @@
             <a:spLocks noGrp="1"/>
           </p:cNvSpPr>
           <p:nvPr>
-            <p:ph type="body" idx="29"/>
+            <p:ph type="pic" sz="quarter" idx="33"/>
           </p:nvPr>
         </p:nvSpPr>
-        <p:spPr/>
-        <p:txBody>
-          <a:bodyPr>
-            <a:normAutofit fontScale="77500" lnSpcReduction="20000"/>
-          </a:bodyPr>
-          <a:lstStyle/>
-          <a:p>
-            <a:r>
-              <a:rPr lang="en-US" dirty="0"/>
-              <a:t>Support More 3</a:t>
-            </a:r>
-            <a:r>
-              <a:rPr lang="en-US" baseline="30000" dirty="0"/>
-              <a:t>rd</a:t>
-            </a:r>
-            <a:r>
-              <a:rPr lang="en-US" dirty="0"/>
-              <a:t> </a:t>
-            </a:r>
-            <a:r>
-              <a:rPr lang="en-US" dirty="0" err="1"/>
-              <a:t>plarty</a:t>
-            </a:r>
-            <a:r>
-              <a:rPr lang="en-US" dirty="0"/>
-              <a:t> applications</a:t>
-            </a:r>
-            <a:endParaRPr lang="ru-RU" dirty="0"/>
-          </a:p>
-        </p:txBody>
-      </p:sp>
-      <p:sp>
-        <p:nvSpPr>
-          <p:cNvPr id="11" name="Text Placeholder 10">
-            <a:extLst>
-              <a:ext uri="{FF2B5EF4-FFF2-40B4-BE49-F238E27FC236}">
-                <a16:creationId xmlns:a16="http://schemas.microsoft.com/office/drawing/2014/main" id="{775CF4E1-948D-4002-A94F-4BA8543DF1C4}"/>
+        <p:spPr>
+          <a:solidFill>
+            <a:schemeClr val="tx1"/>
+          </a:solidFill>
+        </p:spPr>
+      </p:sp>
+      <p:sp>
+        <p:nvSpPr>
+          <p:cNvPr id="15" name="Text Placeholder 14">
+            <a:extLst>
+              <a:ext uri="{FF2B5EF4-FFF2-40B4-BE49-F238E27FC236}">
+                <a16:creationId xmlns:a16="http://schemas.microsoft.com/office/drawing/2014/main" id="{34437383-61D0-4BA4-BC66-53D2C6A37FCD}"/>
               </a:ext>
             </a:extLst>
           </p:cNvPr>
@@ -44358,17 +44393,34 @@
             <a:spLocks noGrp="1"/>
           </p:cNvSpPr>
           <p:nvPr>
-            <p:ph type="body" idx="27"/>
+            <p:ph type="body" idx="34"/>
           </p:nvPr>
         </p:nvSpPr>
-        <p:spPr/>
-        <p:txBody>
-          <a:bodyPr/>
+        <p:spPr>
+          <a:xfrm>
+            <a:off x="1957127" y="4800796"/>
+            <a:ext cx="2297722" cy="798493"/>
+          </a:xfrm>
+        </p:spPr>
+        <p:txBody>
+          <a:bodyPr>
+            <a:normAutofit lnSpcReduction="10000"/>
+          </a:bodyPr>
           <a:lstStyle/>
           <a:p>
             <a:r>
               <a:rPr lang="en-US" dirty="0"/>
-              <a:t>Soundcloud, Spotify</a:t>
+              <a:t>Support more image hosting platforms</a:t>
+            </a:r>
+          </a:p>
+          <a:p>
+            <a:r>
+              <a:rPr lang="en-US" dirty="0" err="1"/>
+              <a:t>Giphy</a:t>
+            </a:r>
+            <a:r>
+              <a:rPr lang="en-US" dirty="0"/>
+              <a:t> </a:t>
             </a:r>
           </a:p>
           <a:p>
@@ -44378,39 +44430,10 @@
       </p:sp>
       <p:sp>
         <p:nvSpPr>
-          <p:cNvPr id="9" name="Text Placeholder 8">
-            <a:extLst>
-              <a:ext uri="{FF2B5EF4-FFF2-40B4-BE49-F238E27FC236}">
-                <a16:creationId xmlns:a16="http://schemas.microsoft.com/office/drawing/2014/main" id="{6B1A0A9B-D4E2-459E-998F-4F014D0CE155}"/>
-              </a:ext>
-            </a:extLst>
-          </p:cNvPr>
-          <p:cNvSpPr>
-            <a:spLocks noGrp="1"/>
-          </p:cNvSpPr>
-          <p:nvPr>
-            <p:ph type="body" sz="quarter" idx="28"/>
-          </p:nvPr>
-        </p:nvSpPr>
-        <p:spPr/>
-        <p:txBody>
-          <a:bodyPr/>
-          <a:lstStyle/>
-          <a:p>
-            <a:r>
-              <a:rPr lang="en-US" dirty="0"/>
-              <a:t>2</a:t>
-            </a:r>
-            <a:endParaRPr lang="ru-RU" dirty="0"/>
-          </a:p>
-        </p:txBody>
-      </p:sp>
-      <p:sp>
-        <p:nvSpPr>
           <p:cNvPr id="16" name="Text Placeholder 15">
             <a:extLst>
               <a:ext uri="{FF2B5EF4-FFF2-40B4-BE49-F238E27FC236}">
-                <a16:creationId xmlns:a16="http://schemas.microsoft.com/office/drawing/2014/main" id="{C4390C17-C4AE-4DB3-8625-333E382D8160}"/>
+                <a16:creationId xmlns:a16="http://schemas.microsoft.com/office/drawing/2014/main" id="{43355EB3-FA02-4691-9D58-F03E0C9D676A}"/>
               </a:ext>
             </a:extLst>
           </p:cNvPr>
@@ -44436,10 +44459,10 @@
       </p:sp>
       <p:sp>
         <p:nvSpPr>
-          <p:cNvPr id="15" name="Text Placeholder 14">
-            <a:extLst>
-              <a:ext uri="{FF2B5EF4-FFF2-40B4-BE49-F238E27FC236}">
-                <a16:creationId xmlns:a16="http://schemas.microsoft.com/office/drawing/2014/main" id="{727CE960-8379-40F4-AAA5-1C5D97A21A8B}"/>
+          <p:cNvPr id="17" name="Picture Placeholder 16">
+            <a:extLst>
+              <a:ext uri="{FF2B5EF4-FFF2-40B4-BE49-F238E27FC236}">
+                <a16:creationId xmlns:a16="http://schemas.microsoft.com/office/drawing/2014/main" id="{C4FC41EB-C3E3-406D-A57D-3DF529EB099F}"/>
               </a:ext>
             </a:extLst>
           </p:cNvPr>
@@ -44447,28 +44470,21 @@
             <a:spLocks noGrp="1"/>
           </p:cNvSpPr>
           <p:nvPr>
-            <p:ph type="body" idx="34"/>
+            <p:ph type="pic" sz="quarter" idx="36"/>
           </p:nvPr>
         </p:nvSpPr>
-        <p:spPr/>
-        <p:txBody>
-          <a:bodyPr/>
-          <a:lstStyle/>
-          <a:p>
-            <a:r>
-              <a:rPr lang="en-US" dirty="0"/>
-              <a:t>Section 2 Subtitle</a:t>
-            </a:r>
-            <a:endParaRPr lang="ru-RU" dirty="0"/>
-          </a:p>
-        </p:txBody>
-      </p:sp>
-      <p:sp>
-        <p:nvSpPr>
-          <p:cNvPr id="14" name="Text Placeholder 13">
-            <a:extLst>
-              <a:ext uri="{FF2B5EF4-FFF2-40B4-BE49-F238E27FC236}">
-                <a16:creationId xmlns:a16="http://schemas.microsoft.com/office/drawing/2014/main" id="{CD77B647-E767-4BF7-9BBB-4670F75C62E5}"/>
+        <p:spPr>
+          <a:solidFill>
+            <a:schemeClr val="tx1"/>
+          </a:solidFill>
+        </p:spPr>
+      </p:sp>
+      <p:sp>
+        <p:nvSpPr>
+          <p:cNvPr id="18" name="Text Placeholder 17">
+            <a:extLst>
+              <a:ext uri="{FF2B5EF4-FFF2-40B4-BE49-F238E27FC236}">
+                <a16:creationId xmlns:a16="http://schemas.microsoft.com/office/drawing/2014/main" id="{1380650C-F38A-453B-A013-BBA41EE7AF58}"/>
               </a:ext>
             </a:extLst>
           </p:cNvPr>
@@ -44476,59 +44492,28 @@
             <a:spLocks noGrp="1"/>
           </p:cNvSpPr>
           <p:nvPr>
-            <p:ph type="body" idx="33"/>
+            <p:ph type="body" idx="37"/>
           </p:nvPr>
         </p:nvSpPr>
-        <p:spPr/>
+        <p:spPr>
+          <a:xfrm>
+            <a:off x="5708709" y="3372939"/>
+            <a:ext cx="2297722" cy="930828"/>
+          </a:xfrm>
+        </p:spPr>
         <p:txBody>
           <a:bodyPr>
-            <a:normAutofit/>
+            <a:normAutofit fontScale="92500"/>
           </a:bodyPr>
           <a:lstStyle/>
           <a:p>
             <a:r>
               <a:rPr lang="en-US" dirty="0"/>
-              <a:t>Support more image hosting platforms</a:t>
-            </a:r>
-          </a:p>
-          <a:p>
-            <a:r>
-              <a:rPr lang="en-US" dirty="0" err="1"/>
-              <a:t>Giphy</a:t>
-            </a:r>
-            <a:r>
-              <a:rPr lang="en-US" dirty="0"/>
-              <a:t>, </a:t>
-            </a:r>
-          </a:p>
-        </p:txBody>
-      </p:sp>
-      <p:sp>
-        <p:nvSpPr>
-          <p:cNvPr id="10" name="Text Placeholder 9">
-            <a:extLst>
-              <a:ext uri="{FF2B5EF4-FFF2-40B4-BE49-F238E27FC236}">
-                <a16:creationId xmlns:a16="http://schemas.microsoft.com/office/drawing/2014/main" id="{67777536-862A-4117-99A6-08D618025F3E}"/>
-              </a:ext>
-            </a:extLst>
-          </p:cNvPr>
-          <p:cNvSpPr>
-            <a:spLocks noGrp="1"/>
-          </p:cNvSpPr>
-          <p:nvPr>
-            <p:ph type="body" sz="quarter" idx="31"/>
-          </p:nvPr>
-        </p:nvSpPr>
-        <p:spPr/>
-        <p:txBody>
-          <a:bodyPr/>
-          <a:lstStyle/>
-          <a:p>
-            <a:r>
-              <a:rPr lang="en-US" dirty="0"/>
-              <a:t>3</a:t>
-            </a:r>
-            <a:endParaRPr lang="ru-RU" dirty="0"/>
+              <a:t>Build on the current available topics of discussion and integrate deeper level of details on each </a:t>
+            </a:r>
+          </a:p>
+          <a:p>
+            <a:endParaRPr lang="en-US" dirty="0"/>
           </a:p>
         </p:txBody>
       </p:sp>
@@ -44537,7 +44522,7 @@
           <p:cNvPr id="19" name="Text Placeholder 18">
             <a:extLst>
               <a:ext uri="{FF2B5EF4-FFF2-40B4-BE49-F238E27FC236}">
-                <a16:creationId xmlns:a16="http://schemas.microsoft.com/office/drawing/2014/main" id="{12F7FE6A-EF99-4A0F-B41B-9EED6BCFB58F}"/>
+                <a16:creationId xmlns:a16="http://schemas.microsoft.com/office/drawing/2014/main" id="{3FE94227-60D4-4F00-82E3-FC47D05B755B}"/>
               </a:ext>
             </a:extLst>
           </p:cNvPr>
@@ -44550,12 +44535,14 @@
         </p:nvSpPr>
         <p:spPr/>
         <p:txBody>
-          <a:bodyPr/>
+          <a:bodyPr>
+            <a:normAutofit fontScale="92500"/>
+          </a:bodyPr>
           <a:lstStyle/>
           <a:p>
             <a:r>
               <a:rPr lang="en-US" dirty="0"/>
-              <a:t>Feature 3 </a:t>
+              <a:t>Broaden Discussion </a:t>
             </a:r>
             <a:endParaRPr lang="ru-RU" dirty="0"/>
           </a:p>
@@ -44563,10 +44550,10 @@
       </p:sp>
       <p:sp>
         <p:nvSpPr>
-          <p:cNvPr id="18" name="Text Placeholder 17">
-            <a:extLst>
-              <a:ext uri="{FF2B5EF4-FFF2-40B4-BE49-F238E27FC236}">
-                <a16:creationId xmlns:a16="http://schemas.microsoft.com/office/drawing/2014/main" id="{8437F6BD-1892-43B0-BD66-91036E5CAAF7}"/>
+          <p:cNvPr id="21" name="Text Placeholder 20">
+            <a:extLst>
+              <a:ext uri="{FF2B5EF4-FFF2-40B4-BE49-F238E27FC236}">
+                <a16:creationId xmlns:a16="http://schemas.microsoft.com/office/drawing/2014/main" id="{A6A54B8F-502B-4E15-AE5E-3988E2ED92A6}"/>
               </a:ext>
             </a:extLst>
           </p:cNvPr>
@@ -44574,28 +44561,49 @@
             <a:spLocks noGrp="1"/>
           </p:cNvSpPr>
           <p:nvPr>
-            <p:ph type="body" idx="37"/>
+            <p:ph type="body" idx="40"/>
           </p:nvPr>
         </p:nvSpPr>
-        <p:spPr/>
-        <p:txBody>
-          <a:bodyPr/>
+        <p:spPr>
+          <a:xfrm>
+            <a:off x="5704578" y="4800796"/>
+            <a:ext cx="2297722" cy="1227471"/>
+          </a:xfrm>
+        </p:spPr>
+        <p:txBody>
+          <a:bodyPr>
+            <a:normAutofit fontScale="92500" lnSpcReduction="10000"/>
+          </a:bodyPr>
           <a:lstStyle/>
           <a:p>
             <a:r>
               <a:rPr lang="en-US" dirty="0"/>
-              <a:t>Section 3 Subtitle</a:t>
-            </a:r>
-            <a:endParaRPr lang="ru-RU" dirty="0"/>
-          </a:p>
-        </p:txBody>
-      </p:sp>
-      <p:sp>
-        <p:nvSpPr>
-          <p:cNvPr id="17" name="Text Placeholder 16">
-            <a:extLst>
-              <a:ext uri="{FF2B5EF4-FFF2-40B4-BE49-F238E27FC236}">
-                <a16:creationId xmlns:a16="http://schemas.microsoft.com/office/drawing/2014/main" id="{ED753487-20C4-4668-BE91-11BEE80F5B0C}"/>
+              <a:t>Incorporate helpful principles of Software Engineering in greater extent.</a:t>
+            </a:r>
+          </a:p>
+          <a:p>
+            <a:r>
+              <a:rPr lang="en-US" dirty="0"/>
+              <a:t>Modularity</a:t>
+            </a:r>
+          </a:p>
+          <a:p>
+            <a:r>
+              <a:rPr lang="en-US" dirty="0"/>
+              <a:t>Information Hiding </a:t>
+            </a:r>
+          </a:p>
+          <a:p>
+            <a:endParaRPr lang="en-US" dirty="0"/>
+          </a:p>
+        </p:txBody>
+      </p:sp>
+      <p:sp>
+        <p:nvSpPr>
+          <p:cNvPr id="22" name="Text Placeholder 21">
+            <a:extLst>
+              <a:ext uri="{FF2B5EF4-FFF2-40B4-BE49-F238E27FC236}">
+                <a16:creationId xmlns:a16="http://schemas.microsoft.com/office/drawing/2014/main" id="{97281914-3813-4547-BE6F-49188E60A90A}"/>
               </a:ext>
             </a:extLst>
           </p:cNvPr>
@@ -44603,31 +44611,28 @@
             <a:spLocks noGrp="1"/>
           </p:cNvSpPr>
           <p:nvPr>
-            <p:ph type="body" idx="36"/>
+            <p:ph type="body" idx="41"/>
           </p:nvPr>
         </p:nvSpPr>
-        <p:spPr>
-          <a:xfrm>
-            <a:off x="8975159" y="3147170"/>
-            <a:ext cx="2589369" cy="2311934"/>
-          </a:xfrm>
-        </p:spPr>
-        <p:txBody>
-          <a:bodyPr>
-            <a:normAutofit/>
-          </a:bodyPr>
+        <p:spPr/>
+        <p:txBody>
+          <a:bodyPr/>
           <a:lstStyle/>
           <a:p>
-            <a:endParaRPr lang="en-US" dirty="0"/>
-          </a:p>
-        </p:txBody>
-      </p:sp>
-      <p:sp>
-        <p:nvSpPr>
-          <p:cNvPr id="6" name="Slide Number Placeholder 5">
-            <a:extLst>
-              <a:ext uri="{FF2B5EF4-FFF2-40B4-BE49-F238E27FC236}">
-                <a16:creationId xmlns:a16="http://schemas.microsoft.com/office/drawing/2014/main" id="{8277F7BB-ABDC-47FC-A794-3AB13968D04A}"/>
+            <a:r>
+              <a:rPr lang="en-US" dirty="0"/>
+              <a:t>Internal Design</a:t>
+            </a:r>
+            <a:endParaRPr lang="ru-RU" dirty="0"/>
+          </a:p>
+        </p:txBody>
+      </p:sp>
+      <p:sp>
+        <p:nvSpPr>
+          <p:cNvPr id="24" name="Text Placeholder 23">
+            <a:extLst>
+              <a:ext uri="{FF2B5EF4-FFF2-40B4-BE49-F238E27FC236}">
+                <a16:creationId xmlns:a16="http://schemas.microsoft.com/office/drawing/2014/main" id="{651271CD-8114-4D7B-890B-D4FA42BB3D4A}"/>
               </a:ext>
             </a:extLst>
           </p:cNvPr>
@@ -44635,27 +44640,137 @@
             <a:spLocks noGrp="1"/>
           </p:cNvSpPr>
           <p:nvPr>
-            <p:ph type="sldNum" sz="quarter" idx="12"/>
+            <p:ph type="body" idx="43"/>
           </p:nvPr>
         </p:nvSpPr>
+        <p:spPr>
+          <a:xfrm>
+            <a:off x="9453870" y="3372939"/>
+            <a:ext cx="2297722" cy="930828"/>
+          </a:xfrm>
+        </p:spPr>
+        <p:txBody>
+          <a:bodyPr>
+            <a:normAutofit fontScale="92500" lnSpcReduction="20000"/>
+          </a:bodyPr>
+          <a:lstStyle/>
+          <a:p>
+            <a:r>
+              <a:rPr lang="en-US" dirty="0"/>
+              <a:t>Create more channels (rooms) to provide more variety of topics of discussion and be able to host them accordingly </a:t>
+            </a:r>
+          </a:p>
+          <a:p>
+            <a:endParaRPr lang="en-US" dirty="0"/>
+          </a:p>
+        </p:txBody>
+      </p:sp>
+      <p:sp>
+        <p:nvSpPr>
+          <p:cNvPr id="25" name="Text Placeholder 24">
+            <a:extLst>
+              <a:ext uri="{FF2B5EF4-FFF2-40B4-BE49-F238E27FC236}">
+                <a16:creationId xmlns:a16="http://schemas.microsoft.com/office/drawing/2014/main" id="{55BA3A1D-9ECD-42F8-9453-FFEF69C6519E}"/>
+              </a:ext>
+            </a:extLst>
+          </p:cNvPr>
+          <p:cNvSpPr>
+            <a:spLocks noGrp="1"/>
+          </p:cNvSpPr>
+          <p:nvPr>
+            <p:ph type="body" idx="44"/>
+          </p:nvPr>
+        </p:nvSpPr>
         <p:spPr/>
         <p:txBody>
-          <a:bodyPr/>
+          <a:bodyPr>
+            <a:normAutofit fontScale="85000" lnSpcReduction="10000"/>
+          </a:bodyPr>
           <a:lstStyle/>
           <a:p>
-            <a:fld id="{8D581BC7-E183-40DB-AC97-C19EA4EB8894}" type="slidenum">
-              <a:rPr lang="ru-RU" smtClean="0"/>
-              <a:pPr/>
-              <a:t>11</a:t>
-            </a:fld>
+            <a:r>
+              <a:rPr lang="en-US" dirty="0"/>
+              <a:t>Expand Connections</a:t>
+            </a:r>
             <a:endParaRPr lang="ru-RU" dirty="0"/>
           </a:p>
         </p:txBody>
+      </p:sp>
+      <p:sp>
+        <p:nvSpPr>
+          <p:cNvPr id="23" name="Picture Placeholder 22">
+            <a:extLst>
+              <a:ext uri="{FF2B5EF4-FFF2-40B4-BE49-F238E27FC236}">
+                <a16:creationId xmlns:a16="http://schemas.microsoft.com/office/drawing/2014/main" id="{49DD5294-937D-4833-9C46-2D28B7C48675}"/>
+              </a:ext>
+            </a:extLst>
+          </p:cNvPr>
+          <p:cNvSpPr>
+            <a:spLocks noGrp="1"/>
+          </p:cNvSpPr>
+          <p:nvPr>
+            <p:ph type="pic" sz="quarter" idx="42"/>
+          </p:nvPr>
+        </p:nvSpPr>
+        <p:spPr>
+          <a:solidFill>
+            <a:srgbClr val="225B5F"/>
+          </a:solidFill>
+        </p:spPr>
+      </p:sp>
+      <p:sp>
+        <p:nvSpPr>
+          <p:cNvPr id="20" name="Picture Placeholder 19">
+            <a:extLst>
+              <a:ext uri="{FF2B5EF4-FFF2-40B4-BE49-F238E27FC236}">
+                <a16:creationId xmlns:a16="http://schemas.microsoft.com/office/drawing/2014/main" id="{7FA28648-CBFD-49B2-BF15-D6085892B12A}"/>
+              </a:ext>
+            </a:extLst>
+          </p:cNvPr>
+          <p:cNvSpPr>
+            <a:spLocks noGrp="1"/>
+          </p:cNvSpPr>
+          <p:nvPr>
+            <p:ph type="pic" sz="quarter" idx="39"/>
+          </p:nvPr>
+        </p:nvSpPr>
+        <p:spPr>
+          <a:solidFill>
+            <a:schemeClr val="tx1">
+              <a:lumMod val="50000"/>
+            </a:schemeClr>
+          </a:solidFill>
+        </p:spPr>
+      </p:sp>
+      <p:sp>
+        <p:nvSpPr>
+          <p:cNvPr id="26" name="Picture Placeholder 25">
+            <a:extLst>
+              <a:ext uri="{FF2B5EF4-FFF2-40B4-BE49-F238E27FC236}">
+                <a16:creationId xmlns:a16="http://schemas.microsoft.com/office/drawing/2014/main" id="{64A6887F-EF1D-45E3-8A17-C844AC857937}"/>
+              </a:ext>
+            </a:extLst>
+          </p:cNvPr>
+          <p:cNvSpPr>
+            <a:spLocks noGrp="1"/>
+          </p:cNvSpPr>
+          <p:nvPr>
+            <p:ph type="pic" sz="quarter" idx="45"/>
+          </p:nvPr>
+        </p:nvSpPr>
+        <p:spPr>
+          <a:solidFill>
+            <a:schemeClr val="bg1">
+              <a:lumMod val="75000"/>
+              <a:lumOff val="25000"/>
+            </a:schemeClr>
+          </a:solidFill>
+        </p:spPr>
       </p:sp>
     </p:spTree>
     <p:extLst>
       <p:ext uri="{BB962C8B-B14F-4D97-AF65-F5344CB8AC3E}">
-        <p14:creationId xmlns:p14="http://schemas.microsoft.com/office/powerpoint/2010/main" val="1390205835"/>
+        <p14:creationId xmlns:p14="http://schemas.microsoft.com/office/powerpoint/2010/main" val="1378365787"/>
       </p:ext>
     </p:extLst>
   </p:cSld>
@@ -44682,12 +44797,41 @@
           <a:chExt cx="0" cy="0"/>
         </a:xfrm>
       </p:grpSpPr>
+      <p:sp>
+        <p:nvSpPr>
+          <p:cNvPr id="6" name="Title 5">
+            <a:extLst>
+              <a:ext uri="{FF2B5EF4-FFF2-40B4-BE49-F238E27FC236}">
+                <a16:creationId xmlns:a16="http://schemas.microsoft.com/office/drawing/2014/main" id="{D2F9A33A-E955-4DFB-9469-3FDBA6703985}"/>
+              </a:ext>
+            </a:extLst>
+          </p:cNvPr>
+          <p:cNvSpPr>
+            <a:spLocks noGrp="1"/>
+          </p:cNvSpPr>
+          <p:nvPr>
+            <p:ph type="title"/>
+          </p:nvPr>
+        </p:nvSpPr>
+        <p:spPr/>
+        <p:txBody>
+          <a:bodyPr/>
+          <a:lstStyle/>
+          <a:p>
+            <a:r>
+              <a:rPr lang="en-US" dirty="0"/>
+              <a:t>THANK YOU!</a:t>
+            </a:r>
+            <a:endParaRPr lang="ru-RU" dirty="0"/>
+          </a:p>
+        </p:txBody>
+      </p:sp>
       <p:pic>
         <p:nvPicPr>
-          <p:cNvPr id="20" name="Picture Placeholder 19" descr="Abstract background">
-            <a:extLst>
-              <a:ext uri="{FF2B5EF4-FFF2-40B4-BE49-F238E27FC236}">
-                <a16:creationId xmlns:a16="http://schemas.microsoft.com/office/drawing/2014/main" id="{B9CF847D-0BA8-4D40-B95D-DAC8A415A56D}"/>
+          <p:cNvPr id="15" name="Picture Placeholder 14" descr="Abstract background">
+            <a:extLst>
+              <a:ext uri="{FF2B5EF4-FFF2-40B4-BE49-F238E27FC236}">
+                <a16:creationId xmlns:a16="http://schemas.microsoft.com/office/drawing/2014/main" id="{72AD0CC3-F8DE-4C10-916A-24BC65B1D283}"/>
               </a:ext>
             </a:extLst>
           </p:cNvPr>
@@ -44695,7 +44839,7 @@
             <a:picLocks noGrp="1" noChangeAspect="1"/>
           </p:cNvPicPr>
           <p:nvPr>
-            <p:ph type="pic" sz="quarter" idx="15"/>
+            <p:ph type="pic" sz="quarter" idx="22"/>
           </p:nvPr>
         </p:nvPicPr>
         <p:blipFill>
@@ -44713,126 +44857,10 @@
         </p:blipFill>
         <p:spPr/>
       </p:pic>
-      <p:sp>
-        <p:nvSpPr>
-          <p:cNvPr id="5" name="Title 4">
-            <a:extLst>
-              <a:ext uri="{FF2B5EF4-FFF2-40B4-BE49-F238E27FC236}">
-                <a16:creationId xmlns:a16="http://schemas.microsoft.com/office/drawing/2014/main" id="{953F70E9-6111-446A-BD49-B6A996FA030D}"/>
-              </a:ext>
-            </a:extLst>
-          </p:cNvPr>
-          <p:cNvSpPr>
-            <a:spLocks noGrp="1"/>
-          </p:cNvSpPr>
-          <p:nvPr>
-            <p:ph type="title"/>
-          </p:nvPr>
-        </p:nvSpPr>
-        <p:spPr/>
-        <p:txBody>
-          <a:bodyPr/>
-          <a:lstStyle/>
-          <a:p>
-            <a:r>
-              <a:rPr lang="en-US" dirty="0"/>
-              <a:t>SUMMARY</a:t>
-            </a:r>
-            <a:endParaRPr lang="ru-RU" dirty="0"/>
-          </a:p>
-        </p:txBody>
-      </p:sp>
-      <p:sp>
-        <p:nvSpPr>
-          <p:cNvPr id="6" name="Text Placeholder 5">
-            <a:extLst>
-              <a:ext uri="{FF2B5EF4-FFF2-40B4-BE49-F238E27FC236}">
-                <a16:creationId xmlns:a16="http://schemas.microsoft.com/office/drawing/2014/main" id="{33221DE2-465E-4B89-BDBB-17EC727932B0}"/>
-              </a:ext>
-            </a:extLst>
-          </p:cNvPr>
-          <p:cNvSpPr>
-            <a:spLocks noGrp="1"/>
-          </p:cNvSpPr>
-          <p:nvPr>
-            <p:ph type="body" idx="1"/>
-          </p:nvPr>
-        </p:nvSpPr>
-        <p:spPr/>
-        <p:txBody>
-          <a:bodyPr/>
-          <a:lstStyle/>
-          <a:p>
-            <a:r>
-              <a:rPr lang="en-US" dirty="0"/>
-              <a:t>Do we need this slide?</a:t>
-            </a:r>
-          </a:p>
-        </p:txBody>
-      </p:sp>
-      <p:sp>
-        <p:nvSpPr>
-          <p:cNvPr id="8" name="Text Placeholder 7">
-            <a:extLst>
-              <a:ext uri="{FF2B5EF4-FFF2-40B4-BE49-F238E27FC236}">
-                <a16:creationId xmlns:a16="http://schemas.microsoft.com/office/drawing/2014/main" id="{7F9E6494-1485-4A3D-8CD3-31B5FAC16899}"/>
-              </a:ext>
-            </a:extLst>
-          </p:cNvPr>
-          <p:cNvSpPr>
-            <a:spLocks noGrp="1"/>
-          </p:cNvSpPr>
-          <p:nvPr>
-            <p:ph type="body" idx="14"/>
-          </p:nvPr>
-        </p:nvSpPr>
-        <p:spPr/>
-        <p:txBody>
-          <a:bodyPr/>
-          <a:lstStyle/>
-          <a:p>
-            <a:r>
-              <a:rPr lang="en-US" dirty="0"/>
-              <a:t>DETAILS</a:t>
-            </a:r>
-            <a:endParaRPr lang="ru-RU" dirty="0"/>
-          </a:p>
-        </p:txBody>
-      </p:sp>
-      <p:sp>
-        <p:nvSpPr>
-          <p:cNvPr id="4" name="Slide Number Placeholder 3">
-            <a:extLst>
-              <a:ext uri="{FF2B5EF4-FFF2-40B4-BE49-F238E27FC236}">
-                <a16:creationId xmlns:a16="http://schemas.microsoft.com/office/drawing/2014/main" id="{F9EB9F42-DBAC-4200-A2A6-96F4D943EB76}"/>
-              </a:ext>
-            </a:extLst>
-          </p:cNvPr>
-          <p:cNvSpPr>
-            <a:spLocks noGrp="1"/>
-          </p:cNvSpPr>
-          <p:nvPr>
-            <p:ph type="sldNum" sz="quarter" idx="12"/>
-          </p:nvPr>
-        </p:nvSpPr>
-        <p:spPr/>
-        <p:txBody>
-          <a:bodyPr/>
-          <a:lstStyle/>
-          <a:p>
-            <a:fld id="{8D581BC7-E183-40DB-AC97-C19EA4EB8894}" type="slidenum">
-              <a:rPr lang="ru-RU" smtClean="0"/>
-              <a:pPr/>
-              <a:t>12</a:t>
-            </a:fld>
-            <a:endParaRPr lang="ru-RU" dirty="0"/>
-          </a:p>
-        </p:txBody>
-      </p:sp>
     </p:spTree>
     <p:extLst>
       <p:ext uri="{BB962C8B-B14F-4D97-AF65-F5344CB8AC3E}">
-        <p14:creationId xmlns:p14="http://schemas.microsoft.com/office/powerpoint/2010/main" val="202239174"/>
+        <p14:creationId xmlns:p14="http://schemas.microsoft.com/office/powerpoint/2010/main" val="2695672276"/>
       </p:ext>
     </p:extLst>
   </p:cSld>
@@ -44864,7 +44892,7 @@
           <p:cNvPr id="6" name="Title 5">
             <a:extLst>
               <a:ext uri="{FF2B5EF4-FFF2-40B4-BE49-F238E27FC236}">
-                <a16:creationId xmlns:a16="http://schemas.microsoft.com/office/drawing/2014/main" id="{D2F9A33A-E955-4DFB-9469-3FDBA6703985}"/>
+                <a16:creationId xmlns:a16="http://schemas.microsoft.com/office/drawing/2014/main" id="{DBCAB2DE-EF98-46F8-A621-2E1A6624F138}"/>
               </a:ext>
             </a:extLst>
           </p:cNvPr>
@@ -44882,97 +44910,7 @@
           <a:p>
             <a:r>
               <a:rPr lang="en-US" dirty="0"/>
-              <a:t>THANK YOU!</a:t>
-            </a:r>
-            <a:endParaRPr lang="ru-RU" dirty="0"/>
-          </a:p>
-        </p:txBody>
-      </p:sp>
-      <p:pic>
-        <p:nvPicPr>
-          <p:cNvPr id="15" name="Picture Placeholder 14" descr="Abstract background">
-            <a:extLst>
-              <a:ext uri="{FF2B5EF4-FFF2-40B4-BE49-F238E27FC236}">
-                <a16:creationId xmlns:a16="http://schemas.microsoft.com/office/drawing/2014/main" id="{72AD0CC3-F8DE-4C10-916A-24BC65B1D283}"/>
-              </a:ext>
-            </a:extLst>
-          </p:cNvPr>
-          <p:cNvPicPr>
-            <a:picLocks noGrp="1" noChangeAspect="1"/>
-          </p:cNvPicPr>
-          <p:nvPr>
-            <p:ph type="pic" sz="quarter" idx="22"/>
-          </p:nvPr>
-        </p:nvPicPr>
-        <p:blipFill>
-          <a:blip r:embed="rId2">
-            <a:extLst>
-              <a:ext uri="{28A0092B-C50C-407E-A947-70E740481C1C}">
-                <a14:useLocalDpi xmlns:a14="http://schemas.microsoft.com/office/drawing/2010/main" val="0"/>
-              </a:ext>
-            </a:extLst>
-          </a:blip>
-          <a:srcRect/>
-          <a:stretch>
-            <a:fillRect/>
-          </a:stretch>
-        </p:blipFill>
-        <p:spPr/>
-      </p:pic>
-    </p:spTree>
-    <p:extLst>
-      <p:ext uri="{BB962C8B-B14F-4D97-AF65-F5344CB8AC3E}">
-        <p14:creationId xmlns:p14="http://schemas.microsoft.com/office/powerpoint/2010/main" val="2695672276"/>
-      </p:ext>
-    </p:extLst>
-  </p:cSld>
-  <p:clrMapOvr>
-    <a:masterClrMapping/>
-  </p:clrMapOvr>
-</p:sld>
-</file>
-
-<file path=ppt/slides/slide14.xml><?xml version="1.0" encoding="utf-8"?>
-<p:sld xmlns:a="http://schemas.openxmlformats.org/drawingml/2006/main" xmlns:r="http://schemas.openxmlformats.org/officeDocument/2006/relationships" xmlns:p="http://schemas.openxmlformats.org/presentationml/2006/main">
-  <p:cSld>
-    <p:spTree>
-      <p:nvGrpSpPr>
-        <p:cNvPr id="1" name=""/>
-        <p:cNvGrpSpPr/>
-        <p:nvPr/>
-      </p:nvGrpSpPr>
-      <p:grpSpPr>
-        <a:xfrm>
-          <a:off x="0" y="0"/>
-          <a:ext cx="0" cy="0"/>
-          <a:chOff x="0" y="0"/>
-          <a:chExt cx="0" cy="0"/>
-        </a:xfrm>
-      </p:grpSpPr>
-      <p:sp>
-        <p:nvSpPr>
-          <p:cNvPr id="6" name="Title 5">
-            <a:extLst>
-              <a:ext uri="{FF2B5EF4-FFF2-40B4-BE49-F238E27FC236}">
-                <a16:creationId xmlns:a16="http://schemas.microsoft.com/office/drawing/2014/main" id="{DBCAB2DE-EF98-46F8-A621-2E1A6624F138}"/>
-              </a:ext>
-            </a:extLst>
-          </p:cNvPr>
-          <p:cNvSpPr>
-            <a:spLocks noGrp="1"/>
-          </p:cNvSpPr>
-          <p:nvPr>
-            <p:ph type="title"/>
-          </p:nvPr>
-        </p:nvSpPr>
-        <p:spPr/>
-        <p:txBody>
-          <a:bodyPr/>
-          <a:lstStyle/>
-          <a:p>
-            <a:r>
-              <a:rPr lang="en-US" dirty="0"/>
-              <a:t>APPENDIX</a:t>
+              <a:t>References</a:t>
             </a:r>
             <a:endParaRPr lang="ru-RU" dirty="0"/>
           </a:p>
@@ -45037,7 +44975,7 @@
           <a:p>
             <a:fld id="{8D581BC7-E183-40DB-AC97-C19EA4EB8894}" type="slidenum">
               <a:rPr lang="ru-RU" smtClean="0"/>
-              <a:t>14</a:t>
+              <a:t>13</a:t>
             </a:fld>
             <a:endParaRPr lang="ru-RU" dirty="0"/>
           </a:p>
@@ -45059,8 +44997,8 @@
         </p:nvSpPr>
         <p:spPr>
           <a:xfrm>
-            <a:off x="3643326" y="2995285"/>
-            <a:ext cx="4452987" cy="1328330"/>
+            <a:off x="3611354" y="2331066"/>
+            <a:ext cx="4969291" cy="2884371"/>
           </a:xfrm>
           <a:prstGeom prst="rect">
             <a:avLst/>
@@ -45235,9 +45173,99 @@
             </a:lvl9pPr>
           </a:lstStyle>
           <a:p>
+            <a:pPr lvl="0"/>
             <a:r>
               <a:rPr lang="en-US" dirty="0"/>
-              <a:t>This section is for the references for the pictures, I have all the links, making the proper reference formatted version</a:t>
+              <a:t>“Can You Learn Python Programming in a Month?” </a:t>
+            </a:r>
+            <a:r>
+              <a:rPr lang="en-US" i="1" dirty="0" err="1"/>
+              <a:t>TechWorm</a:t>
+            </a:r>
+            <a:r>
+              <a:rPr lang="en-US" dirty="0"/>
+              <a:t>, </a:t>
+            </a:r>
+            <a:r>
+              <a:rPr lang="en-US" dirty="0" err="1"/>
+              <a:t>TechWorm</a:t>
+            </a:r>
+            <a:r>
+              <a:rPr lang="en-US" dirty="0"/>
+              <a:t>, 5 Apr. 2017, www.techworm.net/2017/04/can-learn-python-programming-month.html.</a:t>
+            </a:r>
+          </a:p>
+          <a:p>
+            <a:pPr lvl="0"/>
+            <a:r>
+              <a:rPr lang="en-US" dirty="0"/>
+              <a:t>“Discord Bots.” </a:t>
+            </a:r>
+            <a:r>
+              <a:rPr lang="en-US" i="1" dirty="0"/>
+              <a:t>Discord Bots</a:t>
+            </a:r>
+            <a:r>
+              <a:rPr lang="en-US" dirty="0"/>
+              <a:t>, discordbots.org/.</a:t>
+            </a:r>
+          </a:p>
+          <a:p>
+            <a:pPr lvl="0"/>
+            <a:r>
+              <a:rPr lang="en-US" dirty="0" err="1"/>
+              <a:t>Hald</a:t>
+            </a:r>
+            <a:r>
+              <a:rPr lang="en-US" dirty="0"/>
+              <a:t>, </a:t>
+            </a:r>
+            <a:r>
+              <a:rPr lang="en-US" dirty="0" err="1"/>
+              <a:t>Grasia</a:t>
+            </a:r>
+            <a:r>
+              <a:rPr lang="en-US" dirty="0"/>
+              <a:t>. “Chatbot 101: Everything You Ever Wanted to Know about Chatbots.” </a:t>
+            </a:r>
+            <a:r>
+              <a:rPr lang="en-US" i="1" dirty="0"/>
+              <a:t>Medium.com</a:t>
+            </a:r>
+            <a:r>
+              <a:rPr lang="en-US" dirty="0"/>
+              <a:t>, Medium, 15 Nov. 2017, medium.com/</a:t>
+            </a:r>
+            <a:r>
+              <a:rPr lang="en-US" dirty="0" err="1"/>
+              <a:t>botsupply</a:t>
+            </a:r>
+            <a:r>
+              <a:rPr lang="en-US" dirty="0"/>
+              <a:t>/chatbot-101-everything-you-ever-wanted-to-know-about-chatbots-478c0b825dd0.</a:t>
+            </a:r>
+          </a:p>
+          <a:p>
+            <a:pPr lvl="0"/>
+            <a:r>
+              <a:rPr lang="en-US" dirty="0"/>
+              <a:t>“The Battle of the Operating Systems.” </a:t>
+            </a:r>
+            <a:r>
+              <a:rPr lang="en-US" i="1" dirty="0"/>
+              <a:t>3 Top Benefits of a Product Roadmap Planning | </a:t>
+            </a:r>
+            <a:r>
+              <a:rPr lang="en-US" i="1" dirty="0" err="1"/>
+              <a:t>EPages</a:t>
+            </a:r>
+            <a:r>
+              <a:rPr lang="en-US" i="1" dirty="0"/>
+              <a:t> Developer Portal</a:t>
+            </a:r>
+            <a:r>
+              <a:rPr lang="en-US" dirty="0"/>
+              <a:t>, developer.epages.com/blog/tech-stories/the-battle-of-the-operating-systems/.</a:t>
             </a:r>
           </a:p>
         </p:txBody>

--- a/Documents/3XA3_Presentation_2.pptx
+++ b/Documents/3XA3_Presentation_2.pptx
@@ -16,7 +16,7 @@
     <p:sldId id="258" r:id="rId4"/>
     <p:sldId id="259" r:id="rId5"/>
     <p:sldId id="279" r:id="rId6"/>
-    <p:sldId id="263" r:id="rId7"/>
+    <p:sldId id="281" r:id="rId7"/>
     <p:sldId id="260" r:id="rId8"/>
     <p:sldId id="261" r:id="rId9"/>
     <p:sldId id="265" r:id="rId10"/>
@@ -44052,13 +44052,18 @@
             <p:ph type="title"/>
           </p:nvPr>
         </p:nvSpPr>
-        <p:spPr/>
+        <p:spPr>
+          <a:xfrm>
+            <a:off x="3863976" y="696584"/>
+            <a:ext cx="4464049" cy="569086"/>
+          </a:xfrm>
+        </p:spPr>
         <p:txBody>
           <a:bodyPr/>
           <a:lstStyle/>
           <a:p>
             <a:r>
-              <a:rPr lang="en-US" dirty="0"/>
+              <a:rPr lang="en-US"/>
               <a:t>DEMO</a:t>
             </a:r>
             <a:endParaRPr lang="ru-RU" dirty="0"/>
@@ -44094,7 +44099,12 @@
             <a:fillRect/>
           </a:stretch>
         </p:blipFill>
-        <p:spPr/>
+        <p:spPr>
+          <a:xfrm>
+            <a:off x="0" y="1682496"/>
+            <a:ext cx="12191999" cy="3493008"/>
+          </a:xfrm>
+        </p:spPr>
       </p:pic>
       <p:sp>
         <p:nvSpPr>
@@ -44112,7 +44122,12 @@
             <p:ph type="sldNum" sz="quarter" idx="12"/>
           </p:nvPr>
         </p:nvSpPr>
-        <p:spPr/>
+        <p:spPr>
+          <a:xfrm>
+            <a:off x="778643" y="5879656"/>
+            <a:ext cx="354492" cy="297307"/>
+          </a:xfrm>
+        </p:spPr>
         <p:txBody>
           <a:bodyPr/>
           <a:lstStyle/>
@@ -44128,28 +44143,28 @@
       </p:sp>
       <p:pic>
         <p:nvPicPr>
-          <p:cNvPr id="4" name="Picture 3"/>
+          <p:cNvPr id="8" name="Picture 7">
+            <a:extLst>
+              <a:ext uri="{FF2B5EF4-FFF2-40B4-BE49-F238E27FC236}">
+                <a16:creationId xmlns:a16="http://schemas.microsoft.com/office/drawing/2014/main" id="{AF671636-5181-476C-BE81-48AC146F9C7F}"/>
+              </a:ext>
+            </a:extLst>
+          </p:cNvPr>
           <p:cNvPicPr>
             <a:picLocks noChangeAspect="1"/>
           </p:cNvPicPr>
           <p:nvPr/>
         </p:nvPicPr>
         <p:blipFill>
-          <a:blip r:embed="rId3">
-            <a:extLst>
-              <a:ext uri="{28A0092B-C50C-407E-A947-70E740481C1C}">
-                <a14:useLocalDpi xmlns:a14="http://schemas.microsoft.com/office/drawing/2010/main" val="0"/>
-              </a:ext>
-            </a:extLst>
-          </a:blip>
+          <a:blip r:embed="rId3"/>
           <a:stretch>
             <a:fillRect/>
           </a:stretch>
         </p:blipFill>
         <p:spPr>
           <a:xfrm>
-            <a:off x="2328862" y="2424112"/>
-            <a:ext cx="7534275" cy="2009775"/>
+            <a:off x="2185987" y="2376487"/>
+            <a:ext cx="7820025" cy="2105025"/>
           </a:xfrm>
           <a:prstGeom prst="rect">
             <a:avLst/>
@@ -46097,10 +46112,39 @@
       </p:grpSpPr>
       <p:sp>
         <p:nvSpPr>
+          <p:cNvPr id="4" name="Slide Number Placeholder 3">
+            <a:extLst>
+              <a:ext uri="{FF2B5EF4-FFF2-40B4-BE49-F238E27FC236}">
+                <a16:creationId xmlns:a16="http://schemas.microsoft.com/office/drawing/2014/main" id="{96999100-6A42-427F-B964-5B9FC8486B5F}"/>
+              </a:ext>
+            </a:extLst>
+          </p:cNvPr>
+          <p:cNvSpPr>
+            <a:spLocks noGrp="1"/>
+          </p:cNvSpPr>
+          <p:nvPr>
+            <p:ph type="sldNum" sz="quarter" idx="12"/>
+          </p:nvPr>
+        </p:nvSpPr>
+        <p:spPr/>
+        <p:txBody>
+          <a:bodyPr/>
+          <a:lstStyle/>
+          <a:p>
+            <a:fld id="{8D581BC7-E183-40DB-AC97-C19EA4EB8894}" type="slidenum">
+              <a:rPr lang="ru-RU" smtClean="0"/>
+              <a:t>6</a:t>
+            </a:fld>
+            <a:endParaRPr lang="ru-RU" dirty="0"/>
+          </a:p>
+        </p:txBody>
+      </p:sp>
+      <p:sp>
+        <p:nvSpPr>
           <p:cNvPr id="5" name="Title 4">
             <a:extLst>
               <a:ext uri="{FF2B5EF4-FFF2-40B4-BE49-F238E27FC236}">
-                <a16:creationId xmlns:a16="http://schemas.microsoft.com/office/drawing/2014/main" id="{9FFA9230-37E2-4CEB-A3E5-B704CE27367E}"/>
+                <a16:creationId xmlns:a16="http://schemas.microsoft.com/office/drawing/2014/main" id="{A8B68A6D-0EA9-445E-8C03-EE500D06DA6D}"/>
               </a:ext>
             </a:extLst>
           </p:cNvPr>
@@ -46120,16 +46164,1469 @@
               <a:rPr lang="en-US" dirty="0"/>
               <a:t>Current Features</a:t>
             </a:r>
+            <a:endParaRPr lang="en-CA" dirty="0"/>
+          </a:p>
+        </p:txBody>
+      </p:sp>
+      <p:sp>
+        <p:nvSpPr>
+          <p:cNvPr id="11" name="Text Placeholder 8">
+            <a:extLst>
+              <a:ext uri="{FF2B5EF4-FFF2-40B4-BE49-F238E27FC236}">
+                <a16:creationId xmlns:a16="http://schemas.microsoft.com/office/drawing/2014/main" id="{DF52E857-CD3D-4A78-96D1-6F48C10FD462}"/>
+              </a:ext>
+            </a:extLst>
+          </p:cNvPr>
+          <p:cNvSpPr txBox="1">
+            <a:spLocks/>
+          </p:cNvSpPr>
+          <p:nvPr/>
+        </p:nvSpPr>
+        <p:spPr>
+          <a:xfrm>
+            <a:off x="339032" y="3854352"/>
+            <a:ext cx="2944368" cy="328343"/>
+          </a:xfrm>
+          <a:prstGeom prst="rect">
+            <a:avLst/>
+          </a:prstGeom>
+        </p:spPr>
+        <p:txBody>
+          <a:bodyPr/>
+          <a:lstStyle>
+            <a:lvl1pPr marL="228600" indent="-228600" algn="l" defTabSz="914400" rtl="0" eaLnBrk="1" latinLnBrk="0" hangingPunct="1">
+              <a:lnSpc>
+                <a:spcPct val="90000"/>
+              </a:lnSpc>
+              <a:spcBef>
+                <a:spcPts val="1000"/>
+              </a:spcBef>
+              <a:buFont typeface="Arial" panose="020B0604020202020204" pitchFamily="34" charset="0"/>
+              <a:buChar char="•"/>
+              <a:defRPr sz="2800" kern="1200">
+                <a:solidFill>
+                  <a:schemeClr val="tx1"/>
+                </a:solidFill>
+                <a:latin typeface="+mn-lt"/>
+                <a:ea typeface="+mn-ea"/>
+                <a:cs typeface="+mn-cs"/>
+              </a:defRPr>
+            </a:lvl1pPr>
+            <a:lvl2pPr marL="685800" indent="-228600" algn="l" defTabSz="914400" rtl="0" eaLnBrk="1" latinLnBrk="0" hangingPunct="1">
+              <a:lnSpc>
+                <a:spcPct val="90000"/>
+              </a:lnSpc>
+              <a:spcBef>
+                <a:spcPts val="500"/>
+              </a:spcBef>
+              <a:buFont typeface="Arial" panose="020B0604020202020204" pitchFamily="34" charset="0"/>
+              <a:buChar char="•"/>
+              <a:defRPr sz="2400" kern="1200">
+                <a:solidFill>
+                  <a:schemeClr val="tx1"/>
+                </a:solidFill>
+                <a:latin typeface="+mn-lt"/>
+                <a:ea typeface="+mn-ea"/>
+                <a:cs typeface="+mn-cs"/>
+              </a:defRPr>
+            </a:lvl2pPr>
+            <a:lvl3pPr marL="1143000" indent="-228600" algn="l" defTabSz="914400" rtl="0" eaLnBrk="1" latinLnBrk="0" hangingPunct="1">
+              <a:lnSpc>
+                <a:spcPct val="90000"/>
+              </a:lnSpc>
+              <a:spcBef>
+                <a:spcPts val="500"/>
+              </a:spcBef>
+              <a:buFont typeface="Arial" panose="020B0604020202020204" pitchFamily="34" charset="0"/>
+              <a:buChar char="•"/>
+              <a:defRPr sz="2000" kern="1200">
+                <a:solidFill>
+                  <a:schemeClr val="tx1"/>
+                </a:solidFill>
+                <a:latin typeface="+mn-lt"/>
+                <a:ea typeface="+mn-ea"/>
+                <a:cs typeface="+mn-cs"/>
+              </a:defRPr>
+            </a:lvl3pPr>
+            <a:lvl4pPr marL="1600200" indent="-228600" algn="l" defTabSz="914400" rtl="0" eaLnBrk="1" latinLnBrk="0" hangingPunct="1">
+              <a:lnSpc>
+                <a:spcPct val="90000"/>
+              </a:lnSpc>
+              <a:spcBef>
+                <a:spcPts val="500"/>
+              </a:spcBef>
+              <a:buFont typeface="Arial" panose="020B0604020202020204" pitchFamily="34" charset="0"/>
+              <a:buChar char="•"/>
+              <a:defRPr sz="1800" kern="1200">
+                <a:solidFill>
+                  <a:schemeClr val="tx1"/>
+                </a:solidFill>
+                <a:latin typeface="+mn-lt"/>
+                <a:ea typeface="+mn-ea"/>
+                <a:cs typeface="+mn-cs"/>
+              </a:defRPr>
+            </a:lvl4pPr>
+            <a:lvl5pPr marL="2057400" indent="-228600" algn="l" defTabSz="914400" rtl="0" eaLnBrk="1" latinLnBrk="0" hangingPunct="1">
+              <a:lnSpc>
+                <a:spcPct val="90000"/>
+              </a:lnSpc>
+              <a:spcBef>
+                <a:spcPts val="500"/>
+              </a:spcBef>
+              <a:buFont typeface="Arial" panose="020B0604020202020204" pitchFamily="34" charset="0"/>
+              <a:buChar char="•"/>
+              <a:defRPr sz="1800" kern="1200">
+                <a:solidFill>
+                  <a:schemeClr val="tx1"/>
+                </a:solidFill>
+                <a:latin typeface="+mn-lt"/>
+                <a:ea typeface="+mn-ea"/>
+                <a:cs typeface="+mn-cs"/>
+              </a:defRPr>
+            </a:lvl5pPr>
+            <a:lvl6pPr marL="2514600" indent="-228600" algn="l" defTabSz="914400" rtl="0" eaLnBrk="1" latinLnBrk="0" hangingPunct="1">
+              <a:lnSpc>
+                <a:spcPct val="90000"/>
+              </a:lnSpc>
+              <a:spcBef>
+                <a:spcPts val="500"/>
+              </a:spcBef>
+              <a:buFont typeface="Arial" panose="020B0604020202020204" pitchFamily="34" charset="0"/>
+              <a:buChar char="•"/>
+              <a:defRPr sz="1800" kern="1200">
+                <a:solidFill>
+                  <a:schemeClr val="tx1"/>
+                </a:solidFill>
+                <a:latin typeface="+mn-lt"/>
+                <a:ea typeface="+mn-ea"/>
+                <a:cs typeface="+mn-cs"/>
+              </a:defRPr>
+            </a:lvl6pPr>
+            <a:lvl7pPr marL="2971800" indent="-228600" algn="l" defTabSz="914400" rtl="0" eaLnBrk="1" latinLnBrk="0" hangingPunct="1">
+              <a:lnSpc>
+                <a:spcPct val="90000"/>
+              </a:lnSpc>
+              <a:spcBef>
+                <a:spcPts val="500"/>
+              </a:spcBef>
+              <a:buFont typeface="Arial" panose="020B0604020202020204" pitchFamily="34" charset="0"/>
+              <a:buChar char="•"/>
+              <a:defRPr sz="1800" kern="1200">
+                <a:solidFill>
+                  <a:schemeClr val="tx1"/>
+                </a:solidFill>
+                <a:latin typeface="+mn-lt"/>
+                <a:ea typeface="+mn-ea"/>
+                <a:cs typeface="+mn-cs"/>
+              </a:defRPr>
+            </a:lvl7pPr>
+            <a:lvl8pPr marL="3429000" indent="-228600" algn="l" defTabSz="914400" rtl="0" eaLnBrk="1" latinLnBrk="0" hangingPunct="1">
+              <a:lnSpc>
+                <a:spcPct val="90000"/>
+              </a:lnSpc>
+              <a:spcBef>
+                <a:spcPts val="500"/>
+              </a:spcBef>
+              <a:buFont typeface="Arial" panose="020B0604020202020204" pitchFamily="34" charset="0"/>
+              <a:buChar char="•"/>
+              <a:defRPr sz="1800" kern="1200">
+                <a:solidFill>
+                  <a:schemeClr val="tx1"/>
+                </a:solidFill>
+                <a:latin typeface="+mn-lt"/>
+                <a:ea typeface="+mn-ea"/>
+                <a:cs typeface="+mn-cs"/>
+              </a:defRPr>
+            </a:lvl8pPr>
+            <a:lvl9pPr marL="3886200" indent="-228600" algn="l" defTabSz="914400" rtl="0" eaLnBrk="1" latinLnBrk="0" hangingPunct="1">
+              <a:lnSpc>
+                <a:spcPct val="90000"/>
+              </a:lnSpc>
+              <a:spcBef>
+                <a:spcPts val="500"/>
+              </a:spcBef>
+              <a:buFont typeface="Arial" panose="020B0604020202020204" pitchFamily="34" charset="0"/>
+              <a:buChar char="•"/>
+              <a:defRPr sz="1800" kern="1200">
+                <a:solidFill>
+                  <a:schemeClr val="tx1"/>
+                </a:solidFill>
+                <a:latin typeface="+mn-lt"/>
+                <a:ea typeface="+mn-ea"/>
+                <a:cs typeface="+mn-cs"/>
+              </a:defRPr>
+            </a:lvl9pPr>
+          </a:lstStyle>
+          <a:p>
+            <a:pPr marL="0" indent="0">
+              <a:buNone/>
+            </a:pPr>
+            <a:r>
+              <a:rPr lang="en-US" dirty="0"/>
+              <a:t>Music.py</a:t>
+            </a:r>
             <a:endParaRPr lang="ru-RU" dirty="0"/>
           </a:p>
         </p:txBody>
       </p:sp>
       <p:sp>
         <p:nvSpPr>
-          <p:cNvPr id="6" name="Text Placeholder 5">
-            <a:extLst>
-              <a:ext uri="{FF2B5EF4-FFF2-40B4-BE49-F238E27FC236}">
-                <a16:creationId xmlns:a16="http://schemas.microsoft.com/office/drawing/2014/main" id="{04CE41FD-E209-4A5A-A2E8-544E35CFA6C5}"/>
+          <p:cNvPr id="12" name="Text Placeholder 7">
+            <a:extLst>
+              <a:ext uri="{FF2B5EF4-FFF2-40B4-BE49-F238E27FC236}">
+                <a16:creationId xmlns:a16="http://schemas.microsoft.com/office/drawing/2014/main" id="{3261B677-C827-4D3E-A525-FDD9F83304FC}"/>
+              </a:ext>
+            </a:extLst>
+          </p:cNvPr>
+          <p:cNvSpPr txBox="1">
+            <a:spLocks/>
+          </p:cNvSpPr>
+          <p:nvPr/>
+        </p:nvSpPr>
+        <p:spPr>
+          <a:xfrm>
+            <a:off x="458301" y="4308131"/>
+            <a:ext cx="2944368" cy="1419822"/>
+          </a:xfrm>
+          <a:prstGeom prst="rect">
+            <a:avLst/>
+          </a:prstGeom>
+        </p:spPr>
+        <p:txBody>
+          <a:bodyPr vert="horz" lIns="0" tIns="0" rIns="0" bIns="0" rtlCol="0">
+            <a:normAutofit/>
+          </a:bodyPr>
+          <a:lstStyle>
+            <a:lvl1pPr marL="216000" indent="-216000" algn="l" defTabSz="914400" rtl="0" eaLnBrk="1" latinLnBrk="0" hangingPunct="1">
+              <a:lnSpc>
+                <a:spcPct val="100000"/>
+              </a:lnSpc>
+              <a:spcBef>
+                <a:spcPts val="600"/>
+              </a:spcBef>
+              <a:buClr>
+                <a:schemeClr val="tx1"/>
+              </a:buClr>
+              <a:buFont typeface="Courier New" panose="02070309020205020404" pitchFamily="49" charset="0"/>
+              <a:buChar char="o"/>
+              <a:defRPr sz="1400" kern="1200">
+                <a:solidFill>
+                  <a:schemeClr val="tx2"/>
+                </a:solidFill>
+                <a:latin typeface="+mn-lt"/>
+                <a:ea typeface="+mn-ea"/>
+                <a:cs typeface="+mn-cs"/>
+              </a:defRPr>
+            </a:lvl1pPr>
+            <a:lvl2pPr marL="457200" indent="0" algn="l" defTabSz="914400" rtl="0" eaLnBrk="1" latinLnBrk="0" hangingPunct="1">
+              <a:lnSpc>
+                <a:spcPct val="90000"/>
+              </a:lnSpc>
+              <a:spcBef>
+                <a:spcPts val="500"/>
+              </a:spcBef>
+              <a:buFont typeface="Arial" panose="020B0604020202020204" pitchFamily="34" charset="0"/>
+              <a:buNone/>
+              <a:defRPr sz="2000" kern="1200">
+                <a:solidFill>
+                  <a:schemeClr val="tx1">
+                    <a:tint val="75000"/>
+                  </a:schemeClr>
+                </a:solidFill>
+                <a:latin typeface="+mn-lt"/>
+                <a:ea typeface="+mn-ea"/>
+                <a:cs typeface="+mn-cs"/>
+              </a:defRPr>
+            </a:lvl2pPr>
+            <a:lvl3pPr marL="914400" indent="0" algn="l" defTabSz="914400" rtl="0" eaLnBrk="1" latinLnBrk="0" hangingPunct="1">
+              <a:lnSpc>
+                <a:spcPct val="90000"/>
+              </a:lnSpc>
+              <a:spcBef>
+                <a:spcPts val="500"/>
+              </a:spcBef>
+              <a:buFont typeface="Arial" panose="020B0604020202020204" pitchFamily="34" charset="0"/>
+              <a:buNone/>
+              <a:defRPr sz="1800" kern="1200">
+                <a:solidFill>
+                  <a:schemeClr val="tx1">
+                    <a:tint val="75000"/>
+                  </a:schemeClr>
+                </a:solidFill>
+                <a:latin typeface="+mn-lt"/>
+                <a:ea typeface="+mn-ea"/>
+                <a:cs typeface="+mn-cs"/>
+              </a:defRPr>
+            </a:lvl3pPr>
+            <a:lvl4pPr marL="1371600" indent="0" algn="l" defTabSz="914400" rtl="0" eaLnBrk="1" latinLnBrk="0" hangingPunct="1">
+              <a:lnSpc>
+                <a:spcPct val="90000"/>
+              </a:lnSpc>
+              <a:spcBef>
+                <a:spcPts val="500"/>
+              </a:spcBef>
+              <a:buFont typeface="Arial" panose="020B0604020202020204" pitchFamily="34" charset="0"/>
+              <a:buNone/>
+              <a:defRPr sz="1600" kern="1200">
+                <a:solidFill>
+                  <a:schemeClr val="tx1">
+                    <a:tint val="75000"/>
+                  </a:schemeClr>
+                </a:solidFill>
+                <a:latin typeface="+mn-lt"/>
+                <a:ea typeface="+mn-ea"/>
+                <a:cs typeface="+mn-cs"/>
+              </a:defRPr>
+            </a:lvl4pPr>
+            <a:lvl5pPr marL="1828800" indent="0" algn="l" defTabSz="914400" rtl="0" eaLnBrk="1" latinLnBrk="0" hangingPunct="1">
+              <a:lnSpc>
+                <a:spcPct val="90000"/>
+              </a:lnSpc>
+              <a:spcBef>
+                <a:spcPts val="500"/>
+              </a:spcBef>
+              <a:buFont typeface="Arial" panose="020B0604020202020204" pitchFamily="34" charset="0"/>
+              <a:buNone/>
+              <a:defRPr sz="1600" kern="1200">
+                <a:solidFill>
+                  <a:schemeClr val="tx1">
+                    <a:tint val="75000"/>
+                  </a:schemeClr>
+                </a:solidFill>
+                <a:latin typeface="+mn-lt"/>
+                <a:ea typeface="+mn-ea"/>
+                <a:cs typeface="+mn-cs"/>
+              </a:defRPr>
+            </a:lvl5pPr>
+            <a:lvl6pPr marL="2286000" indent="0" algn="l" defTabSz="914400" rtl="0" eaLnBrk="1" latinLnBrk="0" hangingPunct="1">
+              <a:lnSpc>
+                <a:spcPct val="90000"/>
+              </a:lnSpc>
+              <a:spcBef>
+                <a:spcPts val="500"/>
+              </a:spcBef>
+              <a:buFont typeface="Arial" panose="020B0604020202020204" pitchFamily="34" charset="0"/>
+              <a:buNone/>
+              <a:defRPr sz="1600" kern="1200">
+                <a:solidFill>
+                  <a:schemeClr val="tx1">
+                    <a:tint val="75000"/>
+                  </a:schemeClr>
+                </a:solidFill>
+                <a:latin typeface="+mn-lt"/>
+                <a:ea typeface="+mn-ea"/>
+                <a:cs typeface="+mn-cs"/>
+              </a:defRPr>
+            </a:lvl6pPr>
+            <a:lvl7pPr marL="2743200" indent="0" algn="l" defTabSz="914400" rtl="0" eaLnBrk="1" latinLnBrk="0" hangingPunct="1">
+              <a:lnSpc>
+                <a:spcPct val="90000"/>
+              </a:lnSpc>
+              <a:spcBef>
+                <a:spcPts val="500"/>
+              </a:spcBef>
+              <a:buFont typeface="Arial" panose="020B0604020202020204" pitchFamily="34" charset="0"/>
+              <a:buNone/>
+              <a:defRPr sz="1600" kern="1200">
+                <a:solidFill>
+                  <a:schemeClr val="tx1">
+                    <a:tint val="75000"/>
+                  </a:schemeClr>
+                </a:solidFill>
+                <a:latin typeface="+mn-lt"/>
+                <a:ea typeface="+mn-ea"/>
+                <a:cs typeface="+mn-cs"/>
+              </a:defRPr>
+            </a:lvl7pPr>
+            <a:lvl8pPr marL="3200400" indent="0" algn="l" defTabSz="914400" rtl="0" eaLnBrk="1" latinLnBrk="0" hangingPunct="1">
+              <a:lnSpc>
+                <a:spcPct val="90000"/>
+              </a:lnSpc>
+              <a:spcBef>
+                <a:spcPts val="500"/>
+              </a:spcBef>
+              <a:buFont typeface="Arial" panose="020B0604020202020204" pitchFamily="34" charset="0"/>
+              <a:buNone/>
+              <a:defRPr sz="1600" kern="1200">
+                <a:solidFill>
+                  <a:schemeClr val="tx1">
+                    <a:tint val="75000"/>
+                  </a:schemeClr>
+                </a:solidFill>
+                <a:latin typeface="+mn-lt"/>
+                <a:ea typeface="+mn-ea"/>
+                <a:cs typeface="+mn-cs"/>
+              </a:defRPr>
+            </a:lvl8pPr>
+            <a:lvl9pPr marL="3657600" indent="0" algn="l" defTabSz="914400" rtl="0" eaLnBrk="1" latinLnBrk="0" hangingPunct="1">
+              <a:lnSpc>
+                <a:spcPct val="90000"/>
+              </a:lnSpc>
+              <a:spcBef>
+                <a:spcPts val="500"/>
+              </a:spcBef>
+              <a:buFont typeface="Arial" panose="020B0604020202020204" pitchFamily="34" charset="0"/>
+              <a:buNone/>
+              <a:defRPr sz="1600" kern="1200">
+                <a:solidFill>
+                  <a:schemeClr val="tx1">
+                    <a:tint val="75000"/>
+                  </a:schemeClr>
+                </a:solidFill>
+                <a:latin typeface="+mn-lt"/>
+                <a:ea typeface="+mn-ea"/>
+                <a:cs typeface="+mn-cs"/>
+              </a:defRPr>
+            </a:lvl9pPr>
+          </a:lstStyle>
+          <a:p>
+            <a:pPr marL="0" indent="0">
+              <a:buNone/>
+            </a:pPr>
+            <a:r>
+              <a:rPr lang="en-CA" sz="2400" dirty="0">
+                <a:solidFill>
+                  <a:schemeClr val="bg2"/>
+                </a:solidFill>
+              </a:rPr>
+              <a:t>Built-in music player to share in channels</a:t>
+            </a:r>
+          </a:p>
+        </p:txBody>
+      </p:sp>
+      <p:sp>
+        <p:nvSpPr>
+          <p:cNvPr id="14" name="Text Placeholder 12">
+            <a:extLst>
+              <a:ext uri="{FF2B5EF4-FFF2-40B4-BE49-F238E27FC236}">
+                <a16:creationId xmlns:a16="http://schemas.microsoft.com/office/drawing/2014/main" id="{4DBEBA78-5D4C-4709-9E20-55414FCD2FED}"/>
+              </a:ext>
+            </a:extLst>
+          </p:cNvPr>
+          <p:cNvSpPr txBox="1">
+            <a:spLocks/>
+          </p:cNvSpPr>
+          <p:nvPr/>
+        </p:nvSpPr>
+        <p:spPr>
+          <a:xfrm>
+            <a:off x="3547349" y="3854352"/>
+            <a:ext cx="2944368" cy="328343"/>
+          </a:xfrm>
+          <a:prstGeom prst="rect">
+            <a:avLst/>
+          </a:prstGeom>
+        </p:spPr>
+        <p:txBody>
+          <a:bodyPr/>
+          <a:lstStyle>
+            <a:lvl1pPr marL="228600" indent="-228600" algn="l" defTabSz="914400" rtl="0" eaLnBrk="1" latinLnBrk="0" hangingPunct="1">
+              <a:lnSpc>
+                <a:spcPct val="90000"/>
+              </a:lnSpc>
+              <a:spcBef>
+                <a:spcPts val="1000"/>
+              </a:spcBef>
+              <a:buFont typeface="Arial" panose="020B0604020202020204" pitchFamily="34" charset="0"/>
+              <a:buChar char="•"/>
+              <a:defRPr sz="2800" kern="1200">
+                <a:solidFill>
+                  <a:schemeClr val="tx1"/>
+                </a:solidFill>
+                <a:latin typeface="+mn-lt"/>
+                <a:ea typeface="+mn-ea"/>
+                <a:cs typeface="+mn-cs"/>
+              </a:defRPr>
+            </a:lvl1pPr>
+            <a:lvl2pPr marL="685800" indent="-228600" algn="l" defTabSz="914400" rtl="0" eaLnBrk="1" latinLnBrk="0" hangingPunct="1">
+              <a:lnSpc>
+                <a:spcPct val="90000"/>
+              </a:lnSpc>
+              <a:spcBef>
+                <a:spcPts val="500"/>
+              </a:spcBef>
+              <a:buFont typeface="Arial" panose="020B0604020202020204" pitchFamily="34" charset="0"/>
+              <a:buChar char="•"/>
+              <a:defRPr sz="2400" kern="1200">
+                <a:solidFill>
+                  <a:schemeClr val="tx1"/>
+                </a:solidFill>
+                <a:latin typeface="+mn-lt"/>
+                <a:ea typeface="+mn-ea"/>
+                <a:cs typeface="+mn-cs"/>
+              </a:defRPr>
+            </a:lvl2pPr>
+            <a:lvl3pPr marL="1143000" indent="-228600" algn="l" defTabSz="914400" rtl="0" eaLnBrk="1" latinLnBrk="0" hangingPunct="1">
+              <a:lnSpc>
+                <a:spcPct val="90000"/>
+              </a:lnSpc>
+              <a:spcBef>
+                <a:spcPts val="500"/>
+              </a:spcBef>
+              <a:buFont typeface="Arial" panose="020B0604020202020204" pitchFamily="34" charset="0"/>
+              <a:buChar char="•"/>
+              <a:defRPr sz="2000" kern="1200">
+                <a:solidFill>
+                  <a:schemeClr val="tx1"/>
+                </a:solidFill>
+                <a:latin typeface="+mn-lt"/>
+                <a:ea typeface="+mn-ea"/>
+                <a:cs typeface="+mn-cs"/>
+              </a:defRPr>
+            </a:lvl3pPr>
+            <a:lvl4pPr marL="1600200" indent="-228600" algn="l" defTabSz="914400" rtl="0" eaLnBrk="1" latinLnBrk="0" hangingPunct="1">
+              <a:lnSpc>
+                <a:spcPct val="90000"/>
+              </a:lnSpc>
+              <a:spcBef>
+                <a:spcPts val="500"/>
+              </a:spcBef>
+              <a:buFont typeface="Arial" panose="020B0604020202020204" pitchFamily="34" charset="0"/>
+              <a:buChar char="•"/>
+              <a:defRPr sz="1800" kern="1200">
+                <a:solidFill>
+                  <a:schemeClr val="tx1"/>
+                </a:solidFill>
+                <a:latin typeface="+mn-lt"/>
+                <a:ea typeface="+mn-ea"/>
+                <a:cs typeface="+mn-cs"/>
+              </a:defRPr>
+            </a:lvl4pPr>
+            <a:lvl5pPr marL="2057400" indent="-228600" algn="l" defTabSz="914400" rtl="0" eaLnBrk="1" latinLnBrk="0" hangingPunct="1">
+              <a:lnSpc>
+                <a:spcPct val="90000"/>
+              </a:lnSpc>
+              <a:spcBef>
+                <a:spcPts val="500"/>
+              </a:spcBef>
+              <a:buFont typeface="Arial" panose="020B0604020202020204" pitchFamily="34" charset="0"/>
+              <a:buChar char="•"/>
+              <a:defRPr sz="1800" kern="1200">
+                <a:solidFill>
+                  <a:schemeClr val="tx1"/>
+                </a:solidFill>
+                <a:latin typeface="+mn-lt"/>
+                <a:ea typeface="+mn-ea"/>
+                <a:cs typeface="+mn-cs"/>
+              </a:defRPr>
+            </a:lvl5pPr>
+            <a:lvl6pPr marL="2514600" indent="-228600" algn="l" defTabSz="914400" rtl="0" eaLnBrk="1" latinLnBrk="0" hangingPunct="1">
+              <a:lnSpc>
+                <a:spcPct val="90000"/>
+              </a:lnSpc>
+              <a:spcBef>
+                <a:spcPts val="500"/>
+              </a:spcBef>
+              <a:buFont typeface="Arial" panose="020B0604020202020204" pitchFamily="34" charset="0"/>
+              <a:buChar char="•"/>
+              <a:defRPr sz="1800" kern="1200">
+                <a:solidFill>
+                  <a:schemeClr val="tx1"/>
+                </a:solidFill>
+                <a:latin typeface="+mn-lt"/>
+                <a:ea typeface="+mn-ea"/>
+                <a:cs typeface="+mn-cs"/>
+              </a:defRPr>
+            </a:lvl6pPr>
+            <a:lvl7pPr marL="2971800" indent="-228600" algn="l" defTabSz="914400" rtl="0" eaLnBrk="1" latinLnBrk="0" hangingPunct="1">
+              <a:lnSpc>
+                <a:spcPct val="90000"/>
+              </a:lnSpc>
+              <a:spcBef>
+                <a:spcPts val="500"/>
+              </a:spcBef>
+              <a:buFont typeface="Arial" panose="020B0604020202020204" pitchFamily="34" charset="0"/>
+              <a:buChar char="•"/>
+              <a:defRPr sz="1800" kern="1200">
+                <a:solidFill>
+                  <a:schemeClr val="tx1"/>
+                </a:solidFill>
+                <a:latin typeface="+mn-lt"/>
+                <a:ea typeface="+mn-ea"/>
+                <a:cs typeface="+mn-cs"/>
+              </a:defRPr>
+            </a:lvl7pPr>
+            <a:lvl8pPr marL="3429000" indent="-228600" algn="l" defTabSz="914400" rtl="0" eaLnBrk="1" latinLnBrk="0" hangingPunct="1">
+              <a:lnSpc>
+                <a:spcPct val="90000"/>
+              </a:lnSpc>
+              <a:spcBef>
+                <a:spcPts val="500"/>
+              </a:spcBef>
+              <a:buFont typeface="Arial" panose="020B0604020202020204" pitchFamily="34" charset="0"/>
+              <a:buChar char="•"/>
+              <a:defRPr sz="1800" kern="1200">
+                <a:solidFill>
+                  <a:schemeClr val="tx1"/>
+                </a:solidFill>
+                <a:latin typeface="+mn-lt"/>
+                <a:ea typeface="+mn-ea"/>
+                <a:cs typeface="+mn-cs"/>
+              </a:defRPr>
+            </a:lvl8pPr>
+            <a:lvl9pPr marL="3886200" indent="-228600" algn="l" defTabSz="914400" rtl="0" eaLnBrk="1" latinLnBrk="0" hangingPunct="1">
+              <a:lnSpc>
+                <a:spcPct val="90000"/>
+              </a:lnSpc>
+              <a:spcBef>
+                <a:spcPts val="500"/>
+              </a:spcBef>
+              <a:buFont typeface="Arial" panose="020B0604020202020204" pitchFamily="34" charset="0"/>
+              <a:buChar char="•"/>
+              <a:defRPr sz="1800" kern="1200">
+                <a:solidFill>
+                  <a:schemeClr val="tx1"/>
+                </a:solidFill>
+                <a:latin typeface="+mn-lt"/>
+                <a:ea typeface="+mn-ea"/>
+                <a:cs typeface="+mn-cs"/>
+              </a:defRPr>
+            </a:lvl9pPr>
+          </a:lstStyle>
+          <a:p>
+            <a:pPr marL="0" indent="0">
+              <a:buNone/>
+            </a:pPr>
+            <a:r>
+              <a:rPr lang="en-CA" dirty="0"/>
+              <a:t>Level.py</a:t>
+            </a:r>
+            <a:endParaRPr lang="ru-RU" dirty="0"/>
+          </a:p>
+        </p:txBody>
+      </p:sp>
+      <p:sp>
+        <p:nvSpPr>
+          <p:cNvPr id="15" name="Text Placeholder 10">
+            <a:extLst>
+              <a:ext uri="{FF2B5EF4-FFF2-40B4-BE49-F238E27FC236}">
+                <a16:creationId xmlns:a16="http://schemas.microsoft.com/office/drawing/2014/main" id="{C56746BD-E637-405B-AB1E-107CB101DDB1}"/>
+              </a:ext>
+            </a:extLst>
+          </p:cNvPr>
+          <p:cNvSpPr txBox="1">
+            <a:spLocks/>
+          </p:cNvSpPr>
+          <p:nvPr/>
+        </p:nvSpPr>
+        <p:spPr>
+          <a:xfrm>
+            <a:off x="3547349" y="4267038"/>
+            <a:ext cx="3105242" cy="1419822"/>
+          </a:xfrm>
+          <a:prstGeom prst="rect">
+            <a:avLst/>
+          </a:prstGeom>
+        </p:spPr>
+        <p:txBody>
+          <a:bodyPr>
+            <a:normAutofit/>
+          </a:bodyPr>
+          <a:lstStyle>
+            <a:lvl1pPr marL="228600" indent="-228600" algn="l" defTabSz="914400" rtl="0" eaLnBrk="1" latinLnBrk="0" hangingPunct="1">
+              <a:lnSpc>
+                <a:spcPct val="90000"/>
+              </a:lnSpc>
+              <a:spcBef>
+                <a:spcPts val="1000"/>
+              </a:spcBef>
+              <a:buFont typeface="Arial" panose="020B0604020202020204" pitchFamily="34" charset="0"/>
+              <a:buChar char="•"/>
+              <a:defRPr sz="2800" kern="1200">
+                <a:solidFill>
+                  <a:schemeClr val="tx1"/>
+                </a:solidFill>
+                <a:latin typeface="+mn-lt"/>
+                <a:ea typeface="+mn-ea"/>
+                <a:cs typeface="+mn-cs"/>
+              </a:defRPr>
+            </a:lvl1pPr>
+            <a:lvl2pPr marL="685800" indent="-228600" algn="l" defTabSz="914400" rtl="0" eaLnBrk="1" latinLnBrk="0" hangingPunct="1">
+              <a:lnSpc>
+                <a:spcPct val="90000"/>
+              </a:lnSpc>
+              <a:spcBef>
+                <a:spcPts val="500"/>
+              </a:spcBef>
+              <a:buFont typeface="Arial" panose="020B0604020202020204" pitchFamily="34" charset="0"/>
+              <a:buChar char="•"/>
+              <a:defRPr sz="2400" kern="1200">
+                <a:solidFill>
+                  <a:schemeClr val="tx1"/>
+                </a:solidFill>
+                <a:latin typeface="+mn-lt"/>
+                <a:ea typeface="+mn-ea"/>
+                <a:cs typeface="+mn-cs"/>
+              </a:defRPr>
+            </a:lvl2pPr>
+            <a:lvl3pPr marL="1143000" indent="-228600" algn="l" defTabSz="914400" rtl="0" eaLnBrk="1" latinLnBrk="0" hangingPunct="1">
+              <a:lnSpc>
+                <a:spcPct val="90000"/>
+              </a:lnSpc>
+              <a:spcBef>
+                <a:spcPts val="500"/>
+              </a:spcBef>
+              <a:buFont typeface="Arial" panose="020B0604020202020204" pitchFamily="34" charset="0"/>
+              <a:buChar char="•"/>
+              <a:defRPr sz="2000" kern="1200">
+                <a:solidFill>
+                  <a:schemeClr val="tx1"/>
+                </a:solidFill>
+                <a:latin typeface="+mn-lt"/>
+                <a:ea typeface="+mn-ea"/>
+                <a:cs typeface="+mn-cs"/>
+              </a:defRPr>
+            </a:lvl3pPr>
+            <a:lvl4pPr marL="1600200" indent="-228600" algn="l" defTabSz="914400" rtl="0" eaLnBrk="1" latinLnBrk="0" hangingPunct="1">
+              <a:lnSpc>
+                <a:spcPct val="90000"/>
+              </a:lnSpc>
+              <a:spcBef>
+                <a:spcPts val="500"/>
+              </a:spcBef>
+              <a:buFont typeface="Arial" panose="020B0604020202020204" pitchFamily="34" charset="0"/>
+              <a:buChar char="•"/>
+              <a:defRPr sz="1800" kern="1200">
+                <a:solidFill>
+                  <a:schemeClr val="tx1"/>
+                </a:solidFill>
+                <a:latin typeface="+mn-lt"/>
+                <a:ea typeface="+mn-ea"/>
+                <a:cs typeface="+mn-cs"/>
+              </a:defRPr>
+            </a:lvl4pPr>
+            <a:lvl5pPr marL="2057400" indent="-228600" algn="l" defTabSz="914400" rtl="0" eaLnBrk="1" latinLnBrk="0" hangingPunct="1">
+              <a:lnSpc>
+                <a:spcPct val="90000"/>
+              </a:lnSpc>
+              <a:spcBef>
+                <a:spcPts val="500"/>
+              </a:spcBef>
+              <a:buFont typeface="Arial" panose="020B0604020202020204" pitchFamily="34" charset="0"/>
+              <a:buChar char="•"/>
+              <a:defRPr sz="1800" kern="1200">
+                <a:solidFill>
+                  <a:schemeClr val="tx1"/>
+                </a:solidFill>
+                <a:latin typeface="+mn-lt"/>
+                <a:ea typeface="+mn-ea"/>
+                <a:cs typeface="+mn-cs"/>
+              </a:defRPr>
+            </a:lvl5pPr>
+            <a:lvl6pPr marL="2514600" indent="-228600" algn="l" defTabSz="914400" rtl="0" eaLnBrk="1" latinLnBrk="0" hangingPunct="1">
+              <a:lnSpc>
+                <a:spcPct val="90000"/>
+              </a:lnSpc>
+              <a:spcBef>
+                <a:spcPts val="500"/>
+              </a:spcBef>
+              <a:buFont typeface="Arial" panose="020B0604020202020204" pitchFamily="34" charset="0"/>
+              <a:buChar char="•"/>
+              <a:defRPr sz="1800" kern="1200">
+                <a:solidFill>
+                  <a:schemeClr val="tx1"/>
+                </a:solidFill>
+                <a:latin typeface="+mn-lt"/>
+                <a:ea typeface="+mn-ea"/>
+                <a:cs typeface="+mn-cs"/>
+              </a:defRPr>
+            </a:lvl6pPr>
+            <a:lvl7pPr marL="2971800" indent="-228600" algn="l" defTabSz="914400" rtl="0" eaLnBrk="1" latinLnBrk="0" hangingPunct="1">
+              <a:lnSpc>
+                <a:spcPct val="90000"/>
+              </a:lnSpc>
+              <a:spcBef>
+                <a:spcPts val="500"/>
+              </a:spcBef>
+              <a:buFont typeface="Arial" panose="020B0604020202020204" pitchFamily="34" charset="0"/>
+              <a:buChar char="•"/>
+              <a:defRPr sz="1800" kern="1200">
+                <a:solidFill>
+                  <a:schemeClr val="tx1"/>
+                </a:solidFill>
+                <a:latin typeface="+mn-lt"/>
+                <a:ea typeface="+mn-ea"/>
+                <a:cs typeface="+mn-cs"/>
+              </a:defRPr>
+            </a:lvl7pPr>
+            <a:lvl8pPr marL="3429000" indent="-228600" algn="l" defTabSz="914400" rtl="0" eaLnBrk="1" latinLnBrk="0" hangingPunct="1">
+              <a:lnSpc>
+                <a:spcPct val="90000"/>
+              </a:lnSpc>
+              <a:spcBef>
+                <a:spcPts val="500"/>
+              </a:spcBef>
+              <a:buFont typeface="Arial" panose="020B0604020202020204" pitchFamily="34" charset="0"/>
+              <a:buChar char="•"/>
+              <a:defRPr sz="1800" kern="1200">
+                <a:solidFill>
+                  <a:schemeClr val="tx1"/>
+                </a:solidFill>
+                <a:latin typeface="+mn-lt"/>
+                <a:ea typeface="+mn-ea"/>
+                <a:cs typeface="+mn-cs"/>
+              </a:defRPr>
+            </a:lvl8pPr>
+            <a:lvl9pPr marL="3886200" indent="-228600" algn="l" defTabSz="914400" rtl="0" eaLnBrk="1" latinLnBrk="0" hangingPunct="1">
+              <a:lnSpc>
+                <a:spcPct val="90000"/>
+              </a:lnSpc>
+              <a:spcBef>
+                <a:spcPts val="500"/>
+              </a:spcBef>
+              <a:buFont typeface="Arial" panose="020B0604020202020204" pitchFamily="34" charset="0"/>
+              <a:buChar char="•"/>
+              <a:defRPr sz="1800" kern="1200">
+                <a:solidFill>
+                  <a:schemeClr val="tx1"/>
+                </a:solidFill>
+                <a:latin typeface="+mn-lt"/>
+                <a:ea typeface="+mn-ea"/>
+                <a:cs typeface="+mn-cs"/>
+              </a:defRPr>
+            </a:lvl9pPr>
+          </a:lstStyle>
+          <a:p>
+            <a:pPr marL="0" indent="0">
+              <a:buNone/>
+            </a:pPr>
+            <a:r>
+              <a:rPr lang="en-US" sz="2400" dirty="0">
+                <a:solidFill>
+                  <a:schemeClr val="bg2"/>
+                </a:solidFill>
+              </a:rPr>
+              <a:t>Member leveling system for community participation</a:t>
+            </a:r>
+            <a:endParaRPr lang="ru-RU" sz="2400" dirty="0">
+              <a:solidFill>
+                <a:schemeClr val="bg2"/>
+              </a:solidFill>
+            </a:endParaRPr>
+          </a:p>
+        </p:txBody>
+      </p:sp>
+      <p:sp>
+        <p:nvSpPr>
+          <p:cNvPr id="17" name="Text Placeholder 15">
+            <a:extLst>
+              <a:ext uri="{FF2B5EF4-FFF2-40B4-BE49-F238E27FC236}">
+                <a16:creationId xmlns:a16="http://schemas.microsoft.com/office/drawing/2014/main" id="{31BC44DB-0F55-4FFC-895B-27240E490ADA}"/>
+              </a:ext>
+            </a:extLst>
+          </p:cNvPr>
+          <p:cNvSpPr txBox="1">
+            <a:spLocks/>
+          </p:cNvSpPr>
+          <p:nvPr/>
+        </p:nvSpPr>
+        <p:spPr>
+          <a:xfrm>
+            <a:off x="6894591" y="3814928"/>
+            <a:ext cx="2944368" cy="328343"/>
+          </a:xfrm>
+          <a:prstGeom prst="rect">
+            <a:avLst/>
+          </a:prstGeom>
+        </p:spPr>
+        <p:txBody>
+          <a:bodyPr/>
+          <a:lstStyle>
+            <a:lvl1pPr marL="228600" indent="-228600" algn="l" defTabSz="914400" rtl="0" eaLnBrk="1" latinLnBrk="0" hangingPunct="1">
+              <a:lnSpc>
+                <a:spcPct val="90000"/>
+              </a:lnSpc>
+              <a:spcBef>
+                <a:spcPts val="1000"/>
+              </a:spcBef>
+              <a:buFont typeface="Arial" panose="020B0604020202020204" pitchFamily="34" charset="0"/>
+              <a:buChar char="•"/>
+              <a:defRPr sz="2800" kern="1200">
+                <a:solidFill>
+                  <a:schemeClr val="tx1"/>
+                </a:solidFill>
+                <a:latin typeface="+mn-lt"/>
+                <a:ea typeface="+mn-ea"/>
+                <a:cs typeface="+mn-cs"/>
+              </a:defRPr>
+            </a:lvl1pPr>
+            <a:lvl2pPr marL="685800" indent="-228600" algn="l" defTabSz="914400" rtl="0" eaLnBrk="1" latinLnBrk="0" hangingPunct="1">
+              <a:lnSpc>
+                <a:spcPct val="90000"/>
+              </a:lnSpc>
+              <a:spcBef>
+                <a:spcPts val="500"/>
+              </a:spcBef>
+              <a:buFont typeface="Arial" panose="020B0604020202020204" pitchFamily="34" charset="0"/>
+              <a:buChar char="•"/>
+              <a:defRPr sz="2400" kern="1200">
+                <a:solidFill>
+                  <a:schemeClr val="tx1"/>
+                </a:solidFill>
+                <a:latin typeface="+mn-lt"/>
+                <a:ea typeface="+mn-ea"/>
+                <a:cs typeface="+mn-cs"/>
+              </a:defRPr>
+            </a:lvl2pPr>
+            <a:lvl3pPr marL="1143000" indent="-228600" algn="l" defTabSz="914400" rtl="0" eaLnBrk="1" latinLnBrk="0" hangingPunct="1">
+              <a:lnSpc>
+                <a:spcPct val="90000"/>
+              </a:lnSpc>
+              <a:spcBef>
+                <a:spcPts val="500"/>
+              </a:spcBef>
+              <a:buFont typeface="Arial" panose="020B0604020202020204" pitchFamily="34" charset="0"/>
+              <a:buChar char="•"/>
+              <a:defRPr sz="2000" kern="1200">
+                <a:solidFill>
+                  <a:schemeClr val="tx1"/>
+                </a:solidFill>
+                <a:latin typeface="+mn-lt"/>
+                <a:ea typeface="+mn-ea"/>
+                <a:cs typeface="+mn-cs"/>
+              </a:defRPr>
+            </a:lvl3pPr>
+            <a:lvl4pPr marL="1600200" indent="-228600" algn="l" defTabSz="914400" rtl="0" eaLnBrk="1" latinLnBrk="0" hangingPunct="1">
+              <a:lnSpc>
+                <a:spcPct val="90000"/>
+              </a:lnSpc>
+              <a:spcBef>
+                <a:spcPts val="500"/>
+              </a:spcBef>
+              <a:buFont typeface="Arial" panose="020B0604020202020204" pitchFamily="34" charset="0"/>
+              <a:buChar char="•"/>
+              <a:defRPr sz="1800" kern="1200">
+                <a:solidFill>
+                  <a:schemeClr val="tx1"/>
+                </a:solidFill>
+                <a:latin typeface="+mn-lt"/>
+                <a:ea typeface="+mn-ea"/>
+                <a:cs typeface="+mn-cs"/>
+              </a:defRPr>
+            </a:lvl4pPr>
+            <a:lvl5pPr marL="2057400" indent="-228600" algn="l" defTabSz="914400" rtl="0" eaLnBrk="1" latinLnBrk="0" hangingPunct="1">
+              <a:lnSpc>
+                <a:spcPct val="90000"/>
+              </a:lnSpc>
+              <a:spcBef>
+                <a:spcPts val="500"/>
+              </a:spcBef>
+              <a:buFont typeface="Arial" panose="020B0604020202020204" pitchFamily="34" charset="0"/>
+              <a:buChar char="•"/>
+              <a:defRPr sz="1800" kern="1200">
+                <a:solidFill>
+                  <a:schemeClr val="tx1"/>
+                </a:solidFill>
+                <a:latin typeface="+mn-lt"/>
+                <a:ea typeface="+mn-ea"/>
+                <a:cs typeface="+mn-cs"/>
+              </a:defRPr>
+            </a:lvl5pPr>
+            <a:lvl6pPr marL="2514600" indent="-228600" algn="l" defTabSz="914400" rtl="0" eaLnBrk="1" latinLnBrk="0" hangingPunct="1">
+              <a:lnSpc>
+                <a:spcPct val="90000"/>
+              </a:lnSpc>
+              <a:spcBef>
+                <a:spcPts val="500"/>
+              </a:spcBef>
+              <a:buFont typeface="Arial" panose="020B0604020202020204" pitchFamily="34" charset="0"/>
+              <a:buChar char="•"/>
+              <a:defRPr sz="1800" kern="1200">
+                <a:solidFill>
+                  <a:schemeClr val="tx1"/>
+                </a:solidFill>
+                <a:latin typeface="+mn-lt"/>
+                <a:ea typeface="+mn-ea"/>
+                <a:cs typeface="+mn-cs"/>
+              </a:defRPr>
+            </a:lvl6pPr>
+            <a:lvl7pPr marL="2971800" indent="-228600" algn="l" defTabSz="914400" rtl="0" eaLnBrk="1" latinLnBrk="0" hangingPunct="1">
+              <a:lnSpc>
+                <a:spcPct val="90000"/>
+              </a:lnSpc>
+              <a:spcBef>
+                <a:spcPts val="500"/>
+              </a:spcBef>
+              <a:buFont typeface="Arial" panose="020B0604020202020204" pitchFamily="34" charset="0"/>
+              <a:buChar char="•"/>
+              <a:defRPr sz="1800" kern="1200">
+                <a:solidFill>
+                  <a:schemeClr val="tx1"/>
+                </a:solidFill>
+                <a:latin typeface="+mn-lt"/>
+                <a:ea typeface="+mn-ea"/>
+                <a:cs typeface="+mn-cs"/>
+              </a:defRPr>
+            </a:lvl7pPr>
+            <a:lvl8pPr marL="3429000" indent="-228600" algn="l" defTabSz="914400" rtl="0" eaLnBrk="1" latinLnBrk="0" hangingPunct="1">
+              <a:lnSpc>
+                <a:spcPct val="90000"/>
+              </a:lnSpc>
+              <a:spcBef>
+                <a:spcPts val="500"/>
+              </a:spcBef>
+              <a:buFont typeface="Arial" panose="020B0604020202020204" pitchFamily="34" charset="0"/>
+              <a:buChar char="•"/>
+              <a:defRPr sz="1800" kern="1200">
+                <a:solidFill>
+                  <a:schemeClr val="tx1"/>
+                </a:solidFill>
+                <a:latin typeface="+mn-lt"/>
+                <a:ea typeface="+mn-ea"/>
+                <a:cs typeface="+mn-cs"/>
+              </a:defRPr>
+            </a:lvl8pPr>
+            <a:lvl9pPr marL="3886200" indent="-228600" algn="l" defTabSz="914400" rtl="0" eaLnBrk="1" latinLnBrk="0" hangingPunct="1">
+              <a:lnSpc>
+                <a:spcPct val="90000"/>
+              </a:lnSpc>
+              <a:spcBef>
+                <a:spcPts val="500"/>
+              </a:spcBef>
+              <a:buFont typeface="Arial" panose="020B0604020202020204" pitchFamily="34" charset="0"/>
+              <a:buChar char="•"/>
+              <a:defRPr sz="1800" kern="1200">
+                <a:solidFill>
+                  <a:schemeClr val="tx1"/>
+                </a:solidFill>
+                <a:latin typeface="+mn-lt"/>
+                <a:ea typeface="+mn-ea"/>
+                <a:cs typeface="+mn-cs"/>
+              </a:defRPr>
+            </a:lvl9pPr>
+          </a:lstStyle>
+          <a:p>
+            <a:pPr marL="0" indent="0">
+              <a:buNone/>
+            </a:pPr>
+            <a:r>
+              <a:rPr lang="en-US" dirty="0"/>
+              <a:t>Comm.py</a:t>
+            </a:r>
+            <a:endParaRPr lang="ru-RU" dirty="0"/>
+          </a:p>
+        </p:txBody>
+      </p:sp>
+      <p:sp>
+        <p:nvSpPr>
+          <p:cNvPr id="18" name="Text Placeholder 13">
+            <a:extLst>
+              <a:ext uri="{FF2B5EF4-FFF2-40B4-BE49-F238E27FC236}">
+                <a16:creationId xmlns:a16="http://schemas.microsoft.com/office/drawing/2014/main" id="{2C04BE80-6747-42B5-B6AD-F9A707A87981}"/>
+              </a:ext>
+            </a:extLst>
+          </p:cNvPr>
+          <p:cNvSpPr txBox="1">
+            <a:spLocks/>
+          </p:cNvSpPr>
+          <p:nvPr/>
+        </p:nvSpPr>
+        <p:spPr>
+          <a:xfrm>
+            <a:off x="6894591" y="4227614"/>
+            <a:ext cx="2944368" cy="1419822"/>
+          </a:xfrm>
+          <a:prstGeom prst="rect">
+            <a:avLst/>
+          </a:prstGeom>
+        </p:spPr>
+        <p:txBody>
+          <a:bodyPr>
+            <a:normAutofit/>
+          </a:bodyPr>
+          <a:lstStyle>
+            <a:lvl1pPr marL="228600" indent="-228600" algn="l" defTabSz="914400" rtl="0" eaLnBrk="1" latinLnBrk="0" hangingPunct="1">
+              <a:lnSpc>
+                <a:spcPct val="90000"/>
+              </a:lnSpc>
+              <a:spcBef>
+                <a:spcPts val="1000"/>
+              </a:spcBef>
+              <a:buFont typeface="Arial" panose="020B0604020202020204" pitchFamily="34" charset="0"/>
+              <a:buChar char="•"/>
+              <a:defRPr sz="2800" kern="1200">
+                <a:solidFill>
+                  <a:schemeClr val="tx1"/>
+                </a:solidFill>
+                <a:latin typeface="+mn-lt"/>
+                <a:ea typeface="+mn-ea"/>
+                <a:cs typeface="+mn-cs"/>
+              </a:defRPr>
+            </a:lvl1pPr>
+            <a:lvl2pPr marL="685800" indent="-228600" algn="l" defTabSz="914400" rtl="0" eaLnBrk="1" latinLnBrk="0" hangingPunct="1">
+              <a:lnSpc>
+                <a:spcPct val="90000"/>
+              </a:lnSpc>
+              <a:spcBef>
+                <a:spcPts val="500"/>
+              </a:spcBef>
+              <a:buFont typeface="Arial" panose="020B0604020202020204" pitchFamily="34" charset="0"/>
+              <a:buChar char="•"/>
+              <a:defRPr sz="2400" kern="1200">
+                <a:solidFill>
+                  <a:schemeClr val="tx1"/>
+                </a:solidFill>
+                <a:latin typeface="+mn-lt"/>
+                <a:ea typeface="+mn-ea"/>
+                <a:cs typeface="+mn-cs"/>
+              </a:defRPr>
+            </a:lvl2pPr>
+            <a:lvl3pPr marL="1143000" indent="-228600" algn="l" defTabSz="914400" rtl="0" eaLnBrk="1" latinLnBrk="0" hangingPunct="1">
+              <a:lnSpc>
+                <a:spcPct val="90000"/>
+              </a:lnSpc>
+              <a:spcBef>
+                <a:spcPts val="500"/>
+              </a:spcBef>
+              <a:buFont typeface="Arial" panose="020B0604020202020204" pitchFamily="34" charset="0"/>
+              <a:buChar char="•"/>
+              <a:defRPr sz="2000" kern="1200">
+                <a:solidFill>
+                  <a:schemeClr val="tx1"/>
+                </a:solidFill>
+                <a:latin typeface="+mn-lt"/>
+                <a:ea typeface="+mn-ea"/>
+                <a:cs typeface="+mn-cs"/>
+              </a:defRPr>
+            </a:lvl3pPr>
+            <a:lvl4pPr marL="1600200" indent="-228600" algn="l" defTabSz="914400" rtl="0" eaLnBrk="1" latinLnBrk="0" hangingPunct="1">
+              <a:lnSpc>
+                <a:spcPct val="90000"/>
+              </a:lnSpc>
+              <a:spcBef>
+                <a:spcPts val="500"/>
+              </a:spcBef>
+              <a:buFont typeface="Arial" panose="020B0604020202020204" pitchFamily="34" charset="0"/>
+              <a:buChar char="•"/>
+              <a:defRPr sz="1800" kern="1200">
+                <a:solidFill>
+                  <a:schemeClr val="tx1"/>
+                </a:solidFill>
+                <a:latin typeface="+mn-lt"/>
+                <a:ea typeface="+mn-ea"/>
+                <a:cs typeface="+mn-cs"/>
+              </a:defRPr>
+            </a:lvl4pPr>
+            <a:lvl5pPr marL="2057400" indent="-228600" algn="l" defTabSz="914400" rtl="0" eaLnBrk="1" latinLnBrk="0" hangingPunct="1">
+              <a:lnSpc>
+                <a:spcPct val="90000"/>
+              </a:lnSpc>
+              <a:spcBef>
+                <a:spcPts val="500"/>
+              </a:spcBef>
+              <a:buFont typeface="Arial" panose="020B0604020202020204" pitchFamily="34" charset="0"/>
+              <a:buChar char="•"/>
+              <a:defRPr sz="1800" kern="1200">
+                <a:solidFill>
+                  <a:schemeClr val="tx1"/>
+                </a:solidFill>
+                <a:latin typeface="+mn-lt"/>
+                <a:ea typeface="+mn-ea"/>
+                <a:cs typeface="+mn-cs"/>
+              </a:defRPr>
+            </a:lvl5pPr>
+            <a:lvl6pPr marL="2514600" indent="-228600" algn="l" defTabSz="914400" rtl="0" eaLnBrk="1" latinLnBrk="0" hangingPunct="1">
+              <a:lnSpc>
+                <a:spcPct val="90000"/>
+              </a:lnSpc>
+              <a:spcBef>
+                <a:spcPts val="500"/>
+              </a:spcBef>
+              <a:buFont typeface="Arial" panose="020B0604020202020204" pitchFamily="34" charset="0"/>
+              <a:buChar char="•"/>
+              <a:defRPr sz="1800" kern="1200">
+                <a:solidFill>
+                  <a:schemeClr val="tx1"/>
+                </a:solidFill>
+                <a:latin typeface="+mn-lt"/>
+                <a:ea typeface="+mn-ea"/>
+                <a:cs typeface="+mn-cs"/>
+              </a:defRPr>
+            </a:lvl6pPr>
+            <a:lvl7pPr marL="2971800" indent="-228600" algn="l" defTabSz="914400" rtl="0" eaLnBrk="1" latinLnBrk="0" hangingPunct="1">
+              <a:lnSpc>
+                <a:spcPct val="90000"/>
+              </a:lnSpc>
+              <a:spcBef>
+                <a:spcPts val="500"/>
+              </a:spcBef>
+              <a:buFont typeface="Arial" panose="020B0604020202020204" pitchFamily="34" charset="0"/>
+              <a:buChar char="•"/>
+              <a:defRPr sz="1800" kern="1200">
+                <a:solidFill>
+                  <a:schemeClr val="tx1"/>
+                </a:solidFill>
+                <a:latin typeface="+mn-lt"/>
+                <a:ea typeface="+mn-ea"/>
+                <a:cs typeface="+mn-cs"/>
+              </a:defRPr>
+            </a:lvl7pPr>
+            <a:lvl8pPr marL="3429000" indent="-228600" algn="l" defTabSz="914400" rtl="0" eaLnBrk="1" latinLnBrk="0" hangingPunct="1">
+              <a:lnSpc>
+                <a:spcPct val="90000"/>
+              </a:lnSpc>
+              <a:spcBef>
+                <a:spcPts val="500"/>
+              </a:spcBef>
+              <a:buFont typeface="Arial" panose="020B0604020202020204" pitchFamily="34" charset="0"/>
+              <a:buChar char="•"/>
+              <a:defRPr sz="1800" kern="1200">
+                <a:solidFill>
+                  <a:schemeClr val="tx1"/>
+                </a:solidFill>
+                <a:latin typeface="+mn-lt"/>
+                <a:ea typeface="+mn-ea"/>
+                <a:cs typeface="+mn-cs"/>
+              </a:defRPr>
+            </a:lvl8pPr>
+            <a:lvl9pPr marL="3886200" indent="-228600" algn="l" defTabSz="914400" rtl="0" eaLnBrk="1" latinLnBrk="0" hangingPunct="1">
+              <a:lnSpc>
+                <a:spcPct val="90000"/>
+              </a:lnSpc>
+              <a:spcBef>
+                <a:spcPts val="500"/>
+              </a:spcBef>
+              <a:buFont typeface="Arial" panose="020B0604020202020204" pitchFamily="34" charset="0"/>
+              <a:buChar char="•"/>
+              <a:defRPr sz="1800" kern="1200">
+                <a:solidFill>
+                  <a:schemeClr val="tx1"/>
+                </a:solidFill>
+                <a:latin typeface="+mn-lt"/>
+                <a:ea typeface="+mn-ea"/>
+                <a:cs typeface="+mn-cs"/>
+              </a:defRPr>
+            </a:lvl9pPr>
+          </a:lstStyle>
+          <a:p>
+            <a:pPr marL="0" indent="0">
+              <a:buNone/>
+            </a:pPr>
+            <a:r>
+              <a:rPr lang="en-CA" sz="2400" dirty="0">
+                <a:solidFill>
+                  <a:schemeClr val="bg2"/>
+                </a:solidFill>
+              </a:rPr>
+              <a:t>Log and manage messages</a:t>
+            </a:r>
+          </a:p>
+        </p:txBody>
+      </p:sp>
+      <p:sp>
+        <p:nvSpPr>
+          <p:cNvPr id="19" name="Text Placeholder 14">
+            <a:extLst>
+              <a:ext uri="{FF2B5EF4-FFF2-40B4-BE49-F238E27FC236}">
+                <a16:creationId xmlns:a16="http://schemas.microsoft.com/office/drawing/2014/main" id="{209BEA05-6487-4BDC-BCED-6F0678B6822F}"/>
+              </a:ext>
+            </a:extLst>
+          </p:cNvPr>
+          <p:cNvSpPr txBox="1">
+            <a:spLocks/>
+          </p:cNvSpPr>
+          <p:nvPr/>
+        </p:nvSpPr>
+        <p:spPr>
+          <a:xfrm>
+            <a:off x="7179090" y="2787864"/>
+            <a:ext cx="978408" cy="978408"/>
+          </a:xfrm>
+          <a:prstGeom prst="ellipse">
+            <a:avLst/>
+          </a:prstGeom>
+          <a:ln w="6350">
+            <a:solidFill>
+              <a:schemeClr val="tx1"/>
+            </a:solidFill>
+          </a:ln>
+        </p:spPr>
+        <p:txBody>
+          <a:bodyPr vert="horz" lIns="0" tIns="0" rIns="0" bIns="0" rtlCol="0" anchor="ctr" anchorCtr="0">
+            <a:noAutofit/>
+          </a:bodyPr>
+          <a:lstStyle>
+            <a:lvl1pPr marL="0" indent="0" algn="ctr" defTabSz="914400" rtl="0" eaLnBrk="1" latinLnBrk="0" hangingPunct="1">
+              <a:lnSpc>
+                <a:spcPct val="90000"/>
+              </a:lnSpc>
+              <a:spcBef>
+                <a:spcPts val="1000"/>
+              </a:spcBef>
+              <a:buFont typeface="Arial" panose="020B0604020202020204" pitchFamily="34" charset="0"/>
+              <a:buNone/>
+              <a:defRPr sz="7000" b="1" kern="1200">
+                <a:ln w="6350">
+                  <a:solidFill>
+                    <a:schemeClr val="tx1"/>
+                  </a:solidFill>
+                </a:ln>
+                <a:noFill/>
+                <a:latin typeface="+mj-lt"/>
+                <a:ea typeface="+mn-ea"/>
+                <a:cs typeface="+mn-cs"/>
+              </a:defRPr>
+            </a:lvl1pPr>
+            <a:lvl2pPr marL="685800" indent="-228600" algn="l" defTabSz="914400" rtl="0" eaLnBrk="1" latinLnBrk="0" hangingPunct="1">
+              <a:lnSpc>
+                <a:spcPct val="90000"/>
+              </a:lnSpc>
+              <a:spcBef>
+                <a:spcPts val="500"/>
+              </a:spcBef>
+              <a:buFont typeface="Arial" panose="020B0604020202020204" pitchFamily="34" charset="0"/>
+              <a:buChar char="•"/>
+              <a:defRPr sz="2400" kern="1200">
+                <a:solidFill>
+                  <a:schemeClr val="tx1"/>
+                </a:solidFill>
+                <a:latin typeface="+mn-lt"/>
+                <a:ea typeface="+mn-ea"/>
+                <a:cs typeface="+mn-cs"/>
+              </a:defRPr>
+            </a:lvl2pPr>
+            <a:lvl3pPr marL="1143000" indent="-228600" algn="l" defTabSz="914400" rtl="0" eaLnBrk="1" latinLnBrk="0" hangingPunct="1">
+              <a:lnSpc>
+                <a:spcPct val="90000"/>
+              </a:lnSpc>
+              <a:spcBef>
+                <a:spcPts val="500"/>
+              </a:spcBef>
+              <a:buFont typeface="Arial" panose="020B0604020202020204" pitchFamily="34" charset="0"/>
+              <a:buChar char="•"/>
+              <a:defRPr sz="2000" kern="1200">
+                <a:solidFill>
+                  <a:schemeClr val="tx1"/>
+                </a:solidFill>
+                <a:latin typeface="+mn-lt"/>
+                <a:ea typeface="+mn-ea"/>
+                <a:cs typeface="+mn-cs"/>
+              </a:defRPr>
+            </a:lvl3pPr>
+            <a:lvl4pPr marL="1600200" indent="-228600" algn="l" defTabSz="914400" rtl="0" eaLnBrk="1" latinLnBrk="0" hangingPunct="1">
+              <a:lnSpc>
+                <a:spcPct val="90000"/>
+              </a:lnSpc>
+              <a:spcBef>
+                <a:spcPts val="500"/>
+              </a:spcBef>
+              <a:buFont typeface="Arial" panose="020B0604020202020204" pitchFamily="34" charset="0"/>
+              <a:buChar char="•"/>
+              <a:defRPr sz="1800" kern="1200">
+                <a:solidFill>
+                  <a:schemeClr val="tx1"/>
+                </a:solidFill>
+                <a:latin typeface="+mn-lt"/>
+                <a:ea typeface="+mn-ea"/>
+                <a:cs typeface="+mn-cs"/>
+              </a:defRPr>
+            </a:lvl4pPr>
+            <a:lvl5pPr marL="2057400" indent="-228600" algn="l" defTabSz="914400" rtl="0" eaLnBrk="1" latinLnBrk="0" hangingPunct="1">
+              <a:lnSpc>
+                <a:spcPct val="90000"/>
+              </a:lnSpc>
+              <a:spcBef>
+                <a:spcPts val="500"/>
+              </a:spcBef>
+              <a:buFont typeface="Arial" panose="020B0604020202020204" pitchFamily="34" charset="0"/>
+              <a:buChar char="•"/>
+              <a:defRPr sz="1800" kern="1200">
+                <a:solidFill>
+                  <a:schemeClr val="tx1"/>
+                </a:solidFill>
+                <a:latin typeface="+mn-lt"/>
+                <a:ea typeface="+mn-ea"/>
+                <a:cs typeface="+mn-cs"/>
+              </a:defRPr>
+            </a:lvl5pPr>
+            <a:lvl6pPr marL="2514600" indent="-228600" algn="l" defTabSz="914400" rtl="0" eaLnBrk="1" latinLnBrk="0" hangingPunct="1">
+              <a:lnSpc>
+                <a:spcPct val="90000"/>
+              </a:lnSpc>
+              <a:spcBef>
+                <a:spcPts val="500"/>
+              </a:spcBef>
+              <a:buFont typeface="Arial" panose="020B0604020202020204" pitchFamily="34" charset="0"/>
+              <a:buChar char="•"/>
+              <a:defRPr sz="1800" kern="1200">
+                <a:solidFill>
+                  <a:schemeClr val="tx1"/>
+                </a:solidFill>
+                <a:latin typeface="+mn-lt"/>
+                <a:ea typeface="+mn-ea"/>
+                <a:cs typeface="+mn-cs"/>
+              </a:defRPr>
+            </a:lvl6pPr>
+            <a:lvl7pPr marL="2971800" indent="-228600" algn="l" defTabSz="914400" rtl="0" eaLnBrk="1" latinLnBrk="0" hangingPunct="1">
+              <a:lnSpc>
+                <a:spcPct val="90000"/>
+              </a:lnSpc>
+              <a:spcBef>
+                <a:spcPts val="500"/>
+              </a:spcBef>
+              <a:buFont typeface="Arial" panose="020B0604020202020204" pitchFamily="34" charset="0"/>
+              <a:buChar char="•"/>
+              <a:defRPr sz="1800" kern="1200">
+                <a:solidFill>
+                  <a:schemeClr val="tx1"/>
+                </a:solidFill>
+                <a:latin typeface="+mn-lt"/>
+                <a:ea typeface="+mn-ea"/>
+                <a:cs typeface="+mn-cs"/>
+              </a:defRPr>
+            </a:lvl7pPr>
+            <a:lvl8pPr marL="3429000" indent="-228600" algn="l" defTabSz="914400" rtl="0" eaLnBrk="1" latinLnBrk="0" hangingPunct="1">
+              <a:lnSpc>
+                <a:spcPct val="90000"/>
+              </a:lnSpc>
+              <a:spcBef>
+                <a:spcPts val="500"/>
+              </a:spcBef>
+              <a:buFont typeface="Arial" panose="020B0604020202020204" pitchFamily="34" charset="0"/>
+              <a:buChar char="•"/>
+              <a:defRPr sz="1800" kern="1200">
+                <a:solidFill>
+                  <a:schemeClr val="tx1"/>
+                </a:solidFill>
+                <a:latin typeface="+mn-lt"/>
+                <a:ea typeface="+mn-ea"/>
+                <a:cs typeface="+mn-cs"/>
+              </a:defRPr>
+            </a:lvl8pPr>
+            <a:lvl9pPr marL="3886200" indent="-228600" algn="l" defTabSz="914400" rtl="0" eaLnBrk="1" latinLnBrk="0" hangingPunct="1">
+              <a:lnSpc>
+                <a:spcPct val="90000"/>
+              </a:lnSpc>
+              <a:spcBef>
+                <a:spcPts val="500"/>
+              </a:spcBef>
+              <a:buFont typeface="Arial" panose="020B0604020202020204" pitchFamily="34" charset="0"/>
+              <a:buChar char="•"/>
+              <a:defRPr sz="1800" kern="1200">
+                <a:solidFill>
+                  <a:schemeClr val="tx1"/>
+                </a:solidFill>
+                <a:latin typeface="+mn-lt"/>
+                <a:ea typeface="+mn-ea"/>
+                <a:cs typeface="+mn-cs"/>
+              </a:defRPr>
+            </a:lvl9pPr>
+          </a:lstStyle>
+          <a:p>
+            <a:r>
+              <a:rPr lang="en-US" dirty="0"/>
+              <a:t>3</a:t>
+            </a:r>
+            <a:endParaRPr lang="ru-RU" dirty="0"/>
+          </a:p>
+        </p:txBody>
+      </p:sp>
+      <p:sp>
+        <p:nvSpPr>
+          <p:cNvPr id="20" name="Text Placeholder 5">
+            <a:extLst>
+              <a:ext uri="{FF2B5EF4-FFF2-40B4-BE49-F238E27FC236}">
+                <a16:creationId xmlns:a16="http://schemas.microsoft.com/office/drawing/2014/main" id="{0590FC91-B565-4203-B756-308345EAF822}"/>
               </a:ext>
             </a:extLst>
           </p:cNvPr>
@@ -46140,7 +47637,12 @@
             <p:ph type="body" idx="1"/>
           </p:nvPr>
         </p:nvSpPr>
-        <p:spPr/>
+        <p:spPr>
+          <a:xfrm>
+            <a:off x="6871905" y="2225264"/>
+            <a:ext cx="6289862" cy="569085"/>
+          </a:xfrm>
+        </p:spPr>
         <p:txBody>
           <a:bodyPr/>
           <a:lstStyle/>
@@ -46155,28 +47657,200 @@
       </p:sp>
       <p:sp>
         <p:nvSpPr>
-          <p:cNvPr id="10" name="Text Placeholder 9">
-            <a:extLst>
-              <a:ext uri="{FF2B5EF4-FFF2-40B4-BE49-F238E27FC236}">
-                <a16:creationId xmlns:a16="http://schemas.microsoft.com/office/drawing/2014/main" id="{89BE0DA3-3A03-418B-B7CF-0D4107499B9C}"/>
-              </a:ext>
-            </a:extLst>
-          </p:cNvPr>
-          <p:cNvSpPr>
-            <a:spLocks noGrp="1"/>
+          <p:cNvPr id="21" name="Text Placeholder 15">
+            <a:extLst>
+              <a:ext uri="{FF2B5EF4-FFF2-40B4-BE49-F238E27FC236}">
+                <a16:creationId xmlns:a16="http://schemas.microsoft.com/office/drawing/2014/main" id="{DE0BEF2E-314F-4B73-8DE1-549344F4CA35}"/>
+              </a:ext>
+            </a:extLst>
+          </p:cNvPr>
+          <p:cNvSpPr txBox="1">
+            <a:spLocks/>
           </p:cNvSpPr>
-          <p:nvPr>
-            <p:ph type="body" sz="quarter" idx="26"/>
-          </p:nvPr>
-        </p:nvSpPr>
-        <p:spPr/>
+          <p:nvPr/>
+        </p:nvSpPr>
+        <p:spPr>
+          <a:xfrm>
+            <a:off x="9665062" y="3858607"/>
+            <a:ext cx="2944368" cy="328343"/>
+          </a:xfrm>
+          <a:prstGeom prst="rect">
+            <a:avLst/>
+          </a:prstGeom>
+        </p:spPr>
         <p:txBody>
           <a:bodyPr/>
-          <a:lstStyle/>
-          <a:p>
+          <a:lstStyle>
+            <a:lvl1pPr marL="228600" indent="-228600" algn="l" defTabSz="914400" rtl="0" eaLnBrk="1" latinLnBrk="0" hangingPunct="1">
+              <a:lnSpc>
+                <a:spcPct val="90000"/>
+              </a:lnSpc>
+              <a:spcBef>
+                <a:spcPts val="1000"/>
+              </a:spcBef>
+              <a:buFont typeface="Arial" panose="020B0604020202020204" pitchFamily="34" charset="0"/>
+              <a:buChar char="•"/>
+              <a:defRPr sz="2800" kern="1200">
+                <a:solidFill>
+                  <a:schemeClr val="tx1"/>
+                </a:solidFill>
+                <a:latin typeface="+mn-lt"/>
+                <a:ea typeface="+mn-ea"/>
+                <a:cs typeface="+mn-cs"/>
+              </a:defRPr>
+            </a:lvl1pPr>
+            <a:lvl2pPr marL="685800" indent="-228600" algn="l" defTabSz="914400" rtl="0" eaLnBrk="1" latinLnBrk="0" hangingPunct="1">
+              <a:lnSpc>
+                <a:spcPct val="90000"/>
+              </a:lnSpc>
+              <a:spcBef>
+                <a:spcPts val="500"/>
+              </a:spcBef>
+              <a:buFont typeface="Arial" panose="020B0604020202020204" pitchFamily="34" charset="0"/>
+              <a:buChar char="•"/>
+              <a:defRPr sz="2400" kern="1200">
+                <a:solidFill>
+                  <a:schemeClr val="tx1"/>
+                </a:solidFill>
+                <a:latin typeface="+mn-lt"/>
+                <a:ea typeface="+mn-ea"/>
+                <a:cs typeface="+mn-cs"/>
+              </a:defRPr>
+            </a:lvl2pPr>
+            <a:lvl3pPr marL="1143000" indent="-228600" algn="l" defTabSz="914400" rtl="0" eaLnBrk="1" latinLnBrk="0" hangingPunct="1">
+              <a:lnSpc>
+                <a:spcPct val="90000"/>
+              </a:lnSpc>
+              <a:spcBef>
+                <a:spcPts val="500"/>
+              </a:spcBef>
+              <a:buFont typeface="Arial" panose="020B0604020202020204" pitchFamily="34" charset="0"/>
+              <a:buChar char="•"/>
+              <a:defRPr sz="2000" kern="1200">
+                <a:solidFill>
+                  <a:schemeClr val="tx1"/>
+                </a:solidFill>
+                <a:latin typeface="+mn-lt"/>
+                <a:ea typeface="+mn-ea"/>
+                <a:cs typeface="+mn-cs"/>
+              </a:defRPr>
+            </a:lvl3pPr>
+            <a:lvl4pPr marL="1600200" indent="-228600" algn="l" defTabSz="914400" rtl="0" eaLnBrk="1" latinLnBrk="0" hangingPunct="1">
+              <a:lnSpc>
+                <a:spcPct val="90000"/>
+              </a:lnSpc>
+              <a:spcBef>
+                <a:spcPts val="500"/>
+              </a:spcBef>
+              <a:buFont typeface="Arial" panose="020B0604020202020204" pitchFamily="34" charset="0"/>
+              <a:buChar char="•"/>
+              <a:defRPr sz="1800" kern="1200">
+                <a:solidFill>
+                  <a:schemeClr val="tx1"/>
+                </a:solidFill>
+                <a:latin typeface="+mn-lt"/>
+                <a:ea typeface="+mn-ea"/>
+                <a:cs typeface="+mn-cs"/>
+              </a:defRPr>
+            </a:lvl4pPr>
+            <a:lvl5pPr marL="2057400" indent="-228600" algn="l" defTabSz="914400" rtl="0" eaLnBrk="1" latinLnBrk="0" hangingPunct="1">
+              <a:lnSpc>
+                <a:spcPct val="90000"/>
+              </a:lnSpc>
+              <a:spcBef>
+                <a:spcPts val="500"/>
+              </a:spcBef>
+              <a:buFont typeface="Arial" panose="020B0604020202020204" pitchFamily="34" charset="0"/>
+              <a:buChar char="•"/>
+              <a:defRPr sz="1800" kern="1200">
+                <a:solidFill>
+                  <a:schemeClr val="tx1"/>
+                </a:solidFill>
+                <a:latin typeface="+mn-lt"/>
+                <a:ea typeface="+mn-ea"/>
+                <a:cs typeface="+mn-cs"/>
+              </a:defRPr>
+            </a:lvl5pPr>
+            <a:lvl6pPr marL="2514600" indent="-228600" algn="l" defTabSz="914400" rtl="0" eaLnBrk="1" latinLnBrk="0" hangingPunct="1">
+              <a:lnSpc>
+                <a:spcPct val="90000"/>
+              </a:lnSpc>
+              <a:spcBef>
+                <a:spcPts val="500"/>
+              </a:spcBef>
+              <a:buFont typeface="Arial" panose="020B0604020202020204" pitchFamily="34" charset="0"/>
+              <a:buChar char="•"/>
+              <a:defRPr sz="1800" kern="1200">
+                <a:solidFill>
+                  <a:schemeClr val="tx1"/>
+                </a:solidFill>
+                <a:latin typeface="+mn-lt"/>
+                <a:ea typeface="+mn-ea"/>
+                <a:cs typeface="+mn-cs"/>
+              </a:defRPr>
+            </a:lvl6pPr>
+            <a:lvl7pPr marL="2971800" indent="-228600" algn="l" defTabSz="914400" rtl="0" eaLnBrk="1" latinLnBrk="0" hangingPunct="1">
+              <a:lnSpc>
+                <a:spcPct val="90000"/>
+              </a:lnSpc>
+              <a:spcBef>
+                <a:spcPts val="500"/>
+              </a:spcBef>
+              <a:buFont typeface="Arial" panose="020B0604020202020204" pitchFamily="34" charset="0"/>
+              <a:buChar char="•"/>
+              <a:defRPr sz="1800" kern="1200">
+                <a:solidFill>
+                  <a:schemeClr val="tx1"/>
+                </a:solidFill>
+                <a:latin typeface="+mn-lt"/>
+                <a:ea typeface="+mn-ea"/>
+                <a:cs typeface="+mn-cs"/>
+              </a:defRPr>
+            </a:lvl7pPr>
+            <a:lvl8pPr marL="3429000" indent="-228600" algn="l" defTabSz="914400" rtl="0" eaLnBrk="1" latinLnBrk="0" hangingPunct="1">
+              <a:lnSpc>
+                <a:spcPct val="90000"/>
+              </a:lnSpc>
+              <a:spcBef>
+                <a:spcPts val="500"/>
+              </a:spcBef>
+              <a:buFont typeface="Arial" panose="020B0604020202020204" pitchFamily="34" charset="0"/>
+              <a:buChar char="•"/>
+              <a:defRPr sz="1800" kern="1200">
+                <a:solidFill>
+                  <a:schemeClr val="tx1"/>
+                </a:solidFill>
+                <a:latin typeface="+mn-lt"/>
+                <a:ea typeface="+mn-ea"/>
+                <a:cs typeface="+mn-cs"/>
+              </a:defRPr>
+            </a:lvl8pPr>
+            <a:lvl9pPr marL="3886200" indent="-228600" algn="l" defTabSz="914400" rtl="0" eaLnBrk="1" latinLnBrk="0" hangingPunct="1">
+              <a:lnSpc>
+                <a:spcPct val="90000"/>
+              </a:lnSpc>
+              <a:spcBef>
+                <a:spcPts val="500"/>
+              </a:spcBef>
+              <a:buFont typeface="Arial" panose="020B0604020202020204" pitchFamily="34" charset="0"/>
+              <a:buChar char="•"/>
+              <a:defRPr sz="1800" kern="1200">
+                <a:solidFill>
+                  <a:schemeClr val="tx1"/>
+                </a:solidFill>
+                <a:latin typeface="+mn-lt"/>
+                <a:ea typeface="+mn-ea"/>
+                <a:cs typeface="+mn-cs"/>
+              </a:defRPr>
+            </a:lvl9pPr>
+          </a:lstStyle>
+          <a:p>
+            <a:pPr marL="0" indent="0">
+              <a:buNone/>
+            </a:pPr>
             <a:r>
               <a:rPr lang="en-US" dirty="0"/>
-              <a:t>1</a:t>
+              <a:t>Image.py</a:t>
             </a:r>
             <a:endParaRPr lang="ru-RU" dirty="0"/>
           </a:p>
@@ -46184,83 +47858,409 @@
       </p:sp>
       <p:sp>
         <p:nvSpPr>
-          <p:cNvPr id="9" name="Text Placeholder 8">
-            <a:extLst>
-              <a:ext uri="{FF2B5EF4-FFF2-40B4-BE49-F238E27FC236}">
-                <a16:creationId xmlns:a16="http://schemas.microsoft.com/office/drawing/2014/main" id="{4E74A44B-1AAF-44D0-A426-104890F03E29}"/>
-              </a:ext>
-            </a:extLst>
-          </p:cNvPr>
-          <p:cNvSpPr>
-            <a:spLocks noGrp="1"/>
+          <p:cNvPr id="22" name="Text Placeholder 13">
+            <a:extLst>
+              <a:ext uri="{FF2B5EF4-FFF2-40B4-BE49-F238E27FC236}">
+                <a16:creationId xmlns:a16="http://schemas.microsoft.com/office/drawing/2014/main" id="{198CF903-FD1A-46E9-A828-A586CFC5F5EA}"/>
+              </a:ext>
+            </a:extLst>
+          </p:cNvPr>
+          <p:cNvSpPr txBox="1">
+            <a:spLocks/>
           </p:cNvSpPr>
-          <p:nvPr>
-            <p:ph type="body" idx="16"/>
-          </p:nvPr>
-        </p:nvSpPr>
-        <p:spPr/>
-        <p:txBody>
-          <a:bodyPr/>
-          <a:lstStyle/>
-          <a:p>
-            <a:r>
-              <a:rPr lang="en-US" dirty="0"/>
-              <a:t>Music.py</a:t>
-            </a:r>
-            <a:endParaRPr lang="ru-RU" dirty="0"/>
-          </a:p>
-        </p:txBody>
-      </p:sp>
-      <p:sp>
-        <p:nvSpPr>
-          <p:cNvPr id="8" name="Text Placeholder 7">
-            <a:extLst>
-              <a:ext uri="{FF2B5EF4-FFF2-40B4-BE49-F238E27FC236}">
-                <a16:creationId xmlns:a16="http://schemas.microsoft.com/office/drawing/2014/main" id="{D5450AF9-6A8E-4054-A832-F7BF5DA0E16C}"/>
-              </a:ext>
-            </a:extLst>
-          </p:cNvPr>
-          <p:cNvSpPr>
-            <a:spLocks noGrp="1"/>
-          </p:cNvSpPr>
-          <p:nvPr>
-            <p:ph type="body" idx="14"/>
-          </p:nvPr>
-        </p:nvSpPr>
-        <p:spPr/>
+          <p:nvPr/>
+        </p:nvSpPr>
+        <p:spPr>
+          <a:xfrm>
+            <a:off x="9665062" y="4271293"/>
+            <a:ext cx="2944368" cy="1419822"/>
+          </a:xfrm>
+          <a:prstGeom prst="rect">
+            <a:avLst/>
+          </a:prstGeom>
+        </p:spPr>
         <p:txBody>
           <a:bodyPr>
             <a:normAutofit/>
           </a:bodyPr>
-          <a:lstStyle/>
-          <a:p>
-            <a:r>
-              <a:rPr lang="en-CA" dirty="0"/>
-              <a:t>Built-in music player to share in channels</a:t>
-            </a:r>
-          </a:p>
-        </p:txBody>
-      </p:sp>
-      <p:sp>
-        <p:nvSpPr>
-          <p:cNvPr id="12" name="Text Placeholder 11">
-            <a:extLst>
-              <a:ext uri="{FF2B5EF4-FFF2-40B4-BE49-F238E27FC236}">
-                <a16:creationId xmlns:a16="http://schemas.microsoft.com/office/drawing/2014/main" id="{CC46A248-3DD2-4083-A410-269D3C38BC7D}"/>
-              </a:ext>
-            </a:extLst>
-          </p:cNvPr>
-          <p:cNvSpPr>
-            <a:spLocks noGrp="1"/>
+          <a:lstStyle>
+            <a:lvl1pPr marL="228600" indent="-228600" algn="l" defTabSz="914400" rtl="0" eaLnBrk="1" latinLnBrk="0" hangingPunct="1">
+              <a:lnSpc>
+                <a:spcPct val="90000"/>
+              </a:lnSpc>
+              <a:spcBef>
+                <a:spcPts val="1000"/>
+              </a:spcBef>
+              <a:buFont typeface="Arial" panose="020B0604020202020204" pitchFamily="34" charset="0"/>
+              <a:buChar char="•"/>
+              <a:defRPr sz="2800" kern="1200">
+                <a:solidFill>
+                  <a:schemeClr val="tx1"/>
+                </a:solidFill>
+                <a:latin typeface="+mn-lt"/>
+                <a:ea typeface="+mn-ea"/>
+                <a:cs typeface="+mn-cs"/>
+              </a:defRPr>
+            </a:lvl1pPr>
+            <a:lvl2pPr marL="685800" indent="-228600" algn="l" defTabSz="914400" rtl="0" eaLnBrk="1" latinLnBrk="0" hangingPunct="1">
+              <a:lnSpc>
+                <a:spcPct val="90000"/>
+              </a:lnSpc>
+              <a:spcBef>
+                <a:spcPts val="500"/>
+              </a:spcBef>
+              <a:buFont typeface="Arial" panose="020B0604020202020204" pitchFamily="34" charset="0"/>
+              <a:buChar char="•"/>
+              <a:defRPr sz="2400" kern="1200">
+                <a:solidFill>
+                  <a:schemeClr val="tx1"/>
+                </a:solidFill>
+                <a:latin typeface="+mn-lt"/>
+                <a:ea typeface="+mn-ea"/>
+                <a:cs typeface="+mn-cs"/>
+              </a:defRPr>
+            </a:lvl2pPr>
+            <a:lvl3pPr marL="1143000" indent="-228600" algn="l" defTabSz="914400" rtl="0" eaLnBrk="1" latinLnBrk="0" hangingPunct="1">
+              <a:lnSpc>
+                <a:spcPct val="90000"/>
+              </a:lnSpc>
+              <a:spcBef>
+                <a:spcPts val="500"/>
+              </a:spcBef>
+              <a:buFont typeface="Arial" panose="020B0604020202020204" pitchFamily="34" charset="0"/>
+              <a:buChar char="•"/>
+              <a:defRPr sz="2000" kern="1200">
+                <a:solidFill>
+                  <a:schemeClr val="tx1"/>
+                </a:solidFill>
+                <a:latin typeface="+mn-lt"/>
+                <a:ea typeface="+mn-ea"/>
+                <a:cs typeface="+mn-cs"/>
+              </a:defRPr>
+            </a:lvl3pPr>
+            <a:lvl4pPr marL="1600200" indent="-228600" algn="l" defTabSz="914400" rtl="0" eaLnBrk="1" latinLnBrk="0" hangingPunct="1">
+              <a:lnSpc>
+                <a:spcPct val="90000"/>
+              </a:lnSpc>
+              <a:spcBef>
+                <a:spcPts val="500"/>
+              </a:spcBef>
+              <a:buFont typeface="Arial" panose="020B0604020202020204" pitchFamily="34" charset="0"/>
+              <a:buChar char="•"/>
+              <a:defRPr sz="1800" kern="1200">
+                <a:solidFill>
+                  <a:schemeClr val="tx1"/>
+                </a:solidFill>
+                <a:latin typeface="+mn-lt"/>
+                <a:ea typeface="+mn-ea"/>
+                <a:cs typeface="+mn-cs"/>
+              </a:defRPr>
+            </a:lvl4pPr>
+            <a:lvl5pPr marL="2057400" indent="-228600" algn="l" defTabSz="914400" rtl="0" eaLnBrk="1" latinLnBrk="0" hangingPunct="1">
+              <a:lnSpc>
+                <a:spcPct val="90000"/>
+              </a:lnSpc>
+              <a:spcBef>
+                <a:spcPts val="500"/>
+              </a:spcBef>
+              <a:buFont typeface="Arial" panose="020B0604020202020204" pitchFamily="34" charset="0"/>
+              <a:buChar char="•"/>
+              <a:defRPr sz="1800" kern="1200">
+                <a:solidFill>
+                  <a:schemeClr val="tx1"/>
+                </a:solidFill>
+                <a:latin typeface="+mn-lt"/>
+                <a:ea typeface="+mn-ea"/>
+                <a:cs typeface="+mn-cs"/>
+              </a:defRPr>
+            </a:lvl5pPr>
+            <a:lvl6pPr marL="2514600" indent="-228600" algn="l" defTabSz="914400" rtl="0" eaLnBrk="1" latinLnBrk="0" hangingPunct="1">
+              <a:lnSpc>
+                <a:spcPct val="90000"/>
+              </a:lnSpc>
+              <a:spcBef>
+                <a:spcPts val="500"/>
+              </a:spcBef>
+              <a:buFont typeface="Arial" panose="020B0604020202020204" pitchFamily="34" charset="0"/>
+              <a:buChar char="•"/>
+              <a:defRPr sz="1800" kern="1200">
+                <a:solidFill>
+                  <a:schemeClr val="tx1"/>
+                </a:solidFill>
+                <a:latin typeface="+mn-lt"/>
+                <a:ea typeface="+mn-ea"/>
+                <a:cs typeface="+mn-cs"/>
+              </a:defRPr>
+            </a:lvl6pPr>
+            <a:lvl7pPr marL="2971800" indent="-228600" algn="l" defTabSz="914400" rtl="0" eaLnBrk="1" latinLnBrk="0" hangingPunct="1">
+              <a:lnSpc>
+                <a:spcPct val="90000"/>
+              </a:lnSpc>
+              <a:spcBef>
+                <a:spcPts val="500"/>
+              </a:spcBef>
+              <a:buFont typeface="Arial" panose="020B0604020202020204" pitchFamily="34" charset="0"/>
+              <a:buChar char="•"/>
+              <a:defRPr sz="1800" kern="1200">
+                <a:solidFill>
+                  <a:schemeClr val="tx1"/>
+                </a:solidFill>
+                <a:latin typeface="+mn-lt"/>
+                <a:ea typeface="+mn-ea"/>
+                <a:cs typeface="+mn-cs"/>
+              </a:defRPr>
+            </a:lvl7pPr>
+            <a:lvl8pPr marL="3429000" indent="-228600" algn="l" defTabSz="914400" rtl="0" eaLnBrk="1" latinLnBrk="0" hangingPunct="1">
+              <a:lnSpc>
+                <a:spcPct val="90000"/>
+              </a:lnSpc>
+              <a:spcBef>
+                <a:spcPts val="500"/>
+              </a:spcBef>
+              <a:buFont typeface="Arial" panose="020B0604020202020204" pitchFamily="34" charset="0"/>
+              <a:buChar char="•"/>
+              <a:defRPr sz="1800" kern="1200">
+                <a:solidFill>
+                  <a:schemeClr val="tx1"/>
+                </a:solidFill>
+                <a:latin typeface="+mn-lt"/>
+                <a:ea typeface="+mn-ea"/>
+                <a:cs typeface="+mn-cs"/>
+              </a:defRPr>
+            </a:lvl8pPr>
+            <a:lvl9pPr marL="3886200" indent="-228600" algn="l" defTabSz="914400" rtl="0" eaLnBrk="1" latinLnBrk="0" hangingPunct="1">
+              <a:lnSpc>
+                <a:spcPct val="90000"/>
+              </a:lnSpc>
+              <a:spcBef>
+                <a:spcPts val="500"/>
+              </a:spcBef>
+              <a:buFont typeface="Arial" panose="020B0604020202020204" pitchFamily="34" charset="0"/>
+              <a:buChar char="•"/>
+              <a:defRPr sz="1800" kern="1200">
+                <a:solidFill>
+                  <a:schemeClr val="tx1"/>
+                </a:solidFill>
+                <a:latin typeface="+mn-lt"/>
+                <a:ea typeface="+mn-ea"/>
+                <a:cs typeface="+mn-cs"/>
+              </a:defRPr>
+            </a:lvl9pPr>
+          </a:lstStyle>
+          <a:p>
+            <a:pPr marL="0" indent="0">
+              <a:buNone/>
+            </a:pPr>
+            <a:r>
+              <a:rPr lang="en-CA" sz="2400" dirty="0">
+                <a:solidFill>
+                  <a:schemeClr val="bg2"/>
+                </a:solidFill>
+              </a:rPr>
+              <a:t>Image search</a:t>
+            </a:r>
+          </a:p>
+        </p:txBody>
+      </p:sp>
+      <p:sp>
+        <p:nvSpPr>
+          <p:cNvPr id="23" name="Text Placeholder 14">
+            <a:extLst>
+              <a:ext uri="{FF2B5EF4-FFF2-40B4-BE49-F238E27FC236}">
+                <a16:creationId xmlns:a16="http://schemas.microsoft.com/office/drawing/2014/main" id="{80116080-1B98-4E62-84D5-26040FC28F39}"/>
+              </a:ext>
+            </a:extLst>
+          </p:cNvPr>
+          <p:cNvSpPr txBox="1">
+            <a:spLocks/>
           </p:cNvSpPr>
-          <p:nvPr>
-            <p:ph type="body" sz="quarter" idx="28"/>
-          </p:nvPr>
-        </p:nvSpPr>
-        <p:spPr/>
-        <p:txBody>
-          <a:bodyPr/>
-          <a:lstStyle/>
+          <p:nvPr/>
+        </p:nvSpPr>
+        <p:spPr>
+          <a:xfrm>
+            <a:off x="3747804" y="2682224"/>
+            <a:ext cx="978408" cy="978408"/>
+          </a:xfrm>
+          <a:prstGeom prst="ellipse">
+            <a:avLst/>
+          </a:prstGeom>
+          <a:ln w="6350">
+            <a:solidFill>
+              <a:schemeClr val="tx1"/>
+            </a:solidFill>
+          </a:ln>
+        </p:spPr>
+        <p:txBody>
+          <a:bodyPr vert="horz" lIns="0" tIns="0" rIns="0" bIns="0" rtlCol="0" anchor="ctr" anchorCtr="0">
+            <a:noAutofit/>
+          </a:bodyPr>
+          <a:lstStyle>
+            <a:lvl1pPr marL="0" indent="0" algn="ctr" defTabSz="914400" rtl="0" eaLnBrk="1" latinLnBrk="0" hangingPunct="1">
+              <a:lnSpc>
+                <a:spcPct val="90000"/>
+              </a:lnSpc>
+              <a:spcBef>
+                <a:spcPts val="1000"/>
+              </a:spcBef>
+              <a:buFont typeface="Arial" panose="020B0604020202020204" pitchFamily="34" charset="0"/>
+              <a:buNone/>
+              <a:defRPr sz="7000" b="1" kern="1200">
+                <a:ln w="6350">
+                  <a:solidFill>
+                    <a:schemeClr val="tx1"/>
+                  </a:solidFill>
+                </a:ln>
+                <a:noFill/>
+                <a:latin typeface="+mj-lt"/>
+                <a:ea typeface="+mn-ea"/>
+                <a:cs typeface="+mn-cs"/>
+              </a:defRPr>
+            </a:lvl1pPr>
+            <a:lvl2pPr marL="685800" indent="-228600" algn="l" defTabSz="914400" rtl="0" eaLnBrk="1" latinLnBrk="0" hangingPunct="1">
+              <a:lnSpc>
+                <a:spcPct val="90000"/>
+              </a:lnSpc>
+              <a:spcBef>
+                <a:spcPts val="500"/>
+              </a:spcBef>
+              <a:buFont typeface="Arial" panose="020B0604020202020204" pitchFamily="34" charset="0"/>
+              <a:buChar char="•"/>
+              <a:defRPr sz="2400" kern="1200">
+                <a:solidFill>
+                  <a:schemeClr val="tx1"/>
+                </a:solidFill>
+                <a:latin typeface="+mn-lt"/>
+                <a:ea typeface="+mn-ea"/>
+                <a:cs typeface="+mn-cs"/>
+              </a:defRPr>
+            </a:lvl2pPr>
+            <a:lvl3pPr marL="1143000" indent="-228600" algn="l" defTabSz="914400" rtl="0" eaLnBrk="1" latinLnBrk="0" hangingPunct="1">
+              <a:lnSpc>
+                <a:spcPct val="90000"/>
+              </a:lnSpc>
+              <a:spcBef>
+                <a:spcPts val="500"/>
+              </a:spcBef>
+              <a:buFont typeface="Arial" panose="020B0604020202020204" pitchFamily="34" charset="0"/>
+              <a:buChar char="•"/>
+              <a:defRPr sz="2000" kern="1200">
+                <a:solidFill>
+                  <a:schemeClr val="tx1"/>
+                </a:solidFill>
+                <a:latin typeface="+mn-lt"/>
+                <a:ea typeface="+mn-ea"/>
+                <a:cs typeface="+mn-cs"/>
+              </a:defRPr>
+            </a:lvl3pPr>
+            <a:lvl4pPr marL="1600200" indent="-228600" algn="l" defTabSz="914400" rtl="0" eaLnBrk="1" latinLnBrk="0" hangingPunct="1">
+              <a:lnSpc>
+                <a:spcPct val="90000"/>
+              </a:lnSpc>
+              <a:spcBef>
+                <a:spcPts val="500"/>
+              </a:spcBef>
+              <a:buFont typeface="Arial" panose="020B0604020202020204" pitchFamily="34" charset="0"/>
+              <a:buChar char="•"/>
+              <a:defRPr sz="1800" kern="1200">
+                <a:solidFill>
+                  <a:schemeClr val="tx1"/>
+                </a:solidFill>
+                <a:latin typeface="+mn-lt"/>
+                <a:ea typeface="+mn-ea"/>
+                <a:cs typeface="+mn-cs"/>
+              </a:defRPr>
+            </a:lvl4pPr>
+            <a:lvl5pPr marL="2057400" indent="-228600" algn="l" defTabSz="914400" rtl="0" eaLnBrk="1" latinLnBrk="0" hangingPunct="1">
+              <a:lnSpc>
+                <a:spcPct val="90000"/>
+              </a:lnSpc>
+              <a:spcBef>
+                <a:spcPts val="500"/>
+              </a:spcBef>
+              <a:buFont typeface="Arial" panose="020B0604020202020204" pitchFamily="34" charset="0"/>
+              <a:buChar char="•"/>
+              <a:defRPr sz="1800" kern="1200">
+                <a:solidFill>
+                  <a:schemeClr val="tx1"/>
+                </a:solidFill>
+                <a:latin typeface="+mn-lt"/>
+                <a:ea typeface="+mn-ea"/>
+                <a:cs typeface="+mn-cs"/>
+              </a:defRPr>
+            </a:lvl5pPr>
+            <a:lvl6pPr marL="2514600" indent="-228600" algn="l" defTabSz="914400" rtl="0" eaLnBrk="1" latinLnBrk="0" hangingPunct="1">
+              <a:lnSpc>
+                <a:spcPct val="90000"/>
+              </a:lnSpc>
+              <a:spcBef>
+                <a:spcPts val="500"/>
+              </a:spcBef>
+              <a:buFont typeface="Arial" panose="020B0604020202020204" pitchFamily="34" charset="0"/>
+              <a:buChar char="•"/>
+              <a:defRPr sz="1800" kern="1200">
+                <a:solidFill>
+                  <a:schemeClr val="tx1"/>
+                </a:solidFill>
+                <a:latin typeface="+mn-lt"/>
+                <a:ea typeface="+mn-ea"/>
+                <a:cs typeface="+mn-cs"/>
+              </a:defRPr>
+            </a:lvl6pPr>
+            <a:lvl7pPr marL="2971800" indent="-228600" algn="l" defTabSz="914400" rtl="0" eaLnBrk="1" latinLnBrk="0" hangingPunct="1">
+              <a:lnSpc>
+                <a:spcPct val="90000"/>
+              </a:lnSpc>
+              <a:spcBef>
+                <a:spcPts val="500"/>
+              </a:spcBef>
+              <a:buFont typeface="Arial" panose="020B0604020202020204" pitchFamily="34" charset="0"/>
+              <a:buChar char="•"/>
+              <a:defRPr sz="1800" kern="1200">
+                <a:solidFill>
+                  <a:schemeClr val="tx1"/>
+                </a:solidFill>
+                <a:latin typeface="+mn-lt"/>
+                <a:ea typeface="+mn-ea"/>
+                <a:cs typeface="+mn-cs"/>
+              </a:defRPr>
+            </a:lvl7pPr>
+            <a:lvl8pPr marL="3429000" indent="-228600" algn="l" defTabSz="914400" rtl="0" eaLnBrk="1" latinLnBrk="0" hangingPunct="1">
+              <a:lnSpc>
+                <a:spcPct val="90000"/>
+              </a:lnSpc>
+              <a:spcBef>
+                <a:spcPts val="500"/>
+              </a:spcBef>
+              <a:buFont typeface="Arial" panose="020B0604020202020204" pitchFamily="34" charset="0"/>
+              <a:buChar char="•"/>
+              <a:defRPr sz="1800" kern="1200">
+                <a:solidFill>
+                  <a:schemeClr val="tx1"/>
+                </a:solidFill>
+                <a:latin typeface="+mn-lt"/>
+                <a:ea typeface="+mn-ea"/>
+                <a:cs typeface="+mn-cs"/>
+              </a:defRPr>
+            </a:lvl8pPr>
+            <a:lvl9pPr marL="3886200" indent="-228600" algn="l" defTabSz="914400" rtl="0" eaLnBrk="1" latinLnBrk="0" hangingPunct="1">
+              <a:lnSpc>
+                <a:spcPct val="90000"/>
+              </a:lnSpc>
+              <a:spcBef>
+                <a:spcPts val="500"/>
+              </a:spcBef>
+              <a:buFont typeface="Arial" panose="020B0604020202020204" pitchFamily="34" charset="0"/>
+              <a:buChar char="•"/>
+              <a:defRPr sz="1800" kern="1200">
+                <a:solidFill>
+                  <a:schemeClr val="tx1"/>
+                </a:solidFill>
+                <a:latin typeface="+mn-lt"/>
+                <a:ea typeface="+mn-ea"/>
+                <a:cs typeface="+mn-cs"/>
+              </a:defRPr>
+            </a:lvl9pPr>
+          </a:lstStyle>
           <a:p>
             <a:r>
               <a:rPr lang="en-US" dirty="0"/>
@@ -46272,93 +48272,207 @@
       </p:sp>
       <p:sp>
         <p:nvSpPr>
-          <p:cNvPr id="13" name="Text Placeholder 12">
-            <a:extLst>
-              <a:ext uri="{FF2B5EF4-FFF2-40B4-BE49-F238E27FC236}">
-                <a16:creationId xmlns:a16="http://schemas.microsoft.com/office/drawing/2014/main" id="{C2591E4E-87B2-4D64-B582-FBD4968920C5}"/>
-              </a:ext>
-            </a:extLst>
-          </p:cNvPr>
-          <p:cNvSpPr>
-            <a:spLocks noGrp="1"/>
+          <p:cNvPr id="24" name="Text Placeholder 14">
+            <a:extLst>
+              <a:ext uri="{FF2B5EF4-FFF2-40B4-BE49-F238E27FC236}">
+                <a16:creationId xmlns:a16="http://schemas.microsoft.com/office/drawing/2014/main" id="{FE8559AD-A1B5-4F31-BCE8-8FC590967C37}"/>
+              </a:ext>
+            </a:extLst>
+          </p:cNvPr>
+          <p:cNvSpPr txBox="1">
+            <a:spLocks/>
           </p:cNvSpPr>
-          <p:nvPr>
-            <p:ph type="body" idx="29"/>
-          </p:nvPr>
-        </p:nvSpPr>
-        <p:spPr/>
-        <p:txBody>
-          <a:bodyPr/>
-          <a:lstStyle/>
-          <a:p>
-            <a:r>
-              <a:rPr lang="en-CA" dirty="0"/>
-              <a:t>Level.py</a:t>
-            </a:r>
-            <a:endParaRPr lang="ru-RU" dirty="0"/>
-          </a:p>
-        </p:txBody>
-      </p:sp>
-      <p:sp>
-        <p:nvSpPr>
-          <p:cNvPr id="11" name="Text Placeholder 10">
-            <a:extLst>
-              <a:ext uri="{FF2B5EF4-FFF2-40B4-BE49-F238E27FC236}">
-                <a16:creationId xmlns:a16="http://schemas.microsoft.com/office/drawing/2014/main" id="{D02433E8-0DB5-41D8-8B35-D76C17922FE5}"/>
-              </a:ext>
-            </a:extLst>
-          </p:cNvPr>
-          <p:cNvSpPr>
-            <a:spLocks noGrp="1"/>
-          </p:cNvSpPr>
-          <p:nvPr>
-            <p:ph type="body" idx="27"/>
-          </p:nvPr>
-        </p:nvSpPr>
-        <p:spPr/>
-        <p:txBody>
-          <a:bodyPr>
-            <a:normAutofit/>
-          </a:bodyPr>
-          <a:lstStyle/>
-          <a:p>
-            <a:r>
-              <a:rPr lang="en-US" dirty="0"/>
-              <a:t>Member leveling system for community participation</a:t>
-            </a:r>
-            <a:endParaRPr lang="ru-RU" dirty="0"/>
-          </a:p>
-        </p:txBody>
-      </p:sp>
-      <p:sp>
-        <p:nvSpPr>
-          <p:cNvPr id="15" name="Text Placeholder 14">
-            <a:extLst>
-              <a:ext uri="{FF2B5EF4-FFF2-40B4-BE49-F238E27FC236}">
-                <a16:creationId xmlns:a16="http://schemas.microsoft.com/office/drawing/2014/main" id="{A0DE6855-935C-4D9C-A6CA-A30ED4BC73A2}"/>
-              </a:ext>
-            </a:extLst>
-          </p:cNvPr>
-          <p:cNvSpPr>
-            <a:spLocks noGrp="1"/>
-          </p:cNvSpPr>
-          <p:nvPr>
-            <p:ph type="body" sz="quarter" idx="31"/>
-          </p:nvPr>
+          <p:nvPr/>
         </p:nvSpPr>
         <p:spPr>
           <a:xfrm>
-            <a:off x="8515702" y="2760518"/>
+            <a:off x="451749" y="2681171"/>
             <a:ext cx="978408" cy="978408"/>
           </a:xfrm>
+          <a:prstGeom prst="ellipse">
+            <a:avLst/>
+          </a:prstGeom>
+          <a:ln w="6350">
+            <a:solidFill>
+              <a:schemeClr val="tx1"/>
+            </a:solidFill>
+          </a:ln>
         </p:spPr>
         <p:txBody>
-          <a:bodyPr/>
-          <a:lstStyle/>
+          <a:bodyPr vert="horz" lIns="0" tIns="0" rIns="0" bIns="0" rtlCol="0" anchor="ctr" anchorCtr="0">
+            <a:noAutofit/>
+          </a:bodyPr>
+          <a:lstStyle>
+            <a:lvl1pPr marL="0" indent="0" algn="ctr" defTabSz="914400" rtl="0" eaLnBrk="1" latinLnBrk="0" hangingPunct="1">
+              <a:lnSpc>
+                <a:spcPct val="90000"/>
+              </a:lnSpc>
+              <a:spcBef>
+                <a:spcPts val="1000"/>
+              </a:spcBef>
+              <a:buFont typeface="Arial" panose="020B0604020202020204" pitchFamily="34" charset="0"/>
+              <a:buNone/>
+              <a:defRPr sz="7000" b="1" kern="1200">
+                <a:ln w="6350">
+                  <a:solidFill>
+                    <a:schemeClr val="tx1"/>
+                  </a:solidFill>
+                </a:ln>
+                <a:noFill/>
+                <a:latin typeface="+mj-lt"/>
+                <a:ea typeface="+mn-ea"/>
+                <a:cs typeface="+mn-cs"/>
+              </a:defRPr>
+            </a:lvl1pPr>
+            <a:lvl2pPr marL="685800" indent="-228600" algn="l" defTabSz="914400" rtl="0" eaLnBrk="1" latinLnBrk="0" hangingPunct="1">
+              <a:lnSpc>
+                <a:spcPct val="90000"/>
+              </a:lnSpc>
+              <a:spcBef>
+                <a:spcPts val="500"/>
+              </a:spcBef>
+              <a:buFont typeface="Arial" panose="020B0604020202020204" pitchFamily="34" charset="0"/>
+              <a:buChar char="•"/>
+              <a:defRPr sz="2400" kern="1200">
+                <a:solidFill>
+                  <a:schemeClr val="tx1"/>
+                </a:solidFill>
+                <a:latin typeface="+mn-lt"/>
+                <a:ea typeface="+mn-ea"/>
+                <a:cs typeface="+mn-cs"/>
+              </a:defRPr>
+            </a:lvl2pPr>
+            <a:lvl3pPr marL="1143000" indent="-228600" algn="l" defTabSz="914400" rtl="0" eaLnBrk="1" latinLnBrk="0" hangingPunct="1">
+              <a:lnSpc>
+                <a:spcPct val="90000"/>
+              </a:lnSpc>
+              <a:spcBef>
+                <a:spcPts val="500"/>
+              </a:spcBef>
+              <a:buFont typeface="Arial" panose="020B0604020202020204" pitchFamily="34" charset="0"/>
+              <a:buChar char="•"/>
+              <a:defRPr sz="2000" kern="1200">
+                <a:solidFill>
+                  <a:schemeClr val="tx1"/>
+                </a:solidFill>
+                <a:latin typeface="+mn-lt"/>
+                <a:ea typeface="+mn-ea"/>
+                <a:cs typeface="+mn-cs"/>
+              </a:defRPr>
+            </a:lvl3pPr>
+            <a:lvl4pPr marL="1600200" indent="-228600" algn="l" defTabSz="914400" rtl="0" eaLnBrk="1" latinLnBrk="0" hangingPunct="1">
+              <a:lnSpc>
+                <a:spcPct val="90000"/>
+              </a:lnSpc>
+              <a:spcBef>
+                <a:spcPts val="500"/>
+              </a:spcBef>
+              <a:buFont typeface="Arial" panose="020B0604020202020204" pitchFamily="34" charset="0"/>
+              <a:buChar char="•"/>
+              <a:defRPr sz="1800" kern="1200">
+                <a:solidFill>
+                  <a:schemeClr val="tx1"/>
+                </a:solidFill>
+                <a:latin typeface="+mn-lt"/>
+                <a:ea typeface="+mn-ea"/>
+                <a:cs typeface="+mn-cs"/>
+              </a:defRPr>
+            </a:lvl4pPr>
+            <a:lvl5pPr marL="2057400" indent="-228600" algn="l" defTabSz="914400" rtl="0" eaLnBrk="1" latinLnBrk="0" hangingPunct="1">
+              <a:lnSpc>
+                <a:spcPct val="90000"/>
+              </a:lnSpc>
+              <a:spcBef>
+                <a:spcPts val="500"/>
+              </a:spcBef>
+              <a:buFont typeface="Arial" panose="020B0604020202020204" pitchFamily="34" charset="0"/>
+              <a:buChar char="•"/>
+              <a:defRPr sz="1800" kern="1200">
+                <a:solidFill>
+                  <a:schemeClr val="tx1"/>
+                </a:solidFill>
+                <a:latin typeface="+mn-lt"/>
+                <a:ea typeface="+mn-ea"/>
+                <a:cs typeface="+mn-cs"/>
+              </a:defRPr>
+            </a:lvl5pPr>
+            <a:lvl6pPr marL="2514600" indent="-228600" algn="l" defTabSz="914400" rtl="0" eaLnBrk="1" latinLnBrk="0" hangingPunct="1">
+              <a:lnSpc>
+                <a:spcPct val="90000"/>
+              </a:lnSpc>
+              <a:spcBef>
+                <a:spcPts val="500"/>
+              </a:spcBef>
+              <a:buFont typeface="Arial" panose="020B0604020202020204" pitchFamily="34" charset="0"/>
+              <a:buChar char="•"/>
+              <a:defRPr sz="1800" kern="1200">
+                <a:solidFill>
+                  <a:schemeClr val="tx1"/>
+                </a:solidFill>
+                <a:latin typeface="+mn-lt"/>
+                <a:ea typeface="+mn-ea"/>
+                <a:cs typeface="+mn-cs"/>
+              </a:defRPr>
+            </a:lvl6pPr>
+            <a:lvl7pPr marL="2971800" indent="-228600" algn="l" defTabSz="914400" rtl="0" eaLnBrk="1" latinLnBrk="0" hangingPunct="1">
+              <a:lnSpc>
+                <a:spcPct val="90000"/>
+              </a:lnSpc>
+              <a:spcBef>
+                <a:spcPts val="500"/>
+              </a:spcBef>
+              <a:buFont typeface="Arial" panose="020B0604020202020204" pitchFamily="34" charset="0"/>
+              <a:buChar char="•"/>
+              <a:defRPr sz="1800" kern="1200">
+                <a:solidFill>
+                  <a:schemeClr val="tx1"/>
+                </a:solidFill>
+                <a:latin typeface="+mn-lt"/>
+                <a:ea typeface="+mn-ea"/>
+                <a:cs typeface="+mn-cs"/>
+              </a:defRPr>
+            </a:lvl7pPr>
+            <a:lvl8pPr marL="3429000" indent="-228600" algn="l" defTabSz="914400" rtl="0" eaLnBrk="1" latinLnBrk="0" hangingPunct="1">
+              <a:lnSpc>
+                <a:spcPct val="90000"/>
+              </a:lnSpc>
+              <a:spcBef>
+                <a:spcPts val="500"/>
+              </a:spcBef>
+              <a:buFont typeface="Arial" panose="020B0604020202020204" pitchFamily="34" charset="0"/>
+              <a:buChar char="•"/>
+              <a:defRPr sz="1800" kern="1200">
+                <a:solidFill>
+                  <a:schemeClr val="tx1"/>
+                </a:solidFill>
+                <a:latin typeface="+mn-lt"/>
+                <a:ea typeface="+mn-ea"/>
+                <a:cs typeface="+mn-cs"/>
+              </a:defRPr>
+            </a:lvl8pPr>
+            <a:lvl9pPr marL="3886200" indent="-228600" algn="l" defTabSz="914400" rtl="0" eaLnBrk="1" latinLnBrk="0" hangingPunct="1">
+              <a:lnSpc>
+                <a:spcPct val="90000"/>
+              </a:lnSpc>
+              <a:spcBef>
+                <a:spcPts val="500"/>
+              </a:spcBef>
+              <a:buFont typeface="Arial" panose="020B0604020202020204" pitchFamily="34" charset="0"/>
+              <a:buChar char="•"/>
+              <a:defRPr sz="1800" kern="1200">
+                <a:solidFill>
+                  <a:schemeClr val="tx1"/>
+                </a:solidFill>
+                <a:latin typeface="+mn-lt"/>
+                <a:ea typeface="+mn-ea"/>
+                <a:cs typeface="+mn-cs"/>
+              </a:defRPr>
+            </a:lvl9pPr>
+          </a:lstStyle>
           <a:p>
             <a:r>
               <a:rPr lang="en-US" dirty="0"/>
-              <a:t>3</a:t>
+              <a:t>1</a:t>
             </a:r>
             <a:endParaRPr lang="ru-RU" dirty="0"/>
           </a:p>
@@ -46366,94 +48480,208 @@
       </p:sp>
       <p:sp>
         <p:nvSpPr>
-          <p:cNvPr id="16" name="Text Placeholder 15">
-            <a:extLst>
-              <a:ext uri="{FF2B5EF4-FFF2-40B4-BE49-F238E27FC236}">
-                <a16:creationId xmlns:a16="http://schemas.microsoft.com/office/drawing/2014/main" id="{A9BECA94-5E25-4E6D-A58C-7792A89CED7C}"/>
-              </a:ext>
-            </a:extLst>
-          </p:cNvPr>
-          <p:cNvSpPr>
-            <a:spLocks noGrp="1"/>
+          <p:cNvPr id="25" name="Text Placeholder 14">
+            <a:extLst>
+              <a:ext uri="{FF2B5EF4-FFF2-40B4-BE49-F238E27FC236}">
+                <a16:creationId xmlns:a16="http://schemas.microsoft.com/office/drawing/2014/main" id="{5FF7DA8D-3DD8-4D06-8D56-F50FF15FB6D5}"/>
+              </a:ext>
+            </a:extLst>
+          </p:cNvPr>
+          <p:cNvSpPr txBox="1">
+            <a:spLocks/>
           </p:cNvSpPr>
-          <p:nvPr>
-            <p:ph type="body" idx="32"/>
-          </p:nvPr>
-        </p:nvSpPr>
-        <p:spPr/>
-        <p:txBody>
-          <a:bodyPr/>
-          <a:lstStyle/>
-          <a:p>
-            <a:r>
-              <a:rPr lang="en-US" dirty="0"/>
-              <a:t>Comm.py</a:t>
-            </a:r>
-            <a:endParaRPr lang="ru-RU" dirty="0"/>
-          </a:p>
-        </p:txBody>
-      </p:sp>
-      <p:sp>
-        <p:nvSpPr>
-          <p:cNvPr id="14" name="Text Placeholder 13">
-            <a:extLst>
-              <a:ext uri="{FF2B5EF4-FFF2-40B4-BE49-F238E27FC236}">
-                <a16:creationId xmlns:a16="http://schemas.microsoft.com/office/drawing/2014/main" id="{1A32FF73-A652-43C6-96BD-425851F591BC}"/>
-              </a:ext>
-            </a:extLst>
-          </p:cNvPr>
-          <p:cNvSpPr>
-            <a:spLocks noGrp="1"/>
-          </p:cNvSpPr>
-          <p:nvPr>
-            <p:ph type="body" idx="30"/>
-          </p:nvPr>
+          <p:nvPr/>
         </p:nvSpPr>
         <p:spPr>
           <a:xfrm>
-            <a:off x="8515702" y="4271296"/>
-            <a:ext cx="2944368" cy="1419822"/>
-          </a:xfrm>
+            <a:off x="9890501" y="2756432"/>
+            <a:ext cx="978408" cy="978408"/>
+          </a:xfrm>
+          <a:prstGeom prst="ellipse">
+            <a:avLst/>
+          </a:prstGeom>
+          <a:ln w="6350">
+            <a:solidFill>
+              <a:schemeClr val="tx1"/>
+            </a:solidFill>
+          </a:ln>
         </p:spPr>
         <p:txBody>
-          <a:bodyPr>
-            <a:normAutofit/>
+          <a:bodyPr vert="horz" lIns="0" tIns="0" rIns="0" bIns="0" rtlCol="0" anchor="ctr" anchorCtr="0">
+            <a:noAutofit/>
           </a:bodyPr>
-          <a:lstStyle/>
-          <a:p>
-            <a:r>
-              <a:rPr lang="en-CA" dirty="0"/>
-              <a:t>Log and manage messages</a:t>
-            </a:r>
-          </a:p>
-        </p:txBody>
-      </p:sp>
-      <p:sp>
-        <p:nvSpPr>
-          <p:cNvPr id="4" name="Slide Number Placeholder 3">
-            <a:extLst>
-              <a:ext uri="{FF2B5EF4-FFF2-40B4-BE49-F238E27FC236}">
-                <a16:creationId xmlns:a16="http://schemas.microsoft.com/office/drawing/2014/main" id="{30CD95F8-281D-4A11-99F2-9795C5264F76}"/>
-              </a:ext>
-            </a:extLst>
-          </p:cNvPr>
-          <p:cNvSpPr>
-            <a:spLocks noGrp="1"/>
-          </p:cNvSpPr>
-          <p:nvPr>
-            <p:ph type="sldNum" sz="quarter" idx="12"/>
-          </p:nvPr>
-        </p:nvSpPr>
-        <p:spPr/>
-        <p:txBody>
-          <a:bodyPr/>
-          <a:lstStyle/>
-          <a:p>
-            <a:fld id="{8D581BC7-E183-40DB-AC97-C19EA4EB8894}" type="slidenum">
-              <a:rPr lang="ru-RU" smtClean="0"/>
-              <a:pPr/>
-              <a:t>6</a:t>
-            </a:fld>
+          <a:lstStyle>
+            <a:lvl1pPr marL="0" indent="0" algn="ctr" defTabSz="914400" rtl="0" eaLnBrk="1" latinLnBrk="0" hangingPunct="1">
+              <a:lnSpc>
+                <a:spcPct val="90000"/>
+              </a:lnSpc>
+              <a:spcBef>
+                <a:spcPts val="1000"/>
+              </a:spcBef>
+              <a:buFont typeface="Arial" panose="020B0604020202020204" pitchFamily="34" charset="0"/>
+              <a:buNone/>
+              <a:defRPr sz="7000" b="1" kern="1200">
+                <a:ln w="6350">
+                  <a:solidFill>
+                    <a:schemeClr val="tx1"/>
+                  </a:solidFill>
+                </a:ln>
+                <a:noFill/>
+                <a:latin typeface="+mj-lt"/>
+                <a:ea typeface="+mn-ea"/>
+                <a:cs typeface="+mn-cs"/>
+              </a:defRPr>
+            </a:lvl1pPr>
+            <a:lvl2pPr marL="685800" indent="-228600" algn="l" defTabSz="914400" rtl="0" eaLnBrk="1" latinLnBrk="0" hangingPunct="1">
+              <a:lnSpc>
+                <a:spcPct val="90000"/>
+              </a:lnSpc>
+              <a:spcBef>
+                <a:spcPts val="500"/>
+              </a:spcBef>
+              <a:buFont typeface="Arial" panose="020B0604020202020204" pitchFamily="34" charset="0"/>
+              <a:buChar char="•"/>
+              <a:defRPr sz="2400" kern="1200">
+                <a:solidFill>
+                  <a:schemeClr val="tx1"/>
+                </a:solidFill>
+                <a:latin typeface="+mn-lt"/>
+                <a:ea typeface="+mn-ea"/>
+                <a:cs typeface="+mn-cs"/>
+              </a:defRPr>
+            </a:lvl2pPr>
+            <a:lvl3pPr marL="1143000" indent="-228600" algn="l" defTabSz="914400" rtl="0" eaLnBrk="1" latinLnBrk="0" hangingPunct="1">
+              <a:lnSpc>
+                <a:spcPct val="90000"/>
+              </a:lnSpc>
+              <a:spcBef>
+                <a:spcPts val="500"/>
+              </a:spcBef>
+              <a:buFont typeface="Arial" panose="020B0604020202020204" pitchFamily="34" charset="0"/>
+              <a:buChar char="•"/>
+              <a:defRPr sz="2000" kern="1200">
+                <a:solidFill>
+                  <a:schemeClr val="tx1"/>
+                </a:solidFill>
+                <a:latin typeface="+mn-lt"/>
+                <a:ea typeface="+mn-ea"/>
+                <a:cs typeface="+mn-cs"/>
+              </a:defRPr>
+            </a:lvl3pPr>
+            <a:lvl4pPr marL="1600200" indent="-228600" algn="l" defTabSz="914400" rtl="0" eaLnBrk="1" latinLnBrk="0" hangingPunct="1">
+              <a:lnSpc>
+                <a:spcPct val="90000"/>
+              </a:lnSpc>
+              <a:spcBef>
+                <a:spcPts val="500"/>
+              </a:spcBef>
+              <a:buFont typeface="Arial" panose="020B0604020202020204" pitchFamily="34" charset="0"/>
+              <a:buChar char="•"/>
+              <a:defRPr sz="1800" kern="1200">
+                <a:solidFill>
+                  <a:schemeClr val="tx1"/>
+                </a:solidFill>
+                <a:latin typeface="+mn-lt"/>
+                <a:ea typeface="+mn-ea"/>
+                <a:cs typeface="+mn-cs"/>
+              </a:defRPr>
+            </a:lvl4pPr>
+            <a:lvl5pPr marL="2057400" indent="-228600" algn="l" defTabSz="914400" rtl="0" eaLnBrk="1" latinLnBrk="0" hangingPunct="1">
+              <a:lnSpc>
+                <a:spcPct val="90000"/>
+              </a:lnSpc>
+              <a:spcBef>
+                <a:spcPts val="500"/>
+              </a:spcBef>
+              <a:buFont typeface="Arial" panose="020B0604020202020204" pitchFamily="34" charset="0"/>
+              <a:buChar char="•"/>
+              <a:defRPr sz="1800" kern="1200">
+                <a:solidFill>
+                  <a:schemeClr val="tx1"/>
+                </a:solidFill>
+                <a:latin typeface="+mn-lt"/>
+                <a:ea typeface="+mn-ea"/>
+                <a:cs typeface="+mn-cs"/>
+              </a:defRPr>
+            </a:lvl5pPr>
+            <a:lvl6pPr marL="2514600" indent="-228600" algn="l" defTabSz="914400" rtl="0" eaLnBrk="1" latinLnBrk="0" hangingPunct="1">
+              <a:lnSpc>
+                <a:spcPct val="90000"/>
+              </a:lnSpc>
+              <a:spcBef>
+                <a:spcPts val="500"/>
+              </a:spcBef>
+              <a:buFont typeface="Arial" panose="020B0604020202020204" pitchFamily="34" charset="0"/>
+              <a:buChar char="•"/>
+              <a:defRPr sz="1800" kern="1200">
+                <a:solidFill>
+                  <a:schemeClr val="tx1"/>
+                </a:solidFill>
+                <a:latin typeface="+mn-lt"/>
+                <a:ea typeface="+mn-ea"/>
+                <a:cs typeface="+mn-cs"/>
+              </a:defRPr>
+            </a:lvl6pPr>
+            <a:lvl7pPr marL="2971800" indent="-228600" algn="l" defTabSz="914400" rtl="0" eaLnBrk="1" latinLnBrk="0" hangingPunct="1">
+              <a:lnSpc>
+                <a:spcPct val="90000"/>
+              </a:lnSpc>
+              <a:spcBef>
+                <a:spcPts val="500"/>
+              </a:spcBef>
+              <a:buFont typeface="Arial" panose="020B0604020202020204" pitchFamily="34" charset="0"/>
+              <a:buChar char="•"/>
+              <a:defRPr sz="1800" kern="1200">
+                <a:solidFill>
+                  <a:schemeClr val="tx1"/>
+                </a:solidFill>
+                <a:latin typeface="+mn-lt"/>
+                <a:ea typeface="+mn-ea"/>
+                <a:cs typeface="+mn-cs"/>
+              </a:defRPr>
+            </a:lvl7pPr>
+            <a:lvl8pPr marL="3429000" indent="-228600" algn="l" defTabSz="914400" rtl="0" eaLnBrk="1" latinLnBrk="0" hangingPunct="1">
+              <a:lnSpc>
+                <a:spcPct val="90000"/>
+              </a:lnSpc>
+              <a:spcBef>
+                <a:spcPts val="500"/>
+              </a:spcBef>
+              <a:buFont typeface="Arial" panose="020B0604020202020204" pitchFamily="34" charset="0"/>
+              <a:buChar char="•"/>
+              <a:defRPr sz="1800" kern="1200">
+                <a:solidFill>
+                  <a:schemeClr val="tx1"/>
+                </a:solidFill>
+                <a:latin typeface="+mn-lt"/>
+                <a:ea typeface="+mn-ea"/>
+                <a:cs typeface="+mn-cs"/>
+              </a:defRPr>
+            </a:lvl8pPr>
+            <a:lvl9pPr marL="3886200" indent="-228600" algn="l" defTabSz="914400" rtl="0" eaLnBrk="1" latinLnBrk="0" hangingPunct="1">
+              <a:lnSpc>
+                <a:spcPct val="90000"/>
+              </a:lnSpc>
+              <a:spcBef>
+                <a:spcPts val="500"/>
+              </a:spcBef>
+              <a:buFont typeface="Arial" panose="020B0604020202020204" pitchFamily="34" charset="0"/>
+              <a:buChar char="•"/>
+              <a:defRPr sz="1800" kern="1200">
+                <a:solidFill>
+                  <a:schemeClr val="tx1"/>
+                </a:solidFill>
+                <a:latin typeface="+mn-lt"/>
+                <a:ea typeface="+mn-ea"/>
+                <a:cs typeface="+mn-cs"/>
+              </a:defRPr>
+            </a:lvl9pPr>
+          </a:lstStyle>
+          <a:p>
+            <a:r>
+              <a:rPr lang="en-US" dirty="0"/>
+              <a:t>4</a:t>
+            </a:r>
             <a:endParaRPr lang="ru-RU" dirty="0"/>
           </a:p>
         </p:txBody>
@@ -46461,7 +48689,7 @@
     </p:spTree>
     <p:extLst>
       <p:ext uri="{BB962C8B-B14F-4D97-AF65-F5344CB8AC3E}">
-        <p14:creationId xmlns:p14="http://schemas.microsoft.com/office/powerpoint/2010/main" val="3310176776"/>
+        <p14:creationId xmlns:p14="http://schemas.microsoft.com/office/powerpoint/2010/main" val="1011423776"/>
       </p:ext>
     </p:extLst>
   </p:cSld>

--- a/Documents/3XA3_Presentation_2.pptx
+++ b/Documents/3XA3_Presentation_2.pptx
@@ -44419,27 +44419,14 @@
         </p:spPr>
         <p:txBody>
           <a:bodyPr>
-            <a:normAutofit lnSpcReduction="10000"/>
+            <a:normAutofit/>
           </a:bodyPr>
           <a:lstStyle/>
           <a:p>
             <a:r>
               <a:rPr lang="en-US" dirty="0"/>
-              <a:t>Support more image hosting platforms</a:t>
-            </a:r>
-          </a:p>
-          <a:p>
-            <a:r>
-              <a:rPr lang="en-US" dirty="0" err="1"/>
-              <a:t>Giphy</a:t>
-            </a:r>
-            <a:r>
-              <a:rPr lang="en-US" dirty="0"/>
-              <a:t> </a:t>
-            </a:r>
-          </a:p>
-          <a:p>
-            <a:endParaRPr lang="en-US" dirty="0"/>
+              <a:t>Impose further restrictions for better user experience </a:t>
+            </a:r>
           </a:p>
         </p:txBody>
       </p:sp>
@@ -44459,14 +44446,19 @@
             <p:ph type="body" idx="35"/>
           </p:nvPr>
         </p:nvSpPr>
-        <p:spPr/>
+        <p:spPr>
+          <a:xfrm>
+            <a:off x="1957127" y="4388110"/>
+            <a:ext cx="2297722" cy="328343"/>
+          </a:xfrm>
+        </p:spPr>
         <p:txBody>
           <a:bodyPr/>
           <a:lstStyle/>
           <a:p>
             <a:r>
               <a:rPr lang="en-US" dirty="0"/>
-              <a:t>Image.py</a:t>
+              <a:t>Expand Whitelist</a:t>
             </a:r>
             <a:endParaRPr lang="ru-RU" dirty="0"/>
           </a:p>
